--- a/adb.pptx
+++ b/adb.pptx
@@ -8,12 +8,22 @@
     <p:sldId id="260" r:id="rId6"/>
     <p:sldId id="263" r:id="rId7"/>
     <p:sldId id="300" r:id="rId8"/>
-    <p:sldId id="296" r:id="rId9"/>
-    <p:sldId id="299" r:id="rId10"/>
-    <p:sldId id="297" r:id="rId11"/>
-    <p:sldId id="303" r:id="rId12"/>
-    <p:sldId id="302" r:id="rId13"/>
-    <p:sldId id="259" r:id="rId14"/>
+    <p:sldId id="304" r:id="rId9"/>
+    <p:sldId id="306" r:id="rId10"/>
+    <p:sldId id="305" r:id="rId11"/>
+    <p:sldId id="297" r:id="rId12"/>
+    <p:sldId id="307" r:id="rId13"/>
+    <p:sldId id="308" r:id="rId14"/>
+    <p:sldId id="311" r:id="rId15"/>
+    <p:sldId id="312" r:id="rId16"/>
+    <p:sldId id="313" r:id="rId17"/>
+    <p:sldId id="314" r:id="rId18"/>
+    <p:sldId id="315" r:id="rId19"/>
+    <p:sldId id="316" r:id="rId20"/>
+    <p:sldId id="317" r:id="rId21"/>
+    <p:sldId id="318" r:id="rId22"/>
+    <p:sldId id="319" r:id="rId23"/>
+    <p:sldId id="259" r:id="rId24"/>
   </p:sldIdLst>
   <p:sldSz cx="9144000" cy="5143500" type="screen16x9"/>
   <p:notesSz cx="6858000" cy="9144000"/>
@@ -303,7 +313,7 @@
             <a:fld id="{530820CF-B880-4189-942D-D702A7CBA730}" type="datetimeFigureOut">
               <a:rPr lang="zh-CN" altLang="en-US" smtClean="0"/>
               <a:pPr/>
-              <a:t>2015/11/25</a:t>
+              <a:t>2015/11/30</a:t>
             </a:fld>
             <a:endParaRPr lang="zh-CN" altLang="en-US"/>
           </a:p>
@@ -486,7 +496,7 @@
             <a:fld id="{530820CF-B880-4189-942D-D702A7CBA730}" type="datetimeFigureOut">
               <a:rPr lang="zh-CN" altLang="en-US" smtClean="0"/>
               <a:pPr/>
-              <a:t>2015/11/25</a:t>
+              <a:t>2015/11/30</a:t>
             </a:fld>
             <a:endParaRPr lang="zh-CN" altLang="en-US"/>
           </a:p>
@@ -669,7 +679,7 @@
             <a:fld id="{530820CF-B880-4189-942D-D702A7CBA730}" type="datetimeFigureOut">
               <a:rPr lang="zh-CN" altLang="en-US" smtClean="0"/>
               <a:pPr/>
-              <a:t>2015/11/25</a:t>
+              <a:t>2015/11/30</a:t>
             </a:fld>
             <a:endParaRPr lang="zh-CN" altLang="en-US"/>
           </a:p>
@@ -890,7 +900,7 @@
             <a:fld id="{530820CF-B880-4189-942D-D702A7CBA730}" type="datetimeFigureOut">
               <a:rPr lang="zh-CN" altLang="en-US" smtClean="0"/>
               <a:pPr/>
-              <a:t>2015/11/25</a:t>
+              <a:t>2015/11/30</a:t>
             </a:fld>
             <a:endParaRPr lang="zh-CN" altLang="en-US"/>
           </a:p>
@@ -1139,7 +1149,7 @@
             <a:fld id="{530820CF-B880-4189-942D-D702A7CBA730}" type="datetimeFigureOut">
               <a:rPr lang="zh-CN" altLang="en-US" smtClean="0"/>
               <a:pPr/>
-              <a:t>2015/11/25</a:t>
+              <a:t>2015/11/30</a:t>
             </a:fld>
             <a:endParaRPr lang="zh-CN" altLang="en-US"/>
           </a:p>
@@ -1438,7 +1448,7 @@
             <a:fld id="{530820CF-B880-4189-942D-D702A7CBA730}" type="datetimeFigureOut">
               <a:rPr lang="zh-CN" altLang="en-US" smtClean="0"/>
               <a:pPr/>
-              <a:t>2015/11/25</a:t>
+              <a:t>2015/11/30</a:t>
             </a:fld>
             <a:endParaRPr lang="zh-CN" altLang="en-US"/>
           </a:p>
@@ -1877,7 +1887,7 @@
             <a:fld id="{530820CF-B880-4189-942D-D702A7CBA730}" type="datetimeFigureOut">
               <a:rPr lang="zh-CN" altLang="en-US" smtClean="0"/>
               <a:pPr/>
-              <a:t>2015/11/25</a:t>
+              <a:t>2015/11/30</a:t>
             </a:fld>
             <a:endParaRPr lang="zh-CN" altLang="en-US"/>
           </a:p>
@@ -2000,7 +2010,7 @@
             <a:fld id="{530820CF-B880-4189-942D-D702A7CBA730}" type="datetimeFigureOut">
               <a:rPr lang="zh-CN" altLang="en-US" smtClean="0"/>
               <a:pPr/>
-              <a:t>2015/11/25</a:t>
+              <a:t>2015/11/30</a:t>
             </a:fld>
             <a:endParaRPr lang="zh-CN" altLang="en-US"/>
           </a:p>
@@ -2092,7 +2102,7 @@
             <a:fld id="{530820CF-B880-4189-942D-D702A7CBA730}" type="datetimeFigureOut">
               <a:rPr lang="zh-CN" altLang="en-US" smtClean="0"/>
               <a:pPr/>
-              <a:t>2015/11/25</a:t>
+              <a:t>2015/11/30</a:t>
             </a:fld>
             <a:endParaRPr lang="zh-CN" altLang="en-US"/>
           </a:p>
@@ -2375,7 +2385,7 @@
             <a:fld id="{530820CF-B880-4189-942D-D702A7CBA730}" type="datetimeFigureOut">
               <a:rPr lang="zh-CN" altLang="en-US" smtClean="0"/>
               <a:pPr/>
-              <a:t>2015/11/25</a:t>
+              <a:t>2015/11/30</a:t>
             </a:fld>
             <a:endParaRPr lang="zh-CN" altLang="en-US"/>
           </a:p>
@@ -2634,7 +2644,7 @@
             <a:fld id="{530820CF-B880-4189-942D-D702A7CBA730}" type="datetimeFigureOut">
               <a:rPr lang="zh-CN" altLang="en-US" smtClean="0"/>
               <a:pPr/>
-              <a:t>2015/11/25</a:t>
+              <a:t>2015/11/30</a:t>
             </a:fld>
             <a:endParaRPr lang="zh-CN" altLang="en-US"/>
           </a:p>
@@ -2758,7 +2768,7 @@
             <a:fld id="{530820CF-B880-4189-942D-D702A7CBA730}" type="datetimeFigureOut">
               <a:rPr lang="zh-CN" altLang="en-US" smtClean="0"/>
               <a:pPr/>
-              <a:t>2015/11/25</a:t>
+              <a:t>2015/11/30</a:t>
             </a:fld>
             <a:endParaRPr lang="zh-CN" altLang="en-US"/>
           </a:p>
@@ -3216,7 +3226,7 @@
               <a:defRPr/>
             </a:pPr>
             <a:r>
-              <a:rPr kumimoji="0" lang="en-US" altLang="zh-CN" sz="1200" b="0" i="0" u="none" strike="noStrike" kern="1200" cap="none" spc="0" normalizeH="0" baseline="0" noProof="0" smtClean="0">
+              <a:rPr kumimoji="0" lang="en-US" altLang="zh-CN" sz="1200" b="0" i="0" u="none" strike="noStrike" kern="1200" cap="none" spc="0" normalizeH="0" baseline="0" noProof="0" dirty="0" smtClean="0">
                 <a:ln>
                   <a:noFill/>
                 </a:ln>
@@ -3230,22 +3240,8 @@
                 <a:ea typeface="微软雅黑" pitchFamily="34" charset="-122"/>
                 <a:cs typeface="Arial" pitchFamily="34" charset="0"/>
               </a:rPr>
-              <a:t>2015.11.18</a:t>
-            </a:r>
-            <a:endParaRPr kumimoji="0" lang="en-US" altLang="zh-CN" sz="1200" b="0" i="0" u="none" strike="noStrike" kern="1200" cap="none" spc="0" normalizeH="0" baseline="0" noProof="0" dirty="0" smtClean="0">
-              <a:ln>
-                <a:noFill/>
-              </a:ln>
-              <a:solidFill>
-                <a:schemeClr val="tx1"/>
-              </a:solidFill>
-              <a:effectLst/>
-              <a:uLnTx/>
-              <a:uFillTx/>
-              <a:latin typeface="Arial" pitchFamily="34" charset="0"/>
-              <a:ea typeface="微软雅黑" pitchFamily="34" charset="-122"/>
-              <a:cs typeface="Arial" pitchFamily="34" charset="0"/>
-            </a:endParaRPr>
+              <a:t>2015.11.30</a:t>
+            </a:r>
           </a:p>
         </p:txBody>
       </p:sp>
@@ -3288,7 +3284,7 @@
               <a:defRPr/>
             </a:pPr>
             <a:r>
-              <a:rPr kumimoji="0" lang="en-US" altLang="zh-CN" sz="3200" b="1" i="0" u="none" strike="noStrike" kern="1200" cap="none" spc="0" normalizeH="0" baseline="0" noProof="0" dirty="0" err="1" smtClean="0">
+              <a:rPr kumimoji="0" lang="en-US" altLang="zh-CN" sz="3200" b="1" i="0" u="none" strike="noStrike" kern="1200" cap="none" spc="0" normalizeH="0" baseline="0" noProof="0" dirty="0" smtClean="0">
                 <a:ln>
                   <a:noFill/>
                 </a:ln>
@@ -3302,7 +3298,24 @@
                 <a:ea typeface="微软雅黑" pitchFamily="34" charset="-122"/>
                 <a:cs typeface="+mj-cs"/>
               </a:rPr>
-              <a:t>adb</a:t>
+              <a:t>ADB </a:t>
+            </a:r>
+            <a:r>
+              <a:rPr kumimoji="0" lang="zh-CN" altLang="en-US" sz="3200" b="1" i="0" u="none" strike="noStrike" kern="1200" cap="none" spc="0" normalizeH="0" baseline="0" noProof="0" dirty="0" smtClean="0">
+                <a:ln>
+                  <a:noFill/>
+                </a:ln>
+                <a:solidFill>
+                  <a:schemeClr val="bg1"/>
+                </a:solidFill>
+                <a:effectLst/>
+                <a:uLnTx/>
+                <a:uFillTx/>
+                <a:latin typeface="微软雅黑" pitchFamily="34" charset="-122"/>
+                <a:ea typeface="微软雅黑" pitchFamily="34" charset="-122"/>
+                <a:cs typeface="+mj-cs"/>
+              </a:rPr>
+              <a:t>简介</a:t>
             </a:r>
             <a:endParaRPr kumimoji="0" lang="en-US" altLang="zh-CN" sz="3200" b="1" i="0" u="none" strike="noStrike" kern="1200" cap="none" spc="0" normalizeH="0" noProof="0" dirty="0" smtClean="0">
               <a:ln>
@@ -3337,23 +3350,6 @@
               <a:tabLst/>
               <a:defRPr/>
             </a:pPr>
-            <a:r>
-              <a:rPr kumimoji="0" lang="en-US" altLang="zh-CN" sz="1600" b="0" i="0" u="none" strike="noStrike" kern="1200" cap="none" spc="0" normalizeH="0" baseline="0" noProof="0" dirty="0" smtClean="0">
-                <a:ln>
-                  <a:noFill/>
-                </a:ln>
-                <a:solidFill>
-                  <a:schemeClr val="bg1"/>
-                </a:solidFill>
-                <a:effectLst/>
-                <a:uLnTx/>
-                <a:uFillTx/>
-                <a:latin typeface="Arial" pitchFamily="34" charset="0"/>
-                <a:ea typeface="微软雅黑" pitchFamily="34" charset="-122"/>
-                <a:cs typeface="Arial" pitchFamily="34" charset="0"/>
-              </a:rPr>
-              <a:t>W15.45</a:t>
-            </a:r>
             <a:endParaRPr kumimoji="0" lang="zh-CN" altLang="en-US" sz="1600" b="0" i="0" u="none" strike="noStrike" kern="1200" cap="none" spc="0" normalizeH="0" baseline="0" noProof="0" dirty="0">
               <a:ln>
                 <a:noFill/>
@@ -3465,6 +3461,2807 @@
               <a:latin typeface="微软雅黑" pitchFamily="34" charset="-122"/>
               <a:ea typeface="微软雅黑" pitchFamily="34" charset="-122"/>
               <a:cs typeface="Times New Roman" pitchFamily="18" charset="0"/>
+            </a:endParaRPr>
+          </a:p>
+        </p:txBody>
+      </p:sp>
+    </p:spTree>
+  </p:cSld>
+  <p:clrMapOvr>
+    <a:masterClrMapping/>
+  </p:clrMapOvr>
+  <p:timing>
+    <p:tnLst>
+      <p:par>
+        <p:cTn id="1" dur="indefinite" restart="never" nodeType="tmRoot"/>
+      </p:par>
+    </p:tnLst>
+  </p:timing>
+</p:sld>
+</file>
+
+<file path=ppt/slides/slide10.xml><?xml version="1.0" encoding="utf-8"?>
+<p:sld xmlns:a="http://schemas.openxmlformats.org/drawingml/2006/main" xmlns:r="http://schemas.openxmlformats.org/officeDocument/2006/relationships" xmlns:p="http://schemas.openxmlformats.org/presentationml/2006/main">
+  <p:cSld>
+    <p:spTree>
+      <p:nvGrpSpPr>
+        <p:cNvPr id="1" name=""/>
+        <p:cNvGrpSpPr/>
+        <p:nvPr/>
+      </p:nvGrpSpPr>
+      <p:grpSpPr>
+        <a:xfrm>
+          <a:off x="0" y="0"/>
+          <a:ext cx="0" cy="0"/>
+          <a:chOff x="0" y="0"/>
+          <a:chExt cx="0" cy="0"/>
+        </a:xfrm>
+      </p:grpSpPr>
+      <p:sp>
+        <p:nvSpPr>
+          <p:cNvPr id="2" name="标题 1"/>
+          <p:cNvSpPr>
+            <a:spLocks noGrp="1"/>
+          </p:cNvSpPr>
+          <p:nvPr>
+            <p:ph type="title"/>
+          </p:nvPr>
+        </p:nvSpPr>
+        <p:spPr/>
+        <p:txBody>
+          <a:bodyPr/>
+          <a:lstStyle/>
+          <a:p>
+            <a:r>
+              <a:rPr lang="en-US" altLang="zh-CN" dirty="0" smtClean="0"/>
+              <a:t>ADB Se</a:t>
+            </a:r>
+            <a:r>
+              <a:rPr lang="en-US" altLang="zh-CN" dirty="0"/>
+              <a:t>r</a:t>
+            </a:r>
+            <a:r>
+              <a:rPr lang="en-US" altLang="zh-CN" dirty="0" smtClean="0"/>
+              <a:t>ver</a:t>
+            </a:r>
+            <a:endParaRPr lang="zh-CN" altLang="en-US" dirty="0"/>
+          </a:p>
+        </p:txBody>
+      </p:sp>
+      <p:sp>
+        <p:nvSpPr>
+          <p:cNvPr id="3" name="内容占位符 2"/>
+          <p:cNvSpPr>
+            <a:spLocks noGrp="1"/>
+          </p:cNvSpPr>
+          <p:nvPr>
+            <p:ph idx="1"/>
+          </p:nvPr>
+        </p:nvSpPr>
+        <p:spPr>
+          <a:xfrm>
+            <a:off x="467544" y="771550"/>
+            <a:ext cx="8229600" cy="3607049"/>
+          </a:xfrm>
+        </p:spPr>
+        <p:txBody>
+          <a:bodyPr>
+            <a:normAutofit/>
+          </a:bodyPr>
+          <a:lstStyle/>
+          <a:p>
+            <a:r>
+              <a:rPr lang="zh-CN" altLang="zh-CN" dirty="0" smtClean="0"/>
+              <a:t>电脑</a:t>
+            </a:r>
+            <a:r>
+              <a:rPr lang="zh-CN" altLang="zh-CN" dirty="0"/>
+              <a:t>上的后台进程</a:t>
+            </a:r>
+            <a:r>
+              <a:rPr lang="zh-CN" altLang="zh-CN" dirty="0" smtClean="0"/>
+              <a:t>，用于</a:t>
+            </a:r>
+            <a:r>
+              <a:rPr lang="zh-CN" altLang="zh-CN" dirty="0"/>
+              <a:t>管理客户端与运行在模拟器或真机的守护进程通信</a:t>
+            </a:r>
+            <a:r>
+              <a:rPr lang="zh-CN" altLang="zh-CN" dirty="0" smtClean="0"/>
+              <a:t>。</a:t>
+            </a:r>
+            <a:endParaRPr lang="en-US" altLang="zh-CN" dirty="0" smtClean="0"/>
+          </a:p>
+          <a:p>
+            <a:pPr lvl="1"/>
+            <a:r>
+              <a:rPr lang="zh-CN" altLang="zh-CN" dirty="0" smtClean="0"/>
+              <a:t>在</a:t>
+            </a:r>
+            <a:r>
+              <a:rPr lang="en-US" altLang="zh-CN" dirty="0"/>
+              <a:t>HOST</a:t>
+            </a:r>
+            <a:r>
+              <a:rPr lang="zh-CN" altLang="zh-CN" dirty="0"/>
+              <a:t>端，</a:t>
+            </a:r>
+            <a:r>
+              <a:rPr lang="en-US" altLang="zh-CN" dirty="0" err="1"/>
+              <a:t>adb</a:t>
+            </a:r>
+            <a:r>
+              <a:rPr lang="zh-CN" altLang="zh-CN" dirty="0"/>
+              <a:t>会</a:t>
+            </a:r>
+            <a:r>
+              <a:rPr lang="en-US" altLang="zh-CN" dirty="0"/>
+              <a:t>fork(</a:t>
+            </a:r>
+            <a:r>
+              <a:rPr lang="zh-CN" altLang="zh-CN" dirty="0"/>
+              <a:t>通过命令：“</a:t>
+            </a:r>
+            <a:r>
+              <a:rPr lang="en-US" altLang="zh-CN" dirty="0" err="1"/>
+              <a:t>adb</a:t>
+            </a:r>
+            <a:r>
+              <a:rPr lang="en-US" altLang="zh-CN" dirty="0"/>
+              <a:t> fork-server server”</a:t>
+            </a:r>
+            <a:r>
+              <a:rPr lang="zh-CN" altLang="zh-CN" dirty="0"/>
+              <a:t>，见代码</a:t>
+            </a:r>
+            <a:r>
+              <a:rPr lang="en-US" altLang="zh-CN" dirty="0" err="1"/>
+              <a:t>adb.c</a:t>
+            </a:r>
+            <a:r>
+              <a:rPr lang="zh-CN" altLang="zh-CN" dirty="0"/>
+              <a:t>中的</a:t>
+            </a:r>
+            <a:r>
+              <a:rPr lang="en-US" altLang="zh-CN" dirty="0" err="1"/>
+              <a:t>launch_server</a:t>
+            </a:r>
+            <a:r>
+              <a:rPr lang="zh-CN" altLang="zh-CN" dirty="0"/>
+              <a:t>函数</a:t>
+            </a:r>
+            <a:r>
+              <a:rPr lang="en-US" altLang="zh-CN" dirty="0"/>
+              <a:t>)</a:t>
+            </a:r>
+            <a:r>
+              <a:rPr lang="zh-CN" altLang="zh-CN" dirty="0"/>
+              <a:t>出一个守护进程（</a:t>
+            </a:r>
+            <a:r>
+              <a:rPr lang="en-US" altLang="zh-CN" dirty="0"/>
+              <a:t>Host service</a:t>
+            </a:r>
+            <a:r>
+              <a:rPr lang="zh-CN" altLang="zh-CN" dirty="0" smtClean="0"/>
+              <a:t>），</a:t>
+            </a:r>
+            <a:endParaRPr lang="en-US" altLang="zh-CN" dirty="0" smtClean="0"/>
+          </a:p>
+          <a:p>
+            <a:pPr lvl="1"/>
+            <a:r>
+              <a:rPr lang="zh-CN" altLang="zh-CN" dirty="0" smtClean="0"/>
+              <a:t>处理</a:t>
+            </a:r>
+            <a:r>
+              <a:rPr lang="en-US" altLang="zh-CN" dirty="0"/>
+              <a:t>client</a:t>
+            </a:r>
+            <a:r>
+              <a:rPr lang="zh-CN" altLang="zh-CN" dirty="0"/>
+              <a:t>请求，所有的</a:t>
+            </a:r>
+            <a:r>
+              <a:rPr lang="en-US" altLang="zh-CN" dirty="0"/>
+              <a:t>client</a:t>
+            </a:r>
+            <a:r>
+              <a:rPr lang="zh-CN" altLang="zh-CN" dirty="0"/>
+              <a:t>通过</a:t>
+            </a:r>
+            <a:r>
+              <a:rPr lang="en-US" altLang="zh-CN" dirty="0"/>
+              <a:t>TCP</a:t>
+            </a:r>
+            <a:r>
+              <a:rPr lang="zh-CN" altLang="zh-CN" dirty="0"/>
+              <a:t>端口号</a:t>
+            </a:r>
+            <a:r>
+              <a:rPr lang="en-US" altLang="zh-CN" dirty="0"/>
+              <a:t>5037</a:t>
+            </a:r>
+            <a:r>
+              <a:rPr lang="zh-CN" altLang="zh-CN" dirty="0"/>
+              <a:t>进行与</a:t>
+            </a:r>
+            <a:r>
+              <a:rPr lang="en-US" altLang="zh-CN" dirty="0"/>
+              <a:t>server</a:t>
+            </a:r>
+            <a:r>
+              <a:rPr lang="zh-CN" altLang="zh-CN" dirty="0"/>
+              <a:t>通信</a:t>
+            </a:r>
+            <a:r>
+              <a:rPr lang="zh-CN" altLang="zh-CN" dirty="0" smtClean="0"/>
+              <a:t>，</a:t>
+            </a:r>
+            <a:endParaRPr lang="en-US" altLang="zh-CN" dirty="0" smtClean="0"/>
+          </a:p>
+          <a:p>
+            <a:pPr lvl="1"/>
+            <a:r>
+              <a:rPr lang="en-US" altLang="zh-CN" dirty="0" smtClean="0"/>
+              <a:t>server</a:t>
+            </a:r>
+            <a:r>
+              <a:rPr lang="zh-CN" altLang="zh-CN" dirty="0"/>
+              <a:t>创建</a:t>
+            </a:r>
+            <a:r>
+              <a:rPr lang="en-US" altLang="zh-CN" dirty="0"/>
+              <a:t>local socket</a:t>
+            </a:r>
+            <a:r>
+              <a:rPr lang="zh-CN" altLang="zh-CN" dirty="0"/>
+              <a:t>与</a:t>
+            </a:r>
+            <a:r>
+              <a:rPr lang="en-US" altLang="zh-CN" dirty="0"/>
+              <a:t>remote socket</a:t>
+            </a:r>
+            <a:r>
+              <a:rPr lang="zh-CN" altLang="zh-CN" dirty="0"/>
+              <a:t>，前者用于和</a:t>
+            </a:r>
+            <a:r>
+              <a:rPr lang="en-US" altLang="zh-CN" dirty="0"/>
+              <a:t>client</a:t>
+            </a:r>
+            <a:r>
+              <a:rPr lang="zh-CN" altLang="zh-CN" dirty="0"/>
+              <a:t>通信，后者用与远端（</a:t>
+            </a:r>
+            <a:r>
+              <a:rPr lang="en-US" altLang="zh-CN" dirty="0" err="1"/>
+              <a:t>adbd</a:t>
+            </a:r>
+            <a:r>
+              <a:rPr lang="zh-CN" altLang="zh-CN" dirty="0"/>
+              <a:t>）进行通信，</a:t>
+            </a:r>
+            <a:r>
+              <a:rPr lang="en-US" altLang="zh-CN" dirty="0"/>
+              <a:t>emulator</a:t>
+            </a:r>
+            <a:r>
+              <a:rPr lang="zh-CN" altLang="zh-CN" dirty="0"/>
+              <a:t>通过</a:t>
+            </a:r>
+            <a:r>
+              <a:rPr lang="en-US" altLang="zh-CN" dirty="0"/>
+              <a:t>TCP</a:t>
+            </a:r>
+            <a:r>
+              <a:rPr lang="zh-CN" altLang="zh-CN" dirty="0"/>
+              <a:t>，</a:t>
+            </a:r>
+            <a:r>
+              <a:rPr lang="en-US" altLang="zh-CN" dirty="0"/>
+              <a:t>real device</a:t>
+            </a:r>
+            <a:r>
+              <a:rPr lang="zh-CN" altLang="zh-CN" dirty="0"/>
+              <a:t>则通过</a:t>
+            </a:r>
+            <a:r>
+              <a:rPr lang="en-US" altLang="zh-CN" dirty="0" err="1"/>
+              <a:t>usb</a:t>
+            </a:r>
+            <a:r>
+              <a:rPr lang="zh-CN" altLang="zh-CN" dirty="0"/>
+              <a:t>。</a:t>
+            </a:r>
+          </a:p>
+          <a:p>
+            <a:endParaRPr lang="en-US" altLang="zh-CN" dirty="0" smtClean="0"/>
+          </a:p>
+          <a:p>
+            <a:r>
+              <a:rPr lang="zh-CN" altLang="zh-CN" dirty="0" smtClean="0"/>
+              <a:t>这个</a:t>
+            </a:r>
+            <a:r>
+              <a:rPr lang="zh-CN" altLang="zh-CN" dirty="0"/>
+              <a:t>守护进程长期运行于后台，没有控制台界面，称之为</a:t>
+            </a:r>
+            <a:r>
+              <a:rPr lang="en-US" altLang="zh-CN" dirty="0" err="1"/>
+              <a:t>adb</a:t>
+            </a:r>
+            <a:r>
+              <a:rPr lang="en-US" altLang="zh-CN" dirty="0"/>
+              <a:t> server</a:t>
+            </a:r>
+            <a:r>
+              <a:rPr lang="zh-CN" altLang="zh-CN" dirty="0"/>
+              <a:t>（</a:t>
+            </a:r>
+            <a:r>
+              <a:rPr lang="en-US" altLang="zh-CN" dirty="0" err="1"/>
+              <a:t>adb</a:t>
+            </a:r>
+            <a:r>
+              <a:rPr lang="zh-CN" altLang="zh-CN" dirty="0"/>
+              <a:t>服务端），其主要工作有两部分</a:t>
+            </a:r>
+            <a:r>
+              <a:rPr lang="zh-CN" altLang="zh-CN" dirty="0" smtClean="0"/>
+              <a:t>：</a:t>
+            </a:r>
+            <a:endParaRPr lang="en-US" altLang="zh-CN" dirty="0"/>
+          </a:p>
+          <a:p>
+            <a:pPr lvl="1"/>
+            <a:r>
+              <a:rPr lang="zh-CN" altLang="zh-CN" dirty="0" smtClean="0"/>
+              <a:t>管理</a:t>
+            </a:r>
+            <a:r>
+              <a:rPr lang="en-US" altLang="zh-CN" dirty="0"/>
+              <a:t>PC</a:t>
+            </a:r>
+            <a:r>
+              <a:rPr lang="zh-CN" altLang="zh-CN" dirty="0"/>
+              <a:t>中的</a:t>
+            </a:r>
+            <a:r>
+              <a:rPr lang="en-US" altLang="zh-CN" dirty="0"/>
+              <a:t>Android</a:t>
+            </a:r>
+            <a:r>
+              <a:rPr lang="zh-CN" altLang="zh-CN" dirty="0"/>
+              <a:t>模拟器，以及通过</a:t>
+            </a:r>
+            <a:r>
+              <a:rPr lang="en-US" altLang="zh-CN" dirty="0"/>
+              <a:t>USB</a:t>
+            </a:r>
+            <a:r>
+              <a:rPr lang="zh-CN" altLang="zh-CN" dirty="0"/>
+              <a:t>线连接到</a:t>
+            </a:r>
+            <a:r>
+              <a:rPr lang="en-US" altLang="zh-CN" dirty="0"/>
+              <a:t>PC</a:t>
+            </a:r>
+            <a:r>
+              <a:rPr lang="zh-CN" altLang="zh-CN" dirty="0"/>
+              <a:t>的</a:t>
+            </a:r>
+            <a:r>
+              <a:rPr lang="en-US" altLang="zh-CN" dirty="0"/>
+              <a:t>Android</a:t>
+            </a:r>
+            <a:r>
+              <a:rPr lang="zh-CN" altLang="zh-CN" dirty="0"/>
+              <a:t>设备，负责维持运行于其中的</a:t>
+            </a:r>
+            <a:r>
+              <a:rPr lang="en-US" altLang="zh-CN" dirty="0" err="1"/>
+              <a:t>adbd</a:t>
+            </a:r>
+            <a:r>
+              <a:rPr lang="zh-CN" altLang="zh-CN" dirty="0"/>
+              <a:t>进程与自身的数据通道</a:t>
+            </a:r>
+            <a:r>
+              <a:rPr lang="zh-CN" altLang="zh-CN" dirty="0" smtClean="0"/>
+              <a:t>；</a:t>
+            </a:r>
+            <a:endParaRPr lang="en-US" altLang="zh-CN" dirty="0" smtClean="0"/>
+          </a:p>
+          <a:p>
+            <a:pPr lvl="1"/>
+            <a:r>
+              <a:rPr lang="zh-CN" altLang="zh-CN" dirty="0" smtClean="0"/>
+              <a:t>实现</a:t>
+            </a:r>
+            <a:r>
+              <a:rPr lang="en-US" altLang="zh-CN" dirty="0"/>
+              <a:t>PC</a:t>
+            </a:r>
+            <a:r>
+              <a:rPr lang="zh-CN" altLang="zh-CN" dirty="0"/>
+              <a:t>与设备</a:t>
+            </a:r>
+            <a:r>
+              <a:rPr lang="en-US" altLang="zh-CN" dirty="0"/>
+              <a:t>/</a:t>
+            </a:r>
+            <a:r>
+              <a:rPr lang="zh-CN" altLang="zh-CN" dirty="0"/>
+              <a:t>模拟器之间的数据拷贝。</a:t>
+            </a:r>
+          </a:p>
+          <a:p>
+            <a:endParaRPr lang="en-US" altLang="zh-CN" dirty="0"/>
+          </a:p>
+          <a:p>
+            <a:endParaRPr lang="en-US" altLang="zh-CN" dirty="0"/>
+          </a:p>
+          <a:p>
+            <a:endParaRPr lang="en-US" altLang="zh-CN" sz="900" dirty="0" smtClean="0"/>
+          </a:p>
+          <a:p>
+            <a:pPr lvl="1"/>
+            <a:endParaRPr lang="en-US" altLang="zh-CN" sz="900" dirty="0" smtClean="0"/>
+          </a:p>
+          <a:p>
+            <a:pPr lvl="1"/>
+            <a:endParaRPr lang="en-US" altLang="zh-CN" sz="900" dirty="0" smtClean="0"/>
+          </a:p>
+        </p:txBody>
+      </p:sp>
+    </p:spTree>
+    <p:extLst>
+      <p:ext uri="{BB962C8B-B14F-4D97-AF65-F5344CB8AC3E}">
+        <p14:creationId xmlns:p14="http://schemas.microsoft.com/office/powerpoint/2010/main" val="4268763623"/>
+      </p:ext>
+    </p:extLst>
+  </p:cSld>
+  <p:clrMapOvr>
+    <a:masterClrMapping/>
+  </p:clrMapOvr>
+  <p:timing>
+    <p:tnLst>
+      <p:par>
+        <p:cTn id="1" dur="indefinite" restart="never" nodeType="tmRoot"/>
+      </p:par>
+    </p:tnLst>
+  </p:timing>
+</p:sld>
+</file>
+
+<file path=ppt/slides/slide11.xml><?xml version="1.0" encoding="utf-8"?>
+<p:sld xmlns:a="http://schemas.openxmlformats.org/drawingml/2006/main" xmlns:r="http://schemas.openxmlformats.org/officeDocument/2006/relationships" xmlns:p="http://schemas.openxmlformats.org/presentationml/2006/main">
+  <p:cSld>
+    <p:spTree>
+      <p:nvGrpSpPr>
+        <p:cNvPr id="1" name=""/>
+        <p:cNvGrpSpPr/>
+        <p:nvPr/>
+      </p:nvGrpSpPr>
+      <p:grpSpPr>
+        <a:xfrm>
+          <a:off x="0" y="0"/>
+          <a:ext cx="0" cy="0"/>
+          <a:chOff x="0" y="0"/>
+          <a:chExt cx="0" cy="0"/>
+        </a:xfrm>
+      </p:grpSpPr>
+      <p:sp>
+        <p:nvSpPr>
+          <p:cNvPr id="2" name="标题 1"/>
+          <p:cNvSpPr>
+            <a:spLocks noGrp="1"/>
+          </p:cNvSpPr>
+          <p:nvPr>
+            <p:ph type="title"/>
+          </p:nvPr>
+        </p:nvSpPr>
+        <p:spPr/>
+        <p:txBody>
+          <a:bodyPr/>
+          <a:lstStyle/>
+          <a:p>
+            <a:r>
+              <a:rPr lang="en-US" altLang="zh-CN" dirty="0"/>
+              <a:t>ADB Server</a:t>
+            </a:r>
+            <a:r>
+              <a:rPr lang="zh-CN" altLang="en-US" dirty="0"/>
+              <a:t>初始化流程</a:t>
+            </a:r>
+          </a:p>
+        </p:txBody>
+      </p:sp>
+      <p:sp>
+        <p:nvSpPr>
+          <p:cNvPr id="6" name="内容占位符 2"/>
+          <p:cNvSpPr>
+            <a:spLocks noGrp="1"/>
+          </p:cNvSpPr>
+          <p:nvPr>
+            <p:ph idx="1"/>
+          </p:nvPr>
+        </p:nvSpPr>
+        <p:spPr>
+          <a:xfrm>
+            <a:off x="467544" y="825289"/>
+            <a:ext cx="8229600" cy="3960440"/>
+          </a:xfrm>
+        </p:spPr>
+        <p:txBody>
+          <a:bodyPr>
+            <a:normAutofit/>
+          </a:bodyPr>
+          <a:lstStyle/>
+          <a:p>
+            <a:r>
+              <a:rPr lang="en-US" altLang="zh-CN" dirty="0" smtClean="0"/>
+              <a:t>                                                </a:t>
+            </a:r>
+            <a:r>
+              <a:rPr lang="en-US" altLang="zh-CN" dirty="0" err="1" smtClean="0"/>
+              <a:t>adb</a:t>
+            </a:r>
+            <a:r>
+              <a:rPr lang="en-US" altLang="zh-CN" dirty="0" smtClean="0"/>
+              <a:t> </a:t>
+            </a:r>
+            <a:r>
+              <a:rPr lang="en-US" altLang="zh-CN" dirty="0"/>
+              <a:t>server</a:t>
+            </a:r>
+            <a:r>
+              <a:rPr lang="zh-CN" altLang="zh-CN" dirty="0"/>
+              <a:t>由</a:t>
+            </a:r>
+            <a:r>
+              <a:rPr lang="en-US" altLang="zh-CN" dirty="0" err="1"/>
+              <a:t>adb</a:t>
+            </a:r>
+            <a:r>
+              <a:rPr lang="en-US" altLang="zh-CN" dirty="0"/>
+              <a:t> client</a:t>
+            </a:r>
+            <a:r>
+              <a:rPr lang="zh-CN" altLang="zh-CN" dirty="0" smtClean="0"/>
+              <a:t>启动</a:t>
+            </a:r>
+            <a:r>
+              <a:rPr lang="zh-CN" altLang="en-US" dirty="0"/>
+              <a:t>。</a:t>
+            </a:r>
+            <a:endParaRPr lang="zh-CN" altLang="zh-CN" dirty="0"/>
+          </a:p>
+          <a:p>
+            <a:endParaRPr lang="en-US" altLang="zh-CN" dirty="0"/>
+          </a:p>
+          <a:p>
+            <a:endParaRPr lang="en-US" altLang="zh-CN" dirty="0" smtClean="0"/>
+          </a:p>
+          <a:p>
+            <a:endParaRPr lang="en-US" altLang="zh-CN" dirty="0"/>
+          </a:p>
+          <a:p>
+            <a:endParaRPr lang="en-US" altLang="zh-CN" dirty="0" smtClean="0"/>
+          </a:p>
+          <a:p>
+            <a:endParaRPr lang="en-US" altLang="zh-CN" dirty="0"/>
+          </a:p>
+          <a:p>
+            <a:endParaRPr lang="en-US" altLang="zh-CN" dirty="0" smtClean="0"/>
+          </a:p>
+          <a:p>
+            <a:endParaRPr lang="en-US" altLang="zh-CN" dirty="0"/>
+          </a:p>
+          <a:p>
+            <a:endParaRPr lang="en-US" altLang="zh-CN" dirty="0" smtClean="0"/>
+          </a:p>
+          <a:p>
+            <a:endParaRPr lang="en-US" altLang="zh-CN" dirty="0"/>
+          </a:p>
+          <a:p>
+            <a:endParaRPr lang="en-US" altLang="zh-CN" dirty="0" smtClean="0"/>
+          </a:p>
+          <a:p>
+            <a:endParaRPr lang="en-US" altLang="zh-CN" dirty="0"/>
+          </a:p>
+          <a:p>
+            <a:pPr marL="0" indent="0">
+              <a:buNone/>
+            </a:pPr>
+            <a:endParaRPr lang="zh-CN" altLang="zh-CN" dirty="0" smtClean="0"/>
+          </a:p>
+          <a:p>
+            <a:endParaRPr lang="zh-CN" altLang="zh-CN" dirty="0"/>
+          </a:p>
+          <a:p>
+            <a:endParaRPr lang="en-US" altLang="zh-CN" dirty="0" smtClean="0"/>
+          </a:p>
+          <a:p>
+            <a:endParaRPr lang="en-US" altLang="zh-CN" dirty="0"/>
+          </a:p>
+          <a:p>
+            <a:endParaRPr lang="zh-CN" altLang="zh-CN" dirty="0"/>
+          </a:p>
+          <a:p>
+            <a:endParaRPr lang="zh-CN" altLang="zh-CN" dirty="0"/>
+          </a:p>
+          <a:p>
+            <a:endParaRPr lang="en-US" altLang="zh-CN" sz="900" dirty="0" smtClean="0"/>
+          </a:p>
+          <a:p>
+            <a:pPr lvl="1"/>
+            <a:endParaRPr lang="en-US" altLang="zh-CN" sz="900" dirty="0" smtClean="0"/>
+          </a:p>
+          <a:p>
+            <a:pPr lvl="1"/>
+            <a:endParaRPr lang="en-US" altLang="zh-CN" sz="900" dirty="0" smtClean="0"/>
+          </a:p>
+        </p:txBody>
+      </p:sp>
+      <p:pic>
+        <p:nvPicPr>
+          <p:cNvPr id="5122" name="Picture 2"/>
+          <p:cNvPicPr>
+            <a:picLocks noChangeAspect="1" noChangeArrowheads="1"/>
+          </p:cNvPicPr>
+          <p:nvPr/>
+        </p:nvPicPr>
+        <p:blipFill>
+          <a:blip r:embed="rId2">
+            <a:extLst>
+              <a:ext uri="{28A0092B-C50C-407E-A947-70E740481C1C}">
+                <a14:useLocalDpi xmlns:a14="http://schemas.microsoft.com/office/drawing/2010/main" val="0"/>
+              </a:ext>
+            </a:extLst>
+          </a:blip>
+          <a:srcRect/>
+          <a:stretch>
+            <a:fillRect/>
+          </a:stretch>
+        </p:blipFill>
+        <p:spPr bwMode="auto">
+          <a:xfrm>
+            <a:off x="3491880" y="1203598"/>
+            <a:ext cx="5437187" cy="3289300"/>
+          </a:xfrm>
+          <a:prstGeom prst="rect">
+            <a:avLst/>
+          </a:prstGeom>
+          <a:noFill/>
+          <a:ln>
+            <a:noFill/>
+          </a:ln>
+          <a:effectLst/>
+          <a:extLst>
+            <a:ext uri="{909E8E84-426E-40DD-AFC4-6F175D3DCCD1}">
+              <a14:hiddenFill xmlns:a14="http://schemas.microsoft.com/office/drawing/2010/main">
+                <a:solidFill>
+                  <a:schemeClr val="accent1"/>
+                </a:solidFill>
+              </a14:hiddenFill>
+            </a:ext>
+            <a:ext uri="{91240B29-F687-4F45-9708-019B960494DF}">
+              <a14:hiddenLine xmlns:a14="http://schemas.microsoft.com/office/drawing/2010/main" w="9525">
+                <a:solidFill>
+                  <a:schemeClr val="tx1"/>
+                </a:solidFill>
+                <a:miter lim="800000"/>
+                <a:headEnd/>
+                <a:tailEnd/>
+              </a14:hiddenLine>
+            </a:ext>
+            <a:ext uri="{AF507438-7753-43E0-B8FC-AC1667EBCBE1}">
+              <a14:hiddenEffects xmlns:a14="http://schemas.microsoft.com/office/drawing/2010/main">
+                <a:effectLst>
+                  <a:outerShdw dist="35921" dir="2700000" algn="ctr" rotWithShape="0">
+                    <a:schemeClr val="bg2"/>
+                  </a:outerShdw>
+                </a:effectLst>
+              </a14:hiddenEffects>
+            </a:ext>
+          </a:extLst>
+        </p:spPr>
+      </p:pic>
+      <p:pic>
+        <p:nvPicPr>
+          <p:cNvPr id="10" name="Picture 3"/>
+          <p:cNvPicPr>
+            <a:picLocks noChangeAspect="1" noChangeArrowheads="1"/>
+          </p:cNvPicPr>
+          <p:nvPr/>
+        </p:nvPicPr>
+        <p:blipFill>
+          <a:blip r:embed="rId3">
+            <a:extLst>
+              <a:ext uri="{28A0092B-C50C-407E-A947-70E740481C1C}">
+                <a14:useLocalDpi xmlns:a14="http://schemas.microsoft.com/office/drawing/2010/main" val="0"/>
+              </a:ext>
+            </a:extLst>
+          </a:blip>
+          <a:srcRect/>
+          <a:stretch>
+            <a:fillRect/>
+          </a:stretch>
+        </p:blipFill>
+        <p:spPr bwMode="auto">
+          <a:xfrm>
+            <a:off x="87367" y="771550"/>
+            <a:ext cx="3044473" cy="3884730"/>
+          </a:xfrm>
+          <a:prstGeom prst="rect">
+            <a:avLst/>
+          </a:prstGeom>
+          <a:noFill/>
+          <a:ln>
+            <a:noFill/>
+          </a:ln>
+          <a:extLst>
+            <a:ext uri="{909E8E84-426E-40DD-AFC4-6F175D3DCCD1}">
+              <a14:hiddenFill xmlns:a14="http://schemas.microsoft.com/office/drawing/2010/main">
+                <a:solidFill>
+                  <a:srgbClr val="FFFFFF"/>
+                </a:solidFill>
+              </a14:hiddenFill>
+            </a:ext>
+            <a:ext uri="{91240B29-F687-4F45-9708-019B960494DF}">
+              <a14:hiddenLine xmlns:a14="http://schemas.microsoft.com/office/drawing/2010/main" w="9525">
+                <a:solidFill>
+                  <a:srgbClr val="000000"/>
+                </a:solidFill>
+                <a:miter lim="800000"/>
+                <a:headEnd/>
+                <a:tailEnd/>
+              </a14:hiddenLine>
+            </a:ext>
+          </a:extLst>
+        </p:spPr>
+      </p:pic>
+    </p:spTree>
+    <p:extLst>
+      <p:ext uri="{BB962C8B-B14F-4D97-AF65-F5344CB8AC3E}">
+        <p14:creationId xmlns:p14="http://schemas.microsoft.com/office/powerpoint/2010/main" val="2484779750"/>
+      </p:ext>
+    </p:extLst>
+  </p:cSld>
+  <p:clrMapOvr>
+    <a:masterClrMapping/>
+  </p:clrMapOvr>
+  <p:timing>
+    <p:tnLst>
+      <p:par>
+        <p:cTn id="1" dur="indefinite" restart="never" nodeType="tmRoot"/>
+      </p:par>
+    </p:tnLst>
+  </p:timing>
+</p:sld>
+</file>
+
+<file path=ppt/slides/slide12.xml><?xml version="1.0" encoding="utf-8"?>
+<p:sld xmlns:a="http://schemas.openxmlformats.org/drawingml/2006/main" xmlns:r="http://schemas.openxmlformats.org/officeDocument/2006/relationships" xmlns:p="http://schemas.openxmlformats.org/presentationml/2006/main">
+  <p:cSld>
+    <p:spTree>
+      <p:nvGrpSpPr>
+        <p:cNvPr id="1" name=""/>
+        <p:cNvGrpSpPr/>
+        <p:nvPr/>
+      </p:nvGrpSpPr>
+      <p:grpSpPr>
+        <a:xfrm>
+          <a:off x="0" y="0"/>
+          <a:ext cx="0" cy="0"/>
+          <a:chOff x="0" y="0"/>
+          <a:chExt cx="0" cy="0"/>
+        </a:xfrm>
+      </p:grpSpPr>
+      <p:sp>
+        <p:nvSpPr>
+          <p:cNvPr id="2" name="标题 1"/>
+          <p:cNvSpPr>
+            <a:spLocks noGrp="1"/>
+          </p:cNvSpPr>
+          <p:nvPr>
+            <p:ph type="title"/>
+          </p:nvPr>
+        </p:nvSpPr>
+        <p:spPr/>
+        <p:txBody>
+          <a:bodyPr/>
+          <a:lstStyle/>
+          <a:p>
+            <a:r>
+              <a:rPr lang="en-US" altLang="zh-CN" dirty="0"/>
+              <a:t>ADB Server</a:t>
+            </a:r>
+            <a:r>
+              <a:rPr lang="zh-CN" altLang="en-US" dirty="0"/>
+              <a:t>初始化流程</a:t>
+            </a:r>
+          </a:p>
+        </p:txBody>
+      </p:sp>
+      <p:sp>
+        <p:nvSpPr>
+          <p:cNvPr id="3" name="Rectangle 2"/>
+          <p:cNvSpPr>
+            <a:spLocks noChangeArrowheads="1"/>
+          </p:cNvSpPr>
+          <p:nvPr/>
+        </p:nvSpPr>
+        <p:spPr bwMode="auto">
+          <a:xfrm>
+            <a:off x="0" y="0"/>
+            <a:ext cx="9144000" cy="0"/>
+          </a:xfrm>
+          <a:prstGeom prst="rect">
+            <a:avLst/>
+          </a:prstGeom>
+          <a:noFill/>
+          <a:ln>
+            <a:noFill/>
+          </a:ln>
+          <a:effectLst/>
+          <a:extLst>
+            <a:ext uri="{909E8E84-426E-40DD-AFC4-6F175D3DCCD1}">
+              <a14:hiddenFill xmlns:a14="http://schemas.microsoft.com/office/drawing/2010/main">
+                <a:solidFill>
+                  <a:schemeClr val="accent1"/>
+                </a:solidFill>
+              </a14:hiddenFill>
+            </a:ext>
+            <a:ext uri="{91240B29-F687-4F45-9708-019B960494DF}">
+              <a14:hiddenLine xmlns:a14="http://schemas.microsoft.com/office/drawing/2010/main" w="9525">
+                <a:solidFill>
+                  <a:schemeClr val="tx1"/>
+                </a:solidFill>
+                <a:miter lim="800000"/>
+                <a:headEnd/>
+                <a:tailEnd/>
+              </a14:hiddenLine>
+            </a:ext>
+            <a:ext uri="{AF507438-7753-43E0-B8FC-AC1667EBCBE1}">
+              <a14:hiddenEffects xmlns:a14="http://schemas.microsoft.com/office/drawing/2010/main">
+                <a:effectLst>
+                  <a:outerShdw dist="35921" dir="2700000" algn="ctr" rotWithShape="0">
+                    <a:schemeClr val="bg2"/>
+                  </a:outerShdw>
+                </a:effectLst>
+              </a14:hiddenEffects>
+            </a:ext>
+          </a:extLst>
+        </p:spPr>
+        <p:txBody>
+          <a:bodyPr vert="horz" wrap="none" lIns="91440" tIns="45720" rIns="91440" bIns="45720" numCol="1" anchor="ctr" anchorCtr="0" compatLnSpc="1">
+            <a:prstTxWarp prst="textNoShape">
+              <a:avLst/>
+            </a:prstTxWarp>
+            <a:spAutoFit/>
+          </a:bodyPr>
+          <a:lstStyle/>
+          <a:p>
+            <a:endParaRPr lang="zh-CN" altLang="en-US"/>
+          </a:p>
+        </p:txBody>
+      </p:sp>
+      <p:graphicFrame>
+        <p:nvGraphicFramePr>
+          <p:cNvPr id="4" name="对象 3"/>
+          <p:cNvGraphicFramePr>
+            <a:graphicFrameLocks noChangeAspect="1"/>
+          </p:cNvGraphicFramePr>
+          <p:nvPr>
+            <p:extLst>
+              <p:ext uri="{D42A27DB-BD31-4B8C-83A1-F6EECF244321}">
+                <p14:modId xmlns:p14="http://schemas.microsoft.com/office/powerpoint/2010/main" val="439044801"/>
+              </p:ext>
+            </p:extLst>
+          </p:nvPr>
+        </p:nvGraphicFramePr>
+        <p:xfrm>
+          <a:off x="683568" y="502132"/>
+          <a:ext cx="7416824" cy="4614346"/>
+        </p:xfrm>
+        <a:graphic>
+          <a:graphicData uri="http://schemas.openxmlformats.org/presentationml/2006/ole">
+            <mc:AlternateContent xmlns:mc="http://schemas.openxmlformats.org/markup-compatibility/2006">
+              <mc:Choice xmlns:v="urn:schemas-microsoft-com:vml" Requires="v">
+                <p:oleObj spid="_x0000_s4111" name="Visio" r:id="rId3" imgW="10943347" imgH="7462658" progId="Visio.Drawing.11">
+                  <p:embed/>
+                </p:oleObj>
+              </mc:Choice>
+              <mc:Fallback>
+                <p:oleObj name="Visio" r:id="rId3" imgW="10943347" imgH="7462658" progId="Visio.Drawing.11">
+                  <p:embed/>
+                  <p:pic>
+                    <p:nvPicPr>
+                      <p:cNvPr id="0" name="Object 1"/>
+                      <p:cNvPicPr>
+                        <a:picLocks noChangeAspect="1" noChangeArrowheads="1"/>
+                      </p:cNvPicPr>
+                      <p:nvPr/>
+                    </p:nvPicPr>
+                    <p:blipFill>
+                      <a:blip r:embed="rId4">
+                        <a:extLst>
+                          <a:ext uri="{28A0092B-C50C-407E-A947-70E740481C1C}">
+                            <a14:useLocalDpi xmlns:a14="http://schemas.microsoft.com/office/drawing/2010/main" val="0"/>
+                          </a:ext>
+                        </a:extLst>
+                      </a:blip>
+                      <a:srcRect/>
+                      <a:stretch>
+                        <a:fillRect/>
+                      </a:stretch>
+                    </p:blipFill>
+                    <p:spPr bwMode="auto">
+                      <a:xfrm>
+                        <a:off x="683568" y="502132"/>
+                        <a:ext cx="7416824" cy="4614346"/>
+                      </a:xfrm>
+                      <a:prstGeom prst="rect">
+                        <a:avLst/>
+                      </a:prstGeom>
+                      <a:noFill/>
+                    </p:spPr>
+                  </p:pic>
+                </p:oleObj>
+              </mc:Fallback>
+            </mc:AlternateContent>
+          </a:graphicData>
+        </a:graphic>
+      </p:graphicFrame>
+    </p:spTree>
+    <p:extLst>
+      <p:ext uri="{BB962C8B-B14F-4D97-AF65-F5344CB8AC3E}">
+        <p14:creationId xmlns:p14="http://schemas.microsoft.com/office/powerpoint/2010/main" val="2448587979"/>
+      </p:ext>
+    </p:extLst>
+  </p:cSld>
+  <p:clrMapOvr>
+    <a:masterClrMapping/>
+  </p:clrMapOvr>
+  <p:timing>
+    <p:tnLst>
+      <p:par>
+        <p:cTn id="1" dur="indefinite" restart="never" nodeType="tmRoot"/>
+      </p:par>
+    </p:tnLst>
+  </p:timing>
+</p:sld>
+</file>
+
+<file path=ppt/slides/slide13.xml><?xml version="1.0" encoding="utf-8"?>
+<p:sld xmlns:a="http://schemas.openxmlformats.org/drawingml/2006/main" xmlns:r="http://schemas.openxmlformats.org/officeDocument/2006/relationships" xmlns:p="http://schemas.openxmlformats.org/presentationml/2006/main">
+  <p:cSld>
+    <p:spTree>
+      <p:nvGrpSpPr>
+        <p:cNvPr id="1" name=""/>
+        <p:cNvGrpSpPr/>
+        <p:nvPr/>
+      </p:nvGrpSpPr>
+      <p:grpSpPr>
+        <a:xfrm>
+          <a:off x="0" y="0"/>
+          <a:ext cx="0" cy="0"/>
+          <a:chOff x="0" y="0"/>
+          <a:chExt cx="0" cy="0"/>
+        </a:xfrm>
+      </p:grpSpPr>
+      <p:sp>
+        <p:nvSpPr>
+          <p:cNvPr id="2" name="标题 1"/>
+          <p:cNvSpPr>
+            <a:spLocks noGrp="1"/>
+          </p:cNvSpPr>
+          <p:nvPr>
+            <p:ph type="title"/>
+          </p:nvPr>
+        </p:nvSpPr>
+        <p:spPr/>
+        <p:txBody>
+          <a:bodyPr/>
+          <a:lstStyle/>
+          <a:p>
+            <a:r>
+              <a:rPr lang="en-US" altLang="zh-CN" dirty="0" smtClean="0"/>
+              <a:t>ADB client</a:t>
+            </a:r>
+            <a:endParaRPr lang="zh-CN" altLang="en-US" dirty="0"/>
+          </a:p>
+        </p:txBody>
+      </p:sp>
+      <p:sp>
+        <p:nvSpPr>
+          <p:cNvPr id="3" name="内容占位符 2"/>
+          <p:cNvSpPr>
+            <a:spLocks noGrp="1"/>
+          </p:cNvSpPr>
+          <p:nvPr>
+            <p:ph idx="1"/>
+          </p:nvPr>
+        </p:nvSpPr>
+        <p:spPr>
+          <a:xfrm>
+            <a:off x="467544" y="771550"/>
+            <a:ext cx="8229600" cy="3607049"/>
+          </a:xfrm>
+        </p:spPr>
+        <p:txBody>
+          <a:bodyPr>
+            <a:normAutofit/>
+          </a:bodyPr>
+          <a:lstStyle/>
+          <a:p>
+            <a:r>
+              <a:rPr lang="zh-CN" altLang="zh-CN" dirty="0"/>
+              <a:t>命令行中运行</a:t>
+            </a:r>
+            <a:r>
+              <a:rPr lang="en-US" altLang="zh-CN" dirty="0" err="1"/>
+              <a:t>adb</a:t>
+            </a:r>
+            <a:r>
+              <a:rPr lang="zh-CN" altLang="zh-CN" dirty="0"/>
+              <a:t>命令来调用该客户端</a:t>
+            </a:r>
+            <a:r>
+              <a:rPr lang="zh-CN" altLang="en-US" dirty="0" smtClean="0"/>
+              <a:t>。</a:t>
+            </a:r>
+            <a:endParaRPr lang="en-US" altLang="zh-CN" dirty="0" smtClean="0"/>
+          </a:p>
+          <a:p>
+            <a:endParaRPr lang="en-US" altLang="zh-CN" dirty="0"/>
+          </a:p>
+          <a:p>
+            <a:r>
+              <a:rPr lang="zh-CN" altLang="zh-CN" dirty="0"/>
+              <a:t>对用户暴露了</a:t>
+            </a:r>
+            <a:r>
+              <a:rPr lang="en-US" altLang="zh-CN" dirty="0"/>
+              <a:t>install</a:t>
+            </a:r>
+            <a:r>
+              <a:rPr lang="zh-CN" altLang="zh-CN" dirty="0"/>
+              <a:t>、</a:t>
+            </a:r>
+            <a:r>
+              <a:rPr lang="en-US" altLang="zh-CN" dirty="0"/>
+              <a:t>push</a:t>
+            </a:r>
+            <a:r>
+              <a:rPr lang="zh-CN" altLang="zh-CN" dirty="0"/>
+              <a:t>、</a:t>
+            </a:r>
+            <a:r>
+              <a:rPr lang="en-US" altLang="zh-CN" dirty="0"/>
+              <a:t>shell</a:t>
+            </a:r>
+            <a:r>
+              <a:rPr lang="zh-CN" altLang="zh-CN" dirty="0"/>
+              <a:t>等接口，与用户</a:t>
+            </a:r>
+            <a:r>
+              <a:rPr lang="zh-CN" altLang="zh-CN" dirty="0" smtClean="0"/>
+              <a:t>交互</a:t>
+            </a:r>
+            <a:endParaRPr lang="en-US" altLang="zh-CN" dirty="0" smtClean="0"/>
+          </a:p>
+          <a:p>
+            <a:endParaRPr lang="en-US" altLang="zh-CN" dirty="0"/>
+          </a:p>
+          <a:p>
+            <a:r>
+              <a:rPr lang="zh-CN" altLang="zh-CN" dirty="0" smtClean="0"/>
+              <a:t>解析这些命令</a:t>
+            </a:r>
+            <a:r>
+              <a:rPr lang="zh-CN" altLang="zh-CN" dirty="0"/>
+              <a:t>的参数，做必要预处理，然后转移为指令或数据，发送给</a:t>
+            </a:r>
+            <a:r>
+              <a:rPr lang="en-US" altLang="zh-CN" dirty="0" err="1"/>
+              <a:t>adb</a:t>
+            </a:r>
+            <a:r>
+              <a:rPr lang="zh-CN" altLang="zh-CN" dirty="0"/>
+              <a:t>服务端</a:t>
+            </a:r>
+            <a:r>
+              <a:rPr lang="zh-CN" altLang="zh-CN" dirty="0" smtClean="0"/>
+              <a:t>。</a:t>
+            </a:r>
+            <a:endParaRPr lang="en-US" altLang="zh-CN" dirty="0" smtClean="0"/>
+          </a:p>
+          <a:p>
+            <a:endParaRPr lang="en-US" altLang="zh-CN" dirty="0"/>
+          </a:p>
+          <a:p>
+            <a:r>
+              <a:rPr lang="en-US" altLang="zh-CN" dirty="0" err="1"/>
+              <a:t>adb</a:t>
+            </a:r>
+            <a:r>
+              <a:rPr lang="zh-CN" altLang="zh-CN" dirty="0"/>
+              <a:t>服务端再将指令数据转发到模拟器或设备中，由</a:t>
+            </a:r>
+            <a:r>
+              <a:rPr lang="en-US" altLang="zh-CN" dirty="0" err="1"/>
+              <a:t>adbd</a:t>
+            </a:r>
+            <a:r>
+              <a:rPr lang="zh-CN" altLang="zh-CN" dirty="0"/>
+              <a:t>处理，产生结果，再通过</a:t>
+            </a:r>
+            <a:r>
+              <a:rPr lang="en-US" altLang="zh-CN" dirty="0" err="1"/>
+              <a:t>adb</a:t>
+            </a:r>
+            <a:r>
+              <a:rPr lang="zh-CN" altLang="zh-CN" dirty="0"/>
+              <a:t>服务端接收回来</a:t>
+            </a:r>
+            <a:r>
+              <a:rPr lang="zh-CN" altLang="zh-CN" dirty="0" smtClean="0"/>
+              <a:t>。</a:t>
+            </a:r>
+            <a:endParaRPr lang="en-US" altLang="zh-CN" dirty="0" smtClean="0"/>
+          </a:p>
+          <a:p>
+            <a:pPr marL="0" indent="0">
+              <a:buNone/>
+            </a:pPr>
+            <a:endParaRPr lang="zh-CN" altLang="zh-CN" dirty="0"/>
+          </a:p>
+          <a:p>
+            <a:endParaRPr lang="en-US" altLang="zh-CN" sz="900" dirty="0" smtClean="0"/>
+          </a:p>
+          <a:p>
+            <a:pPr lvl="1"/>
+            <a:endParaRPr lang="en-US" altLang="zh-CN" sz="900" dirty="0" smtClean="0"/>
+          </a:p>
+          <a:p>
+            <a:pPr lvl="1"/>
+            <a:endParaRPr lang="en-US" altLang="zh-CN" sz="900" dirty="0" smtClean="0"/>
+          </a:p>
+        </p:txBody>
+      </p:sp>
+    </p:spTree>
+    <p:extLst>
+      <p:ext uri="{BB962C8B-B14F-4D97-AF65-F5344CB8AC3E}">
+        <p14:creationId xmlns:p14="http://schemas.microsoft.com/office/powerpoint/2010/main" val="568735849"/>
+      </p:ext>
+    </p:extLst>
+  </p:cSld>
+  <p:clrMapOvr>
+    <a:masterClrMapping/>
+  </p:clrMapOvr>
+  <p:timing>
+    <p:tnLst>
+      <p:par>
+        <p:cTn id="1" dur="indefinite" restart="never" nodeType="tmRoot"/>
+      </p:par>
+    </p:tnLst>
+  </p:timing>
+</p:sld>
+</file>
+
+<file path=ppt/slides/slide14.xml><?xml version="1.0" encoding="utf-8"?>
+<p:sld xmlns:a="http://schemas.openxmlformats.org/drawingml/2006/main" xmlns:r="http://schemas.openxmlformats.org/officeDocument/2006/relationships" xmlns:p="http://schemas.openxmlformats.org/presentationml/2006/main">
+  <p:cSld>
+    <p:spTree>
+      <p:nvGrpSpPr>
+        <p:cNvPr id="1" name=""/>
+        <p:cNvGrpSpPr/>
+        <p:nvPr/>
+      </p:nvGrpSpPr>
+      <p:grpSpPr>
+        <a:xfrm>
+          <a:off x="0" y="0"/>
+          <a:ext cx="0" cy="0"/>
+          <a:chOff x="0" y="0"/>
+          <a:chExt cx="0" cy="0"/>
+        </a:xfrm>
+      </p:grpSpPr>
+      <p:sp>
+        <p:nvSpPr>
+          <p:cNvPr id="2" name="标题 1"/>
+          <p:cNvSpPr>
+            <a:spLocks noGrp="1"/>
+          </p:cNvSpPr>
+          <p:nvPr>
+            <p:ph type="title"/>
+          </p:nvPr>
+        </p:nvSpPr>
+        <p:spPr/>
+        <p:txBody>
+          <a:bodyPr/>
+          <a:lstStyle/>
+          <a:p>
+            <a:r>
+              <a:rPr lang="en-US" altLang="zh-CN" dirty="0" smtClean="0"/>
+              <a:t>ADB </a:t>
+            </a:r>
+            <a:r>
+              <a:rPr lang="zh-CN" altLang="en-US" dirty="0" smtClean="0"/>
+              <a:t>通信</a:t>
+            </a:r>
+            <a:endParaRPr lang="zh-CN" altLang="en-US" dirty="0"/>
+          </a:p>
+        </p:txBody>
+      </p:sp>
+      <p:sp>
+        <p:nvSpPr>
+          <p:cNvPr id="3" name="内容占位符 2"/>
+          <p:cNvSpPr>
+            <a:spLocks noGrp="1"/>
+          </p:cNvSpPr>
+          <p:nvPr>
+            <p:ph idx="1"/>
+          </p:nvPr>
+        </p:nvSpPr>
+        <p:spPr>
+          <a:xfrm>
+            <a:off x="467544" y="771550"/>
+            <a:ext cx="8229600" cy="3607049"/>
+          </a:xfrm>
+        </p:spPr>
+        <p:txBody>
+          <a:bodyPr>
+            <a:normAutofit fontScale="85000" lnSpcReduction="20000"/>
+          </a:bodyPr>
+          <a:lstStyle/>
+          <a:p>
+            <a:pPr>
+              <a:lnSpc>
+                <a:spcPct val="170000"/>
+              </a:lnSpc>
+            </a:pPr>
+            <a:r>
+              <a:rPr lang="en-US" altLang="zh-CN" dirty="0" err="1"/>
+              <a:t>adb的通信涉及到host端的adb</a:t>
+            </a:r>
+            <a:r>
+              <a:rPr lang="en-US" altLang="zh-CN" dirty="0"/>
+              <a:t> </a:t>
+            </a:r>
+            <a:r>
+              <a:rPr lang="en-US" altLang="zh-CN" dirty="0" err="1"/>
+              <a:t>client和adb</a:t>
+            </a:r>
+            <a:r>
+              <a:rPr lang="en-US" altLang="zh-CN" dirty="0"/>
+              <a:t> </a:t>
+            </a:r>
+            <a:r>
+              <a:rPr lang="en-US" altLang="zh-CN" dirty="0" err="1"/>
+              <a:t>server</a:t>
+            </a:r>
+            <a:r>
+              <a:rPr lang="en-US" altLang="zh-CN" dirty="0" err="1" smtClean="0"/>
+              <a:t>之间通信</a:t>
+            </a:r>
+            <a:endParaRPr lang="en-US" altLang="zh-CN" dirty="0" smtClean="0"/>
+          </a:p>
+          <a:p>
+            <a:pPr>
+              <a:lnSpc>
+                <a:spcPct val="170000"/>
+              </a:lnSpc>
+            </a:pPr>
+            <a:r>
+              <a:rPr lang="en-US" altLang="zh-CN" dirty="0" smtClean="0"/>
+              <a:t>协议描述见</a:t>
+            </a:r>
+            <a:r>
+              <a:rPr lang="en-US" altLang="zh-CN" dirty="0"/>
+              <a:t>：</a:t>
+            </a:r>
+            <a:r>
+              <a:rPr lang="en-US" altLang="zh-CN" dirty="0" smtClean="0"/>
+              <a:t>OVERVIEW.txt</a:t>
+            </a:r>
+          </a:p>
+          <a:p>
+            <a:pPr>
+              <a:lnSpc>
+                <a:spcPct val="170000"/>
+              </a:lnSpc>
+            </a:pPr>
+            <a:r>
+              <a:rPr lang="en-US" altLang="zh-CN" dirty="0" err="1" smtClean="0"/>
+              <a:t>adb</a:t>
+            </a:r>
+            <a:r>
+              <a:rPr lang="en-US" altLang="zh-CN" dirty="0" smtClean="0"/>
+              <a:t> </a:t>
+            </a:r>
+            <a:r>
+              <a:rPr lang="en-US" altLang="zh-CN" dirty="0"/>
+              <a:t>server和adbd之间的通信两部分（协议描述见：protocol.TXT</a:t>
+            </a:r>
+            <a:r>
+              <a:rPr lang="en-US" altLang="zh-CN" dirty="0" smtClean="0"/>
+              <a:t>）</a:t>
+            </a:r>
+          </a:p>
+          <a:p>
+            <a:pPr>
+              <a:lnSpc>
+                <a:spcPct val="200000"/>
+              </a:lnSpc>
+            </a:pPr>
+            <a:endParaRPr lang="en-US" altLang="zh-CN" dirty="0" smtClean="0"/>
+          </a:p>
+          <a:p>
+            <a:r>
+              <a:rPr lang="zh-CN" altLang="zh-CN" dirty="0" smtClean="0"/>
+              <a:t>三</a:t>
+            </a:r>
+            <a:r>
+              <a:rPr lang="zh-CN" altLang="zh-CN" dirty="0"/>
+              <a:t>者通信整个流程是这样的</a:t>
+            </a:r>
+            <a:r>
+              <a:rPr lang="zh-CN" altLang="zh-CN" dirty="0" smtClean="0"/>
+              <a:t>：</a:t>
+            </a:r>
+            <a:endParaRPr lang="en-US" altLang="zh-CN" dirty="0"/>
+          </a:p>
+          <a:p>
+            <a:pPr lvl="1"/>
+            <a:r>
+              <a:rPr lang="en-US" altLang="zh-CN" dirty="0" smtClean="0"/>
+              <a:t>client</a:t>
+            </a:r>
+            <a:r>
+              <a:rPr lang="zh-CN" altLang="en-US" dirty="0"/>
+              <a:t>调用某个</a:t>
+            </a:r>
+            <a:r>
+              <a:rPr lang="en-US" altLang="zh-CN" dirty="0" err="1"/>
+              <a:t>adb</a:t>
+            </a:r>
+            <a:r>
+              <a:rPr lang="zh-CN" altLang="en-US" dirty="0"/>
+              <a:t>命令</a:t>
+            </a:r>
+          </a:p>
+          <a:p>
+            <a:pPr lvl="1"/>
+            <a:r>
+              <a:rPr lang="en-US" altLang="zh-CN" dirty="0" err="1"/>
+              <a:t>adb</a:t>
+            </a:r>
+            <a:r>
+              <a:rPr lang="zh-CN" altLang="en-US" dirty="0"/>
+              <a:t>进程</a:t>
+            </a:r>
+            <a:r>
+              <a:rPr lang="en-US" altLang="zh-CN" dirty="0"/>
+              <a:t>fork</a:t>
+            </a:r>
+            <a:r>
+              <a:rPr lang="zh-CN" altLang="en-US" dirty="0"/>
+              <a:t>出一个子进程作为</a:t>
+            </a:r>
+            <a:r>
+              <a:rPr lang="en-US" altLang="zh-CN" dirty="0"/>
+              <a:t>server</a:t>
+            </a:r>
+          </a:p>
+          <a:p>
+            <a:pPr lvl="1"/>
+            <a:r>
+              <a:rPr lang="en-US" altLang="zh-CN" dirty="0"/>
+              <a:t>server</a:t>
+            </a:r>
+            <a:r>
+              <a:rPr lang="zh-CN" altLang="en-US" dirty="0"/>
+              <a:t>查找当前连接的</a:t>
+            </a:r>
+            <a:r>
+              <a:rPr lang="en-US" altLang="zh-CN" dirty="0"/>
+              <a:t>emulator/device</a:t>
+            </a:r>
+          </a:p>
+          <a:p>
+            <a:pPr lvl="1"/>
+            <a:r>
+              <a:rPr lang="en-US" altLang="zh-CN" dirty="0"/>
+              <a:t>server</a:t>
+            </a:r>
+            <a:r>
+              <a:rPr lang="zh-CN" altLang="en-US" dirty="0"/>
+              <a:t>接收到来自</a:t>
+            </a:r>
+            <a:r>
+              <a:rPr lang="en-US" altLang="zh-CN" dirty="0"/>
+              <a:t>client</a:t>
+            </a:r>
+            <a:r>
+              <a:rPr lang="zh-CN" altLang="en-US" dirty="0"/>
+              <a:t>请求</a:t>
+            </a:r>
+          </a:p>
+          <a:p>
+            <a:pPr lvl="1"/>
+            <a:r>
+              <a:rPr lang="en-US" altLang="zh-CN" dirty="0"/>
+              <a:t>server</a:t>
+            </a:r>
+            <a:r>
+              <a:rPr lang="zh-CN" altLang="en-US" dirty="0"/>
+              <a:t>处理请求，将本地处理不了的请求发给</a:t>
+            </a:r>
+            <a:r>
+              <a:rPr lang="en-US" altLang="zh-CN" dirty="0"/>
+              <a:t>emulator/device</a:t>
+            </a:r>
+          </a:p>
+          <a:p>
+            <a:pPr lvl="1"/>
+            <a:r>
+              <a:rPr lang="zh-CN" altLang="en-US" dirty="0"/>
+              <a:t>位于</a:t>
+            </a:r>
+            <a:r>
+              <a:rPr lang="en-US" altLang="zh-CN" dirty="0"/>
+              <a:t>emulator/device</a:t>
+            </a:r>
+            <a:r>
+              <a:rPr lang="zh-CN" altLang="en-US" dirty="0"/>
+              <a:t>的</a:t>
+            </a:r>
+            <a:r>
+              <a:rPr lang="en-US" altLang="zh-CN" dirty="0" err="1"/>
+              <a:t>adbd</a:t>
+            </a:r>
+            <a:r>
+              <a:rPr lang="zh-CN" altLang="en-US" dirty="0"/>
+              <a:t>拿到请求后交给对应的</a:t>
+            </a:r>
+            <a:r>
+              <a:rPr lang="en-US" altLang="zh-CN" dirty="0"/>
+              <a:t>java</a:t>
+            </a:r>
+            <a:r>
+              <a:rPr lang="zh-CN" altLang="en-US" dirty="0"/>
+              <a:t>虚拟机进程。</a:t>
+            </a:r>
+          </a:p>
+          <a:p>
+            <a:pPr lvl="1"/>
+            <a:r>
+              <a:rPr lang="en-US" altLang="zh-CN" dirty="0" err="1"/>
+              <a:t>adbd</a:t>
+            </a:r>
+            <a:r>
+              <a:rPr lang="zh-CN" altLang="en-US" dirty="0"/>
+              <a:t>将结果发回给</a:t>
+            </a:r>
+            <a:r>
+              <a:rPr lang="en-US" altLang="zh-CN" dirty="0"/>
+              <a:t>server</a:t>
+            </a:r>
+          </a:p>
+          <a:p>
+            <a:pPr lvl="1"/>
+            <a:r>
+              <a:rPr lang="en-US" altLang="zh-CN" dirty="0"/>
+              <a:t>server</a:t>
+            </a:r>
+            <a:r>
+              <a:rPr lang="zh-CN" altLang="en-US" dirty="0"/>
+              <a:t>讲结果发回给</a:t>
+            </a:r>
+            <a:r>
+              <a:rPr lang="en-US" altLang="zh-CN" dirty="0"/>
+              <a:t>client</a:t>
+            </a:r>
+          </a:p>
+          <a:p>
+            <a:pPr lvl="1"/>
+            <a:endParaRPr lang="en-US" altLang="zh-CN" b="1" dirty="0" smtClean="0"/>
+          </a:p>
+          <a:p>
+            <a:pPr lvl="1"/>
+            <a:endParaRPr lang="en-US" altLang="zh-CN" dirty="0" smtClean="0"/>
+          </a:p>
+          <a:p>
+            <a:endParaRPr lang="en-US" altLang="zh-CN" dirty="0"/>
+          </a:p>
+          <a:p>
+            <a:pPr marL="0" indent="0">
+              <a:buNone/>
+            </a:pPr>
+            <a:endParaRPr lang="zh-CN" altLang="zh-CN" dirty="0"/>
+          </a:p>
+          <a:p>
+            <a:endParaRPr lang="en-US" altLang="zh-CN" sz="900" dirty="0" smtClean="0"/>
+          </a:p>
+          <a:p>
+            <a:pPr lvl="1"/>
+            <a:endParaRPr lang="en-US" altLang="zh-CN" sz="900" dirty="0" smtClean="0"/>
+          </a:p>
+          <a:p>
+            <a:pPr lvl="1"/>
+            <a:endParaRPr lang="en-US" altLang="zh-CN" sz="900" dirty="0" smtClean="0"/>
+          </a:p>
+        </p:txBody>
+      </p:sp>
+    </p:spTree>
+    <p:extLst>
+      <p:ext uri="{BB962C8B-B14F-4D97-AF65-F5344CB8AC3E}">
+        <p14:creationId xmlns:p14="http://schemas.microsoft.com/office/powerpoint/2010/main" val="606492350"/>
+      </p:ext>
+    </p:extLst>
+  </p:cSld>
+  <p:clrMapOvr>
+    <a:masterClrMapping/>
+  </p:clrMapOvr>
+  <p:timing>
+    <p:tnLst>
+      <p:par>
+        <p:cTn id="1" dur="indefinite" restart="never" nodeType="tmRoot"/>
+      </p:par>
+    </p:tnLst>
+  </p:timing>
+</p:sld>
+</file>
+
+<file path=ppt/slides/slide15.xml><?xml version="1.0" encoding="utf-8"?>
+<p:sld xmlns:a="http://schemas.openxmlformats.org/drawingml/2006/main" xmlns:r="http://schemas.openxmlformats.org/officeDocument/2006/relationships" xmlns:p="http://schemas.openxmlformats.org/presentationml/2006/main">
+  <p:cSld>
+    <p:spTree>
+      <p:nvGrpSpPr>
+        <p:cNvPr id="1" name=""/>
+        <p:cNvGrpSpPr/>
+        <p:nvPr/>
+      </p:nvGrpSpPr>
+      <p:grpSpPr>
+        <a:xfrm>
+          <a:off x="0" y="0"/>
+          <a:ext cx="0" cy="0"/>
+          <a:chOff x="0" y="0"/>
+          <a:chExt cx="0" cy="0"/>
+        </a:xfrm>
+      </p:grpSpPr>
+      <p:sp>
+        <p:nvSpPr>
+          <p:cNvPr id="2" name="标题 1"/>
+          <p:cNvSpPr>
+            <a:spLocks noGrp="1"/>
+          </p:cNvSpPr>
+          <p:nvPr>
+            <p:ph type="title"/>
+          </p:nvPr>
+        </p:nvSpPr>
+        <p:spPr>
+          <a:xfrm>
+            <a:off x="357158" y="277417"/>
+            <a:ext cx="6591106" cy="722697"/>
+          </a:xfrm>
+        </p:spPr>
+        <p:txBody>
+          <a:bodyPr/>
+          <a:lstStyle/>
+          <a:p>
+            <a:r>
+              <a:rPr lang="en-US" altLang="zh-CN" dirty="0" smtClean="0"/>
+              <a:t>ADB client &amp; ADB Devices &amp; ADB Emulator </a:t>
+            </a:r>
+            <a:r>
+              <a:rPr lang="zh-CN" altLang="en-US" dirty="0" smtClean="0"/>
+              <a:t>通信流程</a:t>
+            </a:r>
+            <a:endParaRPr lang="zh-CN" altLang="en-US" dirty="0"/>
+          </a:p>
+        </p:txBody>
+      </p:sp>
+      <p:pic>
+        <p:nvPicPr>
+          <p:cNvPr id="7170" name="图片 6" descr="screenshots.png"/>
+          <p:cNvPicPr>
+            <a:picLocks noChangeAspect="1" noChangeArrowheads="1"/>
+          </p:cNvPicPr>
+          <p:nvPr/>
+        </p:nvPicPr>
+        <p:blipFill>
+          <a:blip r:embed="rId2">
+            <a:extLst>
+              <a:ext uri="{28A0092B-C50C-407E-A947-70E740481C1C}">
+                <a14:useLocalDpi xmlns:a14="http://schemas.microsoft.com/office/drawing/2010/main" val="0"/>
+              </a:ext>
+            </a:extLst>
+          </a:blip>
+          <a:srcRect/>
+          <a:stretch>
+            <a:fillRect/>
+          </a:stretch>
+        </p:blipFill>
+        <p:spPr bwMode="auto">
+          <a:xfrm>
+            <a:off x="1259632" y="847740"/>
+            <a:ext cx="6128192" cy="3240360"/>
+          </a:xfrm>
+          <a:prstGeom prst="rect">
+            <a:avLst/>
+          </a:prstGeom>
+          <a:noFill/>
+          <a:ln>
+            <a:noFill/>
+          </a:ln>
+          <a:extLst>
+            <a:ext uri="{909E8E84-426E-40DD-AFC4-6F175D3DCCD1}">
+              <a14:hiddenFill xmlns:a14="http://schemas.microsoft.com/office/drawing/2010/main">
+                <a:solidFill>
+                  <a:srgbClr val="FFFFFF"/>
+                </a:solidFill>
+              </a14:hiddenFill>
+            </a:ext>
+            <a:ext uri="{91240B29-F687-4F45-9708-019B960494DF}">
+              <a14:hiddenLine xmlns:a14="http://schemas.microsoft.com/office/drawing/2010/main" w="9525">
+                <a:solidFill>
+                  <a:srgbClr val="000000"/>
+                </a:solidFill>
+                <a:miter lim="800000"/>
+                <a:headEnd/>
+                <a:tailEnd/>
+              </a14:hiddenLine>
+            </a:ext>
+          </a:extLst>
+        </p:spPr>
+      </p:pic>
+    </p:spTree>
+    <p:extLst>
+      <p:ext uri="{BB962C8B-B14F-4D97-AF65-F5344CB8AC3E}">
+        <p14:creationId xmlns:p14="http://schemas.microsoft.com/office/powerpoint/2010/main" val="3008998852"/>
+      </p:ext>
+    </p:extLst>
+  </p:cSld>
+  <p:clrMapOvr>
+    <a:masterClrMapping/>
+  </p:clrMapOvr>
+  <p:timing>
+    <p:tnLst>
+      <p:par>
+        <p:cTn id="1" dur="indefinite" restart="never" nodeType="tmRoot"/>
+      </p:par>
+    </p:tnLst>
+  </p:timing>
+</p:sld>
+</file>
+
+<file path=ppt/slides/slide16.xml><?xml version="1.0" encoding="utf-8"?>
+<p:sld xmlns:a="http://schemas.openxmlformats.org/drawingml/2006/main" xmlns:r="http://schemas.openxmlformats.org/officeDocument/2006/relationships" xmlns:p="http://schemas.openxmlformats.org/presentationml/2006/main">
+  <p:cSld>
+    <p:spTree>
+      <p:nvGrpSpPr>
+        <p:cNvPr id="1" name=""/>
+        <p:cNvGrpSpPr/>
+        <p:nvPr/>
+      </p:nvGrpSpPr>
+      <p:grpSpPr>
+        <a:xfrm>
+          <a:off x="0" y="0"/>
+          <a:ext cx="0" cy="0"/>
+          <a:chOff x="0" y="0"/>
+          <a:chExt cx="0" cy="0"/>
+        </a:xfrm>
+      </p:grpSpPr>
+      <p:sp>
+        <p:nvSpPr>
+          <p:cNvPr id="2" name="标题 1"/>
+          <p:cNvSpPr>
+            <a:spLocks noGrp="1"/>
+          </p:cNvSpPr>
+          <p:nvPr>
+            <p:ph type="title"/>
+          </p:nvPr>
+        </p:nvSpPr>
+        <p:spPr/>
+        <p:txBody>
+          <a:bodyPr/>
+          <a:lstStyle/>
+          <a:p>
+            <a:pPr lvl="1"/>
+            <a:r>
+              <a:rPr lang="en-US" altLang="zh-CN" b="1" dirty="0" err="1"/>
+              <a:t>adb</a:t>
+            </a:r>
+            <a:r>
+              <a:rPr lang="en-US" altLang="zh-CN" b="1" dirty="0"/>
+              <a:t> client&lt;--&gt;</a:t>
+            </a:r>
+            <a:r>
+              <a:rPr lang="en-US" altLang="zh-CN" b="1" dirty="0" err="1"/>
+              <a:t>adb</a:t>
+            </a:r>
+            <a:r>
+              <a:rPr lang="en-US" altLang="zh-CN" b="1" dirty="0"/>
+              <a:t> server</a:t>
+            </a:r>
+            <a:endParaRPr lang="zh-CN" altLang="zh-CN" b="1" dirty="0"/>
+          </a:p>
+        </p:txBody>
+      </p:sp>
+      <p:sp>
+        <p:nvSpPr>
+          <p:cNvPr id="3" name="内容占位符 2"/>
+          <p:cNvSpPr>
+            <a:spLocks noGrp="1"/>
+          </p:cNvSpPr>
+          <p:nvPr>
+            <p:ph idx="1"/>
+          </p:nvPr>
+        </p:nvSpPr>
+        <p:spPr>
+          <a:xfrm>
+            <a:off x="467544" y="771550"/>
+            <a:ext cx="8229600" cy="3607049"/>
+          </a:xfrm>
+        </p:spPr>
+        <p:txBody>
+          <a:bodyPr>
+            <a:normAutofit/>
+          </a:bodyPr>
+          <a:lstStyle/>
+          <a:p>
+            <a:r>
+              <a:rPr lang="en-US" altLang="zh-CN" dirty="0" err="1"/>
+              <a:t>adb</a:t>
+            </a:r>
+            <a:r>
+              <a:rPr lang="en-US" altLang="zh-CN" dirty="0"/>
+              <a:t> client</a:t>
+            </a:r>
+            <a:r>
+              <a:rPr lang="zh-CN" altLang="zh-CN" dirty="0"/>
+              <a:t>的每个命令都会包含两个部分，前一部分固定</a:t>
+            </a:r>
+            <a:r>
+              <a:rPr lang="en-US" altLang="zh-CN" dirty="0"/>
+              <a:t>4</a:t>
+            </a:r>
+            <a:r>
+              <a:rPr lang="zh-CN" altLang="zh-CN" dirty="0"/>
+              <a:t>个字节，以十六进制方式指定命令部分的长度。后一部分是真正的内容。发送命令的接口为</a:t>
+            </a:r>
+            <a:r>
+              <a:rPr lang="en-US" altLang="zh-CN" dirty="0" err="1" smtClean="0"/>
+              <a:t>writex</a:t>
+            </a:r>
+            <a:r>
+              <a:rPr lang="zh-CN" altLang="en-US" dirty="0" smtClean="0"/>
+              <a:t>。</a:t>
+            </a:r>
+            <a:r>
+              <a:rPr lang="zh-CN" altLang="zh-CN" dirty="0" smtClean="0"/>
+              <a:t>因此</a:t>
+            </a:r>
+            <a:r>
+              <a:rPr lang="zh-CN" altLang="zh-CN" dirty="0"/>
+              <a:t>这两部分至少需要发送两个</a:t>
+            </a:r>
+            <a:r>
+              <a:rPr lang="en-US" altLang="zh-CN" dirty="0" err="1"/>
+              <a:t>tcp</a:t>
+            </a:r>
+            <a:r>
+              <a:rPr lang="zh-CN" altLang="zh-CN" dirty="0"/>
+              <a:t>包</a:t>
+            </a:r>
+            <a:r>
+              <a:rPr lang="zh-CN" altLang="zh-CN" dirty="0" smtClean="0"/>
+              <a:t>。</a:t>
+            </a:r>
+            <a:endParaRPr lang="zh-CN" altLang="zh-CN" dirty="0"/>
+          </a:p>
+          <a:p>
+            <a:r>
+              <a:rPr lang="zh-CN" altLang="zh-CN" dirty="0"/>
+              <a:t>例如想要获取</a:t>
+            </a:r>
+            <a:r>
+              <a:rPr lang="en-US" altLang="zh-CN" dirty="0" err="1"/>
+              <a:t>adb</a:t>
+            </a:r>
+            <a:r>
+              <a:rPr lang="en-US" altLang="zh-CN" dirty="0"/>
+              <a:t> server</a:t>
+            </a:r>
+            <a:r>
+              <a:rPr lang="zh-CN" altLang="zh-CN" dirty="0"/>
+              <a:t>的版本号，</a:t>
+            </a:r>
+            <a:r>
+              <a:rPr lang="en-US" altLang="zh-CN" dirty="0"/>
+              <a:t>client</a:t>
+            </a:r>
+            <a:r>
+              <a:rPr lang="zh-CN" altLang="zh-CN" dirty="0"/>
+              <a:t>首先连接本机的</a:t>
+            </a:r>
+            <a:r>
+              <a:rPr lang="en-US" altLang="zh-CN" dirty="0"/>
+              <a:t>TCP 5037</a:t>
+            </a:r>
+            <a:r>
+              <a:rPr lang="zh-CN" altLang="zh-CN" dirty="0"/>
+              <a:t>端口，然后发送“</a:t>
+            </a:r>
+            <a:r>
+              <a:rPr lang="en-US" altLang="zh-CN" dirty="0"/>
+              <a:t>000C”</a:t>
+            </a:r>
+            <a:r>
+              <a:rPr lang="zh-CN" altLang="zh-CN" dirty="0"/>
+              <a:t>和“</a:t>
+            </a:r>
+            <a:r>
+              <a:rPr lang="en-US" altLang="zh-CN" dirty="0" err="1"/>
+              <a:t>host:version</a:t>
+            </a:r>
+            <a:r>
+              <a:rPr lang="en-US" altLang="zh-CN" dirty="0"/>
+              <a:t>”</a:t>
+            </a:r>
+            <a:r>
+              <a:rPr lang="zh-CN" altLang="zh-CN" dirty="0" smtClean="0"/>
+              <a:t>。</a:t>
+            </a:r>
+            <a:endParaRPr lang="en-US" altLang="zh-CN" dirty="0" smtClean="0"/>
+          </a:p>
+          <a:p>
+            <a:endParaRPr lang="zh-CN" altLang="zh-CN" dirty="0"/>
+          </a:p>
+          <a:p>
+            <a:r>
+              <a:rPr lang="en-US" altLang="zh-CN" dirty="0" err="1"/>
+              <a:t>adb</a:t>
+            </a:r>
+            <a:r>
+              <a:rPr lang="en-US" altLang="zh-CN" dirty="0"/>
+              <a:t> server</a:t>
+            </a:r>
+            <a:r>
+              <a:rPr lang="zh-CN" altLang="zh-CN" dirty="0"/>
+              <a:t>对</a:t>
+            </a:r>
+            <a:r>
+              <a:rPr lang="en-US" altLang="zh-CN" dirty="0" err="1"/>
+              <a:t>adb</a:t>
+            </a:r>
+            <a:r>
+              <a:rPr lang="en-US" altLang="zh-CN" dirty="0"/>
+              <a:t> client</a:t>
+            </a:r>
+            <a:r>
+              <a:rPr lang="zh-CN" altLang="zh-CN" dirty="0"/>
+              <a:t>回复，分为如下情况：</a:t>
+            </a:r>
+          </a:p>
+          <a:p>
+            <a:pPr lvl="1"/>
+            <a:r>
+              <a:rPr lang="en-US" altLang="zh-CN" dirty="0"/>
+              <a:t>1</a:t>
+            </a:r>
+            <a:r>
+              <a:rPr lang="zh-CN" altLang="zh-CN" dirty="0"/>
+              <a:t>、 成功，回复四字节串“</a:t>
+            </a:r>
+            <a:r>
+              <a:rPr lang="en-US" altLang="zh-CN" dirty="0"/>
+              <a:t>OKAY”</a:t>
+            </a:r>
+            <a:r>
+              <a:rPr lang="zh-CN" altLang="zh-CN" dirty="0"/>
+              <a:t>，后面跟的内容根据不同的命令而不同。</a:t>
+            </a:r>
+          </a:p>
+          <a:p>
+            <a:pPr lvl="1"/>
+            <a:r>
+              <a:rPr lang="en-US" altLang="zh-CN" dirty="0"/>
+              <a:t>2</a:t>
+            </a:r>
+            <a:r>
+              <a:rPr lang="zh-CN" altLang="zh-CN" dirty="0"/>
+              <a:t>、 失败，回复四字节串“</a:t>
+            </a:r>
+            <a:r>
+              <a:rPr lang="en-US" altLang="zh-CN" dirty="0"/>
+              <a:t>FAIL”</a:t>
+            </a:r>
+            <a:r>
+              <a:rPr lang="zh-CN" altLang="zh-CN" dirty="0"/>
+              <a:t>，然后跟四字节的十六进制长度，以及失败原因。</a:t>
+            </a:r>
+          </a:p>
+          <a:p>
+            <a:pPr lvl="1"/>
+            <a:r>
+              <a:rPr lang="en-US" altLang="zh-CN" dirty="0"/>
+              <a:t>3</a:t>
+            </a:r>
+            <a:r>
+              <a:rPr lang="zh-CN" altLang="zh-CN" dirty="0"/>
+              <a:t>、 对于</a:t>
+            </a:r>
+            <a:r>
+              <a:rPr lang="en-US" altLang="zh-CN" dirty="0" err="1"/>
+              <a:t>host:version</a:t>
+            </a:r>
+            <a:r>
+              <a:rPr lang="zh-CN" altLang="zh-CN" dirty="0"/>
+              <a:t>，回复</a:t>
+            </a:r>
+            <a:r>
+              <a:rPr lang="en-US" altLang="zh-CN" dirty="0"/>
+              <a:t>4</a:t>
+            </a:r>
+            <a:r>
+              <a:rPr lang="zh-CN" altLang="zh-CN" dirty="0"/>
+              <a:t>个字节的十六进制字串，代表</a:t>
+            </a:r>
+            <a:r>
+              <a:rPr lang="en-US" altLang="zh-CN" dirty="0"/>
+              <a:t>server</a:t>
+            </a:r>
+            <a:r>
+              <a:rPr lang="zh-CN" altLang="zh-CN" dirty="0"/>
+              <a:t>的内部版本号。</a:t>
+            </a:r>
+          </a:p>
+          <a:p>
+            <a:r>
+              <a:rPr lang="en-US" altLang="zh-CN" dirty="0"/>
+              <a:t> </a:t>
+            </a:r>
+            <a:endParaRPr lang="zh-CN" altLang="zh-CN" dirty="0"/>
+          </a:p>
+          <a:p>
+            <a:r>
+              <a:rPr lang="en-US" altLang="zh-CN" dirty="0" err="1"/>
+              <a:t>adb</a:t>
+            </a:r>
+            <a:r>
+              <a:rPr lang="en-US" altLang="zh-CN" dirty="0"/>
+              <a:t> shell command </a:t>
+            </a:r>
+            <a:r>
+              <a:rPr lang="zh-CN" altLang="zh-CN" dirty="0"/>
+              <a:t>描述见文件：</a:t>
+            </a:r>
+            <a:r>
+              <a:rPr lang="en-US" altLang="zh-CN" dirty="0"/>
+              <a:t>system/core/</a:t>
+            </a:r>
+            <a:r>
+              <a:rPr lang="en-US" altLang="zh-CN" dirty="0" err="1"/>
+              <a:t>adb</a:t>
+            </a:r>
+            <a:r>
+              <a:rPr lang="en-US" altLang="zh-CN" dirty="0"/>
+              <a:t>/SERVICES.TXT</a:t>
+            </a:r>
+            <a:endParaRPr lang="zh-CN" altLang="zh-CN" dirty="0"/>
+          </a:p>
+          <a:p>
+            <a:pPr lvl="1"/>
+            <a:endParaRPr lang="en-US" altLang="zh-CN" b="1" dirty="0" smtClean="0"/>
+          </a:p>
+          <a:p>
+            <a:pPr lvl="1"/>
+            <a:endParaRPr lang="en-US" altLang="zh-CN" dirty="0" smtClean="0"/>
+          </a:p>
+          <a:p>
+            <a:endParaRPr lang="en-US" altLang="zh-CN" dirty="0"/>
+          </a:p>
+          <a:p>
+            <a:pPr marL="0" indent="0">
+              <a:buNone/>
+            </a:pPr>
+            <a:endParaRPr lang="zh-CN" altLang="zh-CN" dirty="0"/>
+          </a:p>
+          <a:p>
+            <a:endParaRPr lang="en-US" altLang="zh-CN" sz="900" dirty="0" smtClean="0"/>
+          </a:p>
+          <a:p>
+            <a:pPr lvl="1"/>
+            <a:endParaRPr lang="en-US" altLang="zh-CN" sz="900" dirty="0" smtClean="0"/>
+          </a:p>
+          <a:p>
+            <a:pPr lvl="1"/>
+            <a:endParaRPr lang="en-US" altLang="zh-CN" sz="900" dirty="0" smtClean="0"/>
+          </a:p>
+        </p:txBody>
+      </p:sp>
+    </p:spTree>
+    <p:extLst>
+      <p:ext uri="{BB962C8B-B14F-4D97-AF65-F5344CB8AC3E}">
+        <p14:creationId xmlns:p14="http://schemas.microsoft.com/office/powerpoint/2010/main" val="1623837481"/>
+      </p:ext>
+    </p:extLst>
+  </p:cSld>
+  <p:clrMapOvr>
+    <a:masterClrMapping/>
+  </p:clrMapOvr>
+  <p:timing>
+    <p:tnLst>
+      <p:par>
+        <p:cTn id="1" dur="indefinite" restart="never" nodeType="tmRoot"/>
+      </p:par>
+    </p:tnLst>
+  </p:timing>
+</p:sld>
+</file>
+
+<file path=ppt/slides/slide17.xml><?xml version="1.0" encoding="utf-8"?>
+<p:sld xmlns:a="http://schemas.openxmlformats.org/drawingml/2006/main" xmlns:r="http://schemas.openxmlformats.org/officeDocument/2006/relationships" xmlns:p="http://schemas.openxmlformats.org/presentationml/2006/main">
+  <p:cSld>
+    <p:spTree>
+      <p:nvGrpSpPr>
+        <p:cNvPr id="1" name=""/>
+        <p:cNvGrpSpPr/>
+        <p:nvPr/>
+      </p:nvGrpSpPr>
+      <p:grpSpPr>
+        <a:xfrm>
+          <a:off x="0" y="0"/>
+          <a:ext cx="0" cy="0"/>
+          <a:chOff x="0" y="0"/>
+          <a:chExt cx="0" cy="0"/>
+        </a:xfrm>
+      </p:grpSpPr>
+      <p:sp>
+        <p:nvSpPr>
+          <p:cNvPr id="2" name="标题 1"/>
+          <p:cNvSpPr>
+            <a:spLocks noGrp="1"/>
+          </p:cNvSpPr>
+          <p:nvPr>
+            <p:ph type="title"/>
+          </p:nvPr>
+        </p:nvSpPr>
+        <p:spPr/>
+        <p:txBody>
+          <a:bodyPr/>
+          <a:lstStyle/>
+          <a:p>
+            <a:pPr lvl="1"/>
+            <a:r>
+              <a:rPr lang="en-US" altLang="zh-CN" b="1" dirty="0" err="1"/>
+              <a:t>adb</a:t>
+            </a:r>
+            <a:r>
+              <a:rPr lang="en-US" altLang="zh-CN" b="1" dirty="0"/>
+              <a:t> server&lt;--&gt;</a:t>
+            </a:r>
+            <a:r>
+              <a:rPr lang="en-US" altLang="zh-CN" b="1" dirty="0" err="1"/>
+              <a:t>adbd</a:t>
+            </a:r>
+            <a:endParaRPr lang="zh-CN" altLang="zh-CN" b="1" dirty="0"/>
+          </a:p>
+        </p:txBody>
+      </p:sp>
+      <p:sp>
+        <p:nvSpPr>
+          <p:cNvPr id="3" name="内容占位符 2"/>
+          <p:cNvSpPr>
+            <a:spLocks noGrp="1"/>
+          </p:cNvSpPr>
+          <p:nvPr>
+            <p:ph idx="1"/>
+          </p:nvPr>
+        </p:nvSpPr>
+        <p:spPr>
+          <a:xfrm>
+            <a:off x="467544" y="771550"/>
+            <a:ext cx="8229600" cy="3607049"/>
+          </a:xfrm>
+        </p:spPr>
+        <p:txBody>
+          <a:bodyPr>
+            <a:normAutofit/>
+          </a:bodyPr>
+          <a:lstStyle/>
+          <a:p>
+            <a:r>
+              <a:rPr lang="en-US" altLang="zh-CN" dirty="0" err="1"/>
+              <a:t>adb</a:t>
+            </a:r>
+            <a:r>
+              <a:rPr lang="en-US" altLang="zh-CN" dirty="0"/>
+              <a:t> server</a:t>
+            </a:r>
+            <a:r>
+              <a:rPr lang="zh-CN" altLang="zh-CN" dirty="0"/>
+              <a:t>和设备或者模拟器之间的通信方式，包含如下两种情况：</a:t>
+            </a:r>
+          </a:p>
+          <a:p>
+            <a:pPr lvl="1"/>
+            <a:r>
+              <a:rPr lang="en-US" altLang="zh-CN" b="1" dirty="0" smtClean="0"/>
+              <a:t> </a:t>
+            </a:r>
+            <a:r>
+              <a:rPr lang="en-US" altLang="zh-CN" dirty="0"/>
+              <a:t>USB </a:t>
+            </a:r>
+            <a:r>
+              <a:rPr lang="en-US" altLang="zh-CN" dirty="0" smtClean="0"/>
+              <a:t>transports</a:t>
+            </a:r>
+            <a:r>
+              <a:rPr lang="zh-CN" altLang="en-US" dirty="0"/>
+              <a:t>，</a:t>
+            </a:r>
+            <a:r>
+              <a:rPr lang="en-US" altLang="zh-CN" dirty="0" err="1" smtClean="0"/>
+              <a:t>通过</a:t>
+            </a:r>
+            <a:r>
+              <a:rPr lang="en-US" altLang="zh-CN" dirty="0" err="1"/>
+              <a:t>USB方式和物理设备通信</a:t>
+            </a:r>
+            <a:r>
+              <a:rPr lang="en-US" altLang="zh-CN" dirty="0"/>
+              <a:t>。</a:t>
+            </a:r>
+            <a:endParaRPr lang="zh-CN" altLang="zh-CN" dirty="0"/>
+          </a:p>
+          <a:p>
+            <a:pPr lvl="1"/>
+            <a:r>
+              <a:rPr lang="en-US" altLang="zh-CN" b="1" dirty="0" smtClean="0"/>
+              <a:t> </a:t>
+            </a:r>
+            <a:r>
+              <a:rPr lang="en-US" altLang="zh-CN" dirty="0"/>
+              <a:t>Local </a:t>
+            </a:r>
+            <a:r>
+              <a:rPr lang="en-US" altLang="zh-CN" dirty="0" smtClean="0"/>
+              <a:t>transports</a:t>
+            </a:r>
+            <a:r>
+              <a:rPr lang="zh-CN" altLang="en-US" dirty="0" smtClean="0"/>
+              <a:t>，</a:t>
+            </a:r>
+            <a:r>
+              <a:rPr lang="en-US" altLang="zh-CN" dirty="0" err="1" smtClean="0"/>
+              <a:t>通过本机的</a:t>
+            </a:r>
+            <a:r>
+              <a:rPr lang="en-US" altLang="zh-CN" dirty="0" err="1"/>
+              <a:t>TCP连接方式和模拟器通信</a:t>
+            </a:r>
+            <a:r>
+              <a:rPr lang="en-US" altLang="zh-CN" dirty="0"/>
+              <a:t>。</a:t>
+            </a:r>
+            <a:endParaRPr lang="zh-CN" altLang="zh-CN" dirty="0"/>
+          </a:p>
+          <a:p>
+            <a:r>
+              <a:rPr lang="en-US" altLang="zh-CN" dirty="0" err="1"/>
+              <a:t>Adb</a:t>
+            </a:r>
+            <a:r>
+              <a:rPr lang="en-US" altLang="zh-CN" dirty="0"/>
+              <a:t> server通过扫描所有5555到5585范围内的奇数端口来定位所有的模拟器或设备。</a:t>
+            </a:r>
+            <a:r>
+              <a:rPr lang="zh-CN" altLang="zh-CN" dirty="0"/>
+              <a:t>一旦</a:t>
+            </a:r>
+            <a:r>
+              <a:rPr lang="en-US" altLang="zh-CN" dirty="0" err="1"/>
+              <a:t>adb</a:t>
+            </a:r>
+            <a:r>
+              <a:rPr lang="en-US" altLang="zh-CN" dirty="0"/>
+              <a:t> server</a:t>
+            </a:r>
+            <a:r>
+              <a:rPr lang="zh-CN" altLang="zh-CN" dirty="0"/>
+              <a:t>找到了</a:t>
+            </a:r>
+            <a:r>
+              <a:rPr lang="en-US" altLang="zh-CN" dirty="0" err="1"/>
+              <a:t>adbd</a:t>
+            </a:r>
+            <a:r>
+              <a:rPr lang="zh-CN" altLang="zh-CN" dirty="0"/>
+              <a:t>守护程序，它将建立一个到该端口的连接。请注意任何模拟器或设备实例会取得两个连续的端口——一个偶数端口用来相应控制台的连接，和一个奇数端口用来响应</a:t>
+            </a:r>
+            <a:r>
+              <a:rPr lang="en-US" altLang="zh-CN" dirty="0" err="1"/>
+              <a:t>adb</a:t>
+            </a:r>
+            <a:r>
+              <a:rPr lang="zh-CN" altLang="zh-CN" dirty="0"/>
+              <a:t>连接。比如说：</a:t>
+            </a:r>
+          </a:p>
+          <a:p>
+            <a:r>
+              <a:rPr lang="zh-CN" altLang="zh-CN" dirty="0"/>
+              <a:t>模拟器</a:t>
+            </a:r>
+            <a:r>
+              <a:rPr lang="en-US" altLang="zh-CN" dirty="0"/>
+              <a:t>1</a:t>
+            </a:r>
+            <a:r>
+              <a:rPr lang="zh-CN" altLang="zh-CN" dirty="0"/>
+              <a:t>，控制台：端口</a:t>
+            </a:r>
+            <a:r>
+              <a:rPr lang="en-US" altLang="zh-CN" dirty="0"/>
+              <a:t>5554</a:t>
+            </a:r>
+            <a:endParaRPr lang="zh-CN" altLang="zh-CN" dirty="0"/>
+          </a:p>
+          <a:p>
+            <a:r>
+              <a:rPr lang="zh-CN" altLang="zh-CN" dirty="0"/>
+              <a:t>模拟器</a:t>
+            </a:r>
+            <a:r>
+              <a:rPr lang="en-US" altLang="zh-CN" dirty="0"/>
+              <a:t>1</a:t>
+            </a:r>
+            <a:r>
+              <a:rPr lang="zh-CN" altLang="zh-CN" dirty="0"/>
+              <a:t>，</a:t>
+            </a:r>
+            <a:r>
+              <a:rPr lang="en-US" altLang="zh-CN" dirty="0" err="1"/>
+              <a:t>Adb</a:t>
+            </a:r>
+            <a:r>
+              <a:rPr lang="zh-CN" altLang="zh-CN" dirty="0"/>
+              <a:t>端口</a:t>
+            </a:r>
+            <a:r>
+              <a:rPr lang="en-US" altLang="zh-CN" dirty="0"/>
+              <a:t>5555</a:t>
+            </a:r>
+            <a:endParaRPr lang="zh-CN" altLang="zh-CN" dirty="0"/>
+          </a:p>
+          <a:p>
+            <a:r>
+              <a:rPr lang="zh-CN" altLang="zh-CN" dirty="0"/>
+              <a:t>模拟器</a:t>
+            </a:r>
+            <a:r>
+              <a:rPr lang="en-US" altLang="zh-CN" dirty="0"/>
+              <a:t>2</a:t>
+            </a:r>
+            <a:r>
+              <a:rPr lang="zh-CN" altLang="zh-CN" dirty="0"/>
+              <a:t>，控制台端口</a:t>
+            </a:r>
+            <a:r>
+              <a:rPr lang="en-US" altLang="zh-CN" dirty="0"/>
+              <a:t> 5556</a:t>
+            </a:r>
+            <a:endParaRPr lang="zh-CN" altLang="zh-CN" dirty="0"/>
+          </a:p>
+          <a:p>
+            <a:r>
+              <a:rPr lang="zh-CN" altLang="zh-CN" dirty="0"/>
+              <a:t>模拟器</a:t>
+            </a:r>
+            <a:r>
+              <a:rPr lang="en-US" altLang="zh-CN" dirty="0"/>
+              <a:t>2</a:t>
+            </a:r>
+            <a:r>
+              <a:rPr lang="zh-CN" altLang="zh-CN" dirty="0"/>
+              <a:t>，</a:t>
+            </a:r>
+            <a:r>
+              <a:rPr lang="en-US" altLang="zh-CN" dirty="0" err="1"/>
+              <a:t>Adb</a:t>
+            </a:r>
+            <a:r>
+              <a:rPr lang="zh-CN" altLang="zh-CN" dirty="0"/>
+              <a:t>端口</a:t>
+            </a:r>
+            <a:r>
+              <a:rPr lang="en-US" altLang="zh-CN" dirty="0"/>
+              <a:t>5557</a:t>
+            </a:r>
+            <a:endParaRPr lang="zh-CN" altLang="zh-CN" dirty="0"/>
+          </a:p>
+          <a:p>
+            <a:r>
+              <a:rPr lang="zh-CN" altLang="zh-CN" dirty="0" smtClean="0"/>
+              <a:t>…</a:t>
+            </a:r>
+            <a:endParaRPr lang="en-US" altLang="zh-CN" b="1" dirty="0" smtClean="0"/>
+          </a:p>
+          <a:p>
+            <a:pPr lvl="1"/>
+            <a:endParaRPr lang="en-US" altLang="zh-CN" dirty="0" smtClean="0"/>
+          </a:p>
+          <a:p>
+            <a:endParaRPr lang="en-US" altLang="zh-CN" dirty="0"/>
+          </a:p>
+          <a:p>
+            <a:pPr marL="0" indent="0">
+              <a:buNone/>
+            </a:pPr>
+            <a:endParaRPr lang="zh-CN" altLang="zh-CN" dirty="0"/>
+          </a:p>
+          <a:p>
+            <a:endParaRPr lang="en-US" altLang="zh-CN" sz="900" dirty="0" smtClean="0"/>
+          </a:p>
+          <a:p>
+            <a:pPr lvl="1"/>
+            <a:endParaRPr lang="en-US" altLang="zh-CN" sz="900" dirty="0" smtClean="0"/>
+          </a:p>
+          <a:p>
+            <a:pPr lvl="1"/>
+            <a:endParaRPr lang="en-US" altLang="zh-CN" sz="900" dirty="0" smtClean="0"/>
+          </a:p>
+        </p:txBody>
+      </p:sp>
+    </p:spTree>
+    <p:extLst>
+      <p:ext uri="{BB962C8B-B14F-4D97-AF65-F5344CB8AC3E}">
+        <p14:creationId xmlns:p14="http://schemas.microsoft.com/office/powerpoint/2010/main" val="202971110"/>
+      </p:ext>
+    </p:extLst>
+  </p:cSld>
+  <p:clrMapOvr>
+    <a:masterClrMapping/>
+  </p:clrMapOvr>
+  <p:timing>
+    <p:tnLst>
+      <p:par>
+        <p:cTn id="1" dur="indefinite" restart="never" nodeType="tmRoot"/>
+      </p:par>
+    </p:tnLst>
+  </p:timing>
+</p:sld>
+</file>
+
+<file path=ppt/slides/slide18.xml><?xml version="1.0" encoding="utf-8"?>
+<p:sld xmlns:a="http://schemas.openxmlformats.org/drawingml/2006/main" xmlns:r="http://schemas.openxmlformats.org/officeDocument/2006/relationships" xmlns:p="http://schemas.openxmlformats.org/presentationml/2006/main">
+  <p:cSld>
+    <p:spTree>
+      <p:nvGrpSpPr>
+        <p:cNvPr id="1" name=""/>
+        <p:cNvGrpSpPr/>
+        <p:nvPr/>
+      </p:nvGrpSpPr>
+      <p:grpSpPr>
+        <a:xfrm>
+          <a:off x="0" y="0"/>
+          <a:ext cx="0" cy="0"/>
+          <a:chOff x="0" y="0"/>
+          <a:chExt cx="0" cy="0"/>
+        </a:xfrm>
+      </p:grpSpPr>
+      <p:sp>
+        <p:nvSpPr>
+          <p:cNvPr id="2" name="标题 1"/>
+          <p:cNvSpPr>
+            <a:spLocks noGrp="1"/>
+          </p:cNvSpPr>
+          <p:nvPr>
+            <p:ph type="title"/>
+          </p:nvPr>
+        </p:nvSpPr>
+        <p:spPr/>
+        <p:txBody>
+          <a:bodyPr/>
+          <a:lstStyle/>
+          <a:p>
+            <a:pPr lvl="1"/>
+            <a:r>
+              <a:rPr lang="en-US" altLang="zh-CN" b="1" dirty="0" smtClean="0"/>
+              <a:t>ADB </a:t>
+            </a:r>
+            <a:r>
+              <a:rPr lang="zh-CN" altLang="en-US" b="1" dirty="0" smtClean="0"/>
+              <a:t>协议</a:t>
+            </a:r>
+            <a:endParaRPr lang="zh-CN" altLang="zh-CN" b="1" dirty="0"/>
+          </a:p>
+        </p:txBody>
+      </p:sp>
+      <p:sp>
+        <p:nvSpPr>
+          <p:cNvPr id="3" name="内容占位符 2"/>
+          <p:cNvSpPr>
+            <a:spLocks noGrp="1"/>
+          </p:cNvSpPr>
+          <p:nvPr>
+            <p:ph idx="1"/>
+          </p:nvPr>
+        </p:nvSpPr>
+        <p:spPr>
+          <a:xfrm>
+            <a:off x="467544" y="771550"/>
+            <a:ext cx="8229600" cy="3607049"/>
+          </a:xfrm>
+        </p:spPr>
+        <p:txBody>
+          <a:bodyPr>
+            <a:normAutofit fontScale="70000" lnSpcReduction="20000"/>
+          </a:bodyPr>
+          <a:lstStyle/>
+          <a:p>
+            <a:r>
+              <a:rPr lang="en-US" altLang="zh-CN" dirty="0"/>
+              <a:t>transport</a:t>
+            </a:r>
+            <a:r>
+              <a:rPr lang="zh-CN" altLang="zh-CN" dirty="0"/>
+              <a:t>层用于处理消息，每个消息包含</a:t>
+            </a:r>
+            <a:r>
+              <a:rPr lang="en-US" altLang="zh-CN" dirty="0"/>
+              <a:t>24</a:t>
+            </a:r>
+            <a:r>
+              <a:rPr lang="zh-CN" altLang="zh-CN" dirty="0"/>
+              <a:t>个字节的头部，定义如下（代码见：</a:t>
+            </a:r>
+            <a:r>
+              <a:rPr lang="en-US" altLang="zh-CN" dirty="0" err="1"/>
+              <a:t>adb.h</a:t>
+            </a:r>
+            <a:r>
+              <a:rPr lang="zh-CN" altLang="zh-CN" dirty="0"/>
+              <a:t>）。</a:t>
+            </a:r>
+          </a:p>
+          <a:p>
+            <a:r>
+              <a:rPr lang="en-US" altLang="zh-CN" dirty="0" err="1"/>
+              <a:t>struct</a:t>
+            </a:r>
+            <a:r>
+              <a:rPr lang="en-US" altLang="zh-CN" dirty="0"/>
+              <a:t> message {</a:t>
+            </a:r>
+            <a:endParaRPr lang="zh-CN" altLang="zh-CN" dirty="0"/>
+          </a:p>
+          <a:p>
+            <a:r>
+              <a:rPr lang="en-US" altLang="zh-CN" dirty="0"/>
+              <a:t>   unsigned command;		// command identifier constant</a:t>
+            </a:r>
+            <a:endParaRPr lang="zh-CN" altLang="zh-CN" dirty="0"/>
+          </a:p>
+          <a:p>
+            <a:r>
+              <a:rPr lang="en-US" altLang="zh-CN" dirty="0"/>
+              <a:t>   unsigned arg0;			// remote file descriptor</a:t>
+            </a:r>
+            <a:endParaRPr lang="zh-CN" altLang="zh-CN" dirty="0"/>
+          </a:p>
+          <a:p>
+            <a:r>
+              <a:rPr lang="en-US" altLang="zh-CN" dirty="0"/>
+              <a:t>   unsigned arg1;			// local file descriptor</a:t>
+            </a:r>
+            <a:endParaRPr lang="zh-CN" altLang="zh-CN" dirty="0"/>
+          </a:p>
+          <a:p>
+            <a:r>
+              <a:rPr lang="en-US" altLang="zh-CN" dirty="0"/>
+              <a:t>   unsigned </a:t>
+            </a:r>
+            <a:r>
+              <a:rPr lang="en-US" altLang="zh-CN" dirty="0" err="1"/>
+              <a:t>data_length</a:t>
+            </a:r>
+            <a:r>
+              <a:rPr lang="en-US" altLang="zh-CN" dirty="0"/>
+              <a:t>;	// payload length</a:t>
+            </a:r>
+            <a:endParaRPr lang="zh-CN" altLang="zh-CN" dirty="0"/>
+          </a:p>
+          <a:p>
+            <a:r>
+              <a:rPr lang="en-US" altLang="zh-CN" dirty="0"/>
+              <a:t>   unsigned data_crc32;	// checksum of data payload</a:t>
+            </a:r>
+            <a:endParaRPr lang="zh-CN" altLang="zh-CN" dirty="0"/>
+          </a:p>
+          <a:p>
+            <a:r>
+              <a:rPr lang="en-US" altLang="zh-CN" dirty="0"/>
+              <a:t>   unsigned magic;		// command ^ 0xffffffff</a:t>
+            </a:r>
+            <a:endParaRPr lang="zh-CN" altLang="zh-CN" dirty="0"/>
+          </a:p>
+          <a:p>
+            <a:r>
+              <a:rPr lang="en-US" altLang="zh-CN" dirty="0"/>
+              <a:t>};</a:t>
+            </a:r>
+            <a:endParaRPr lang="zh-CN" altLang="zh-CN" dirty="0"/>
+          </a:p>
+          <a:p>
+            <a:r>
+              <a:rPr lang="en-US" altLang="zh-CN" dirty="0"/>
+              <a:t> </a:t>
+            </a:r>
+            <a:endParaRPr lang="zh-CN" altLang="zh-CN" dirty="0"/>
+          </a:p>
+          <a:p>
+            <a:r>
+              <a:rPr lang="en-US" altLang="zh-CN" dirty="0" err="1" smtClean="0"/>
+              <a:t>adb</a:t>
+            </a:r>
+            <a:r>
+              <a:rPr lang="en-US" altLang="zh-CN" dirty="0" smtClean="0"/>
+              <a:t> </a:t>
+            </a:r>
+            <a:r>
+              <a:rPr lang="en-US" altLang="zh-CN" dirty="0"/>
+              <a:t>server 和 </a:t>
+            </a:r>
+            <a:r>
+              <a:rPr lang="en-US" altLang="zh-CN" dirty="0" err="1"/>
+              <a:t>adbd传输和接收的都是apacket结构数据，定义如下</a:t>
+            </a:r>
+            <a:r>
+              <a:rPr lang="en-US" altLang="zh-CN" dirty="0"/>
+              <a:t>：</a:t>
+            </a:r>
+            <a:endParaRPr lang="zh-CN" altLang="zh-CN" dirty="0"/>
+          </a:p>
+          <a:p>
+            <a:r>
+              <a:rPr lang="en-US" altLang="zh-CN" dirty="0" err="1"/>
+              <a:t>struct</a:t>
+            </a:r>
+            <a:r>
+              <a:rPr lang="en-US" altLang="zh-CN" dirty="0"/>
+              <a:t> </a:t>
+            </a:r>
+            <a:r>
+              <a:rPr lang="en-US" altLang="zh-CN" dirty="0" err="1"/>
+              <a:t>apacket</a:t>
+            </a:r>
+            <a:endParaRPr lang="zh-CN" altLang="zh-CN" dirty="0"/>
+          </a:p>
+          <a:p>
+            <a:r>
+              <a:rPr lang="en-US" altLang="zh-CN" dirty="0"/>
+              <a:t>{</a:t>
+            </a:r>
+            <a:endParaRPr lang="zh-CN" altLang="zh-CN" dirty="0"/>
+          </a:p>
+          <a:p>
+            <a:r>
+              <a:rPr lang="en-US" altLang="zh-CN" dirty="0"/>
+              <a:t>    </a:t>
+            </a:r>
+            <a:r>
+              <a:rPr lang="en-US" altLang="zh-CN" dirty="0" err="1"/>
+              <a:t>apacket</a:t>
+            </a:r>
+            <a:r>
+              <a:rPr lang="en-US" altLang="zh-CN" dirty="0"/>
+              <a:t> *next;</a:t>
+            </a:r>
+            <a:endParaRPr lang="zh-CN" altLang="zh-CN" dirty="0"/>
+          </a:p>
+          <a:p>
+            <a:r>
+              <a:rPr lang="en-US" altLang="zh-CN" dirty="0"/>
+              <a:t> </a:t>
+            </a:r>
+            <a:endParaRPr lang="zh-CN" altLang="zh-CN" dirty="0"/>
+          </a:p>
+          <a:p>
+            <a:r>
+              <a:rPr lang="en-US" altLang="zh-CN" dirty="0"/>
+              <a:t>    unsigned </a:t>
+            </a:r>
+            <a:r>
+              <a:rPr lang="en-US" altLang="zh-CN" dirty="0" err="1"/>
+              <a:t>len</a:t>
+            </a:r>
+            <a:r>
+              <a:rPr lang="en-US" altLang="zh-CN" dirty="0"/>
+              <a:t>;</a:t>
+            </a:r>
+            <a:endParaRPr lang="zh-CN" altLang="zh-CN" dirty="0"/>
+          </a:p>
+          <a:p>
+            <a:r>
+              <a:rPr lang="en-US" altLang="zh-CN" dirty="0"/>
+              <a:t>    unsigned char *</a:t>
+            </a:r>
+            <a:r>
+              <a:rPr lang="en-US" altLang="zh-CN" dirty="0" err="1"/>
+              <a:t>ptr</a:t>
+            </a:r>
+            <a:r>
+              <a:rPr lang="en-US" altLang="zh-CN" dirty="0"/>
+              <a:t>;</a:t>
+            </a:r>
+            <a:endParaRPr lang="zh-CN" altLang="zh-CN" dirty="0"/>
+          </a:p>
+          <a:p>
+            <a:r>
+              <a:rPr lang="en-US" altLang="zh-CN" dirty="0"/>
+              <a:t> </a:t>
+            </a:r>
+            <a:endParaRPr lang="zh-CN" altLang="zh-CN" dirty="0"/>
+          </a:p>
+          <a:p>
+            <a:r>
+              <a:rPr lang="en-US" altLang="zh-CN" dirty="0"/>
+              <a:t>    </a:t>
+            </a:r>
+            <a:r>
+              <a:rPr lang="en-US" altLang="zh-CN" dirty="0" err="1"/>
+              <a:t>amessage</a:t>
+            </a:r>
+            <a:r>
+              <a:rPr lang="en-US" altLang="zh-CN" dirty="0"/>
+              <a:t> </a:t>
+            </a:r>
+            <a:r>
+              <a:rPr lang="en-US" altLang="zh-CN" dirty="0" err="1"/>
+              <a:t>msg</a:t>
+            </a:r>
+            <a:r>
+              <a:rPr lang="en-US" altLang="zh-CN" dirty="0"/>
+              <a:t>;</a:t>
+            </a:r>
+            <a:endParaRPr lang="zh-CN" altLang="zh-CN" dirty="0"/>
+          </a:p>
+          <a:p>
+            <a:r>
+              <a:rPr lang="en-US" altLang="zh-CN" dirty="0"/>
+              <a:t>    unsigned char data[MAX_PAYLOAD];</a:t>
+            </a:r>
+            <a:endParaRPr lang="zh-CN" altLang="zh-CN" dirty="0"/>
+          </a:p>
+          <a:p>
+            <a:r>
+              <a:rPr lang="en-US" altLang="zh-CN" dirty="0"/>
+              <a:t>};</a:t>
+            </a:r>
+            <a:endParaRPr lang="zh-CN" altLang="zh-CN" dirty="0"/>
+          </a:p>
+          <a:p>
+            <a:pPr lvl="1"/>
+            <a:endParaRPr lang="en-US" altLang="zh-CN" dirty="0" smtClean="0"/>
+          </a:p>
+          <a:p>
+            <a:endParaRPr lang="en-US" altLang="zh-CN" dirty="0"/>
+          </a:p>
+          <a:p>
+            <a:pPr marL="0" indent="0">
+              <a:buNone/>
+            </a:pPr>
+            <a:endParaRPr lang="zh-CN" altLang="zh-CN" dirty="0"/>
+          </a:p>
+          <a:p>
+            <a:endParaRPr lang="en-US" altLang="zh-CN" sz="900" dirty="0" smtClean="0"/>
+          </a:p>
+          <a:p>
+            <a:pPr lvl="1"/>
+            <a:endParaRPr lang="en-US" altLang="zh-CN" sz="900" dirty="0" smtClean="0"/>
+          </a:p>
+          <a:p>
+            <a:pPr lvl="1"/>
+            <a:endParaRPr lang="en-US" altLang="zh-CN" sz="900" dirty="0" smtClean="0"/>
+          </a:p>
+        </p:txBody>
+      </p:sp>
+    </p:spTree>
+    <p:extLst>
+      <p:ext uri="{BB962C8B-B14F-4D97-AF65-F5344CB8AC3E}">
+        <p14:creationId xmlns:p14="http://schemas.microsoft.com/office/powerpoint/2010/main" val="315437239"/>
+      </p:ext>
+    </p:extLst>
+  </p:cSld>
+  <p:clrMapOvr>
+    <a:masterClrMapping/>
+  </p:clrMapOvr>
+  <p:timing>
+    <p:tnLst>
+      <p:par>
+        <p:cTn id="1" dur="indefinite" restart="never" nodeType="tmRoot"/>
+      </p:par>
+    </p:tnLst>
+  </p:timing>
+</p:sld>
+</file>
+
+<file path=ppt/slides/slide19.xml><?xml version="1.0" encoding="utf-8"?>
+<p:sld xmlns:a="http://schemas.openxmlformats.org/drawingml/2006/main" xmlns:r="http://schemas.openxmlformats.org/officeDocument/2006/relationships" xmlns:p="http://schemas.openxmlformats.org/presentationml/2006/main">
+  <p:cSld>
+    <p:bg>
+      <p:bgPr>
+        <a:blipFill dpi="0" rotWithShape="1">
+          <a:blip r:embed="rId2" cstate="print">
+            <a:lum/>
+          </a:blip>
+          <a:srcRect/>
+          <a:stretch>
+            <a:fillRect/>
+          </a:stretch>
+        </a:blipFill>
+        <a:effectLst/>
+      </p:bgPr>
+    </p:bg>
+    <p:spTree>
+      <p:nvGrpSpPr>
+        <p:cNvPr id="1" name=""/>
+        <p:cNvGrpSpPr/>
+        <p:nvPr/>
+      </p:nvGrpSpPr>
+      <p:grpSpPr>
+        <a:xfrm>
+          <a:off x="0" y="0"/>
+          <a:ext cx="0" cy="0"/>
+          <a:chOff x="0" y="0"/>
+          <a:chExt cx="0" cy="0"/>
+        </a:xfrm>
+      </p:grpSpPr>
+      <p:sp>
+        <p:nvSpPr>
+          <p:cNvPr id="4" name="标题 1"/>
+          <p:cNvSpPr>
+            <a:spLocks noGrp="1"/>
+          </p:cNvSpPr>
+          <p:nvPr>
+            <p:ph type="title"/>
+          </p:nvPr>
+        </p:nvSpPr>
+        <p:spPr>
+          <a:xfrm>
+            <a:off x="3428992" y="3214693"/>
+            <a:ext cx="2357454" cy="1214445"/>
+          </a:xfrm>
+        </p:spPr>
+        <p:txBody>
+          <a:bodyPr/>
+          <a:lstStyle/>
+          <a:p>
+            <a:pPr algn="ctr"/>
+            <a:r>
+              <a:rPr lang="en-US" altLang="zh-CN" sz="2800" dirty="0" smtClean="0">
+                <a:latin typeface="Arial" pitchFamily="34" charset="0"/>
+                <a:cs typeface="Arial" pitchFamily="34" charset="0"/>
+              </a:rPr>
+              <a:t>THANK YOU!</a:t>
+            </a:r>
+            <a:endParaRPr lang="zh-CN" altLang="en-US" sz="2800" dirty="0">
+              <a:solidFill>
+                <a:schemeClr val="bg1">
+                  <a:lumMod val="85000"/>
+                </a:schemeClr>
+              </a:solidFill>
+              <a:latin typeface="Arial" pitchFamily="34" charset="0"/>
+              <a:cs typeface="Arial" pitchFamily="34" charset="0"/>
             </a:endParaRPr>
           </a:p>
         </p:txBody>
@@ -3528,96 +6325,13 @@
             </a:pPr>
             <a:r>
               <a:rPr lang="en-US" altLang="zh-CN" dirty="0" smtClean="0"/>
-              <a:t>Highlight</a:t>
-            </a:r>
-          </a:p>
-          <a:p>
-            <a:pPr lvl="1">
-              <a:lnSpc>
-                <a:spcPct val="150000"/>
-              </a:lnSpc>
-            </a:pPr>
-            <a:r>
-              <a:rPr lang="zh-CN" altLang="en-US" sz="1200" dirty="0" smtClean="0"/>
-              <a:t>静态代码审查工具</a:t>
-            </a:r>
-            <a:r>
-              <a:rPr lang="en-US" altLang="zh-CN" sz="1200" dirty="0" err="1" smtClean="0"/>
-              <a:t>coverity</a:t>
-            </a:r>
-            <a:r>
-              <a:rPr lang="zh-CN" altLang="en-US" sz="1200" dirty="0" smtClean="0"/>
-              <a:t>，本周重点关注这其中</a:t>
-            </a:r>
-            <a:r>
-              <a:rPr lang="en-US" altLang="zh-CN" sz="1200" dirty="0" smtClean="0"/>
-              <a:t>vendor</a:t>
-            </a:r>
-            <a:r>
-              <a:rPr lang="zh-CN" altLang="en-US" sz="1200" dirty="0" smtClean="0"/>
-              <a:t>目录下一共</a:t>
-            </a:r>
-            <a:r>
-              <a:rPr lang="en-US" altLang="zh-CN" sz="1200" dirty="0" smtClean="0"/>
-              <a:t>108</a:t>
-            </a:r>
-            <a:r>
-              <a:rPr lang="zh-CN" altLang="en-US" sz="1200" dirty="0" smtClean="0"/>
-              <a:t>项</a:t>
-            </a:r>
-            <a:r>
-              <a:rPr lang="en-US" altLang="zh-CN" sz="1200" dirty="0" smtClean="0"/>
-              <a:t>High</a:t>
-            </a:r>
-            <a:r>
-              <a:rPr lang="zh-CN" altLang="en-US" sz="1200" dirty="0" smtClean="0"/>
-              <a:t>的错误，完成</a:t>
-            </a:r>
-            <a:r>
-              <a:rPr lang="en-US" altLang="zh-CN" sz="1200" dirty="0" smtClean="0"/>
-              <a:t>100</a:t>
-            </a:r>
-            <a:r>
-              <a:rPr lang="zh-CN" altLang="en-US" sz="1200" dirty="0" smtClean="0"/>
-              <a:t>项的检查。</a:t>
-            </a:r>
-            <a:endParaRPr lang="en-US" altLang="zh-CN" sz="1200" dirty="0" smtClean="0"/>
-          </a:p>
-          <a:p>
-            <a:pPr lvl="1">
-              <a:lnSpc>
-                <a:spcPct val="150000"/>
-              </a:lnSpc>
-            </a:pPr>
-            <a:r>
-              <a:rPr lang="en-US" altLang="zh-CN" sz="1200" dirty="0" smtClean="0"/>
               <a:t>ADB</a:t>
             </a:r>
             <a:r>
-              <a:rPr lang="zh-CN" altLang="en-US" sz="1200" dirty="0" smtClean="0"/>
-              <a:t>实现原理</a:t>
-            </a:r>
-            <a:r>
-              <a:rPr lang="en-US" altLang="zh-CN" sz="1200" dirty="0" smtClean="0"/>
-              <a:t>/</a:t>
-            </a:r>
-            <a:r>
-              <a:rPr lang="en-US" altLang="zh-CN" sz="1200" dirty="0" err="1" smtClean="0"/>
-              <a:t>Fastboot</a:t>
-            </a:r>
-            <a:r>
-              <a:rPr lang="zh-CN" altLang="en-US" sz="1200" dirty="0" smtClean="0"/>
-              <a:t>实现原理</a:t>
-            </a:r>
-            <a:r>
-              <a:rPr lang="en-US" altLang="zh-CN" sz="1200" dirty="0" smtClean="0"/>
-              <a:t>/ADB root</a:t>
-            </a:r>
-            <a:r>
-              <a:rPr lang="zh-CN" altLang="en-US" sz="1200" dirty="0" smtClean="0"/>
-              <a:t>原理的学习</a:t>
-            </a:r>
-            <a:endParaRPr lang="en-US" altLang="zh-CN" sz="1200" dirty="0" smtClean="0"/>
+              <a:rPr lang="zh-CN" altLang="en-US" dirty="0" smtClean="0"/>
+              <a:t>概述</a:t>
+            </a:r>
+            <a:endParaRPr lang="en-US" altLang="zh-CN" dirty="0" smtClean="0"/>
           </a:p>
           <a:p>
             <a:pPr>
@@ -3627,18 +6341,11 @@
             </a:pPr>
             <a:r>
               <a:rPr lang="en-US" altLang="zh-CN" dirty="0" smtClean="0"/>
-              <a:t>Lowlight</a:t>
-            </a:r>
-          </a:p>
-          <a:p>
-            <a:pPr lvl="1">
-              <a:lnSpc>
-                <a:spcPct val="150000"/>
-              </a:lnSpc>
-            </a:pPr>
-            <a:r>
-              <a:rPr lang="en-US" altLang="zh-CN" sz="1200" smtClean="0"/>
-              <a:t>N/A</a:t>
+              <a:t>ADB</a:t>
+            </a:r>
+            <a:r>
+              <a:rPr lang="zh-CN" altLang="en-US" dirty="0" smtClean="0"/>
+              <a:t>整体架构和模块组成</a:t>
             </a:r>
             <a:endParaRPr lang="en-US" altLang="zh-CN" dirty="0" smtClean="0"/>
           </a:p>
@@ -3650,56 +6357,62 @@
             </a:pPr>
             <a:r>
               <a:rPr lang="en-US" altLang="zh-CN" dirty="0" smtClean="0"/>
-              <a:t>Summary</a:t>
-            </a:r>
-          </a:p>
-          <a:p>
-            <a:pPr lvl="1">
+              <a:t>ADBD</a:t>
+            </a:r>
+          </a:p>
+          <a:p>
+            <a:pPr>
               <a:lnSpc>
                 <a:spcPct val="150000"/>
               </a:lnSpc>
             </a:pPr>
             <a:r>
-              <a:rPr lang="zh-CN" altLang="en-US" sz="1200" dirty="0" smtClean="0"/>
-              <a:t>静态代码审查工具</a:t>
-            </a:r>
-            <a:r>
-              <a:rPr lang="en-US" altLang="zh-CN" sz="1200" dirty="0" err="1" smtClean="0"/>
-              <a:t>coverity</a:t>
-            </a:r>
-            <a:r>
-              <a:rPr lang="zh-CN" altLang="en-US" sz="1200" dirty="0" smtClean="0"/>
-              <a:t>。</a:t>
-            </a:r>
-            <a:endParaRPr lang="en-US" altLang="zh-CN" sz="1200" dirty="0" smtClean="0"/>
-          </a:p>
-          <a:p>
-            <a:pPr lvl="1">
+              <a:rPr lang="en-US" altLang="zh-CN" dirty="0" smtClean="0"/>
+              <a:t>ADB Server</a:t>
+            </a:r>
+          </a:p>
+          <a:p>
+            <a:pPr>
               <a:lnSpc>
                 <a:spcPct val="150000"/>
               </a:lnSpc>
             </a:pPr>
             <a:r>
-              <a:rPr lang="zh-CN" altLang="en-US" sz="1200" dirty="0" smtClean="0"/>
-              <a:t>本周搭建了自己编译的</a:t>
-            </a:r>
-            <a:r>
-              <a:rPr lang="en-US" altLang="zh-CN" sz="1200" dirty="0" smtClean="0"/>
-              <a:t>ADB Server</a:t>
-            </a:r>
-            <a:r>
-              <a:rPr lang="zh-CN" altLang="en-US" sz="1200" dirty="0" smtClean="0"/>
-              <a:t>和</a:t>
-            </a:r>
-            <a:r>
-              <a:rPr lang="en-US" altLang="zh-CN" sz="1200" dirty="0" smtClean="0"/>
-              <a:t>ADBD</a:t>
-            </a:r>
-            <a:r>
-              <a:rPr lang="zh-CN" altLang="en-US" sz="1200" dirty="0" smtClean="0"/>
-              <a:t>，可以在手机和电脑上运行，输出调试信息</a:t>
-            </a:r>
-            <a:endParaRPr lang="en-US" altLang="zh-CN" sz="1200" dirty="0" smtClean="0"/>
+              <a:rPr lang="en-US" altLang="zh-CN" dirty="0" smtClean="0"/>
+              <a:t>ADB client</a:t>
+            </a:r>
+          </a:p>
+          <a:p>
+            <a:pPr>
+              <a:lnSpc>
+                <a:spcPct val="150000"/>
+              </a:lnSpc>
+            </a:pPr>
+            <a:r>
+              <a:rPr lang="en-US" altLang="zh-CN" dirty="0" smtClean="0"/>
+              <a:t>ADB </a:t>
+            </a:r>
+            <a:r>
+              <a:rPr lang="zh-CN" altLang="en-US" dirty="0" smtClean="0"/>
+              <a:t>通信</a:t>
+            </a:r>
+            <a:endParaRPr lang="en-US" altLang="zh-CN" dirty="0" smtClean="0"/>
+          </a:p>
+          <a:p>
+            <a:pPr>
+              <a:lnSpc>
+                <a:spcPct val="150000"/>
+              </a:lnSpc>
+            </a:pPr>
+            <a:r>
+              <a:rPr lang="en-US" altLang="zh-CN" dirty="0" smtClean="0"/>
+              <a:t>ADB </a:t>
+            </a:r>
+            <a:r>
+              <a:rPr lang="zh-CN" altLang="en-US" dirty="0" smtClean="0"/>
+              <a:t>协议</a:t>
+            </a:r>
+            <a:endParaRPr lang="en-US" altLang="zh-CN" dirty="0" smtClean="0"/>
           </a:p>
         </p:txBody>
       </p:sp>
@@ -3719,10 +6432,9 @@
           <a:lstStyle/>
           <a:p>
             <a:r>
-              <a:rPr lang="en-US" altLang="zh-CN" dirty="0" smtClean="0"/>
-              <a:t>Execute Summary</a:t>
-            </a:r>
-            <a:endParaRPr lang="zh-CN" altLang="en-US" dirty="0"/>
+              <a:rPr lang="zh-CN" altLang="en-US" dirty="0"/>
+              <a:t>目录</a:t>
+            </a:r>
           </a:p>
         </p:txBody>
       </p:sp>
@@ -3775,7 +6487,11 @@
           <a:p>
             <a:r>
               <a:rPr lang="en-US" altLang="zh-CN" dirty="0" smtClean="0"/>
-              <a:t>ADBD</a:t>
+              <a:t>ADB</a:t>
+            </a:r>
+            <a:r>
+              <a:rPr lang="zh-CN" altLang="en-US" dirty="0" smtClean="0"/>
+              <a:t>概述</a:t>
             </a:r>
             <a:endParaRPr lang="zh-CN" altLang="en-US" dirty="0"/>
           </a:p>
@@ -3804,32 +6520,234 @@
           <a:lstStyle/>
           <a:p>
             <a:r>
+              <a:rPr lang="x-none" altLang="zh-CN" dirty="0"/>
+              <a:t>Android Debug Bridge (adb) </a:t>
+            </a:r>
+            <a:r>
+              <a:rPr lang="zh-CN" altLang="zh-CN" dirty="0"/>
+              <a:t>是一个</a:t>
+            </a:r>
+            <a:r>
+              <a:rPr lang="x-none" altLang="zh-CN" dirty="0"/>
+              <a:t>android</a:t>
+            </a:r>
+            <a:r>
+              <a:rPr lang="zh-CN" altLang="zh-CN" dirty="0"/>
+              <a:t>开发调试工具</a:t>
+            </a:r>
+            <a:r>
+              <a:rPr lang="zh-CN" altLang="en-US" dirty="0" smtClean="0"/>
+              <a:t>。</a:t>
+            </a:r>
+            <a:endParaRPr lang="en-US" altLang="zh-CN" dirty="0" smtClean="0"/>
+          </a:p>
+          <a:p>
+            <a:endParaRPr lang="en-US" altLang="zh-CN" dirty="0"/>
+          </a:p>
+          <a:p>
+            <a:r>
+              <a:rPr lang="x-none" altLang="zh-CN" dirty="0"/>
+              <a:t>adb</a:t>
+            </a:r>
+            <a:r>
+              <a:rPr lang="zh-CN" altLang="zh-CN" dirty="0"/>
+              <a:t>源码位置是：</a:t>
+            </a:r>
+            <a:r>
+              <a:rPr lang="x-none" altLang="zh-CN" dirty="0"/>
+              <a:t>system/core/adb</a:t>
+            </a:r>
+            <a:r>
+              <a:rPr lang="x-none" altLang="zh-CN" dirty="0" smtClean="0"/>
+              <a:t>.</a:t>
+            </a:r>
+            <a:endParaRPr lang="en-US" altLang="zh-CN" dirty="0" smtClean="0"/>
+          </a:p>
+          <a:p>
+            <a:endParaRPr lang="en-US" altLang="zh-CN" dirty="0"/>
+          </a:p>
+          <a:p>
+            <a:r>
+              <a:rPr lang="en-US" altLang="zh-CN" dirty="0" smtClean="0"/>
+              <a:t>ADB</a:t>
+            </a:r>
+            <a:r>
+              <a:rPr lang="zh-CN" altLang="en-US" dirty="0" smtClean="0"/>
+              <a:t>的组成：</a:t>
+            </a:r>
+            <a:endParaRPr lang="en-US" altLang="zh-CN" dirty="0" smtClean="0"/>
+          </a:p>
+          <a:p>
+            <a:pPr lvl="1">
+              <a:lnSpc>
+                <a:spcPct val="150000"/>
+              </a:lnSpc>
+            </a:pPr>
+            <a:r>
               <a:rPr lang="en-US" altLang="zh-CN" dirty="0" err="1" smtClean="0"/>
-              <a:t>Adb</a:t>
+              <a:t>adb</a:t>
+            </a:r>
+            <a:r>
+              <a:rPr lang="en-US" altLang="zh-CN" dirty="0" smtClean="0"/>
+              <a:t>/adb.exe</a:t>
+            </a:r>
+            <a:r>
+              <a:rPr lang="zh-CN" altLang="en-US" dirty="0" smtClean="0"/>
+              <a:t>，</a:t>
+            </a:r>
+            <a:r>
+              <a:rPr lang="zh-CN" altLang="zh-CN" dirty="0" smtClean="0"/>
+              <a:t>运行</a:t>
+            </a:r>
+            <a:r>
+              <a:rPr lang="zh-CN" altLang="zh-CN" dirty="0"/>
+              <a:t>于</a:t>
+            </a:r>
+            <a:r>
+              <a:rPr lang="en-US" altLang="zh-CN" dirty="0"/>
+              <a:t>PC</a:t>
+            </a:r>
+            <a:r>
+              <a:rPr lang="zh-CN" altLang="zh-CN" dirty="0"/>
+              <a:t>端，包括</a:t>
+            </a:r>
+            <a:r>
+              <a:rPr lang="en-US" altLang="zh-CN" dirty="0"/>
+              <a:t>Linux</a:t>
+            </a:r>
+            <a:r>
+              <a:rPr lang="zh-CN" altLang="zh-CN" dirty="0"/>
+              <a:t>、</a:t>
+            </a:r>
+            <a:r>
+              <a:rPr lang="en-US" altLang="zh-CN" dirty="0"/>
+              <a:t>Windows</a:t>
+            </a:r>
+            <a:r>
+              <a:rPr lang="zh-CN" altLang="zh-CN" dirty="0"/>
+              <a:t>、</a:t>
+            </a:r>
+            <a:r>
+              <a:rPr lang="en-US" altLang="zh-CN" dirty="0"/>
+              <a:t>Mac OS</a:t>
+            </a:r>
+            <a:r>
+              <a:rPr lang="zh-CN" altLang="zh-CN" dirty="0"/>
+              <a:t>等系统</a:t>
+            </a:r>
+            <a:r>
+              <a:rPr lang="zh-CN" altLang="zh-CN" dirty="0" smtClean="0"/>
+              <a:t>之中</a:t>
+            </a:r>
+            <a:r>
+              <a:rPr lang="zh-CN" altLang="en-US" dirty="0"/>
+              <a:t>。</a:t>
+            </a:r>
+            <a:endParaRPr lang="zh-CN" altLang="zh-CN" dirty="0"/>
+          </a:p>
+          <a:p>
+            <a:pPr lvl="1">
+              <a:lnSpc>
+                <a:spcPct val="150000"/>
+              </a:lnSpc>
+            </a:pPr>
+            <a:r>
+              <a:rPr lang="en-US" altLang="zh-CN" dirty="0" err="1"/>
+              <a:t>adbd</a:t>
+            </a:r>
+            <a:r>
+              <a:rPr lang="zh-CN" altLang="zh-CN" dirty="0"/>
+              <a:t>运行于</a:t>
+            </a:r>
+            <a:r>
+              <a:rPr lang="en-US" altLang="zh-CN" dirty="0"/>
+              <a:t>Android</a:t>
+            </a:r>
+            <a:r>
+              <a:rPr lang="zh-CN" altLang="zh-CN" dirty="0"/>
+              <a:t>设备的底层</a:t>
+            </a:r>
+            <a:r>
+              <a:rPr lang="en-US" altLang="zh-CN" dirty="0"/>
+              <a:t>Linux</a:t>
+            </a:r>
+            <a:r>
+              <a:rPr lang="zh-CN" altLang="zh-CN" dirty="0" smtClean="0"/>
+              <a:t>之中。</a:t>
             </a:r>
             <a:endParaRPr lang="en-US" altLang="zh-CN" dirty="0" smtClean="0"/>
           </a:p>
           <a:p>
-            <a:pPr lvl="1"/>
-            <a:r>
-              <a:rPr lang="en-US" altLang="zh-CN" sz="900" dirty="0" err="1" smtClean="0"/>
-              <a:t>qemu_pipe_open</a:t>
-            </a:r>
-            <a:r>
-              <a:rPr lang="en-US" altLang="zh-CN" sz="900" dirty="0" smtClean="0"/>
+            <a:pPr lvl="1">
+              <a:lnSpc>
+                <a:spcPct val="150000"/>
+              </a:lnSpc>
+            </a:pPr>
+            <a:r>
+              <a:rPr lang="zh-CN" altLang="zh-CN" dirty="0"/>
+              <a:t>构建不同文件，通过传入</a:t>
+            </a:r>
+            <a:r>
+              <a:rPr lang="en-US" altLang="zh-CN" dirty="0"/>
+              <a:t>Android.mk</a:t>
+            </a:r>
+            <a:r>
+              <a:rPr lang="zh-CN" altLang="zh-CN" dirty="0"/>
+              <a:t>的</a:t>
+            </a:r>
+            <a:r>
+              <a:rPr lang="en-US" altLang="zh-CN" dirty="0"/>
+              <a:t>$(BUILD_SIMULATOR)</a:t>
+            </a:r>
+            <a:r>
+              <a:rPr lang="zh-CN" altLang="zh-CN" dirty="0"/>
+              <a:t>变量是否为真。源码中由</a:t>
+            </a:r>
+            <a:r>
+              <a:rPr lang="en-US" altLang="zh-CN" dirty="0"/>
+              <a:t>ADB_HOST</a:t>
+            </a:r>
+            <a:r>
+              <a:rPr lang="zh-CN" altLang="zh-CN" dirty="0"/>
+              <a:t>宏用来区分本地主机</a:t>
+            </a:r>
+            <a:r>
+              <a:rPr lang="en-US" altLang="zh-CN" dirty="0"/>
               <a:t>(</a:t>
             </a:r>
             <a:r>
-              <a:rPr lang="en-US" altLang="zh-CN" sz="900" dirty="0" err="1" smtClean="0"/>
-              <a:t>con_name</a:t>
-            </a:r>
-            <a:r>
-              <a:rPr lang="en-US" altLang="zh-CN" sz="900" dirty="0" smtClean="0"/>
+              <a:rPr lang="en-US" altLang="zh-CN" dirty="0" err="1"/>
+              <a:t>adb</a:t>
+            </a:r>
+            <a:r>
+              <a:rPr lang="en-US" altLang="zh-CN" dirty="0"/>
               <a:t>)</a:t>
             </a:r>
-          </a:p>
-          <a:p>
-            <a:pPr lvl="1"/>
+            <a:r>
+              <a:rPr lang="zh-CN" altLang="zh-CN" dirty="0"/>
+              <a:t>和目标机</a:t>
+            </a:r>
+            <a:r>
+              <a:rPr lang="en-US" altLang="zh-CN" dirty="0"/>
+              <a:t>(</a:t>
+            </a:r>
+            <a:r>
+              <a:rPr lang="en-US" altLang="zh-CN" dirty="0" err="1"/>
+              <a:t>adbd</a:t>
+            </a:r>
+            <a:r>
+              <a:rPr lang="en-US" altLang="zh-CN" dirty="0"/>
+              <a:t>)</a:t>
+            </a:r>
+            <a:r>
+              <a:rPr lang="zh-CN" altLang="zh-CN" dirty="0"/>
+              <a:t>。</a:t>
+            </a:r>
+          </a:p>
+          <a:p>
+            <a:endParaRPr lang="zh-CN" altLang="zh-CN" dirty="0"/>
+          </a:p>
+          <a:p>
             <a:endParaRPr lang="en-US" altLang="zh-CN" sz="900" dirty="0" smtClean="0"/>
           </a:p>
           <a:p>
@@ -3884,222 +6802,218 @@
             <p:ph type="title"/>
           </p:nvPr>
         </p:nvSpPr>
+        <p:spPr/>
+        <p:txBody>
+          <a:bodyPr/>
+          <a:lstStyle/>
+          <a:p>
+            <a:r>
+              <a:rPr lang="en-US" altLang="zh-CN" dirty="0" smtClean="0"/>
+              <a:t>ADB</a:t>
+            </a:r>
+            <a:r>
+              <a:rPr lang="zh-CN" altLang="en-US" dirty="0" smtClean="0"/>
+              <a:t>各模块组成</a:t>
+            </a:r>
+            <a:endParaRPr lang="zh-CN" altLang="en-US" dirty="0"/>
+          </a:p>
+        </p:txBody>
+      </p:sp>
+      <p:sp>
+        <p:nvSpPr>
+          <p:cNvPr id="3" name="内容占位符 2"/>
+          <p:cNvSpPr>
+            <a:spLocks noGrp="1"/>
+          </p:cNvSpPr>
+          <p:nvPr>
+            <p:ph idx="1"/>
+          </p:nvPr>
+        </p:nvSpPr>
         <p:spPr>
           <a:xfrm>
-            <a:off x="357158" y="277417"/>
-            <a:ext cx="7383194" cy="722697"/>
+            <a:off x="467544" y="771550"/>
+            <a:ext cx="8229600" cy="3607049"/>
           </a:xfrm>
         </p:spPr>
         <p:txBody>
-          <a:bodyPr/>
-          <a:lstStyle/>
-          <a:p>
-            <a:r>
-              <a:rPr lang="en-US" altLang="zh-CN" dirty="0" smtClean="0"/>
-              <a:t>BUG Analysis</a:t>
-            </a:r>
-            <a:endParaRPr lang="zh-CN" altLang="en-US" dirty="0"/>
-          </a:p>
-        </p:txBody>
-      </p:sp>
-      <p:sp>
-        <p:nvSpPr>
-          <p:cNvPr id="4" name="TextBox 3"/>
-          <p:cNvSpPr txBox="1"/>
-          <p:nvPr/>
-        </p:nvSpPr>
-        <p:spPr>
-          <a:xfrm>
-            <a:off x="395536" y="699542"/>
-            <a:ext cx="8748464" cy="400110"/>
-          </a:xfrm>
-          <a:prstGeom prst="rect">
-            <a:avLst/>
-          </a:prstGeom>
-          <a:noFill/>
-        </p:spPr>
-        <p:txBody>
-          <a:bodyPr wrap="square" rtlCol="0">
-            <a:spAutoFit/>
+          <a:bodyPr>
+            <a:normAutofit/>
           </a:bodyPr>
           <a:lstStyle/>
           <a:p>
-            <a:pPr marL="0" lvl="1"/>
-            <a:endParaRPr lang="en-US" altLang="zh-CN" sz="1000" b="1" dirty="0" smtClean="0">
-              <a:hlinkClick r:id="rId2" action="ppaction://hlinkfile"/>
-            </a:endParaRPr>
-          </a:p>
-          <a:p>
-            <a:pPr marL="0" lvl="1"/>
-            <a:r>
-              <a:rPr lang="en-US" altLang="zh-CN" sz="1000" b="1" dirty="0" smtClean="0"/>
-              <a:t>http://coverity:8082/reports.htm#v25563/p10048/fileInstanceId=125752083&amp;defectInstanceId=48489400&amp;mergedDefectId=109588</a:t>
-            </a:r>
-          </a:p>
-        </p:txBody>
-      </p:sp>
-      <p:sp>
-        <p:nvSpPr>
-          <p:cNvPr id="5" name="TextBox 4"/>
-          <p:cNvSpPr txBox="1"/>
-          <p:nvPr/>
-        </p:nvSpPr>
-        <p:spPr>
-          <a:xfrm>
-            <a:off x="251520" y="1203598"/>
-            <a:ext cx="8748464" cy="1938992"/>
-          </a:xfrm>
-          <a:prstGeom prst="rect">
-            <a:avLst/>
-          </a:prstGeom>
-          <a:noFill/>
-        </p:spPr>
-        <p:txBody>
-          <a:bodyPr wrap="square" rtlCol="0">
-            <a:spAutoFit/>
-          </a:bodyPr>
-          <a:lstStyle/>
-          <a:p>
-            <a:pPr>
-              <a:buFont typeface="Wingdings" pitchFamily="2" charset="2"/>
-              <a:buChar char="Ø"/>
+            <a:r>
+              <a:rPr lang="en-US" altLang="zh-CN" dirty="0" smtClean="0"/>
+              <a:t>ADB</a:t>
+            </a:r>
+            <a:r>
+              <a:rPr lang="zh-CN" altLang="en-US" dirty="0" smtClean="0"/>
+              <a:t>各模块定义</a:t>
+            </a:r>
+            <a:endParaRPr lang="en-US" altLang="zh-CN" dirty="0" smtClean="0"/>
+          </a:p>
+          <a:p>
+            <a:pPr lvl="1">
+              <a:lnSpc>
+                <a:spcPct val="150000"/>
+              </a:lnSpc>
             </a:pPr>
             <a:r>
-              <a:rPr lang="zh-CN" altLang="en-US" sz="1100" dirty="0" smtClean="0"/>
-              <a:t>在函数体内，在堆上申请的内存没有释放</a:t>
-            </a:r>
-            <a:r>
-              <a:rPr lang="en-US" altLang="zh-CN" sz="1100" b="1" dirty="0" smtClean="0">
-                <a:hlinkClick r:id="rId3" action="ppaction://hlinkfile"/>
-              </a:rPr>
-              <a:t>Resource leak</a:t>
-            </a:r>
-            <a:endParaRPr lang="en-US" altLang="zh-CN" sz="1100" dirty="0" smtClean="0"/>
-          </a:p>
-          <a:p>
-            <a:pPr>
-              <a:buFont typeface="Wingdings" pitchFamily="2" charset="2"/>
-              <a:buChar char="Ø"/>
+              <a:rPr lang="en-US" altLang="zh-CN" dirty="0" err="1"/>
+              <a:t>adb</a:t>
+            </a:r>
+            <a:r>
+              <a:rPr lang="en-US" altLang="zh-CN" dirty="0"/>
+              <a:t> server</a:t>
+            </a:r>
+            <a:r>
+              <a:rPr lang="zh-CN" altLang="en-US" dirty="0"/>
+              <a:t>： 计算机上的一个服务进程，进程名为</a:t>
+            </a:r>
+            <a:r>
+              <a:rPr lang="en-US" altLang="zh-CN" dirty="0" err="1" smtClean="0"/>
+              <a:t>adb</a:t>
+            </a:r>
+            <a:endParaRPr lang="en-US" altLang="zh-CN" dirty="0" smtClean="0"/>
+          </a:p>
+          <a:p>
+            <a:pPr lvl="1">
+              <a:lnSpc>
+                <a:spcPct val="150000"/>
+              </a:lnSpc>
             </a:pPr>
             <a:r>
-              <a:rPr lang="zh-CN" altLang="en-US" sz="1100" dirty="0" smtClean="0"/>
-              <a:t>将堆内存指针传到函数体外</a:t>
-            </a:r>
-            <a:endParaRPr lang="en-US" altLang="zh-CN" sz="1100" dirty="0" smtClean="0"/>
-          </a:p>
-          <a:p>
-            <a:pPr>
-              <a:buFont typeface="Wingdings" pitchFamily="2" charset="2"/>
-              <a:buChar char="Ø"/>
+              <a:rPr lang="en-US" altLang="zh-CN" dirty="0" err="1"/>
+              <a:t>adbd</a:t>
+            </a:r>
+            <a:r>
+              <a:rPr lang="en-US" altLang="zh-CN" dirty="0"/>
+              <a:t> (</a:t>
+            </a:r>
+            <a:r>
+              <a:rPr lang="en-US" altLang="zh-CN" dirty="0" err="1"/>
+              <a:t>adb</a:t>
+            </a:r>
+            <a:r>
+              <a:rPr lang="en-US" altLang="zh-CN" dirty="0"/>
+              <a:t> daemon) </a:t>
+            </a:r>
+            <a:r>
+              <a:rPr lang="zh-CN" altLang="en-US" dirty="0"/>
+              <a:t>： </a:t>
+            </a:r>
+            <a:r>
+              <a:rPr lang="en-US" altLang="zh-CN" dirty="0"/>
+              <a:t>Android </a:t>
+            </a:r>
+            <a:r>
+              <a:rPr lang="zh-CN" altLang="en-US" dirty="0"/>
+              <a:t>手机上的一个服务进程，进程名为</a:t>
+            </a:r>
+            <a:r>
+              <a:rPr lang="en-US" altLang="zh-CN" dirty="0" err="1" smtClean="0"/>
+              <a:t>adbd</a:t>
+            </a:r>
+            <a:endParaRPr lang="en-US" altLang="zh-CN" dirty="0" smtClean="0"/>
+          </a:p>
+          <a:p>
+            <a:pPr lvl="1">
+              <a:lnSpc>
+                <a:spcPct val="150000"/>
+              </a:lnSpc>
             </a:pPr>
-            <a:endParaRPr lang="en-US" altLang="zh-CN" sz="1100" dirty="0" smtClean="0"/>
-          </a:p>
-          <a:p>
-            <a:pPr>
-              <a:buFont typeface="Wingdings" pitchFamily="2" charset="2"/>
-              <a:buChar char="Ø"/>
+            <a:r>
+              <a:rPr lang="en-US" altLang="zh-CN" dirty="0" err="1"/>
+              <a:t>adb</a:t>
+            </a:r>
+            <a:r>
+              <a:rPr lang="en-US" altLang="zh-CN" dirty="0"/>
+              <a:t> client</a:t>
+            </a:r>
+            <a:r>
+              <a:rPr lang="zh-CN" altLang="en-US" dirty="0"/>
+              <a:t>：你可以认为是计算机上的一个终端窗口，进程名也为</a:t>
+            </a:r>
+            <a:r>
+              <a:rPr lang="en-US" altLang="zh-CN" dirty="0" err="1" smtClean="0"/>
+              <a:t>adb</a:t>
+            </a:r>
+            <a:endParaRPr lang="en-US" altLang="zh-CN" dirty="0" smtClean="0"/>
+          </a:p>
+          <a:p>
+            <a:pPr lvl="1">
+              <a:lnSpc>
+                <a:spcPct val="150000"/>
+              </a:lnSpc>
             </a:pPr>
             <a:r>
-              <a:rPr lang="zh-CN" altLang="en-US" sz="1100" dirty="0" smtClean="0"/>
-              <a:t>在函数体外进行释放</a:t>
-            </a:r>
-            <a:endParaRPr lang="en-US" altLang="zh-CN" sz="1100" dirty="0" smtClean="0"/>
-          </a:p>
-          <a:p>
-            <a:pPr>
-              <a:buFont typeface="Wingdings" pitchFamily="2" charset="2"/>
-              <a:buChar char="Ø"/>
+              <a:rPr lang="en-US" altLang="zh-CN" dirty="0"/>
+              <a:t>DDMS</a:t>
+            </a:r>
+            <a:r>
+              <a:rPr lang="zh-CN" altLang="en-US" dirty="0"/>
+              <a:t>：</a:t>
+            </a:r>
+            <a:r>
+              <a:rPr lang="en-US" altLang="zh-CN" dirty="0" err="1"/>
+              <a:t>Dalvik</a:t>
+            </a:r>
+            <a:r>
+              <a:rPr lang="en-US" altLang="zh-CN" dirty="0"/>
+              <a:t> Debug Monitor </a:t>
+            </a:r>
+            <a:r>
+              <a:rPr lang="en-US" altLang="zh-CN" dirty="0" smtClean="0"/>
+              <a:t>Service</a:t>
+            </a:r>
+          </a:p>
+          <a:p>
+            <a:pPr lvl="1">
+              <a:lnSpc>
+                <a:spcPct val="150000"/>
+              </a:lnSpc>
             </a:pPr>
-            <a:endParaRPr lang="en-US" altLang="zh-CN" sz="1100" dirty="0" smtClean="0"/>
-          </a:p>
-          <a:p>
-            <a:pPr>
-              <a:buFont typeface="Wingdings" pitchFamily="2" charset="2"/>
-              <a:buChar char="Ø"/>
-            </a:pPr>
-            <a:r>
-              <a:rPr lang="en-US" altLang="zh-CN" sz="1100" dirty="0" err="1" smtClean="0"/>
-              <a:t>Coverity</a:t>
-            </a:r>
-            <a:r>
-              <a:rPr lang="zh-CN" altLang="en-US" sz="1100" dirty="0" smtClean="0"/>
-              <a:t>检测不准确。</a:t>
-            </a:r>
-            <a:endParaRPr lang="en-US" altLang="zh-CN" sz="1100" dirty="0" smtClean="0"/>
-          </a:p>
-          <a:p>
-            <a:endParaRPr lang="en-US" altLang="zh-CN" sz="1100" dirty="0" smtClean="0"/>
-          </a:p>
-          <a:p>
-            <a:pPr>
-              <a:buFont typeface="Wingdings" pitchFamily="2" charset="2"/>
-              <a:buChar char="Ø"/>
-            </a:pPr>
-            <a:endParaRPr lang="en-US" altLang="zh-CN" sz="800" dirty="0" smtClean="0"/>
-          </a:p>
-          <a:p>
-            <a:pPr>
-              <a:buFont typeface="Wingdings" pitchFamily="2" charset="2"/>
-              <a:buChar char="Ø"/>
-            </a:pPr>
-            <a:endParaRPr lang="zh-CN" altLang="zh-CN" sz="800" dirty="0" smtClean="0"/>
-          </a:p>
-          <a:p>
-            <a:pPr>
-              <a:buFont typeface="Wingdings" pitchFamily="2" charset="2"/>
-              <a:buChar char="Ø"/>
-            </a:pPr>
+            <a:r>
+              <a:rPr lang="en-US" altLang="zh-CN" dirty="0" err="1"/>
+              <a:t>Jdwp</a:t>
+            </a:r>
+            <a:r>
+              <a:rPr lang="zh-CN" altLang="en-US" dirty="0"/>
+              <a:t>： </a:t>
+            </a:r>
+            <a:r>
+              <a:rPr lang="en-US" altLang="zh-CN" dirty="0"/>
+              <a:t>Java Debug Wire Protocol</a:t>
+            </a:r>
+            <a:endParaRPr lang="en-US" altLang="zh-CN" dirty="0" smtClean="0"/>
+          </a:p>
+          <a:p>
+            <a:endParaRPr lang="en-US" altLang="zh-CN" dirty="0"/>
+          </a:p>
+          <a:p>
+            <a:endParaRPr lang="zh-CN" altLang="zh-CN" dirty="0"/>
+          </a:p>
+          <a:p>
+            <a:endParaRPr lang="zh-CN" altLang="zh-CN" dirty="0"/>
+          </a:p>
+          <a:p>
             <a:endParaRPr lang="en-US" altLang="zh-CN" sz="900" dirty="0" smtClean="0"/>
           </a:p>
           <a:p>
-            <a:r>
-              <a:rPr lang="zh-CN" altLang="en-US" sz="900" dirty="0" smtClean="0"/>
-              <a:t/>
-            </a:r>
-            <a:br>
-              <a:rPr lang="zh-CN" altLang="en-US" sz="900" dirty="0" smtClean="0"/>
-            </a:br>
-            <a:endParaRPr lang="en-US" altLang="zh-CN" sz="900" dirty="0" smtClean="0">
-              <a:solidFill>
-                <a:srgbClr val="FF0000"/>
-              </a:solidFill>
-            </a:endParaRPr>
-          </a:p>
-        </p:txBody>
-      </p:sp>
-      <p:pic>
-        <p:nvPicPr>
-          <p:cNvPr id="1027" name="Picture 3"/>
-          <p:cNvPicPr>
-            <a:picLocks noChangeAspect="1" noChangeArrowheads="1"/>
-          </p:cNvPicPr>
-          <p:nvPr/>
-        </p:nvPicPr>
-        <p:blipFill>
-          <a:blip r:embed="rId4" cstate="print"/>
-          <a:srcRect/>
-          <a:stretch>
-            <a:fillRect/>
-          </a:stretch>
-        </p:blipFill>
-        <p:spPr bwMode="auto">
-          <a:xfrm>
-            <a:off x="2485099" y="1419622"/>
-            <a:ext cx="6658901" cy="3384376"/>
-          </a:xfrm>
-          <a:prstGeom prst="rect">
-            <a:avLst/>
-          </a:prstGeom>
-          <a:noFill/>
-          <a:ln w="9525">
-            <a:noFill/>
-            <a:miter lim="800000"/>
-            <a:headEnd/>
-            <a:tailEnd/>
-          </a:ln>
-        </p:spPr>
-      </p:pic>
+            <a:pPr lvl="1"/>
+            <a:endParaRPr lang="en-US" altLang="zh-CN" sz="900" dirty="0" smtClean="0"/>
+          </a:p>
+          <a:p>
+            <a:pPr lvl="1"/>
+            <a:endParaRPr lang="en-US" altLang="zh-CN" sz="900" dirty="0" smtClean="0"/>
+          </a:p>
+        </p:txBody>
+      </p:sp>
     </p:spTree>
+    <p:extLst>
+      <p:ext uri="{BB962C8B-B14F-4D97-AF65-F5344CB8AC3E}">
+        <p14:creationId xmlns:p14="http://schemas.microsoft.com/office/powerpoint/2010/main" val="938535640"/>
+      </p:ext>
+    </p:extLst>
   </p:cSld>
   <p:clrMapOvr>
     <a:masterClrMapping/>
@@ -4147,129 +7061,88 @@
           <a:lstStyle/>
           <a:p>
             <a:r>
-              <a:rPr lang="en-US" altLang="zh-CN" dirty="0" smtClean="0"/>
-              <a:t>Task and Study</a:t>
+              <a:rPr lang="en-US" altLang="zh-CN" dirty="0"/>
+              <a:t>ADB</a:t>
+            </a:r>
+            <a:r>
+              <a:rPr lang="zh-CN" altLang="en-US" dirty="0"/>
+              <a:t>整体</a:t>
+            </a:r>
+            <a:r>
+              <a:rPr lang="zh-CN" altLang="en-US" dirty="0" smtClean="0"/>
+              <a:t>架构和数据传输流程图</a:t>
             </a:r>
             <a:endParaRPr lang="zh-CN" altLang="en-US" dirty="0"/>
           </a:p>
         </p:txBody>
       </p:sp>
-      <p:sp>
-        <p:nvSpPr>
-          <p:cNvPr id="6" name="内容占位符 2"/>
-          <p:cNvSpPr txBox="1">
-            <a:spLocks/>
-          </p:cNvSpPr>
+      <p:pic>
+        <p:nvPicPr>
+          <p:cNvPr id="2050" name="Picture 2"/>
+          <p:cNvPicPr>
+            <a:picLocks noChangeAspect="1" noChangeArrowheads="1"/>
+          </p:cNvPicPr>
           <p:nvPr/>
-        </p:nvSpPr>
-        <p:spPr>
+        </p:nvPicPr>
+        <p:blipFill>
+          <a:blip r:embed="rId2">
+            <a:extLst>
+              <a:ext uri="{28A0092B-C50C-407E-A947-70E740481C1C}">
+                <a14:useLocalDpi xmlns:a14="http://schemas.microsoft.com/office/drawing/2010/main" val="0"/>
+              </a:ext>
+            </a:extLst>
+          </a:blip>
+          <a:srcRect/>
+          <a:stretch>
+            <a:fillRect/>
+          </a:stretch>
+        </p:blipFill>
+        <p:spPr bwMode="auto">
           <a:xfrm>
-            <a:off x="457200" y="915567"/>
-            <a:ext cx="7859216" cy="720080"/>
+            <a:off x="2339751" y="1275606"/>
+            <a:ext cx="4314825" cy="2771775"/>
           </a:xfrm>
           <a:prstGeom prst="rect">
             <a:avLst/>
           </a:prstGeom>
-        </p:spPr>
-        <p:txBody>
-          <a:bodyPr/>
-          <a:lstStyle/>
-          <a:p>
-            <a:pPr marL="342900" marR="0" lvl="0" indent="-342900" algn="l" defTabSz="914400" rtl="0" eaLnBrk="1" fontAlgn="auto" latinLnBrk="0" hangingPunct="1">
-              <a:lnSpc>
-                <a:spcPct val="100000"/>
-              </a:lnSpc>
-              <a:spcBef>
-                <a:spcPct val="20000"/>
-              </a:spcBef>
-              <a:spcAft>
-                <a:spcPts val="0"/>
-              </a:spcAft>
-              <a:buClrTx/>
-              <a:buSzTx/>
-              <a:buFont typeface="Arial" pitchFamily="34" charset="0"/>
-              <a:buChar char="•"/>
-              <a:tabLst/>
-              <a:defRPr/>
-            </a:pPr>
-            <a:r>
-              <a:rPr kumimoji="0" lang="zh-CN" altLang="en-US" b="0" i="0" u="none" strike="noStrike" kern="1200" cap="none" spc="0" normalizeH="0" baseline="0" noProof="0" dirty="0" smtClean="0">
-                <a:ln>
-                  <a:noFill/>
-                </a:ln>
+          <a:noFill/>
+          <a:ln>
+            <a:noFill/>
+          </a:ln>
+          <a:effectLst/>
+          <a:extLst>
+            <a:ext uri="{909E8E84-426E-40DD-AFC4-6F175D3DCCD1}">
+              <a14:hiddenFill xmlns:a14="http://schemas.microsoft.com/office/drawing/2010/main">
+                <a:solidFill>
+                  <a:schemeClr val="accent1"/>
+                </a:solidFill>
+              </a14:hiddenFill>
+            </a:ext>
+            <a:ext uri="{91240B29-F687-4F45-9708-019B960494DF}">
+              <a14:hiddenLine xmlns:a14="http://schemas.microsoft.com/office/drawing/2010/main" w="9525">
                 <a:solidFill>
                   <a:schemeClr val="tx1"/>
                 </a:solidFill>
-                <a:effectLst/>
-                <a:uLnTx/>
-                <a:uFillTx/>
-                <a:latin typeface="微软雅黑" pitchFamily="34" charset="-122"/>
-                <a:ea typeface="微软雅黑" pitchFamily="34" charset="-122"/>
-                <a:cs typeface="+mn-cs"/>
-              </a:rPr>
-              <a:t>目前找出</a:t>
-            </a:r>
-            <a:r>
-              <a:rPr kumimoji="0" lang="en-US" altLang="zh-CN" b="0" i="0" u="none" strike="noStrike" kern="1200" cap="none" spc="0" normalizeH="0" baseline="0" noProof="0" dirty="0" err="1" smtClean="0">
-                <a:ln>
-                  <a:noFill/>
-                </a:ln>
-                <a:solidFill>
-                  <a:schemeClr val="tx1"/>
-                </a:solidFill>
-                <a:effectLst/>
-                <a:uLnTx/>
-                <a:uFillTx/>
-                <a:latin typeface="微软雅黑" pitchFamily="34" charset="-122"/>
-                <a:ea typeface="微软雅黑" pitchFamily="34" charset="-122"/>
-                <a:cs typeface="+mn-cs"/>
-              </a:rPr>
-              <a:t>coverity</a:t>
-            </a:r>
-            <a:r>
-              <a:rPr kumimoji="0" lang="zh-CN" altLang="en-US" b="0" i="0" u="none" strike="noStrike" kern="1200" cap="none" spc="0" normalizeH="0" baseline="0" noProof="0" dirty="0" smtClean="0">
-                <a:ln>
-                  <a:noFill/>
-                </a:ln>
-                <a:solidFill>
-                  <a:schemeClr val="tx1"/>
-                </a:solidFill>
-                <a:effectLst/>
-                <a:uLnTx/>
-                <a:uFillTx/>
-                <a:latin typeface="微软雅黑" pitchFamily="34" charset="-122"/>
-                <a:ea typeface="微软雅黑" pitchFamily="34" charset="-122"/>
-                <a:cs typeface="+mn-cs"/>
-              </a:rPr>
-              <a:t>扫描出来</a:t>
-            </a:r>
-            <a:r>
-              <a:rPr lang="zh-CN" altLang="en-US" noProof="0" dirty="0" smtClean="0">
-                <a:latin typeface="微软雅黑" pitchFamily="34" charset="-122"/>
-                <a:ea typeface="微软雅黑" pitchFamily="34" charset="-122"/>
-              </a:rPr>
-              <a:t>的问题，进行再次分析过滤</a:t>
-            </a:r>
-            <a:endParaRPr kumimoji="0" lang="zh-CN" altLang="en-US" b="0" i="0" u="none" strike="noStrike" kern="1200" cap="none" spc="0" normalizeH="0" baseline="0" noProof="0" dirty="0">
-              <a:ln>
-                <a:noFill/>
-              </a:ln>
-              <a:solidFill>
-                <a:schemeClr val="tx1"/>
-              </a:solidFill>
-              <a:effectLst/>
-              <a:uLnTx/>
-              <a:uFillTx/>
-              <a:latin typeface="微软雅黑" pitchFamily="34" charset="-122"/>
-              <a:ea typeface="微软雅黑" pitchFamily="34" charset="-122"/>
-              <a:cs typeface="+mn-cs"/>
-            </a:endParaRPr>
-          </a:p>
-        </p:txBody>
-      </p:sp>
-      <p:sp>
-        <p:nvSpPr>
-          <p:cNvPr id="5" name="内容占位符 4"/>
+                <a:miter lim="800000"/>
+                <a:headEnd/>
+                <a:tailEnd/>
+              </a14:hiddenLine>
+            </a:ext>
+            <a:ext uri="{AF507438-7753-43E0-B8FC-AC1667EBCBE1}">
+              <a14:hiddenEffects xmlns:a14="http://schemas.microsoft.com/office/drawing/2010/main">
+                <a:effectLst>
+                  <a:outerShdw dist="35921" dir="2700000" algn="ctr" rotWithShape="0">
+                    <a:schemeClr val="bg2"/>
+                  </a:outerShdw>
+                </a:effectLst>
+              </a14:hiddenEffects>
+            </a:ext>
+          </a:extLst>
+        </p:spPr>
+      </p:pic>
+      <p:sp>
+        <p:nvSpPr>
+          <p:cNvPr id="9" name="内容占位符 2"/>
           <p:cNvSpPr>
             <a:spLocks noGrp="1"/>
           </p:cNvSpPr>
@@ -4277,195 +7150,146 @@
             <p:ph idx="1"/>
           </p:nvPr>
         </p:nvSpPr>
-        <p:spPr/>
-        <p:txBody>
-          <a:bodyPr/>
+        <p:spPr>
+          <a:xfrm>
+            <a:off x="467544" y="825289"/>
+            <a:ext cx="8229600" cy="3960440"/>
+          </a:xfrm>
+        </p:spPr>
+        <p:txBody>
+          <a:bodyPr>
+            <a:normAutofit fontScale="92500"/>
+          </a:bodyPr>
           <a:lstStyle/>
           <a:p>
             <a:r>
-              <a:rPr lang="zh-CN" altLang="en-US" dirty="0" smtClean="0"/>
-              <a:t>标记为 </a:t>
-            </a:r>
-            <a:r>
-              <a:rPr lang="en-US" altLang="zh-CN" b="1" dirty="0" smtClean="0">
-                <a:solidFill>
-                  <a:srgbClr val="004480"/>
-                </a:solidFill>
-              </a:rPr>
-              <a:t>impact</a:t>
+              <a:rPr lang="en-US" altLang="zh-CN" dirty="0" err="1"/>
+              <a:t>DDMS和Jdwp不做多的了解。只看adb模块，如下图</a:t>
             </a:r>
             <a:r>
               <a:rPr lang="en-US" altLang="zh-CN" dirty="0" smtClean="0"/>
-              <a:t> </a:t>
-            </a:r>
-            <a:r>
-              <a:rPr lang="zh-CN" altLang="en-US" dirty="0" smtClean="0"/>
-              <a:t>的是确实存在问题。</a:t>
-            </a:r>
+              <a:t>：</a:t>
+            </a:r>
+          </a:p>
+          <a:p>
+            <a:endParaRPr lang="en-US" altLang="zh-CN" dirty="0"/>
+          </a:p>
+          <a:p>
             <a:endParaRPr lang="en-US" altLang="zh-CN" dirty="0" smtClean="0"/>
           </a:p>
           <a:p>
-            <a:r>
-              <a:rPr lang="zh-CN" altLang="en-US" dirty="0" smtClean="0"/>
-              <a:t>标记为 </a:t>
-            </a:r>
-            <a:r>
-              <a:rPr lang="en-US" altLang="zh-CN" b="1" dirty="0" err="1" smtClean="0">
-                <a:solidFill>
-                  <a:srgbClr val="004480"/>
-                </a:solidFill>
-              </a:rPr>
-              <a:t>notproblem</a:t>
-            </a:r>
-            <a:r>
-              <a:rPr lang="zh-CN" altLang="en-US" dirty="0" smtClean="0"/>
-              <a:t>的是不存在问题，</a:t>
-            </a:r>
-            <a:r>
-              <a:rPr lang="en-US" altLang="zh-CN" dirty="0" err="1" smtClean="0"/>
-              <a:t>Coverity</a:t>
-            </a:r>
-            <a:r>
-              <a:rPr lang="zh-CN" altLang="en-US" dirty="0" smtClean="0"/>
-              <a:t>检测可能存在问题。</a:t>
-            </a:r>
+            <a:endParaRPr lang="en-US" altLang="zh-CN" dirty="0"/>
+          </a:p>
+          <a:p>
             <a:endParaRPr lang="en-US" altLang="zh-CN" dirty="0" smtClean="0"/>
           </a:p>
           <a:p>
-            <a:r>
-              <a:rPr lang="zh-CN" altLang="en-US" dirty="0" smtClean="0"/>
-              <a:t>标记为 </a:t>
-            </a:r>
-            <a:r>
-              <a:rPr lang="en-US" altLang="zh-CN" b="1" dirty="0" smtClean="0">
-                <a:solidFill>
-                  <a:srgbClr val="004480"/>
-                </a:solidFill>
-              </a:rPr>
-              <a:t>special</a:t>
-            </a:r>
-            <a:r>
-              <a:rPr lang="zh-CN" altLang="en-US" dirty="0" smtClean="0"/>
-              <a:t>的是模块业务强相关的问题，不能确定</a:t>
-            </a:r>
-            <a:r>
-              <a:rPr lang="en-US" altLang="zh-CN" dirty="0" err="1" smtClean="0"/>
-              <a:t>Coverity</a:t>
-            </a:r>
-            <a:r>
-              <a:rPr lang="zh-CN" altLang="en-US" dirty="0" smtClean="0"/>
-              <a:t>检测出的确实存在问题</a:t>
-            </a:r>
+            <a:endParaRPr lang="en-US" altLang="zh-CN" dirty="0"/>
+          </a:p>
+          <a:p>
             <a:endParaRPr lang="en-US" altLang="zh-CN" dirty="0" smtClean="0"/>
           </a:p>
           <a:p>
-            <a:r>
-              <a:rPr lang="zh-CN" altLang="en-US" dirty="0" smtClean="0"/>
-              <a:t>标记为 </a:t>
-            </a:r>
-            <a:r>
-              <a:rPr lang="en-US" altLang="zh-CN" b="1" dirty="0" smtClean="0">
-                <a:solidFill>
-                  <a:srgbClr val="004480"/>
-                </a:solidFill>
-              </a:rPr>
-              <a:t>review</a:t>
-            </a:r>
-            <a:r>
-              <a:rPr lang="zh-CN" altLang="en-US" dirty="0" smtClean="0"/>
-              <a:t>的是需要再同模块</a:t>
-            </a:r>
-            <a:r>
-              <a:rPr lang="en-US" altLang="zh-CN" dirty="0" smtClean="0"/>
-              <a:t>owner</a:t>
-            </a:r>
-            <a:r>
-              <a:rPr lang="zh-CN" altLang="en-US" dirty="0" smtClean="0"/>
-              <a:t>确认的问题</a:t>
-            </a:r>
+            <a:endParaRPr lang="en-US" altLang="zh-CN" dirty="0"/>
+          </a:p>
+          <a:p>
             <a:endParaRPr lang="en-US" altLang="zh-CN" dirty="0" smtClean="0"/>
           </a:p>
           <a:p>
+            <a:endParaRPr lang="en-US" altLang="zh-CN" dirty="0"/>
+          </a:p>
+          <a:p>
             <a:endParaRPr lang="en-US" altLang="zh-CN" dirty="0" smtClean="0"/>
           </a:p>
           <a:p>
+            <a:endParaRPr lang="en-US" altLang="zh-CN" dirty="0"/>
+          </a:p>
+          <a:p>
+            <a:r>
+              <a:rPr lang="en-US" altLang="zh-CN" dirty="0"/>
+              <a:t>system/core/</a:t>
+            </a:r>
+            <a:r>
+              <a:rPr lang="en-US" altLang="zh-CN" dirty="0" err="1"/>
+              <a:t>adb</a:t>
+            </a:r>
+            <a:r>
+              <a:rPr lang="en-US" altLang="zh-CN" dirty="0"/>
+              <a:t>/</a:t>
+            </a:r>
+            <a:r>
+              <a:rPr lang="en-US" altLang="zh-CN" dirty="0" err="1"/>
+              <a:t>OVERVIEW.txt文件中对它们的关系进行了描述</a:t>
+            </a:r>
+            <a:r>
+              <a:rPr lang="en-US" altLang="zh-CN" dirty="0"/>
+              <a:t>。</a:t>
+            </a:r>
+            <a:endParaRPr lang="zh-CN" altLang="zh-CN" dirty="0"/>
+          </a:p>
+          <a:p>
+            <a:r>
+              <a:rPr lang="en-US" altLang="zh-CN" dirty="0"/>
+              <a:t>system/core/</a:t>
+            </a:r>
+            <a:r>
+              <a:rPr lang="en-US" altLang="zh-CN" dirty="0" err="1"/>
+              <a:t>adb</a:t>
+            </a:r>
+            <a:r>
+              <a:rPr lang="en-US" altLang="zh-CN" dirty="0"/>
+              <a:t>/</a:t>
+            </a:r>
+            <a:r>
+              <a:rPr lang="en-US" altLang="zh-CN" dirty="0" err="1"/>
+              <a:t>protocol.txt和OVERVIEW.txt描述了各模块之间通信协作的协议格式</a:t>
+            </a:r>
+            <a:r>
+              <a:rPr lang="en-US" altLang="zh-CN" dirty="0"/>
+              <a:t>。</a:t>
+            </a:r>
+            <a:endParaRPr lang="zh-CN" altLang="zh-CN" dirty="0"/>
+          </a:p>
+          <a:p>
+            <a:pPr marL="0" indent="0">
+              <a:buNone/>
+            </a:pPr>
+            <a:endParaRPr lang="zh-CN" altLang="zh-CN" dirty="0" smtClean="0"/>
+          </a:p>
+          <a:p>
+            <a:endParaRPr lang="zh-CN" altLang="zh-CN" dirty="0"/>
+          </a:p>
+          <a:p>
             <a:endParaRPr lang="en-US" altLang="zh-CN" dirty="0" smtClean="0"/>
           </a:p>
           <a:p>
-            <a:endParaRPr lang="en-US" altLang="zh-CN" dirty="0" smtClean="0"/>
-          </a:p>
-          <a:p>
-            <a:r>
-              <a:rPr lang="zh-CN" altLang="en-US" dirty="0" smtClean="0"/>
-              <a:t>目前在完成的</a:t>
-            </a:r>
-            <a:r>
-              <a:rPr lang="en-US" altLang="zh-CN" dirty="0" smtClean="0"/>
-              <a:t>100</a:t>
-            </a:r>
-            <a:r>
-              <a:rPr lang="zh-CN" altLang="en-US" dirty="0" smtClean="0"/>
-              <a:t>项</a:t>
-            </a:r>
-            <a:r>
-              <a:rPr lang="en-US" altLang="zh-CN" dirty="0" smtClean="0"/>
-              <a:t>review</a:t>
-            </a:r>
-            <a:r>
-              <a:rPr lang="zh-CN" altLang="en-US" dirty="0" smtClean="0"/>
-              <a:t>中 </a:t>
-            </a:r>
-            <a:r>
-              <a:rPr lang="en-US" altLang="zh-CN" dirty="0" smtClean="0"/>
-              <a:t>Impact 36</a:t>
-            </a:r>
-            <a:r>
-              <a:rPr lang="zh-CN" altLang="en-US" dirty="0" smtClean="0"/>
-              <a:t>个</a:t>
-            </a:r>
-            <a:r>
-              <a:rPr lang="en-US" altLang="zh-CN" dirty="0" smtClean="0"/>
-              <a:t>/</a:t>
-            </a:r>
-            <a:r>
-              <a:rPr lang="en-US" altLang="zh-CN" dirty="0" err="1" smtClean="0"/>
-              <a:t>NotProblem</a:t>
-            </a:r>
-            <a:r>
-              <a:rPr lang="en-US" altLang="zh-CN" dirty="0" smtClean="0"/>
-              <a:t> 42</a:t>
-            </a:r>
-            <a:r>
-              <a:rPr lang="zh-CN" altLang="en-US" dirty="0" smtClean="0"/>
-              <a:t>个</a:t>
-            </a:r>
-            <a:r>
-              <a:rPr lang="en-US" altLang="zh-CN" dirty="0" smtClean="0"/>
-              <a:t>/Special 21</a:t>
-            </a:r>
-            <a:r>
-              <a:rPr lang="zh-CN" altLang="en-US" dirty="0" smtClean="0"/>
-              <a:t>个</a:t>
-            </a:r>
-            <a:r>
-              <a:rPr lang="en-US" altLang="zh-CN" dirty="0" smtClean="0"/>
-              <a:t>/review 1</a:t>
-            </a:r>
-            <a:r>
-              <a:rPr lang="zh-CN" altLang="en-US" dirty="0" smtClean="0"/>
-              <a:t>个</a:t>
-            </a:r>
-            <a:endParaRPr lang="en-US" altLang="zh-CN" dirty="0" smtClean="0"/>
-          </a:p>
-          <a:p>
-            <a:endParaRPr lang="en-US" altLang="zh-CN" dirty="0" smtClean="0"/>
-          </a:p>
-          <a:p>
-            <a:endParaRPr lang="zh-CN" altLang="en-US" dirty="0"/>
+            <a:endParaRPr lang="en-US" altLang="zh-CN" dirty="0"/>
+          </a:p>
+          <a:p>
+            <a:endParaRPr lang="zh-CN" altLang="zh-CN" dirty="0"/>
+          </a:p>
+          <a:p>
+            <a:endParaRPr lang="zh-CN" altLang="zh-CN" dirty="0"/>
+          </a:p>
+          <a:p>
+            <a:endParaRPr lang="en-US" altLang="zh-CN" sz="900" dirty="0" smtClean="0"/>
+          </a:p>
+          <a:p>
+            <a:pPr lvl="1"/>
+            <a:endParaRPr lang="en-US" altLang="zh-CN" sz="900" dirty="0" smtClean="0"/>
+          </a:p>
+          <a:p>
+            <a:pPr lvl="1"/>
+            <a:endParaRPr lang="en-US" altLang="zh-CN" sz="900" dirty="0" smtClean="0"/>
           </a:p>
         </p:txBody>
       </p:sp>
     </p:spTree>
+    <p:extLst>
+      <p:ext uri="{BB962C8B-B14F-4D97-AF65-F5344CB8AC3E}">
+        <p14:creationId xmlns:p14="http://schemas.microsoft.com/office/powerpoint/2010/main" val="3640927165"/>
+      </p:ext>
+    </p:extLst>
   </p:cSld>
   <p:clrMapOvr>
     <a:masterClrMapping/>
@@ -4481,6 +7305,128 @@
 </file>
 
 <file path=ppt/slides/slide6.xml><?xml version="1.0" encoding="utf-8"?>
+<p:sld xmlns:a="http://schemas.openxmlformats.org/drawingml/2006/main" xmlns:r="http://schemas.openxmlformats.org/officeDocument/2006/relationships" xmlns:p="http://schemas.openxmlformats.org/presentationml/2006/main">
+  <p:cSld>
+    <p:spTree>
+      <p:nvGrpSpPr>
+        <p:cNvPr id="1" name=""/>
+        <p:cNvGrpSpPr/>
+        <p:nvPr/>
+      </p:nvGrpSpPr>
+      <p:grpSpPr>
+        <a:xfrm>
+          <a:off x="0" y="0"/>
+          <a:ext cx="0" cy="0"/>
+          <a:chOff x="0" y="0"/>
+          <a:chExt cx="0" cy="0"/>
+        </a:xfrm>
+      </p:grpSpPr>
+      <p:sp>
+        <p:nvSpPr>
+          <p:cNvPr id="2" name="标题 1"/>
+          <p:cNvSpPr>
+            <a:spLocks noGrp="1"/>
+          </p:cNvSpPr>
+          <p:nvPr>
+            <p:ph type="title"/>
+          </p:nvPr>
+        </p:nvSpPr>
+        <p:spPr/>
+        <p:txBody>
+          <a:bodyPr/>
+          <a:lstStyle/>
+          <a:p>
+            <a:r>
+              <a:rPr lang="en-US" altLang="zh-CN" dirty="0"/>
+              <a:t>ADB</a:t>
+            </a:r>
+            <a:r>
+              <a:rPr lang="zh-CN" altLang="en-US" dirty="0"/>
+              <a:t>整体</a:t>
+            </a:r>
+            <a:r>
+              <a:rPr lang="zh-CN" altLang="en-US" dirty="0" smtClean="0"/>
+              <a:t>架构和数据传输流程图</a:t>
+            </a:r>
+            <a:endParaRPr lang="zh-CN" altLang="en-US" dirty="0"/>
+          </a:p>
+        </p:txBody>
+      </p:sp>
+      <p:pic>
+        <p:nvPicPr>
+          <p:cNvPr id="1027" name="图片 5" descr="screenshots.png"/>
+          <p:cNvPicPr>
+            <a:picLocks noChangeAspect="1" noChangeArrowheads="1"/>
+          </p:cNvPicPr>
+          <p:nvPr/>
+        </p:nvPicPr>
+        <p:blipFill>
+          <a:blip r:embed="rId2">
+            <a:extLst>
+              <a:ext uri="{28A0092B-C50C-407E-A947-70E740481C1C}">
+                <a14:useLocalDpi xmlns:a14="http://schemas.microsoft.com/office/drawing/2010/main" val="0"/>
+              </a:ext>
+            </a:extLst>
+          </a:blip>
+          <a:srcRect/>
+          <a:stretch>
+            <a:fillRect/>
+          </a:stretch>
+        </p:blipFill>
+        <p:spPr bwMode="auto">
+          <a:xfrm>
+            <a:off x="1763688" y="857280"/>
+            <a:ext cx="5864737" cy="3829744"/>
+          </a:xfrm>
+          <a:prstGeom prst="rect">
+            <a:avLst/>
+          </a:prstGeom>
+          <a:noFill/>
+          <a:ln>
+            <a:noFill/>
+          </a:ln>
+          <a:extLst>
+            <a:ext uri="{909E8E84-426E-40DD-AFC4-6F175D3DCCD1}">
+              <a14:hiddenFill xmlns:a14="http://schemas.microsoft.com/office/drawing/2010/main">
+                <a:solidFill>
+                  <a:srgbClr val="FFFFFF"/>
+                </a:solidFill>
+              </a14:hiddenFill>
+            </a:ext>
+            <a:ext uri="{91240B29-F687-4F45-9708-019B960494DF}">
+              <a14:hiddenLine xmlns:a14="http://schemas.microsoft.com/office/drawing/2010/main" w="9525">
+                <a:solidFill>
+                  <a:srgbClr val="000000"/>
+                </a:solidFill>
+                <a:miter lim="800000"/>
+                <a:headEnd/>
+                <a:tailEnd/>
+              </a14:hiddenLine>
+            </a:ext>
+          </a:extLst>
+        </p:spPr>
+      </p:pic>
+    </p:spTree>
+    <p:extLst>
+      <p:ext uri="{BB962C8B-B14F-4D97-AF65-F5344CB8AC3E}">
+        <p14:creationId xmlns:p14="http://schemas.microsoft.com/office/powerpoint/2010/main" val="985475723"/>
+      </p:ext>
+    </p:extLst>
+  </p:cSld>
+  <p:clrMapOvr>
+    <a:masterClrMapping/>
+  </p:clrMapOvr>
+  <p:timing>
+    <p:tnLst>
+      <p:par>
+        <p:cTn id="1" dur="indefinite" restart="never" nodeType="tmRoot"/>
+      </p:par>
+    </p:tnLst>
+  </p:timing>
+</p:sld>
+</file>
+
+<file path=ppt/slides/slide7.xml><?xml version="1.0" encoding="utf-8"?>
 <p:sld xmlns:a="http://schemas.openxmlformats.org/drawingml/2006/main" xmlns:r="http://schemas.openxmlformats.org/officeDocument/2006/relationships" xmlns:p="http://schemas.openxmlformats.org/presentationml/2006/main">
   <p:cSld>
     <p:spTree>
@@ -4616,210 +7562,6 @@
 </p:sld>
 </file>
 
-<file path=ppt/slides/slide7.xml><?xml version="1.0" encoding="utf-8"?>
-<p:sld xmlns:a="http://schemas.openxmlformats.org/drawingml/2006/main" xmlns:r="http://schemas.openxmlformats.org/officeDocument/2006/relationships" xmlns:p="http://schemas.openxmlformats.org/presentationml/2006/main">
-  <p:cSld>
-    <p:spTree>
-      <p:nvGrpSpPr>
-        <p:cNvPr id="1" name=""/>
-        <p:cNvGrpSpPr/>
-        <p:nvPr/>
-      </p:nvGrpSpPr>
-      <p:grpSpPr>
-        <a:xfrm>
-          <a:off x="0" y="0"/>
-          <a:ext cx="0" cy="0"/>
-          <a:chOff x="0" y="0"/>
-          <a:chExt cx="0" cy="0"/>
-        </a:xfrm>
-      </p:grpSpPr>
-      <p:sp>
-        <p:nvSpPr>
-          <p:cNvPr id="2" name="标题 1"/>
-          <p:cNvSpPr>
-            <a:spLocks noGrp="1"/>
-          </p:cNvSpPr>
-          <p:nvPr>
-            <p:ph type="title"/>
-          </p:nvPr>
-        </p:nvSpPr>
-        <p:spPr/>
-        <p:txBody>
-          <a:bodyPr/>
-          <a:lstStyle/>
-          <a:p>
-            <a:r>
-              <a:rPr lang="en-US" altLang="zh-CN" dirty="0" smtClean="0"/>
-              <a:t>Task and Study</a:t>
-            </a:r>
-            <a:endParaRPr lang="zh-CN" altLang="en-US" dirty="0"/>
-          </a:p>
-        </p:txBody>
-      </p:sp>
-      <p:sp>
-        <p:nvSpPr>
-          <p:cNvPr id="6" name="内容占位符 2"/>
-          <p:cNvSpPr txBox="1">
-            <a:spLocks/>
-          </p:cNvSpPr>
-          <p:nvPr/>
-        </p:nvSpPr>
-        <p:spPr>
-          <a:xfrm>
-            <a:off x="467544" y="699542"/>
-            <a:ext cx="7859216" cy="720080"/>
-          </a:xfrm>
-          <a:prstGeom prst="rect">
-            <a:avLst/>
-          </a:prstGeom>
-        </p:spPr>
-        <p:txBody>
-          <a:bodyPr/>
-          <a:lstStyle/>
-          <a:p>
-            <a:pPr lvl="1">
-              <a:lnSpc>
-                <a:spcPct val="150000"/>
-              </a:lnSpc>
-            </a:pPr>
-            <a:r>
-              <a:rPr lang="en-US" altLang="zh-CN" sz="2800" dirty="0" err="1" smtClean="0"/>
-              <a:t>Adb</a:t>
-            </a:r>
-            <a:r>
-              <a:rPr lang="en-US" altLang="zh-CN" sz="2800" dirty="0" smtClean="0"/>
-              <a:t> and </a:t>
-            </a:r>
-            <a:r>
-              <a:rPr lang="en-US" altLang="zh-CN" sz="2800" dirty="0" err="1" smtClean="0"/>
-              <a:t>Fastboot</a:t>
-            </a:r>
-            <a:r>
-              <a:rPr lang="en-US" altLang="zh-CN" sz="2800" dirty="0" smtClean="0"/>
-              <a:t> Implementation Introduction</a:t>
-            </a:r>
-          </a:p>
-        </p:txBody>
-      </p:sp>
-      <p:sp>
-        <p:nvSpPr>
-          <p:cNvPr id="7" name="内容占位符 6"/>
-          <p:cNvSpPr>
-            <a:spLocks noGrp="1"/>
-          </p:cNvSpPr>
-          <p:nvPr>
-            <p:ph idx="1"/>
-          </p:nvPr>
-        </p:nvSpPr>
-        <p:spPr>
-          <a:xfrm>
-            <a:off x="457200" y="1841574"/>
-            <a:ext cx="8229600" cy="3394472"/>
-          </a:xfrm>
-        </p:spPr>
-        <p:txBody>
-          <a:bodyPr/>
-          <a:lstStyle/>
-          <a:p>
-            <a:r>
-              <a:rPr lang="zh-CN" altLang="en-US" dirty="0" smtClean="0"/>
-              <a:t>查找资料，看代码了解</a:t>
-            </a:r>
-            <a:r>
-              <a:rPr lang="en-US" altLang="zh-CN" dirty="0" smtClean="0"/>
-              <a:t>ADB</a:t>
-            </a:r>
-            <a:r>
-              <a:rPr lang="zh-CN" altLang="en-US" dirty="0" smtClean="0"/>
-              <a:t>的实现</a:t>
-            </a:r>
-            <a:endParaRPr lang="en-US" altLang="zh-CN" dirty="0" smtClean="0"/>
-          </a:p>
-          <a:p>
-            <a:r>
-              <a:rPr lang="zh-CN" altLang="en-US" dirty="0" smtClean="0"/>
-              <a:t>了解</a:t>
-            </a:r>
-            <a:r>
-              <a:rPr lang="en-US" altLang="zh-CN" dirty="0" smtClean="0"/>
-              <a:t>ADB root</a:t>
-            </a:r>
-            <a:r>
-              <a:rPr lang="zh-CN" altLang="en-US" dirty="0" smtClean="0"/>
-              <a:t>的原理。</a:t>
-            </a:r>
-            <a:endParaRPr lang="en-US" altLang="zh-CN" dirty="0" smtClean="0"/>
-          </a:p>
-          <a:p>
-            <a:r>
-              <a:rPr lang="zh-CN" altLang="en-US" dirty="0" smtClean="0"/>
-              <a:t>上周五做了一个简单的调研，收集了一些资料。</a:t>
-            </a:r>
-            <a:endParaRPr lang="en-US" altLang="zh-CN" dirty="0" smtClean="0"/>
-          </a:p>
-          <a:p>
-            <a:r>
-              <a:rPr lang="zh-CN" altLang="en-US" dirty="0" smtClean="0"/>
-              <a:t>本周搭建了自己编译的</a:t>
-            </a:r>
-            <a:r>
-              <a:rPr lang="en-US" altLang="zh-CN" dirty="0" smtClean="0"/>
-              <a:t>ADB Server</a:t>
-            </a:r>
-            <a:r>
-              <a:rPr lang="zh-CN" altLang="en-US" dirty="0" smtClean="0"/>
-              <a:t>和</a:t>
-            </a:r>
-            <a:r>
-              <a:rPr lang="en-US" altLang="zh-CN" dirty="0" smtClean="0"/>
-              <a:t>ADBD</a:t>
-            </a:r>
-            <a:r>
-              <a:rPr lang="zh-CN" altLang="en-US" dirty="0" smtClean="0"/>
-              <a:t>，可以在手机和电脑上运行，输出调试信息</a:t>
-            </a:r>
-            <a:endParaRPr lang="en-US" altLang="zh-CN" dirty="0" smtClean="0"/>
-          </a:p>
-          <a:p>
-            <a:r>
-              <a:rPr lang="zh-CN" altLang="en-US" dirty="0" smtClean="0"/>
-              <a:t>将主要以理解代码，和增加调试信息的方式，了解</a:t>
-            </a:r>
-            <a:r>
-              <a:rPr lang="en-US" altLang="zh-CN" dirty="0" smtClean="0"/>
-              <a:t>ADB</a:t>
-            </a:r>
-            <a:r>
-              <a:rPr lang="zh-CN" altLang="en-US" dirty="0" smtClean="0"/>
-              <a:t>和</a:t>
-            </a:r>
-            <a:r>
-              <a:rPr lang="en-US" altLang="zh-CN" dirty="0" err="1" smtClean="0"/>
-              <a:t>Fastboot</a:t>
-            </a:r>
-            <a:r>
-              <a:rPr lang="zh-CN" altLang="en-US" dirty="0" smtClean="0"/>
-              <a:t>的实现原理。</a:t>
-            </a:r>
-            <a:endParaRPr lang="zh-CN" altLang="en-US" dirty="0"/>
-          </a:p>
-        </p:txBody>
-      </p:sp>
-    </p:spTree>
-  </p:cSld>
-  <p:clrMapOvr>
-    <a:masterClrMapping/>
-  </p:clrMapOvr>
-  <p:timing>
-    <p:tnLst>
-      <p:par>
-        <p:cTn id="1" dur="indefinite" restart="never" nodeType="tmRoot"/>
-      </p:par>
-    </p:tnLst>
-  </p:timing>
-</p:sld>
-</file>
-
 <file path=ppt/slides/slide8.xml><?xml version="1.0" encoding="utf-8"?>
 <p:sld xmlns:a="http://schemas.openxmlformats.org/drawingml/2006/main" xmlns:r="http://schemas.openxmlformats.org/officeDocument/2006/relationships" xmlns:p="http://schemas.openxmlformats.org/presentationml/2006/main">
   <p:cSld>
@@ -4854,7 +7596,15 @@
           <a:p>
             <a:r>
               <a:rPr lang="en-US" altLang="zh-CN" dirty="0" smtClean="0"/>
-              <a:t>Task and Study</a:t>
+              <a:t>ADBD(ADB </a:t>
+            </a:r>
+            <a:r>
+              <a:rPr lang="en-US" altLang="zh-CN" dirty="0" err="1" smtClean="0"/>
+              <a:t>Deamon</a:t>
+            </a:r>
+            <a:r>
+              <a:rPr lang="en-US" altLang="zh-CN" dirty="0" smtClean="0"/>
+              <a:t>)</a:t>
             </a:r>
             <a:endParaRPr lang="zh-CN" altLang="en-US" dirty="0"/>
           </a:p>
@@ -4862,101 +7612,280 @@
       </p:sp>
       <p:sp>
         <p:nvSpPr>
-          <p:cNvPr id="6" name="内容占位符 2"/>
-          <p:cNvSpPr txBox="1">
-            <a:spLocks/>
-          </p:cNvSpPr>
-          <p:nvPr/>
+          <p:cNvPr id="3" name="内容占位符 2"/>
+          <p:cNvSpPr>
+            <a:spLocks noGrp="1"/>
+          </p:cNvSpPr>
+          <p:nvPr>
+            <p:ph idx="1"/>
+          </p:nvPr>
         </p:nvSpPr>
         <p:spPr>
           <a:xfrm>
-            <a:off x="467544" y="843558"/>
-            <a:ext cx="7859216" cy="720080"/>
+            <a:off x="467544" y="771550"/>
+            <a:ext cx="8229600" cy="3607049"/>
           </a:xfrm>
-          <a:prstGeom prst="rect">
-            <a:avLst/>
-          </a:prstGeom>
         </p:spPr>
         <p:txBody>
-          <a:bodyPr/>
+          <a:bodyPr>
+            <a:normAutofit/>
+          </a:bodyPr>
           <a:lstStyle/>
+          <a:p>
+            <a:pPr>
+              <a:lnSpc>
+                <a:spcPct val="200000"/>
+              </a:lnSpc>
+            </a:pPr>
+            <a:r>
+              <a:rPr lang="zh-CN" altLang="zh-CN" dirty="0"/>
+              <a:t>运行于</a:t>
+            </a:r>
+            <a:r>
+              <a:rPr lang="en-US" altLang="zh-CN" dirty="0"/>
+              <a:t>device/emulator</a:t>
+            </a:r>
+            <a:r>
+              <a:rPr lang="zh-CN" altLang="zh-CN" dirty="0"/>
+              <a:t>的守护进程（</a:t>
+            </a:r>
+            <a:r>
+              <a:rPr lang="en-US" altLang="zh-CN" dirty="0"/>
+              <a:t>Local service</a:t>
+            </a:r>
+            <a:r>
+              <a:rPr lang="zh-CN" altLang="zh-CN" dirty="0"/>
+              <a:t>）。其作用如下：</a:t>
+            </a:r>
+          </a:p>
           <a:p>
             <a:pPr lvl="1">
               <a:lnSpc>
-                <a:spcPct val="150000"/>
+                <a:spcPct val="200000"/>
               </a:lnSpc>
             </a:pPr>
             <a:r>
-              <a:rPr lang="en-US" altLang="zh-CN" sz="1200" dirty="0" smtClean="0">
-                <a:hlinkClick r:id="rId2" action="ppaction://hlinkfile"/>
-              </a:rPr>
-              <a:t>SharkL5.1-Need-info </a:t>
-            </a:r>
-            <a:r>
-              <a:rPr lang="en-US" altLang="zh-CN" sz="1200" dirty="0" err="1" smtClean="0">
-                <a:hlinkClick r:id="rId2" action="ppaction://hlinkfile"/>
-              </a:rPr>
-              <a:t>buglist</a:t>
-            </a:r>
-            <a:r>
-              <a:rPr lang="zh-CN" altLang="en-US" sz="1200" dirty="0" smtClean="0"/>
-              <a:t>，对</a:t>
-            </a:r>
-            <a:r>
-              <a:rPr lang="en-US" altLang="zh-CN" sz="1200" dirty="0" smtClean="0"/>
-              <a:t>System1 Need Information</a:t>
-            </a:r>
-            <a:r>
-              <a:rPr lang="zh-CN" altLang="en-US" sz="1200" dirty="0" smtClean="0"/>
-              <a:t>的原因归类统计，上周完成的没有严格按照要求，本周完成</a:t>
-            </a:r>
-            <a:r>
-              <a:rPr lang="en-US" altLang="zh-CN" sz="1200" dirty="0" smtClean="0"/>
-              <a:t>Audit</a:t>
-            </a:r>
-            <a:r>
-              <a:rPr lang="zh-CN" altLang="en-US" sz="1200" dirty="0" smtClean="0"/>
-              <a:t>的归类。</a:t>
-            </a:r>
-            <a:endParaRPr lang="en-US" altLang="zh-CN" sz="1200" dirty="0" smtClean="0"/>
-          </a:p>
-        </p:txBody>
-      </p:sp>
-      <p:pic>
-        <p:nvPicPr>
-          <p:cNvPr id="4098" name="Picture 2"/>
-          <p:cNvPicPr>
-            <a:picLocks noGrp="1" noChangeAspect="1" noChangeArrowheads="1"/>
-          </p:cNvPicPr>
-          <p:nvPr>
-            <p:ph idx="1"/>
-          </p:nvPr>
-        </p:nvPicPr>
-        <p:blipFill>
-          <a:blip r:embed="rId3" cstate="print"/>
-          <a:srcRect/>
-          <a:stretch>
-            <a:fillRect/>
-          </a:stretch>
-        </p:blipFill>
-        <p:spPr bwMode="auto">
-          <a:xfrm>
-            <a:off x="3299335" y="1203325"/>
-            <a:ext cx="5017081" cy="3394075"/>
-          </a:xfrm>
-          <a:prstGeom prst="rect">
-            <a:avLst/>
-          </a:prstGeom>
-          <a:noFill/>
-          <a:ln w="9525">
-            <a:noFill/>
-            <a:miter lim="800000"/>
-            <a:headEnd/>
-            <a:tailEnd/>
-          </a:ln>
-        </p:spPr>
-      </p:pic>
+              <a:rPr lang="zh-CN" altLang="zh-CN" dirty="0" smtClean="0"/>
+              <a:t>用来</a:t>
+            </a:r>
+            <a:r>
+              <a:rPr lang="zh-CN" altLang="zh-CN" dirty="0"/>
+              <a:t>连接</a:t>
+            </a:r>
+            <a:r>
+              <a:rPr lang="en-US" altLang="zh-CN" dirty="0"/>
+              <a:t>device/emulator</a:t>
+            </a:r>
+            <a:r>
+              <a:rPr lang="zh-CN" altLang="zh-CN" dirty="0"/>
+              <a:t>和</a:t>
+            </a:r>
+            <a:r>
+              <a:rPr lang="en-US" altLang="zh-CN" dirty="0" err="1"/>
+              <a:t>adb</a:t>
+            </a:r>
+            <a:r>
+              <a:rPr lang="en-US" altLang="zh-CN" dirty="0"/>
+              <a:t> server</a:t>
+            </a:r>
+            <a:r>
+              <a:rPr lang="zh-CN" altLang="zh-CN" dirty="0"/>
+              <a:t>，</a:t>
+            </a:r>
+            <a:r>
+              <a:rPr lang="en-US" altLang="zh-CN" dirty="0"/>
+              <a:t>device</a:t>
+            </a:r>
+            <a:r>
+              <a:rPr lang="zh-CN" altLang="zh-CN" dirty="0"/>
+              <a:t>通过</a:t>
+            </a:r>
+            <a:r>
+              <a:rPr lang="en-US" altLang="zh-CN" dirty="0"/>
+              <a:t>USB</a:t>
+            </a:r>
+            <a:r>
+              <a:rPr lang="zh-CN" altLang="zh-CN" dirty="0"/>
+              <a:t>连接，</a:t>
+            </a:r>
+            <a:r>
+              <a:rPr lang="en-US" altLang="zh-CN" dirty="0"/>
+              <a:t>emulator</a:t>
+            </a:r>
+            <a:r>
+              <a:rPr lang="zh-CN" altLang="zh-CN" dirty="0"/>
+              <a:t>通过</a:t>
+            </a:r>
+            <a:r>
+              <a:rPr lang="en-US" altLang="zh-CN" dirty="0"/>
+              <a:t>TCP</a:t>
+            </a:r>
+            <a:r>
+              <a:rPr lang="zh-CN" altLang="zh-CN" dirty="0"/>
+              <a:t>连接。</a:t>
+            </a:r>
+          </a:p>
+          <a:p>
+            <a:pPr lvl="1">
+              <a:lnSpc>
+                <a:spcPct val="200000"/>
+              </a:lnSpc>
+            </a:pPr>
+            <a:r>
+              <a:rPr lang="zh-CN" altLang="zh-CN" dirty="0" smtClean="0"/>
+              <a:t>为</a:t>
+            </a:r>
+            <a:r>
+              <a:rPr lang="en-US" altLang="zh-CN" dirty="0"/>
+              <a:t>device/emulator</a:t>
+            </a:r>
+            <a:r>
+              <a:rPr lang="zh-CN" altLang="zh-CN" dirty="0"/>
+              <a:t>提供服务</a:t>
+            </a:r>
+            <a:r>
+              <a:rPr lang="en-US" altLang="zh-CN" dirty="0"/>
+              <a:t>--&gt; </a:t>
+            </a:r>
+            <a:r>
+              <a:rPr lang="en-US" altLang="zh-CN" dirty="0" err="1"/>
+              <a:t>adb</a:t>
+            </a:r>
+            <a:r>
+              <a:rPr lang="en-US" altLang="zh-CN" dirty="0"/>
+              <a:t> </a:t>
+            </a:r>
+            <a:r>
+              <a:rPr lang="en-US" altLang="zh-CN" dirty="0" smtClean="0"/>
+              <a:t>service.</a:t>
+            </a:r>
+            <a:r>
+              <a:rPr lang="zh-CN" altLang="en-US" dirty="0" smtClean="0"/>
+              <a:t>响应</a:t>
+            </a:r>
+            <a:r>
+              <a:rPr lang="en-US" altLang="zh-CN" dirty="0" smtClean="0"/>
+              <a:t>Host</a:t>
+            </a:r>
+            <a:r>
+              <a:rPr lang="zh-CN" altLang="en-US" dirty="0" smtClean="0"/>
+              <a:t>的</a:t>
+            </a:r>
+            <a:r>
+              <a:rPr lang="en-US" altLang="zh-CN" dirty="0" smtClean="0"/>
+              <a:t>ADB</a:t>
+            </a:r>
+            <a:r>
+              <a:rPr lang="zh-CN" altLang="en-US" dirty="0" smtClean="0"/>
+              <a:t>命令</a:t>
+            </a:r>
+            <a:endParaRPr lang="zh-CN" altLang="zh-CN" dirty="0"/>
+          </a:p>
+          <a:p>
+            <a:pPr>
+              <a:lnSpc>
+                <a:spcPct val="200000"/>
+              </a:lnSpc>
+            </a:pPr>
+            <a:r>
+              <a:rPr lang="zh-CN" altLang="zh-CN" dirty="0"/>
+              <a:t>在</a:t>
+            </a:r>
+            <a:r>
+              <a:rPr lang="en-US" altLang="zh-CN" dirty="0"/>
+              <a:t>emulator/device</a:t>
+            </a:r>
+            <a:r>
+              <a:rPr lang="zh-CN" altLang="zh-CN" dirty="0"/>
+              <a:t>端，</a:t>
+            </a:r>
+            <a:r>
+              <a:rPr lang="en-US" altLang="zh-CN" dirty="0" err="1"/>
+              <a:t>adbd</a:t>
+            </a:r>
+            <a:r>
+              <a:rPr lang="zh-CN" altLang="zh-CN" dirty="0"/>
+              <a:t>也创建</a:t>
+            </a:r>
+            <a:r>
+              <a:rPr lang="en-US" altLang="zh-CN" dirty="0"/>
+              <a:t>local socket</a:t>
+            </a:r>
+            <a:r>
+              <a:rPr lang="zh-CN" altLang="zh-CN" dirty="0"/>
+              <a:t>和</a:t>
+            </a:r>
+            <a:r>
+              <a:rPr lang="en-US" altLang="zh-CN" dirty="0"/>
+              <a:t>remote socket</a:t>
+            </a:r>
+            <a:r>
+              <a:rPr lang="zh-CN" altLang="zh-CN" dirty="0"/>
+              <a:t>，前者与通过</a:t>
+            </a:r>
+            <a:r>
+              <a:rPr lang="en-US" altLang="zh-CN" dirty="0" err="1"/>
+              <a:t>jdwp</a:t>
+            </a:r>
+            <a:r>
+              <a:rPr lang="zh-CN" altLang="zh-CN" dirty="0"/>
+              <a:t>与</a:t>
+            </a:r>
+            <a:r>
+              <a:rPr lang="en-US" altLang="zh-CN" dirty="0" err="1"/>
+              <a:t>dalvik</a:t>
+            </a:r>
+            <a:r>
+              <a:rPr lang="en-US" altLang="zh-CN" dirty="0"/>
+              <a:t> VM</a:t>
+            </a:r>
+            <a:r>
+              <a:rPr lang="zh-CN" altLang="zh-CN" dirty="0"/>
+              <a:t>进层通信，后者通过</a:t>
+            </a:r>
+            <a:r>
+              <a:rPr lang="en-US" altLang="zh-CN" dirty="0"/>
+              <a:t>TCP/USB</a:t>
+            </a:r>
+            <a:r>
+              <a:rPr lang="zh-CN" altLang="zh-CN" dirty="0"/>
+              <a:t>与</a:t>
+            </a:r>
+            <a:r>
+              <a:rPr lang="en-US" altLang="zh-CN" dirty="0" err="1"/>
+              <a:t>adb</a:t>
+            </a:r>
+            <a:r>
+              <a:rPr lang="en-US" altLang="zh-CN" dirty="0"/>
+              <a:t> server</a:t>
+            </a:r>
+            <a:r>
+              <a:rPr lang="zh-CN" altLang="zh-CN" dirty="0"/>
+              <a:t>通信。</a:t>
+            </a:r>
+          </a:p>
+          <a:p>
+            <a:endParaRPr lang="en-US" altLang="zh-CN" dirty="0"/>
+          </a:p>
+          <a:p>
+            <a:endParaRPr lang="en-US" altLang="zh-CN" sz="900" dirty="0" smtClean="0"/>
+          </a:p>
+          <a:p>
+            <a:pPr lvl="1"/>
+            <a:endParaRPr lang="en-US" altLang="zh-CN" sz="900" dirty="0" smtClean="0"/>
+          </a:p>
+          <a:p>
+            <a:pPr lvl="1"/>
+            <a:endParaRPr lang="en-US" altLang="zh-CN" sz="900" dirty="0" smtClean="0"/>
+          </a:p>
+        </p:txBody>
+      </p:sp>
     </p:spTree>
+    <p:extLst>
+      <p:ext uri="{BB962C8B-B14F-4D97-AF65-F5344CB8AC3E}">
+        <p14:creationId xmlns:p14="http://schemas.microsoft.com/office/powerpoint/2010/main" val="2029452737"/>
+      </p:ext>
+    </p:extLst>
   </p:cSld>
   <p:clrMapOvr>
     <a:masterClrMapping/>
@@ -4974,20 +7903,6 @@
 <file path=ppt/slides/slide9.xml><?xml version="1.0" encoding="utf-8"?>
 <p:sld xmlns:a="http://schemas.openxmlformats.org/drawingml/2006/main" xmlns:r="http://schemas.openxmlformats.org/officeDocument/2006/relationships" xmlns:p="http://schemas.openxmlformats.org/presentationml/2006/main">
   <p:cSld>
-    <p:bg>
-      <p:bgPr>
-        <a:blipFill dpi="0" rotWithShape="1">
-          <a:blip r:embed="rId2" cstate="print">
-            <a:lum/>
-          </a:blip>
-          <a:srcRect/>
-          <a:stretch>
-            <a:fillRect/>
-          </a:stretch>
-        </a:blipFill>
-        <a:effectLst/>
-      </p:bgPr>
-    </p:bg>
     <p:spTree>
       <p:nvGrpSpPr>
         <p:cNvPr id="1" name=""/>
@@ -5004,7 +7919,7 @@
       </p:grpSpPr>
       <p:sp>
         <p:nvSpPr>
-          <p:cNvPr id="4" name="标题 1"/>
+          <p:cNvPr id="2" name="标题 1"/>
           <p:cNvSpPr>
             <a:spLocks noGrp="1"/>
           </p:cNvSpPr>
@@ -5012,37 +7927,153 @@
             <p:ph type="title"/>
           </p:nvPr>
         </p:nvSpPr>
-        <p:spPr>
-          <a:xfrm>
-            <a:off x="3428992" y="3214693"/>
-            <a:ext cx="2357454" cy="1214445"/>
-          </a:xfrm>
-        </p:spPr>
+        <p:spPr/>
         <p:txBody>
           <a:bodyPr/>
           <a:lstStyle/>
           <a:p>
-            <a:pPr algn="ctr"/>
-            <a:r>
-              <a:rPr lang="en-US" altLang="zh-CN" sz="2800" dirty="0" smtClean="0">
-                <a:latin typeface="Arial" pitchFamily="34" charset="0"/>
-                <a:cs typeface="Arial" pitchFamily="34" charset="0"/>
-              </a:rPr>
-              <a:t>THANK YOU!</a:t>
-            </a:r>
-            <a:endParaRPr lang="zh-CN" altLang="en-US" sz="2800" dirty="0">
-              <a:solidFill>
-                <a:schemeClr val="bg1">
-                  <a:lumMod val="85000"/>
-                </a:schemeClr>
-              </a:solidFill>
-              <a:latin typeface="Arial" pitchFamily="34" charset="0"/>
-              <a:cs typeface="Arial" pitchFamily="34" charset="0"/>
-            </a:endParaRPr>
-          </a:p>
-        </p:txBody>
-      </p:sp>
+            <a:r>
+              <a:rPr lang="en-US" altLang="zh-CN" dirty="0" smtClean="0"/>
+              <a:t>ADBD</a:t>
+            </a:r>
+            <a:r>
+              <a:rPr lang="zh-CN" altLang="en-US" dirty="0" smtClean="0"/>
+              <a:t>初始化流程</a:t>
+            </a:r>
+            <a:endParaRPr lang="zh-CN" altLang="en-US" dirty="0"/>
+          </a:p>
+        </p:txBody>
+      </p:sp>
+      <p:sp>
+        <p:nvSpPr>
+          <p:cNvPr id="5" name="Rectangle 2"/>
+          <p:cNvSpPr>
+            <a:spLocks noChangeArrowheads="1"/>
+          </p:cNvSpPr>
+          <p:nvPr/>
+        </p:nvSpPr>
+        <p:spPr bwMode="auto">
+          <a:xfrm>
+            <a:off x="0" y="0"/>
+            <a:ext cx="9144000" cy="0"/>
+          </a:xfrm>
+          <a:prstGeom prst="rect">
+            <a:avLst/>
+          </a:prstGeom>
+          <a:noFill/>
+          <a:ln>
+            <a:noFill/>
+          </a:ln>
+          <a:effectLst/>
+          <a:extLst>
+            <a:ext uri="{909E8E84-426E-40DD-AFC4-6F175D3DCCD1}">
+              <a14:hiddenFill xmlns:a14="http://schemas.microsoft.com/office/drawing/2010/main">
+                <a:solidFill>
+                  <a:schemeClr val="accent1"/>
+                </a:solidFill>
+              </a14:hiddenFill>
+            </a:ext>
+            <a:ext uri="{91240B29-F687-4F45-9708-019B960494DF}">
+              <a14:hiddenLine xmlns:a14="http://schemas.microsoft.com/office/drawing/2010/main" w="9525">
+                <a:solidFill>
+                  <a:schemeClr val="tx1"/>
+                </a:solidFill>
+                <a:miter lim="800000"/>
+                <a:headEnd/>
+                <a:tailEnd/>
+              </a14:hiddenLine>
+            </a:ext>
+            <a:ext uri="{AF507438-7753-43E0-B8FC-AC1667EBCBE1}">
+              <a14:hiddenEffects xmlns:a14="http://schemas.microsoft.com/office/drawing/2010/main">
+                <a:effectLst>
+                  <a:outerShdw dist="35921" dir="2700000" algn="ctr" rotWithShape="0">
+                    <a:schemeClr val="bg2"/>
+                  </a:outerShdw>
+                </a:effectLst>
+              </a14:hiddenEffects>
+            </a:ext>
+          </a:extLst>
+        </p:spPr>
+        <p:txBody>
+          <a:bodyPr vert="horz" wrap="none" lIns="91440" tIns="45720" rIns="91440" bIns="45720" numCol="1" anchor="ctr" anchorCtr="0" compatLnSpc="1">
+            <a:prstTxWarp prst="textNoShape">
+              <a:avLst/>
+            </a:prstTxWarp>
+            <a:spAutoFit/>
+          </a:bodyPr>
+          <a:lstStyle/>
+          <a:p>
+            <a:endParaRPr lang="zh-CN" altLang="en-US"/>
+          </a:p>
+        </p:txBody>
+      </p:sp>
+      <p:graphicFrame>
+        <p:nvGraphicFramePr>
+          <p:cNvPr id="6" name="对象 5"/>
+          <p:cNvGraphicFramePr>
+            <a:graphicFrameLocks noChangeAspect="1"/>
+          </p:cNvGraphicFramePr>
+          <p:nvPr>
+            <p:extLst>
+              <p:ext uri="{D42A27DB-BD31-4B8C-83A1-F6EECF244321}">
+                <p14:modId xmlns:p14="http://schemas.microsoft.com/office/powerpoint/2010/main" val="3877968925"/>
+              </p:ext>
+            </p:extLst>
+          </p:nvPr>
+        </p:nvGraphicFramePr>
+        <p:xfrm>
+          <a:off x="611560" y="123478"/>
+          <a:ext cx="8258175" cy="4824536"/>
+        </p:xfrm>
+        <a:graphic>
+          <a:graphicData uri="http://schemas.openxmlformats.org/presentationml/2006/ole">
+            <mc:AlternateContent xmlns:mc="http://schemas.openxmlformats.org/markup-compatibility/2006">
+              <mc:Choice xmlns:v="urn:schemas-microsoft-com:vml" Requires="v">
+                <p:oleObj spid="_x0000_s3139" name="Visio" r:id="rId3" imgW="11170866" imgH="11167703" progId="Visio.Drawing.11">
+                  <p:embed/>
+                </p:oleObj>
+              </mc:Choice>
+              <mc:Fallback>
+                <p:oleObj name="Visio" r:id="rId3" imgW="11170866" imgH="11167703" progId="Visio.Drawing.11">
+                  <p:embed/>
+                  <p:pic>
+                    <p:nvPicPr>
+                      <p:cNvPr id="0" name="Object 1"/>
+                      <p:cNvPicPr>
+                        <a:picLocks noChangeAspect="1" noChangeArrowheads="1"/>
+                      </p:cNvPicPr>
+                      <p:nvPr/>
+                    </p:nvPicPr>
+                    <p:blipFill>
+                      <a:blip r:embed="rId4"/>
+                      <a:srcRect/>
+                      <a:stretch>
+                        <a:fillRect/>
+                      </a:stretch>
+                    </p:blipFill>
+                    <p:spPr bwMode="auto">
+                      <a:xfrm>
+                        <a:off x="611560" y="123478"/>
+                        <a:ext cx="8258175" cy="4824536"/>
+                      </a:xfrm>
+                      <a:prstGeom prst="rect">
+                        <a:avLst/>
+                      </a:prstGeom>
+                      <a:noFill/>
+                    </p:spPr>
+                  </p:pic>
+                </p:oleObj>
+              </mc:Fallback>
+            </mc:AlternateContent>
+          </a:graphicData>
+        </a:graphic>
+      </p:graphicFrame>
     </p:spTree>
+    <p:extLst>
+      <p:ext uri="{BB962C8B-B14F-4D97-AF65-F5344CB8AC3E}">
+        <p14:creationId xmlns:p14="http://schemas.microsoft.com/office/powerpoint/2010/main" val="160519094"/>
+      </p:ext>
+    </p:extLst>
   </p:cSld>
   <p:clrMapOvr>
     <a:masterClrMapping/>
@@ -5065,7 +8096,7 @@
         <a:sysClr val="windowText" lastClr="000000"/>
       </a:dk1>
       <a:lt1>
-        <a:sysClr val="window" lastClr="FFFFFF"/>
+        <a:sysClr val="window" lastClr="C7EDCC"/>
       </a:lt1>
       <a:dk2>
         <a:srgbClr val="1F497D"/>
@@ -5342,27 +8373,6 @@
 
 <file path=customXml/item1.xml><?xml version="1.0" encoding="utf-8"?>
 <?mso-contentType ?>
-<FormTemplates xmlns="http://schemas.microsoft.com/sharepoint/v3/contenttype/forms">
-  <Display>DocumentLibraryForm</Display>
-  <Edit>DocumentLibraryForm</Edit>
-  <New>DocumentLibraryForm</New>
-</FormTemplates>
-</file>
-
-<file path=customXml/item2.xml><?xml version="1.0" encoding="utf-8"?>
-<p:properties xmlns:p="http://schemas.microsoft.com/office/2006/metadata/properties" xmlns:xsi="http://www.w3.org/2001/XMLSchema-instance" xmlns:pc="http://schemas.microsoft.com/office/infopath/2007/PartnerControls">
-  <documentManagement>
-    <_dlc_DocId xmlns="25fe2791-1b06-47a9-ad06-5da6bb59703a">4DZPVM3E3HVF-231-190</_dlc_DocId>
-    <_dlc_DocIdUrl xmlns="25fe2791-1b06-47a9-ad06-5da6bb59703a">
-      <Url>http://eip.spreadtrum.com/sites/pld/kernel/_layouts/15/DocIdRedir.aspx?ID=4DZPVM3E3HVF-231-190</Url>
-      <Description>4DZPVM3E3HVF-231-190</Description>
-    </_dlc_DocIdUrl>
-  </documentManagement>
-</p:properties>
-</file>
-
-<file path=customXml/item3.xml><?xml version="1.0" encoding="utf-8"?>
-<?mso-contentType ?>
 <spe:Receivers xmlns:spe="http://schemas.microsoft.com/sharepoint/events">
   <Receiver>
     <Name>Document ID Generator</Name>
@@ -5409,6 +8419,27 @@
     <Filter/>
   </Receiver>
 </spe:Receivers>
+</file>
+
+<file path=customXml/item2.xml><?xml version="1.0" encoding="utf-8"?>
+<p:properties xmlns:p="http://schemas.microsoft.com/office/2006/metadata/properties" xmlns:xsi="http://www.w3.org/2001/XMLSchema-instance" xmlns:pc="http://schemas.microsoft.com/office/infopath/2007/PartnerControls">
+  <documentManagement>
+    <_dlc_DocId xmlns="25fe2791-1b06-47a9-ad06-5da6bb59703a">4DZPVM3E3HVF-231-190</_dlc_DocId>
+    <_dlc_DocIdUrl xmlns="25fe2791-1b06-47a9-ad06-5da6bb59703a">
+      <Url>http://eip.spreadtrum.com/sites/pld/kernel/_layouts/15/DocIdRedir.aspx?ID=4DZPVM3E3HVF-231-190</Url>
+      <Description>4DZPVM3E3HVF-231-190</Description>
+    </_dlc_DocIdUrl>
+  </documentManagement>
+</p:properties>
+</file>
+
+<file path=customXml/item3.xml><?xml version="1.0" encoding="utf-8"?>
+<?mso-contentType ?>
+<FormTemplates xmlns="http://schemas.microsoft.com/sharepoint/v3/contenttype/forms">
+  <Display>DocumentLibraryForm</Display>
+  <Edit>DocumentLibraryForm</Edit>
+  <New>DocumentLibraryForm</New>
+</FormTemplates>
 </file>
 
 <file path=customXml/item4.xml><?xml version="1.0" encoding="utf-8"?>
@@ -5557,9 +8588,9 @@
 </file>
 
 <file path=customXml/itemProps1.xml><?xml version="1.0" encoding="utf-8"?>
-<ds:datastoreItem xmlns:ds="http://schemas.openxmlformats.org/officeDocument/2006/customXml" ds:itemID="{35C48F3A-D1CF-4729-97F8-26C67E0FD93C}">
+<ds:datastoreItem xmlns:ds="http://schemas.openxmlformats.org/officeDocument/2006/customXml" ds:itemID="{DDD05C4B-AAD6-4426-B418-929C83BFA03B}">
   <ds:schemaRefs>
-    <ds:schemaRef ds:uri="http://schemas.microsoft.com/sharepoint/v3/contenttype/forms"/>
+    <ds:schemaRef ds:uri="http://schemas.microsoft.com/sharepoint/events"/>
   </ds:schemaRefs>
 </ds:datastoreItem>
 </file>
@@ -5567,6 +8598,12 @@
 <file path=customXml/itemProps2.xml><?xml version="1.0" encoding="utf-8"?>
 <ds:datastoreItem xmlns:ds="http://schemas.openxmlformats.org/officeDocument/2006/customXml" ds:itemID="{13C674B9-951D-4A6E-8055-4540E3DA02E9}">
   <ds:schemaRefs>
+    <ds:schemaRef ds:uri="http://purl.org/dc/elements/1.1/"/>
+    <ds:schemaRef ds:uri="http://schemas.openxmlformats.org/package/2006/metadata/core-properties"/>
+    <ds:schemaRef ds:uri="http://www.w3.org/XML/1998/namespace"/>
+    <ds:schemaRef ds:uri="http://schemas.microsoft.com/office/2006/documentManagement/types"/>
+    <ds:schemaRef ds:uri="http://purl.org/dc/terms/"/>
+    <ds:schemaRef ds:uri="http://purl.org/dc/dcmitype/"/>
     <ds:schemaRef ds:uri="http://schemas.microsoft.com/office/2006/metadata/properties"/>
     <ds:schemaRef ds:uri="http://schemas.microsoft.com/office/infopath/2007/PartnerControls"/>
     <ds:schemaRef ds:uri="25fe2791-1b06-47a9-ad06-5da6bb59703a"/>
@@ -5575,9 +8612,9 @@
 </file>
 
 <file path=customXml/itemProps3.xml><?xml version="1.0" encoding="utf-8"?>
-<ds:datastoreItem xmlns:ds="http://schemas.openxmlformats.org/officeDocument/2006/customXml" ds:itemID="{DDD05C4B-AAD6-4426-B418-929C83BFA03B}">
+<ds:datastoreItem xmlns:ds="http://schemas.openxmlformats.org/officeDocument/2006/customXml" ds:itemID="{35C48F3A-D1CF-4729-97F8-26C67E0FD93C}">
   <ds:schemaRefs>
-    <ds:schemaRef ds:uri="http://schemas.microsoft.com/sharepoint/events"/>
+    <ds:schemaRef ds:uri="http://schemas.microsoft.com/sharepoint/v3/contenttype/forms"/>
   </ds:schemaRefs>
 </ds:datastoreItem>
 </file>

--- a/adb.pptx
+++ b/adb.pptx
@@ -11,19 +11,21 @@
     <p:sldId id="304" r:id="rId9"/>
     <p:sldId id="306" r:id="rId10"/>
     <p:sldId id="305" r:id="rId11"/>
-    <p:sldId id="297" r:id="rId12"/>
-    <p:sldId id="307" r:id="rId13"/>
-    <p:sldId id="308" r:id="rId14"/>
-    <p:sldId id="311" r:id="rId15"/>
-    <p:sldId id="312" r:id="rId16"/>
-    <p:sldId id="313" r:id="rId17"/>
-    <p:sldId id="314" r:id="rId18"/>
-    <p:sldId id="315" r:id="rId19"/>
-    <p:sldId id="316" r:id="rId20"/>
-    <p:sldId id="317" r:id="rId21"/>
-    <p:sldId id="318" r:id="rId22"/>
-    <p:sldId id="319" r:id="rId23"/>
-    <p:sldId id="259" r:id="rId24"/>
+    <p:sldId id="320" r:id="rId12"/>
+    <p:sldId id="321" r:id="rId13"/>
+    <p:sldId id="307" r:id="rId14"/>
+    <p:sldId id="308" r:id="rId15"/>
+    <p:sldId id="311" r:id="rId16"/>
+    <p:sldId id="312" r:id="rId17"/>
+    <p:sldId id="313" r:id="rId18"/>
+    <p:sldId id="314" r:id="rId19"/>
+    <p:sldId id="315" r:id="rId20"/>
+    <p:sldId id="316" r:id="rId21"/>
+    <p:sldId id="317" r:id="rId22"/>
+    <p:sldId id="318" r:id="rId23"/>
+    <p:sldId id="319" r:id="rId24"/>
+    <p:sldId id="322" r:id="rId25"/>
+    <p:sldId id="259" r:id="rId26"/>
   </p:sldIdLst>
   <p:sldSz cx="9144000" cy="5143500" type="screen16x9"/>
   <p:notesSz cx="6858000" cy="9144000"/>
@@ -3301,6 +3303,17 @@
               <a:t>ADB </a:t>
             </a:r>
             <a:r>
+              <a:rPr lang="zh-CN" altLang="en-US" sz="3200" b="1" dirty="0" smtClean="0">
+                <a:solidFill>
+                  <a:schemeClr val="bg1"/>
+                </a:solidFill>
+                <a:latin typeface="微软雅黑" pitchFamily="34" charset="-122"/>
+                <a:ea typeface="微软雅黑" pitchFamily="34" charset="-122"/>
+                <a:cs typeface="+mj-cs"/>
+              </a:rPr>
+              <a:t>实现原理</a:t>
+            </a:r>
+            <a:r>
               <a:rPr kumimoji="0" lang="zh-CN" altLang="en-US" sz="3200" b="1" i="0" u="none" strike="noStrike" kern="1200" cap="none" spc="0" normalizeH="0" baseline="0" noProof="0" dirty="0" smtClean="0">
                 <a:ln>
                   <a:noFill/>
@@ -3513,16 +3526,16 @@
           <a:lstStyle/>
           <a:p>
             <a:r>
+              <a:rPr lang="en-US" altLang="zh-CN" dirty="0"/>
+              <a:t>3</a:t>
+            </a:r>
+            <a:r>
               <a:rPr lang="en-US" altLang="zh-CN" dirty="0" smtClean="0"/>
-              <a:t>ADB Se</a:t>
-            </a:r>
-            <a:r>
-              <a:rPr lang="en-US" altLang="zh-CN" dirty="0"/>
-              <a:t>r</a:t>
-            </a:r>
-            <a:r>
-              <a:rPr lang="en-US" altLang="zh-CN" dirty="0" smtClean="0"/>
-              <a:t>ver</a:t>
+              <a:t>. ADBD</a:t>
+            </a:r>
+            <a:r>
+              <a:rPr lang="zh-CN" altLang="en-US" dirty="0" smtClean="0"/>
+              <a:t>初始化流程</a:t>
             </a:r>
             <a:endParaRPr lang="zh-CN" altLang="en-US" dirty="0"/>
           </a:p>
@@ -3530,395 +3543,132 @@
       </p:sp>
       <p:sp>
         <p:nvSpPr>
-          <p:cNvPr id="3" name="内容占位符 2"/>
-          <p:cNvSpPr>
-            <a:spLocks noGrp="1"/>
-          </p:cNvSpPr>
-          <p:nvPr>
-            <p:ph idx="1"/>
-          </p:nvPr>
-        </p:nvSpPr>
-        <p:spPr>
+          <p:cNvPr id="5" name="Rectangle 2"/>
+          <p:cNvSpPr>
+            <a:spLocks noChangeArrowheads="1"/>
+          </p:cNvSpPr>
+          <p:nvPr/>
+        </p:nvSpPr>
+        <p:spPr bwMode="auto">
           <a:xfrm>
-            <a:off x="467544" y="771550"/>
-            <a:ext cx="8229600" cy="3607049"/>
+            <a:off x="0" y="0"/>
+            <a:ext cx="9144000" cy="0"/>
           </a:xfrm>
+          <a:prstGeom prst="rect">
+            <a:avLst/>
+          </a:prstGeom>
+          <a:noFill/>
+          <a:ln>
+            <a:noFill/>
+          </a:ln>
+          <a:effectLst/>
+          <a:extLst>
+            <a:ext uri="{909E8E84-426E-40DD-AFC4-6F175D3DCCD1}">
+              <a14:hiddenFill xmlns:a14="http://schemas.microsoft.com/office/drawing/2010/main">
+                <a:solidFill>
+                  <a:schemeClr val="accent1"/>
+                </a:solidFill>
+              </a14:hiddenFill>
+            </a:ext>
+            <a:ext uri="{91240B29-F687-4F45-9708-019B960494DF}">
+              <a14:hiddenLine xmlns:a14="http://schemas.microsoft.com/office/drawing/2010/main" w="9525">
+                <a:solidFill>
+                  <a:schemeClr val="tx1"/>
+                </a:solidFill>
+                <a:miter lim="800000"/>
+                <a:headEnd/>
+                <a:tailEnd/>
+              </a14:hiddenLine>
+            </a:ext>
+            <a:ext uri="{AF507438-7753-43E0-B8FC-AC1667EBCBE1}">
+              <a14:hiddenEffects xmlns:a14="http://schemas.microsoft.com/office/drawing/2010/main">
+                <a:effectLst>
+                  <a:outerShdw dist="35921" dir="2700000" algn="ctr" rotWithShape="0">
+                    <a:schemeClr val="bg2"/>
+                  </a:outerShdw>
+                </a:effectLst>
+              </a14:hiddenEffects>
+            </a:ext>
+          </a:extLst>
         </p:spPr>
         <p:txBody>
-          <a:bodyPr>
-            <a:normAutofit/>
+          <a:bodyPr vert="horz" wrap="none" lIns="91440" tIns="45720" rIns="91440" bIns="45720" numCol="1" anchor="ctr" anchorCtr="0" compatLnSpc="1">
+            <a:prstTxWarp prst="textNoShape">
+              <a:avLst/>
+            </a:prstTxWarp>
+            <a:spAutoFit/>
           </a:bodyPr>
           <a:lstStyle/>
           <a:p>
-            <a:r>
-              <a:rPr lang="zh-CN" altLang="zh-CN" dirty="0" smtClean="0"/>
-              <a:t>电脑</a:t>
-            </a:r>
-            <a:r>
-              <a:rPr lang="zh-CN" altLang="zh-CN" dirty="0"/>
-              <a:t>上的后台进程</a:t>
-            </a:r>
-            <a:r>
-              <a:rPr lang="zh-CN" altLang="zh-CN" dirty="0" smtClean="0"/>
-              <a:t>，用于</a:t>
-            </a:r>
-            <a:r>
-              <a:rPr lang="zh-CN" altLang="zh-CN" dirty="0"/>
-              <a:t>管理客户端与运行在模拟器或真机的守护进程通信</a:t>
-            </a:r>
-            <a:r>
-              <a:rPr lang="zh-CN" altLang="zh-CN" dirty="0" smtClean="0"/>
-              <a:t>。</a:t>
-            </a:r>
-            <a:endParaRPr lang="en-US" altLang="zh-CN" dirty="0" smtClean="0"/>
-          </a:p>
-          <a:p>
-            <a:pPr lvl="1"/>
-            <a:r>
-              <a:rPr lang="zh-CN" altLang="zh-CN" dirty="0" smtClean="0"/>
-              <a:t>在</a:t>
-            </a:r>
-            <a:r>
-              <a:rPr lang="en-US" altLang="zh-CN" dirty="0"/>
-              <a:t>HOST</a:t>
-            </a:r>
-            <a:r>
-              <a:rPr lang="zh-CN" altLang="zh-CN" dirty="0"/>
-              <a:t>端，</a:t>
-            </a:r>
-            <a:r>
-              <a:rPr lang="en-US" altLang="zh-CN" dirty="0" err="1"/>
-              <a:t>adb</a:t>
-            </a:r>
-            <a:r>
-              <a:rPr lang="zh-CN" altLang="zh-CN" dirty="0"/>
-              <a:t>会</a:t>
-            </a:r>
-            <a:r>
-              <a:rPr lang="en-US" altLang="zh-CN" dirty="0"/>
-              <a:t>fork(</a:t>
-            </a:r>
-            <a:r>
-              <a:rPr lang="zh-CN" altLang="zh-CN" dirty="0"/>
-              <a:t>通过命令：“</a:t>
-            </a:r>
-            <a:r>
-              <a:rPr lang="en-US" altLang="zh-CN" dirty="0" err="1"/>
-              <a:t>adb</a:t>
-            </a:r>
-            <a:r>
-              <a:rPr lang="en-US" altLang="zh-CN" dirty="0"/>
-              <a:t> fork-server server”</a:t>
-            </a:r>
-            <a:r>
-              <a:rPr lang="zh-CN" altLang="zh-CN" dirty="0"/>
-              <a:t>，见代码</a:t>
-            </a:r>
-            <a:r>
-              <a:rPr lang="en-US" altLang="zh-CN" dirty="0" err="1"/>
-              <a:t>adb.c</a:t>
-            </a:r>
-            <a:r>
-              <a:rPr lang="zh-CN" altLang="zh-CN" dirty="0"/>
-              <a:t>中的</a:t>
-            </a:r>
-            <a:r>
-              <a:rPr lang="en-US" altLang="zh-CN" dirty="0" err="1"/>
-              <a:t>launch_server</a:t>
-            </a:r>
-            <a:r>
-              <a:rPr lang="zh-CN" altLang="zh-CN" dirty="0"/>
-              <a:t>函数</a:t>
-            </a:r>
-            <a:r>
-              <a:rPr lang="en-US" altLang="zh-CN" dirty="0"/>
-              <a:t>)</a:t>
-            </a:r>
-            <a:r>
-              <a:rPr lang="zh-CN" altLang="zh-CN" dirty="0"/>
-              <a:t>出一个守护进程（</a:t>
-            </a:r>
-            <a:r>
-              <a:rPr lang="en-US" altLang="zh-CN" dirty="0"/>
-              <a:t>Host service</a:t>
-            </a:r>
-            <a:r>
-              <a:rPr lang="zh-CN" altLang="zh-CN" dirty="0" smtClean="0"/>
-              <a:t>），</a:t>
-            </a:r>
-            <a:endParaRPr lang="en-US" altLang="zh-CN" dirty="0" smtClean="0"/>
-          </a:p>
-          <a:p>
-            <a:pPr lvl="1"/>
-            <a:r>
-              <a:rPr lang="zh-CN" altLang="zh-CN" dirty="0" smtClean="0"/>
-              <a:t>处理</a:t>
-            </a:r>
-            <a:r>
-              <a:rPr lang="en-US" altLang="zh-CN" dirty="0"/>
-              <a:t>client</a:t>
-            </a:r>
-            <a:r>
-              <a:rPr lang="zh-CN" altLang="zh-CN" dirty="0"/>
-              <a:t>请求，所有的</a:t>
-            </a:r>
-            <a:r>
-              <a:rPr lang="en-US" altLang="zh-CN" dirty="0"/>
-              <a:t>client</a:t>
-            </a:r>
-            <a:r>
-              <a:rPr lang="zh-CN" altLang="zh-CN" dirty="0"/>
-              <a:t>通过</a:t>
-            </a:r>
-            <a:r>
-              <a:rPr lang="en-US" altLang="zh-CN" dirty="0"/>
-              <a:t>TCP</a:t>
-            </a:r>
-            <a:r>
-              <a:rPr lang="zh-CN" altLang="zh-CN" dirty="0"/>
-              <a:t>端口号</a:t>
-            </a:r>
-            <a:r>
-              <a:rPr lang="en-US" altLang="zh-CN" dirty="0"/>
-              <a:t>5037</a:t>
-            </a:r>
-            <a:r>
-              <a:rPr lang="zh-CN" altLang="zh-CN" dirty="0"/>
-              <a:t>进行与</a:t>
-            </a:r>
-            <a:r>
-              <a:rPr lang="en-US" altLang="zh-CN" dirty="0"/>
-              <a:t>server</a:t>
-            </a:r>
-            <a:r>
-              <a:rPr lang="zh-CN" altLang="zh-CN" dirty="0"/>
-              <a:t>通信</a:t>
-            </a:r>
-            <a:r>
-              <a:rPr lang="zh-CN" altLang="zh-CN" dirty="0" smtClean="0"/>
-              <a:t>，</a:t>
-            </a:r>
-            <a:endParaRPr lang="en-US" altLang="zh-CN" dirty="0" smtClean="0"/>
-          </a:p>
-          <a:p>
-            <a:pPr lvl="1"/>
-            <a:r>
-              <a:rPr lang="en-US" altLang="zh-CN" dirty="0" smtClean="0"/>
-              <a:t>server</a:t>
-            </a:r>
-            <a:r>
-              <a:rPr lang="zh-CN" altLang="zh-CN" dirty="0"/>
-              <a:t>创建</a:t>
-            </a:r>
-            <a:r>
-              <a:rPr lang="en-US" altLang="zh-CN" dirty="0"/>
-              <a:t>local socket</a:t>
-            </a:r>
-            <a:r>
-              <a:rPr lang="zh-CN" altLang="zh-CN" dirty="0"/>
-              <a:t>与</a:t>
-            </a:r>
-            <a:r>
-              <a:rPr lang="en-US" altLang="zh-CN" dirty="0"/>
-              <a:t>remote socket</a:t>
-            </a:r>
-            <a:r>
-              <a:rPr lang="zh-CN" altLang="zh-CN" dirty="0"/>
-              <a:t>，前者用于和</a:t>
-            </a:r>
-            <a:r>
-              <a:rPr lang="en-US" altLang="zh-CN" dirty="0"/>
-              <a:t>client</a:t>
-            </a:r>
-            <a:r>
-              <a:rPr lang="zh-CN" altLang="zh-CN" dirty="0"/>
-              <a:t>通信，后者用与远端（</a:t>
-            </a:r>
-            <a:r>
-              <a:rPr lang="en-US" altLang="zh-CN" dirty="0" err="1"/>
-              <a:t>adbd</a:t>
-            </a:r>
-            <a:r>
-              <a:rPr lang="zh-CN" altLang="zh-CN" dirty="0"/>
-              <a:t>）进行通信，</a:t>
-            </a:r>
-            <a:r>
-              <a:rPr lang="en-US" altLang="zh-CN" dirty="0"/>
-              <a:t>emulator</a:t>
-            </a:r>
-            <a:r>
-              <a:rPr lang="zh-CN" altLang="zh-CN" dirty="0"/>
-              <a:t>通过</a:t>
-            </a:r>
-            <a:r>
-              <a:rPr lang="en-US" altLang="zh-CN" dirty="0"/>
-              <a:t>TCP</a:t>
-            </a:r>
-            <a:r>
-              <a:rPr lang="zh-CN" altLang="zh-CN" dirty="0"/>
-              <a:t>，</a:t>
-            </a:r>
-            <a:r>
-              <a:rPr lang="en-US" altLang="zh-CN" dirty="0"/>
-              <a:t>real device</a:t>
-            </a:r>
-            <a:r>
-              <a:rPr lang="zh-CN" altLang="zh-CN" dirty="0"/>
-              <a:t>则通过</a:t>
-            </a:r>
-            <a:r>
-              <a:rPr lang="en-US" altLang="zh-CN" dirty="0" err="1"/>
-              <a:t>usb</a:t>
-            </a:r>
-            <a:r>
-              <a:rPr lang="zh-CN" altLang="zh-CN" dirty="0"/>
-              <a:t>。</a:t>
-            </a:r>
-          </a:p>
-          <a:p>
-            <a:endParaRPr lang="en-US" altLang="zh-CN" dirty="0" smtClean="0"/>
-          </a:p>
-          <a:p>
-            <a:r>
-              <a:rPr lang="zh-CN" altLang="zh-CN" dirty="0" smtClean="0"/>
-              <a:t>这个</a:t>
-            </a:r>
-            <a:r>
-              <a:rPr lang="zh-CN" altLang="zh-CN" dirty="0"/>
-              <a:t>守护进程长期运行于后台，没有控制台界面，称之为</a:t>
-            </a:r>
-            <a:r>
-              <a:rPr lang="en-US" altLang="zh-CN" dirty="0" err="1"/>
-              <a:t>adb</a:t>
-            </a:r>
-            <a:r>
-              <a:rPr lang="en-US" altLang="zh-CN" dirty="0"/>
-              <a:t> server</a:t>
-            </a:r>
-            <a:r>
-              <a:rPr lang="zh-CN" altLang="zh-CN" dirty="0"/>
-              <a:t>（</a:t>
-            </a:r>
-            <a:r>
-              <a:rPr lang="en-US" altLang="zh-CN" dirty="0" err="1"/>
-              <a:t>adb</a:t>
-            </a:r>
-            <a:r>
-              <a:rPr lang="zh-CN" altLang="zh-CN" dirty="0"/>
-              <a:t>服务端），其主要工作有两部分</a:t>
-            </a:r>
-            <a:r>
-              <a:rPr lang="zh-CN" altLang="zh-CN" dirty="0" smtClean="0"/>
-              <a:t>：</a:t>
-            </a:r>
-            <a:endParaRPr lang="en-US" altLang="zh-CN" dirty="0"/>
-          </a:p>
-          <a:p>
-            <a:pPr lvl="1"/>
-            <a:r>
-              <a:rPr lang="zh-CN" altLang="zh-CN" dirty="0" smtClean="0"/>
-              <a:t>管理</a:t>
-            </a:r>
-            <a:r>
-              <a:rPr lang="en-US" altLang="zh-CN" dirty="0"/>
-              <a:t>PC</a:t>
-            </a:r>
-            <a:r>
-              <a:rPr lang="zh-CN" altLang="zh-CN" dirty="0"/>
-              <a:t>中的</a:t>
-            </a:r>
-            <a:r>
-              <a:rPr lang="en-US" altLang="zh-CN" dirty="0"/>
-              <a:t>Android</a:t>
-            </a:r>
-            <a:r>
-              <a:rPr lang="zh-CN" altLang="zh-CN" dirty="0"/>
-              <a:t>模拟器，以及通过</a:t>
-            </a:r>
-            <a:r>
-              <a:rPr lang="en-US" altLang="zh-CN" dirty="0"/>
-              <a:t>USB</a:t>
-            </a:r>
-            <a:r>
-              <a:rPr lang="zh-CN" altLang="zh-CN" dirty="0"/>
-              <a:t>线连接到</a:t>
-            </a:r>
-            <a:r>
-              <a:rPr lang="en-US" altLang="zh-CN" dirty="0"/>
-              <a:t>PC</a:t>
-            </a:r>
-            <a:r>
-              <a:rPr lang="zh-CN" altLang="zh-CN" dirty="0"/>
-              <a:t>的</a:t>
-            </a:r>
-            <a:r>
-              <a:rPr lang="en-US" altLang="zh-CN" dirty="0"/>
-              <a:t>Android</a:t>
-            </a:r>
-            <a:r>
-              <a:rPr lang="zh-CN" altLang="zh-CN" dirty="0"/>
-              <a:t>设备，负责维持运行于其中的</a:t>
-            </a:r>
-            <a:r>
-              <a:rPr lang="en-US" altLang="zh-CN" dirty="0" err="1"/>
-              <a:t>adbd</a:t>
-            </a:r>
-            <a:r>
-              <a:rPr lang="zh-CN" altLang="zh-CN" dirty="0"/>
-              <a:t>进程与自身的数据通道</a:t>
-            </a:r>
-            <a:r>
-              <a:rPr lang="zh-CN" altLang="zh-CN" dirty="0" smtClean="0"/>
-              <a:t>；</a:t>
-            </a:r>
-            <a:endParaRPr lang="en-US" altLang="zh-CN" dirty="0" smtClean="0"/>
-          </a:p>
-          <a:p>
-            <a:pPr lvl="1"/>
-            <a:r>
-              <a:rPr lang="zh-CN" altLang="zh-CN" dirty="0" smtClean="0"/>
-              <a:t>实现</a:t>
-            </a:r>
-            <a:r>
-              <a:rPr lang="en-US" altLang="zh-CN" dirty="0"/>
-              <a:t>PC</a:t>
-            </a:r>
-            <a:r>
-              <a:rPr lang="zh-CN" altLang="zh-CN" dirty="0"/>
-              <a:t>与设备</a:t>
-            </a:r>
-            <a:r>
-              <a:rPr lang="en-US" altLang="zh-CN" dirty="0"/>
-              <a:t>/</a:t>
-            </a:r>
-            <a:r>
-              <a:rPr lang="zh-CN" altLang="zh-CN" dirty="0"/>
-              <a:t>模拟器之间的数据拷贝。</a:t>
-            </a:r>
-          </a:p>
-          <a:p>
-            <a:endParaRPr lang="en-US" altLang="zh-CN" dirty="0"/>
-          </a:p>
-          <a:p>
-            <a:endParaRPr lang="en-US" altLang="zh-CN" dirty="0"/>
-          </a:p>
-          <a:p>
-            <a:endParaRPr lang="en-US" altLang="zh-CN" sz="900" dirty="0" smtClean="0"/>
-          </a:p>
-          <a:p>
-            <a:pPr lvl="1"/>
-            <a:endParaRPr lang="en-US" altLang="zh-CN" sz="900" dirty="0" smtClean="0"/>
-          </a:p>
-          <a:p>
-            <a:pPr lvl="1"/>
-            <a:endParaRPr lang="en-US" altLang="zh-CN" sz="900" dirty="0" smtClean="0"/>
-          </a:p>
-        </p:txBody>
-      </p:sp>
+            <a:endParaRPr lang="zh-CN" altLang="en-US"/>
+          </a:p>
+        </p:txBody>
+      </p:sp>
+      <p:graphicFrame>
+        <p:nvGraphicFramePr>
+          <p:cNvPr id="6" name="对象 5"/>
+          <p:cNvGraphicFramePr>
+            <a:graphicFrameLocks noChangeAspect="1"/>
+          </p:cNvGraphicFramePr>
+          <p:nvPr>
+            <p:extLst>
+              <p:ext uri="{D42A27DB-BD31-4B8C-83A1-F6EECF244321}">
+                <p14:modId xmlns:p14="http://schemas.microsoft.com/office/powerpoint/2010/main" val="2986446231"/>
+              </p:ext>
+            </p:extLst>
+          </p:nvPr>
+        </p:nvGraphicFramePr>
+        <p:xfrm>
+          <a:off x="611560" y="123478"/>
+          <a:ext cx="8258175" cy="4824536"/>
+        </p:xfrm>
+        <a:graphic>
+          <a:graphicData uri="http://schemas.openxmlformats.org/presentationml/2006/ole">
+            <mc:AlternateContent xmlns:mc="http://schemas.openxmlformats.org/markup-compatibility/2006">
+              <mc:Choice xmlns:v="urn:schemas-microsoft-com:vml" Requires="v">
+                <p:oleObj spid="_x0000_s3179" name="Visio" r:id="rId3" imgW="11170866" imgH="11167703" progId="Visio.Drawing.11">
+                  <p:embed/>
+                </p:oleObj>
+              </mc:Choice>
+              <mc:Fallback>
+                <p:oleObj name="Visio" r:id="rId3" imgW="11170866" imgH="11167703" progId="Visio.Drawing.11">
+                  <p:embed/>
+                  <p:pic>
+                    <p:nvPicPr>
+                      <p:cNvPr id="0" name="Object 1"/>
+                      <p:cNvPicPr>
+                        <a:picLocks noChangeAspect="1" noChangeArrowheads="1"/>
+                      </p:cNvPicPr>
+                      <p:nvPr/>
+                    </p:nvPicPr>
+                    <p:blipFill>
+                      <a:blip r:embed="rId4"/>
+                      <a:srcRect/>
+                      <a:stretch>
+                        <a:fillRect/>
+                      </a:stretch>
+                    </p:blipFill>
+                    <p:spPr bwMode="auto">
+                      <a:xfrm>
+                        <a:off x="611560" y="123478"/>
+                        <a:ext cx="8258175" cy="4824536"/>
+                      </a:xfrm>
+                      <a:prstGeom prst="rect">
+                        <a:avLst/>
+                      </a:prstGeom>
+                      <a:noFill/>
+                    </p:spPr>
+                  </p:pic>
+                </p:oleObj>
+              </mc:Fallback>
+            </mc:AlternateContent>
+          </a:graphicData>
+        </a:graphic>
+      </p:graphicFrame>
     </p:spTree>
     <p:extLst>
       <p:ext uri="{BB962C8B-B14F-4D97-AF65-F5344CB8AC3E}">
-        <p14:creationId xmlns:p14="http://schemas.microsoft.com/office/powerpoint/2010/main" val="4268763623"/>
+        <p14:creationId xmlns:p14="http://schemas.microsoft.com/office/powerpoint/2010/main" val="160519094"/>
       </p:ext>
     </p:extLst>
   </p:cSld>
@@ -3968,8 +3718,471 @@
           <a:lstStyle/>
           <a:p>
             <a:r>
-              <a:rPr lang="en-US" altLang="zh-CN" dirty="0"/>
-              <a:t>ADB Server</a:t>
+              <a:rPr lang="en-US" altLang="zh-CN" dirty="0" smtClean="0"/>
+              <a:t>4. ADB Se</a:t>
+            </a:r>
+            <a:r>
+              <a:rPr lang="en-US" altLang="zh-CN" dirty="0"/>
+              <a:t>r</a:t>
+            </a:r>
+            <a:r>
+              <a:rPr lang="en-US" altLang="zh-CN" dirty="0" smtClean="0"/>
+              <a:t>ver</a:t>
+            </a:r>
+            <a:endParaRPr lang="zh-CN" altLang="en-US" dirty="0"/>
+          </a:p>
+        </p:txBody>
+      </p:sp>
+      <p:sp>
+        <p:nvSpPr>
+          <p:cNvPr id="3" name="内容占位符 2"/>
+          <p:cNvSpPr>
+            <a:spLocks noGrp="1"/>
+          </p:cNvSpPr>
+          <p:nvPr>
+            <p:ph idx="1"/>
+          </p:nvPr>
+        </p:nvSpPr>
+        <p:spPr>
+          <a:xfrm>
+            <a:off x="467544" y="771550"/>
+            <a:ext cx="8229600" cy="3607049"/>
+          </a:xfrm>
+        </p:spPr>
+        <p:txBody>
+          <a:bodyPr>
+            <a:normAutofit/>
+          </a:bodyPr>
+          <a:lstStyle/>
+          <a:p>
+            <a:r>
+              <a:rPr lang="zh-CN" altLang="zh-CN" dirty="0" smtClean="0"/>
+              <a:t>电脑</a:t>
+            </a:r>
+            <a:r>
+              <a:rPr lang="zh-CN" altLang="zh-CN" dirty="0"/>
+              <a:t>上的后台进程</a:t>
+            </a:r>
+            <a:r>
+              <a:rPr lang="zh-CN" altLang="zh-CN" dirty="0" smtClean="0"/>
+              <a:t>，用于</a:t>
+            </a:r>
+            <a:r>
+              <a:rPr lang="zh-CN" altLang="zh-CN" dirty="0"/>
+              <a:t>管理客户端与运行在模拟器或真机的守护进程通信</a:t>
+            </a:r>
+            <a:r>
+              <a:rPr lang="zh-CN" altLang="zh-CN" dirty="0" smtClean="0"/>
+              <a:t>。</a:t>
+            </a:r>
+            <a:endParaRPr lang="en-US" altLang="zh-CN" dirty="0" smtClean="0"/>
+          </a:p>
+          <a:p>
+            <a:pPr lvl="1"/>
+            <a:r>
+              <a:rPr lang="zh-CN" altLang="zh-CN" dirty="0" smtClean="0"/>
+              <a:t>在</a:t>
+            </a:r>
+            <a:r>
+              <a:rPr lang="en-US" altLang="zh-CN" dirty="0"/>
+              <a:t>HOST</a:t>
+            </a:r>
+            <a:r>
+              <a:rPr lang="zh-CN" altLang="zh-CN" dirty="0"/>
+              <a:t>端，</a:t>
+            </a:r>
+            <a:r>
+              <a:rPr lang="en-US" altLang="zh-CN" dirty="0" err="1"/>
+              <a:t>adb</a:t>
+            </a:r>
+            <a:r>
+              <a:rPr lang="zh-CN" altLang="zh-CN" dirty="0"/>
+              <a:t>会</a:t>
+            </a:r>
+            <a:r>
+              <a:rPr lang="en-US" altLang="zh-CN" dirty="0"/>
+              <a:t>fork(</a:t>
+            </a:r>
+            <a:r>
+              <a:rPr lang="zh-CN" altLang="zh-CN" dirty="0"/>
+              <a:t>通过命令：“</a:t>
+            </a:r>
+            <a:r>
+              <a:rPr lang="en-US" altLang="zh-CN" dirty="0" err="1"/>
+              <a:t>adb</a:t>
+            </a:r>
+            <a:r>
+              <a:rPr lang="en-US" altLang="zh-CN" dirty="0"/>
+              <a:t> fork-server server”</a:t>
+            </a:r>
+            <a:r>
+              <a:rPr lang="zh-CN" altLang="zh-CN" dirty="0"/>
+              <a:t>，见代码</a:t>
+            </a:r>
+            <a:r>
+              <a:rPr lang="en-US" altLang="zh-CN" dirty="0" err="1"/>
+              <a:t>adb.c</a:t>
+            </a:r>
+            <a:r>
+              <a:rPr lang="zh-CN" altLang="zh-CN" dirty="0"/>
+              <a:t>中的</a:t>
+            </a:r>
+            <a:r>
+              <a:rPr lang="en-US" altLang="zh-CN" dirty="0" err="1"/>
+              <a:t>launch_server</a:t>
+            </a:r>
+            <a:r>
+              <a:rPr lang="zh-CN" altLang="zh-CN" dirty="0"/>
+              <a:t>函数</a:t>
+            </a:r>
+            <a:r>
+              <a:rPr lang="en-US" altLang="zh-CN" dirty="0"/>
+              <a:t>)</a:t>
+            </a:r>
+            <a:r>
+              <a:rPr lang="zh-CN" altLang="zh-CN" dirty="0"/>
+              <a:t>出一个守护进程（</a:t>
+            </a:r>
+            <a:r>
+              <a:rPr lang="en-US" altLang="zh-CN" dirty="0"/>
+              <a:t>Host service</a:t>
+            </a:r>
+            <a:r>
+              <a:rPr lang="zh-CN" altLang="zh-CN" dirty="0" smtClean="0"/>
+              <a:t>），</a:t>
+            </a:r>
+            <a:endParaRPr lang="en-US" altLang="zh-CN" dirty="0" smtClean="0"/>
+          </a:p>
+          <a:p>
+            <a:pPr lvl="1"/>
+            <a:r>
+              <a:rPr lang="zh-CN" altLang="zh-CN" dirty="0" smtClean="0"/>
+              <a:t>处理</a:t>
+            </a:r>
+            <a:r>
+              <a:rPr lang="en-US" altLang="zh-CN" dirty="0"/>
+              <a:t>client</a:t>
+            </a:r>
+            <a:r>
+              <a:rPr lang="zh-CN" altLang="zh-CN" dirty="0"/>
+              <a:t>请求，所有的</a:t>
+            </a:r>
+            <a:r>
+              <a:rPr lang="en-US" altLang="zh-CN" dirty="0"/>
+              <a:t>client</a:t>
+            </a:r>
+            <a:r>
+              <a:rPr lang="zh-CN" altLang="zh-CN" dirty="0"/>
+              <a:t>通过</a:t>
+            </a:r>
+            <a:r>
+              <a:rPr lang="en-US" altLang="zh-CN" dirty="0"/>
+              <a:t>TCP</a:t>
+            </a:r>
+            <a:r>
+              <a:rPr lang="zh-CN" altLang="zh-CN" dirty="0"/>
+              <a:t>端口号</a:t>
+            </a:r>
+            <a:r>
+              <a:rPr lang="en-US" altLang="zh-CN" dirty="0"/>
+              <a:t>5037</a:t>
+            </a:r>
+            <a:r>
+              <a:rPr lang="zh-CN" altLang="zh-CN" dirty="0"/>
+              <a:t>进行与</a:t>
+            </a:r>
+            <a:r>
+              <a:rPr lang="en-US" altLang="zh-CN" dirty="0"/>
+              <a:t>server</a:t>
+            </a:r>
+            <a:r>
+              <a:rPr lang="zh-CN" altLang="zh-CN" dirty="0"/>
+              <a:t>通信</a:t>
+            </a:r>
+            <a:r>
+              <a:rPr lang="zh-CN" altLang="zh-CN" dirty="0" smtClean="0"/>
+              <a:t>，</a:t>
+            </a:r>
+            <a:endParaRPr lang="en-US" altLang="zh-CN" dirty="0" smtClean="0"/>
+          </a:p>
+          <a:p>
+            <a:pPr lvl="1"/>
+            <a:r>
+              <a:rPr lang="en-US" altLang="zh-CN" dirty="0" smtClean="0"/>
+              <a:t>server</a:t>
+            </a:r>
+            <a:r>
+              <a:rPr lang="zh-CN" altLang="zh-CN" dirty="0"/>
+              <a:t>创建</a:t>
+            </a:r>
+            <a:r>
+              <a:rPr lang="en-US" altLang="zh-CN" dirty="0"/>
+              <a:t>local socket</a:t>
+            </a:r>
+            <a:r>
+              <a:rPr lang="zh-CN" altLang="zh-CN" dirty="0"/>
+              <a:t>与</a:t>
+            </a:r>
+            <a:r>
+              <a:rPr lang="en-US" altLang="zh-CN" dirty="0"/>
+              <a:t>remote socket</a:t>
+            </a:r>
+            <a:r>
+              <a:rPr lang="zh-CN" altLang="zh-CN" dirty="0"/>
+              <a:t>，前者用于和</a:t>
+            </a:r>
+            <a:r>
+              <a:rPr lang="en-US" altLang="zh-CN" dirty="0"/>
+              <a:t>client</a:t>
+            </a:r>
+            <a:r>
+              <a:rPr lang="zh-CN" altLang="zh-CN" dirty="0"/>
+              <a:t>通信，后者用与远端（</a:t>
+            </a:r>
+            <a:r>
+              <a:rPr lang="en-US" altLang="zh-CN" dirty="0" err="1"/>
+              <a:t>adbd</a:t>
+            </a:r>
+            <a:r>
+              <a:rPr lang="zh-CN" altLang="zh-CN" dirty="0"/>
+              <a:t>）进行通信，</a:t>
+            </a:r>
+            <a:r>
+              <a:rPr lang="en-US" altLang="zh-CN" dirty="0"/>
+              <a:t>emulator</a:t>
+            </a:r>
+            <a:r>
+              <a:rPr lang="zh-CN" altLang="zh-CN" dirty="0"/>
+              <a:t>通过</a:t>
+            </a:r>
+            <a:r>
+              <a:rPr lang="en-US" altLang="zh-CN" dirty="0"/>
+              <a:t>TCP</a:t>
+            </a:r>
+            <a:r>
+              <a:rPr lang="zh-CN" altLang="zh-CN" dirty="0"/>
+              <a:t>，</a:t>
+            </a:r>
+            <a:r>
+              <a:rPr lang="en-US" altLang="zh-CN" dirty="0"/>
+              <a:t>real device</a:t>
+            </a:r>
+            <a:r>
+              <a:rPr lang="zh-CN" altLang="zh-CN" dirty="0"/>
+              <a:t>则通过</a:t>
+            </a:r>
+            <a:r>
+              <a:rPr lang="en-US" altLang="zh-CN" dirty="0" err="1"/>
+              <a:t>usb</a:t>
+            </a:r>
+            <a:r>
+              <a:rPr lang="zh-CN" altLang="zh-CN" dirty="0"/>
+              <a:t>。</a:t>
+            </a:r>
+          </a:p>
+          <a:p>
+            <a:endParaRPr lang="en-US" altLang="zh-CN" dirty="0" smtClean="0"/>
+          </a:p>
+          <a:p>
+            <a:r>
+              <a:rPr lang="zh-CN" altLang="zh-CN" dirty="0" smtClean="0"/>
+              <a:t>这个</a:t>
+            </a:r>
+            <a:r>
+              <a:rPr lang="zh-CN" altLang="zh-CN" dirty="0"/>
+              <a:t>守护进程长期运行于后台，没有控制台界面，称之为</a:t>
+            </a:r>
+            <a:r>
+              <a:rPr lang="en-US" altLang="zh-CN" dirty="0" err="1"/>
+              <a:t>adb</a:t>
+            </a:r>
+            <a:r>
+              <a:rPr lang="en-US" altLang="zh-CN" dirty="0"/>
+              <a:t> server</a:t>
+            </a:r>
+            <a:r>
+              <a:rPr lang="zh-CN" altLang="zh-CN" dirty="0"/>
+              <a:t>（</a:t>
+            </a:r>
+            <a:r>
+              <a:rPr lang="en-US" altLang="zh-CN" dirty="0" err="1"/>
+              <a:t>adb</a:t>
+            </a:r>
+            <a:r>
+              <a:rPr lang="zh-CN" altLang="zh-CN" dirty="0"/>
+              <a:t>服务端），其主要工作有两部分</a:t>
+            </a:r>
+            <a:r>
+              <a:rPr lang="zh-CN" altLang="zh-CN" dirty="0" smtClean="0"/>
+              <a:t>：</a:t>
+            </a:r>
+            <a:endParaRPr lang="en-US" altLang="zh-CN" dirty="0"/>
+          </a:p>
+          <a:p>
+            <a:pPr lvl="1"/>
+            <a:r>
+              <a:rPr lang="zh-CN" altLang="zh-CN" dirty="0" smtClean="0"/>
+              <a:t>管理</a:t>
+            </a:r>
+            <a:r>
+              <a:rPr lang="en-US" altLang="zh-CN" dirty="0"/>
+              <a:t>PC</a:t>
+            </a:r>
+            <a:r>
+              <a:rPr lang="zh-CN" altLang="zh-CN" dirty="0"/>
+              <a:t>中的</a:t>
+            </a:r>
+            <a:r>
+              <a:rPr lang="en-US" altLang="zh-CN" dirty="0"/>
+              <a:t>Android</a:t>
+            </a:r>
+            <a:r>
+              <a:rPr lang="zh-CN" altLang="zh-CN" dirty="0"/>
+              <a:t>模拟器，以及通过</a:t>
+            </a:r>
+            <a:r>
+              <a:rPr lang="en-US" altLang="zh-CN" dirty="0"/>
+              <a:t>USB</a:t>
+            </a:r>
+            <a:r>
+              <a:rPr lang="zh-CN" altLang="zh-CN" dirty="0"/>
+              <a:t>线连接到</a:t>
+            </a:r>
+            <a:r>
+              <a:rPr lang="en-US" altLang="zh-CN" dirty="0"/>
+              <a:t>PC</a:t>
+            </a:r>
+            <a:r>
+              <a:rPr lang="zh-CN" altLang="zh-CN" dirty="0"/>
+              <a:t>的</a:t>
+            </a:r>
+            <a:r>
+              <a:rPr lang="en-US" altLang="zh-CN" dirty="0"/>
+              <a:t>Android</a:t>
+            </a:r>
+            <a:r>
+              <a:rPr lang="zh-CN" altLang="zh-CN" dirty="0"/>
+              <a:t>设备，负责维持运行于其中的</a:t>
+            </a:r>
+            <a:r>
+              <a:rPr lang="en-US" altLang="zh-CN" dirty="0" err="1"/>
+              <a:t>adbd</a:t>
+            </a:r>
+            <a:r>
+              <a:rPr lang="zh-CN" altLang="zh-CN" dirty="0"/>
+              <a:t>进程与自身的数据通道</a:t>
+            </a:r>
+            <a:r>
+              <a:rPr lang="zh-CN" altLang="zh-CN" dirty="0" smtClean="0"/>
+              <a:t>；</a:t>
+            </a:r>
+            <a:endParaRPr lang="en-US" altLang="zh-CN" dirty="0" smtClean="0"/>
+          </a:p>
+          <a:p>
+            <a:pPr lvl="1"/>
+            <a:r>
+              <a:rPr lang="zh-CN" altLang="zh-CN" dirty="0" smtClean="0"/>
+              <a:t>实现</a:t>
+            </a:r>
+            <a:r>
+              <a:rPr lang="en-US" altLang="zh-CN" dirty="0"/>
+              <a:t>PC</a:t>
+            </a:r>
+            <a:r>
+              <a:rPr lang="zh-CN" altLang="zh-CN" dirty="0"/>
+              <a:t>与设备</a:t>
+            </a:r>
+            <a:r>
+              <a:rPr lang="en-US" altLang="zh-CN" dirty="0"/>
+              <a:t>/</a:t>
+            </a:r>
+            <a:r>
+              <a:rPr lang="zh-CN" altLang="zh-CN" dirty="0"/>
+              <a:t>模拟器之间的数据拷贝。</a:t>
+            </a:r>
+          </a:p>
+          <a:p>
+            <a:endParaRPr lang="en-US" altLang="zh-CN" dirty="0"/>
+          </a:p>
+          <a:p>
+            <a:endParaRPr lang="en-US" altLang="zh-CN" dirty="0"/>
+          </a:p>
+          <a:p>
+            <a:endParaRPr lang="en-US" altLang="zh-CN" sz="900" dirty="0" smtClean="0"/>
+          </a:p>
+          <a:p>
+            <a:pPr lvl="1"/>
+            <a:endParaRPr lang="en-US" altLang="zh-CN" sz="900" dirty="0" smtClean="0"/>
+          </a:p>
+          <a:p>
+            <a:pPr lvl="1"/>
+            <a:endParaRPr lang="en-US" altLang="zh-CN" sz="900" dirty="0" smtClean="0"/>
+          </a:p>
+        </p:txBody>
+      </p:sp>
+    </p:spTree>
+    <p:extLst>
+      <p:ext uri="{BB962C8B-B14F-4D97-AF65-F5344CB8AC3E}">
+        <p14:creationId xmlns:p14="http://schemas.microsoft.com/office/powerpoint/2010/main" val="4268763623"/>
+      </p:ext>
+    </p:extLst>
+  </p:cSld>
+  <p:clrMapOvr>
+    <a:masterClrMapping/>
+  </p:clrMapOvr>
+  <p:timing>
+    <p:tnLst>
+      <p:par>
+        <p:cTn id="1" dur="indefinite" restart="never" nodeType="tmRoot"/>
+      </p:par>
+    </p:tnLst>
+  </p:timing>
+</p:sld>
+</file>
+
+<file path=ppt/slides/slide12.xml><?xml version="1.0" encoding="utf-8"?>
+<p:sld xmlns:a="http://schemas.openxmlformats.org/drawingml/2006/main" xmlns:r="http://schemas.openxmlformats.org/officeDocument/2006/relationships" xmlns:p="http://schemas.openxmlformats.org/presentationml/2006/main">
+  <p:cSld>
+    <p:spTree>
+      <p:nvGrpSpPr>
+        <p:cNvPr id="1" name=""/>
+        <p:cNvGrpSpPr/>
+        <p:nvPr/>
+      </p:nvGrpSpPr>
+      <p:grpSpPr>
+        <a:xfrm>
+          <a:off x="0" y="0"/>
+          <a:ext cx="0" cy="0"/>
+          <a:chOff x="0" y="0"/>
+          <a:chExt cx="0" cy="0"/>
+        </a:xfrm>
+      </p:grpSpPr>
+      <p:sp>
+        <p:nvSpPr>
+          <p:cNvPr id="2" name="标题 1"/>
+          <p:cNvSpPr>
+            <a:spLocks noGrp="1"/>
+          </p:cNvSpPr>
+          <p:nvPr>
+            <p:ph type="title"/>
+          </p:nvPr>
+        </p:nvSpPr>
+        <p:spPr/>
+        <p:txBody>
+          <a:bodyPr/>
+          <a:lstStyle/>
+          <a:p>
+            <a:r>
+              <a:rPr lang="en-US" altLang="zh-CN" dirty="0"/>
+              <a:t>4</a:t>
+            </a:r>
+            <a:r>
+              <a:rPr lang="en-US" altLang="zh-CN" dirty="0" smtClean="0"/>
+              <a:t>. ADB </a:t>
+            </a:r>
+            <a:r>
+              <a:rPr lang="en-US" altLang="zh-CN" dirty="0"/>
+              <a:t>Server</a:t>
             </a:r>
             <a:r>
               <a:rPr lang="zh-CN" altLang="en-US" dirty="0"/>
@@ -4243,7 +4456,7 @@
 </p:sld>
 </file>
 
-<file path=ppt/slides/slide12.xml><?xml version="1.0" encoding="utf-8"?>
+<file path=ppt/slides/slide13.xml><?xml version="1.0" encoding="utf-8"?>
 <p:sld xmlns:a="http://schemas.openxmlformats.org/drawingml/2006/main" xmlns:r="http://schemas.openxmlformats.org/officeDocument/2006/relationships" xmlns:p="http://schemas.openxmlformats.org/presentationml/2006/main">
   <p:cSld>
     <p:spTree>
@@ -4276,8 +4489,12 @@
           <a:lstStyle/>
           <a:p>
             <a:r>
-              <a:rPr lang="en-US" altLang="zh-CN" dirty="0"/>
-              <a:t>ADB Server</a:t>
+              <a:rPr lang="en-US" altLang="zh-CN" dirty="0" smtClean="0"/>
+              <a:t>4. ADB </a:t>
+            </a:r>
+            <a:r>
+              <a:rPr lang="en-US" altLang="zh-CN" dirty="0"/>
+              <a:t>Server</a:t>
             </a:r>
             <a:r>
               <a:rPr lang="zh-CN" altLang="en-US" dirty="0"/>
@@ -4371,7 +4588,7 @@
           <a:graphicData uri="http://schemas.openxmlformats.org/presentationml/2006/ole">
             <mc:AlternateContent xmlns:mc="http://schemas.openxmlformats.org/markup-compatibility/2006">
               <mc:Choice xmlns:v="urn:schemas-microsoft-com:vml" Requires="v">
-                <p:oleObj spid="_x0000_s4111" name="Visio" r:id="rId3" imgW="10943347" imgH="7462658" progId="Visio.Drawing.11">
+                <p:oleObj spid="_x0000_s4151" name="Visio" r:id="rId3" imgW="10943347" imgH="7462658" progId="Visio.Drawing.11">
                   <p:embed/>
                 </p:oleObj>
               </mc:Choice>
@@ -4436,223 +4653,6 @@
 </p:sld>
 </file>
 
-<file path=ppt/slides/slide13.xml><?xml version="1.0" encoding="utf-8"?>
-<p:sld xmlns:a="http://schemas.openxmlformats.org/drawingml/2006/main" xmlns:r="http://schemas.openxmlformats.org/officeDocument/2006/relationships" xmlns:p="http://schemas.openxmlformats.org/presentationml/2006/main">
-  <p:cSld>
-    <p:spTree>
-      <p:nvGrpSpPr>
-        <p:cNvPr id="1" name=""/>
-        <p:cNvGrpSpPr/>
-        <p:nvPr/>
-      </p:nvGrpSpPr>
-      <p:grpSpPr>
-        <a:xfrm>
-          <a:off x="0" y="0"/>
-          <a:ext cx="0" cy="0"/>
-          <a:chOff x="0" y="0"/>
-          <a:chExt cx="0" cy="0"/>
-        </a:xfrm>
-      </p:grpSpPr>
-      <p:sp>
-        <p:nvSpPr>
-          <p:cNvPr id="2" name="标题 1"/>
-          <p:cNvSpPr>
-            <a:spLocks noGrp="1"/>
-          </p:cNvSpPr>
-          <p:nvPr>
-            <p:ph type="title"/>
-          </p:nvPr>
-        </p:nvSpPr>
-        <p:spPr/>
-        <p:txBody>
-          <a:bodyPr/>
-          <a:lstStyle/>
-          <a:p>
-            <a:r>
-              <a:rPr lang="en-US" altLang="zh-CN" dirty="0" smtClean="0"/>
-              <a:t>ADB client</a:t>
-            </a:r>
-            <a:endParaRPr lang="zh-CN" altLang="en-US" dirty="0"/>
-          </a:p>
-        </p:txBody>
-      </p:sp>
-      <p:sp>
-        <p:nvSpPr>
-          <p:cNvPr id="3" name="内容占位符 2"/>
-          <p:cNvSpPr>
-            <a:spLocks noGrp="1"/>
-          </p:cNvSpPr>
-          <p:nvPr>
-            <p:ph idx="1"/>
-          </p:nvPr>
-        </p:nvSpPr>
-        <p:spPr>
-          <a:xfrm>
-            <a:off x="467544" y="771550"/>
-            <a:ext cx="8229600" cy="3607049"/>
-          </a:xfrm>
-        </p:spPr>
-        <p:txBody>
-          <a:bodyPr>
-            <a:normAutofit/>
-          </a:bodyPr>
-          <a:lstStyle/>
-          <a:p>
-            <a:r>
-              <a:rPr lang="zh-CN" altLang="zh-CN" dirty="0"/>
-              <a:t>命令行中运行</a:t>
-            </a:r>
-            <a:r>
-              <a:rPr lang="en-US" altLang="zh-CN" dirty="0" err="1"/>
-              <a:t>adb</a:t>
-            </a:r>
-            <a:r>
-              <a:rPr lang="zh-CN" altLang="zh-CN" dirty="0"/>
-              <a:t>命令来调用该客户端</a:t>
-            </a:r>
-            <a:r>
-              <a:rPr lang="zh-CN" altLang="en-US" dirty="0" smtClean="0"/>
-              <a:t>。</a:t>
-            </a:r>
-            <a:endParaRPr lang="en-US" altLang="zh-CN" dirty="0" smtClean="0"/>
-          </a:p>
-          <a:p>
-            <a:endParaRPr lang="en-US" altLang="zh-CN" dirty="0"/>
-          </a:p>
-          <a:p>
-            <a:r>
-              <a:rPr lang="zh-CN" altLang="zh-CN" dirty="0"/>
-              <a:t>对用户暴露了</a:t>
-            </a:r>
-            <a:r>
-              <a:rPr lang="en-US" altLang="zh-CN" dirty="0"/>
-              <a:t>install</a:t>
-            </a:r>
-            <a:r>
-              <a:rPr lang="zh-CN" altLang="zh-CN" dirty="0"/>
-              <a:t>、</a:t>
-            </a:r>
-            <a:r>
-              <a:rPr lang="en-US" altLang="zh-CN" dirty="0"/>
-              <a:t>push</a:t>
-            </a:r>
-            <a:r>
-              <a:rPr lang="zh-CN" altLang="zh-CN" dirty="0"/>
-              <a:t>、</a:t>
-            </a:r>
-            <a:r>
-              <a:rPr lang="en-US" altLang="zh-CN" dirty="0"/>
-              <a:t>shell</a:t>
-            </a:r>
-            <a:r>
-              <a:rPr lang="zh-CN" altLang="zh-CN" dirty="0"/>
-              <a:t>等接口，与用户</a:t>
-            </a:r>
-            <a:r>
-              <a:rPr lang="zh-CN" altLang="zh-CN" dirty="0" smtClean="0"/>
-              <a:t>交互</a:t>
-            </a:r>
-            <a:endParaRPr lang="en-US" altLang="zh-CN" dirty="0" smtClean="0"/>
-          </a:p>
-          <a:p>
-            <a:endParaRPr lang="en-US" altLang="zh-CN" dirty="0"/>
-          </a:p>
-          <a:p>
-            <a:r>
-              <a:rPr lang="zh-CN" altLang="zh-CN" dirty="0" smtClean="0"/>
-              <a:t>解析这些命令</a:t>
-            </a:r>
-            <a:r>
-              <a:rPr lang="zh-CN" altLang="zh-CN" dirty="0"/>
-              <a:t>的参数，做必要预处理，然后转移为指令或数据，发送给</a:t>
-            </a:r>
-            <a:r>
-              <a:rPr lang="en-US" altLang="zh-CN" dirty="0" err="1"/>
-              <a:t>adb</a:t>
-            </a:r>
-            <a:r>
-              <a:rPr lang="zh-CN" altLang="zh-CN" dirty="0"/>
-              <a:t>服务端</a:t>
-            </a:r>
-            <a:r>
-              <a:rPr lang="zh-CN" altLang="zh-CN" dirty="0" smtClean="0"/>
-              <a:t>。</a:t>
-            </a:r>
-            <a:endParaRPr lang="en-US" altLang="zh-CN" dirty="0" smtClean="0"/>
-          </a:p>
-          <a:p>
-            <a:endParaRPr lang="en-US" altLang="zh-CN" dirty="0"/>
-          </a:p>
-          <a:p>
-            <a:r>
-              <a:rPr lang="en-US" altLang="zh-CN" dirty="0" err="1"/>
-              <a:t>adb</a:t>
-            </a:r>
-            <a:r>
-              <a:rPr lang="zh-CN" altLang="zh-CN" dirty="0"/>
-              <a:t>服务端再将指令数据转发到模拟器或设备中，由</a:t>
-            </a:r>
-            <a:r>
-              <a:rPr lang="en-US" altLang="zh-CN" dirty="0" err="1"/>
-              <a:t>adbd</a:t>
-            </a:r>
-            <a:r>
-              <a:rPr lang="zh-CN" altLang="zh-CN" dirty="0"/>
-              <a:t>处理，产生结果，再通过</a:t>
-            </a:r>
-            <a:r>
-              <a:rPr lang="en-US" altLang="zh-CN" dirty="0" err="1"/>
-              <a:t>adb</a:t>
-            </a:r>
-            <a:r>
-              <a:rPr lang="zh-CN" altLang="zh-CN" dirty="0"/>
-              <a:t>服务端接收回来</a:t>
-            </a:r>
-            <a:r>
-              <a:rPr lang="zh-CN" altLang="zh-CN" dirty="0" smtClean="0"/>
-              <a:t>。</a:t>
-            </a:r>
-            <a:endParaRPr lang="en-US" altLang="zh-CN" dirty="0" smtClean="0"/>
-          </a:p>
-          <a:p>
-            <a:pPr marL="0" indent="0">
-              <a:buNone/>
-            </a:pPr>
-            <a:endParaRPr lang="zh-CN" altLang="zh-CN" dirty="0"/>
-          </a:p>
-          <a:p>
-            <a:endParaRPr lang="en-US" altLang="zh-CN" sz="900" dirty="0" smtClean="0"/>
-          </a:p>
-          <a:p>
-            <a:pPr lvl="1"/>
-            <a:endParaRPr lang="en-US" altLang="zh-CN" sz="900" dirty="0" smtClean="0"/>
-          </a:p>
-          <a:p>
-            <a:pPr lvl="1"/>
-            <a:endParaRPr lang="en-US" altLang="zh-CN" sz="900" dirty="0" smtClean="0"/>
-          </a:p>
-        </p:txBody>
-      </p:sp>
-    </p:spTree>
-    <p:extLst>
-      <p:ext uri="{BB962C8B-B14F-4D97-AF65-F5344CB8AC3E}">
-        <p14:creationId xmlns:p14="http://schemas.microsoft.com/office/powerpoint/2010/main" val="568735849"/>
-      </p:ext>
-    </p:extLst>
-  </p:cSld>
-  <p:clrMapOvr>
-    <a:masterClrMapping/>
-  </p:clrMapOvr>
-  <p:timing>
-    <p:tnLst>
-      <p:par>
-        <p:cTn id="1" dur="indefinite" restart="never" nodeType="tmRoot"/>
-      </p:par>
-    </p:tnLst>
-  </p:timing>
-</p:sld>
-</file>
-
 <file path=ppt/slides/slide14.xml><?xml version="1.0" encoding="utf-8"?>
 <p:sld xmlns:a="http://schemas.openxmlformats.org/drawingml/2006/main" xmlns:r="http://schemas.openxmlformats.org/officeDocument/2006/relationships" xmlns:p="http://schemas.openxmlformats.org/presentationml/2006/main">
   <p:cSld>
@@ -4687,11 +4687,7 @@
           <a:p>
             <a:r>
               <a:rPr lang="en-US" altLang="zh-CN" dirty="0" smtClean="0"/>
-              <a:t>ADB </a:t>
-            </a:r>
-            <a:r>
-              <a:rPr lang="zh-CN" altLang="en-US" dirty="0" smtClean="0"/>
-              <a:t>通信</a:t>
+              <a:t>5. ADB client</a:t>
             </a:r>
             <a:endParaRPr lang="zh-CN" altLang="en-US" dirty="0"/>
           </a:p>
@@ -4715,268 +4711,125 @@
         </p:spPr>
         <p:txBody>
           <a:bodyPr>
-            <a:normAutofit fontScale="85000" lnSpcReduction="20000"/>
+            <a:normAutofit/>
           </a:bodyPr>
           <a:lstStyle/>
           <a:p>
-            <a:pPr>
-              <a:lnSpc>
-                <a:spcPct val="170000"/>
-              </a:lnSpc>
-            </a:pPr>
-            <a:r>
-              <a:rPr lang="en-US" altLang="zh-CN" dirty="0" err="1"/>
-              <a:t>adb的通信涉及到host端的adb</a:t>
-            </a:r>
-            <a:r>
-              <a:rPr lang="en-US" altLang="zh-CN" dirty="0"/>
-              <a:t> </a:t>
-            </a:r>
-            <a:r>
-              <a:rPr lang="en-US" altLang="zh-CN" dirty="0" err="1"/>
-              <a:t>client和adb</a:t>
-            </a:r>
-            <a:r>
-              <a:rPr lang="en-US" altLang="zh-CN" dirty="0"/>
-              <a:t> </a:t>
-            </a:r>
-            <a:r>
-              <a:rPr lang="en-US" altLang="zh-CN" dirty="0" err="1"/>
-              <a:t>server</a:t>
-            </a:r>
-            <a:r>
-              <a:rPr lang="en-US" altLang="zh-CN" dirty="0" err="1" smtClean="0"/>
-              <a:t>之间通信</a:t>
-            </a:r>
-            <a:endParaRPr lang="en-US" altLang="zh-CN" dirty="0" smtClean="0"/>
-          </a:p>
-          <a:p>
-            <a:pPr>
-              <a:lnSpc>
-                <a:spcPct val="170000"/>
-              </a:lnSpc>
-            </a:pPr>
-            <a:r>
-              <a:rPr lang="en-US" altLang="zh-CN" dirty="0" smtClean="0"/>
-              <a:t>协议描述见</a:t>
-            </a:r>
-            <a:r>
-              <a:rPr lang="en-US" altLang="zh-CN" dirty="0"/>
-              <a:t>：</a:t>
-            </a:r>
-            <a:r>
-              <a:rPr lang="en-US" altLang="zh-CN" dirty="0" smtClean="0"/>
-              <a:t>OVERVIEW.txt</a:t>
-            </a:r>
-          </a:p>
-          <a:p>
-            <a:pPr>
-              <a:lnSpc>
-                <a:spcPct val="170000"/>
-              </a:lnSpc>
-            </a:pPr>
-            <a:r>
-              <a:rPr lang="en-US" altLang="zh-CN" dirty="0" err="1" smtClean="0"/>
-              <a:t>adb</a:t>
-            </a:r>
-            <a:r>
-              <a:rPr lang="en-US" altLang="zh-CN" dirty="0" smtClean="0"/>
-              <a:t> </a:t>
-            </a:r>
-            <a:r>
-              <a:rPr lang="en-US" altLang="zh-CN" dirty="0"/>
-              <a:t>server和adbd之间的通信两部分（协议描述见：protocol.TXT</a:t>
-            </a:r>
-            <a:r>
-              <a:rPr lang="en-US" altLang="zh-CN" dirty="0" smtClean="0"/>
-              <a:t>）</a:t>
-            </a:r>
-          </a:p>
-          <a:p>
-            <a:pPr>
-              <a:lnSpc>
-                <a:spcPct val="200000"/>
-              </a:lnSpc>
-            </a:pPr>
-            <a:endParaRPr lang="en-US" altLang="zh-CN" dirty="0" smtClean="0"/>
-          </a:p>
-          <a:p>
-            <a:r>
-              <a:rPr lang="zh-CN" altLang="zh-CN" dirty="0" smtClean="0"/>
-              <a:t>三</a:t>
-            </a:r>
-            <a:r>
-              <a:rPr lang="zh-CN" altLang="zh-CN" dirty="0"/>
-              <a:t>者通信整个流程是这样的</a:t>
-            </a:r>
-            <a:r>
-              <a:rPr lang="zh-CN" altLang="zh-CN" dirty="0" smtClean="0"/>
-              <a:t>：</a:t>
-            </a:r>
-            <a:endParaRPr lang="en-US" altLang="zh-CN" dirty="0"/>
-          </a:p>
-          <a:p>
-            <a:pPr lvl="1"/>
-            <a:r>
-              <a:rPr lang="en-US" altLang="zh-CN" dirty="0" smtClean="0"/>
-              <a:t>client</a:t>
-            </a:r>
-            <a:r>
-              <a:rPr lang="zh-CN" altLang="en-US" dirty="0"/>
-              <a:t>调用某个</a:t>
+            <a:r>
+              <a:rPr lang="zh-CN" altLang="zh-CN" dirty="0"/>
+              <a:t>命令行中运行</a:t>
             </a:r>
             <a:r>
               <a:rPr lang="en-US" altLang="zh-CN" dirty="0" err="1"/>
               <a:t>adb</a:t>
             </a:r>
             <a:r>
-              <a:rPr lang="zh-CN" altLang="en-US" dirty="0"/>
-              <a:t>命令</a:t>
-            </a:r>
-          </a:p>
-          <a:p>
-            <a:pPr lvl="1"/>
+              <a:rPr lang="zh-CN" altLang="zh-CN" dirty="0"/>
+              <a:t>命令来调用该客户端</a:t>
+            </a:r>
+            <a:r>
+              <a:rPr lang="zh-CN" altLang="en-US" dirty="0" smtClean="0"/>
+              <a:t>。</a:t>
+            </a:r>
+            <a:endParaRPr lang="en-US" altLang="zh-CN" dirty="0" smtClean="0"/>
+          </a:p>
+          <a:p>
+            <a:endParaRPr lang="en-US" altLang="zh-CN" dirty="0"/>
+          </a:p>
+          <a:p>
+            <a:r>
+              <a:rPr lang="zh-CN" altLang="zh-CN" dirty="0"/>
+              <a:t>对用户暴露了</a:t>
+            </a:r>
+            <a:r>
+              <a:rPr lang="en-US" altLang="zh-CN" dirty="0"/>
+              <a:t>install</a:t>
+            </a:r>
+            <a:r>
+              <a:rPr lang="zh-CN" altLang="zh-CN" dirty="0"/>
+              <a:t>、</a:t>
+            </a:r>
+            <a:r>
+              <a:rPr lang="en-US" altLang="zh-CN" dirty="0"/>
+              <a:t>push</a:t>
+            </a:r>
+            <a:r>
+              <a:rPr lang="zh-CN" altLang="zh-CN" dirty="0"/>
+              <a:t>、</a:t>
+            </a:r>
+            <a:r>
+              <a:rPr lang="en-US" altLang="zh-CN" dirty="0"/>
+              <a:t>shell</a:t>
+            </a:r>
+            <a:r>
+              <a:rPr lang="zh-CN" altLang="zh-CN" dirty="0"/>
+              <a:t>等接口，与用户</a:t>
+            </a:r>
+            <a:r>
+              <a:rPr lang="zh-CN" altLang="zh-CN" dirty="0" smtClean="0"/>
+              <a:t>交互</a:t>
+            </a:r>
+            <a:endParaRPr lang="en-US" altLang="zh-CN" dirty="0" smtClean="0"/>
+          </a:p>
+          <a:p>
+            <a:endParaRPr lang="en-US" altLang="zh-CN" dirty="0"/>
+          </a:p>
+          <a:p>
+            <a:r>
+              <a:rPr lang="zh-CN" altLang="zh-CN" dirty="0" smtClean="0"/>
+              <a:t>解析这些命令</a:t>
+            </a:r>
+            <a:r>
+              <a:rPr lang="zh-CN" altLang="zh-CN" dirty="0"/>
+              <a:t>的参数，做必要预处理，然后转移为指令或数据，发送给</a:t>
+            </a:r>
             <a:r>
               <a:rPr lang="en-US" altLang="zh-CN" dirty="0" err="1"/>
               <a:t>adb</a:t>
             </a:r>
             <a:r>
-              <a:rPr lang="zh-CN" altLang="en-US" dirty="0"/>
-              <a:t>进程</a:t>
-            </a:r>
-            <a:r>
-              <a:rPr lang="en-US" altLang="zh-CN" dirty="0"/>
-              <a:t>fork</a:t>
-            </a:r>
-            <a:r>
-              <a:rPr lang="zh-CN" altLang="en-US" dirty="0"/>
-              <a:t>出一个子进程作为</a:t>
-            </a:r>
-            <a:r>
-              <a:rPr lang="en-US" altLang="zh-CN" dirty="0"/>
-              <a:t>server</a:t>
-            </a:r>
-          </a:p>
-          <a:p>
-            <a:pPr lvl="1"/>
-            <a:r>
-              <a:rPr lang="en-US" altLang="zh-CN" dirty="0"/>
-              <a:t>server</a:t>
-            </a:r>
-            <a:r>
-              <a:rPr lang="zh-CN" altLang="en-US" dirty="0"/>
-              <a:t>查找当前连接的</a:t>
-            </a:r>
-            <a:r>
-              <a:rPr lang="en-US" altLang="zh-CN" dirty="0"/>
-              <a:t>emulator/device</a:t>
-            </a:r>
-          </a:p>
-          <a:p>
-            <a:pPr lvl="1"/>
-            <a:r>
-              <a:rPr lang="en-US" altLang="zh-CN" dirty="0"/>
-              <a:t>server</a:t>
-            </a:r>
-            <a:r>
-              <a:rPr lang="zh-CN" altLang="en-US" dirty="0"/>
-              <a:t>接收到来自</a:t>
-            </a:r>
-            <a:r>
-              <a:rPr lang="en-US" altLang="zh-CN" dirty="0"/>
-              <a:t>client</a:t>
-            </a:r>
-            <a:r>
-              <a:rPr lang="zh-CN" altLang="en-US" dirty="0"/>
-              <a:t>请求</a:t>
-            </a:r>
-          </a:p>
-          <a:p>
-            <a:pPr lvl="1"/>
-            <a:r>
-              <a:rPr lang="en-US" altLang="zh-CN" dirty="0"/>
-              <a:t>server</a:t>
-            </a:r>
-            <a:r>
-              <a:rPr lang="zh-CN" altLang="en-US" dirty="0"/>
-              <a:t>处理请求，将本地处理不了的请求发给</a:t>
-            </a:r>
-            <a:r>
-              <a:rPr lang="en-US" altLang="zh-CN" dirty="0"/>
-              <a:t>emulator/device</a:t>
-            </a:r>
-          </a:p>
-          <a:p>
-            <a:pPr lvl="1"/>
-            <a:r>
-              <a:rPr lang="zh-CN" altLang="en-US" dirty="0"/>
-              <a:t>位于</a:t>
-            </a:r>
-            <a:r>
-              <a:rPr lang="en-US" altLang="zh-CN" dirty="0"/>
-              <a:t>emulator/device</a:t>
-            </a:r>
-            <a:r>
-              <a:rPr lang="zh-CN" altLang="en-US" dirty="0"/>
-              <a:t>的</a:t>
+              <a:rPr lang="zh-CN" altLang="zh-CN" dirty="0"/>
+              <a:t>服务端</a:t>
+            </a:r>
+            <a:r>
+              <a:rPr lang="zh-CN" altLang="zh-CN" dirty="0" smtClean="0"/>
+              <a:t>。</a:t>
+            </a:r>
+            <a:endParaRPr lang="en-US" altLang="zh-CN" dirty="0" smtClean="0"/>
+          </a:p>
+          <a:p>
+            <a:endParaRPr lang="en-US" altLang="zh-CN" dirty="0"/>
+          </a:p>
+          <a:p>
+            <a:r>
+              <a:rPr lang="en-US" altLang="zh-CN" dirty="0" err="1"/>
+              <a:t>adb</a:t>
+            </a:r>
+            <a:r>
+              <a:rPr lang="zh-CN" altLang="zh-CN" dirty="0"/>
+              <a:t>服务端再将指令数据转发到模拟器或设备中，由</a:t>
             </a:r>
             <a:r>
               <a:rPr lang="en-US" altLang="zh-CN" dirty="0" err="1"/>
               <a:t>adbd</a:t>
             </a:r>
             <a:r>
-              <a:rPr lang="zh-CN" altLang="en-US" dirty="0"/>
-              <a:t>拿到请求后交给对应的</a:t>
-            </a:r>
-            <a:r>
-              <a:rPr lang="en-US" altLang="zh-CN" dirty="0"/>
-              <a:t>java</a:t>
-            </a:r>
-            <a:r>
-              <a:rPr lang="zh-CN" altLang="en-US" dirty="0"/>
-              <a:t>虚拟机进程。</a:t>
-            </a:r>
-          </a:p>
-          <a:p>
-            <a:pPr lvl="1"/>
+              <a:rPr lang="zh-CN" altLang="zh-CN" dirty="0"/>
+              <a:t>处理，产生结果，再通过</a:t>
+            </a:r>
             <a:r>
               <a:rPr lang="en-US" altLang="zh-CN" dirty="0" err="1"/>
-              <a:t>adbd</a:t>
-            </a:r>
-            <a:r>
-              <a:rPr lang="zh-CN" altLang="en-US" dirty="0"/>
-              <a:t>将结果发回给</a:t>
-            </a:r>
-            <a:r>
-              <a:rPr lang="en-US" altLang="zh-CN" dirty="0"/>
-              <a:t>server</a:t>
-            </a:r>
-          </a:p>
-          <a:p>
-            <a:pPr lvl="1"/>
-            <a:r>
-              <a:rPr lang="en-US" altLang="zh-CN" dirty="0"/>
-              <a:t>server</a:t>
-            </a:r>
-            <a:r>
-              <a:rPr lang="zh-CN" altLang="en-US" dirty="0"/>
-              <a:t>讲结果发回给</a:t>
-            </a:r>
-            <a:r>
-              <a:rPr lang="en-US" altLang="zh-CN" dirty="0"/>
-              <a:t>client</a:t>
-            </a:r>
-          </a:p>
-          <a:p>
-            <a:pPr lvl="1"/>
-            <a:endParaRPr lang="en-US" altLang="zh-CN" b="1" dirty="0" smtClean="0"/>
-          </a:p>
-          <a:p>
-            <a:pPr lvl="1"/>
+              <a:t>adb</a:t>
+            </a:r>
+            <a:r>
+              <a:rPr lang="zh-CN" altLang="zh-CN" dirty="0"/>
+              <a:t>服务端接收回来</a:t>
+            </a:r>
+            <a:r>
+              <a:rPr lang="zh-CN" altLang="zh-CN" dirty="0" smtClean="0"/>
+              <a:t>。</a:t>
+            </a:r>
             <a:endParaRPr lang="en-US" altLang="zh-CN" dirty="0" smtClean="0"/>
-          </a:p>
-          <a:p>
-            <a:endParaRPr lang="en-US" altLang="zh-CN" dirty="0"/>
           </a:p>
           <a:p>
             <a:pPr marL="0" indent="0">
@@ -5000,7 +4853,7 @@
     </p:spTree>
     <p:extLst>
       <p:ext uri="{BB962C8B-B14F-4D97-AF65-F5344CB8AC3E}">
-        <p14:creationId xmlns:p14="http://schemas.microsoft.com/office/powerpoint/2010/main" val="606492350"/>
+        <p14:creationId xmlns:p14="http://schemas.microsoft.com/office/powerpoint/2010/main" val="568735849"/>
       </p:ext>
     </p:extLst>
   </p:cSld>
@@ -5044,6 +4897,370 @@
             <p:ph type="title"/>
           </p:nvPr>
         </p:nvSpPr>
+        <p:spPr/>
+        <p:txBody>
+          <a:bodyPr/>
+          <a:lstStyle/>
+          <a:p>
+            <a:r>
+              <a:rPr lang="en-US" altLang="zh-CN" dirty="0" smtClean="0"/>
+              <a:t>6. ADB </a:t>
+            </a:r>
+            <a:r>
+              <a:rPr lang="zh-CN" altLang="en-US" dirty="0" smtClean="0"/>
+              <a:t>通信</a:t>
+            </a:r>
+            <a:endParaRPr lang="zh-CN" altLang="en-US" dirty="0"/>
+          </a:p>
+        </p:txBody>
+      </p:sp>
+      <p:sp>
+        <p:nvSpPr>
+          <p:cNvPr id="3" name="内容占位符 2"/>
+          <p:cNvSpPr>
+            <a:spLocks noGrp="1"/>
+          </p:cNvSpPr>
+          <p:nvPr>
+            <p:ph idx="1"/>
+          </p:nvPr>
+        </p:nvSpPr>
+        <p:spPr>
+          <a:xfrm>
+            <a:off x="467544" y="771550"/>
+            <a:ext cx="8229600" cy="3607049"/>
+          </a:xfrm>
+        </p:spPr>
+        <p:txBody>
+          <a:bodyPr>
+            <a:normAutofit fontScale="85000" lnSpcReduction="20000"/>
+          </a:bodyPr>
+          <a:lstStyle/>
+          <a:p>
+            <a:pPr>
+              <a:lnSpc>
+                <a:spcPct val="170000"/>
+              </a:lnSpc>
+            </a:pPr>
+            <a:r>
+              <a:rPr lang="en-US" altLang="zh-CN" dirty="0" err="1"/>
+              <a:t>adb的通信涉及到host端的adb</a:t>
+            </a:r>
+            <a:r>
+              <a:rPr lang="en-US" altLang="zh-CN" dirty="0"/>
+              <a:t> </a:t>
+            </a:r>
+            <a:r>
+              <a:rPr lang="en-US" altLang="zh-CN" dirty="0" err="1"/>
+              <a:t>client和adb</a:t>
+            </a:r>
+            <a:r>
+              <a:rPr lang="en-US" altLang="zh-CN" dirty="0"/>
+              <a:t> </a:t>
+            </a:r>
+            <a:r>
+              <a:rPr lang="en-US" altLang="zh-CN" dirty="0" err="1"/>
+              <a:t>server</a:t>
+            </a:r>
+            <a:r>
+              <a:rPr lang="en-US" altLang="zh-CN" dirty="0" err="1" smtClean="0"/>
+              <a:t>之间通信</a:t>
+            </a:r>
+            <a:endParaRPr lang="en-US" altLang="zh-CN" dirty="0" smtClean="0"/>
+          </a:p>
+          <a:p>
+            <a:pPr>
+              <a:lnSpc>
+                <a:spcPct val="170000"/>
+              </a:lnSpc>
+            </a:pPr>
+            <a:r>
+              <a:rPr lang="en-US" altLang="zh-CN" dirty="0" smtClean="0"/>
+              <a:t>协议描述见</a:t>
+            </a:r>
+            <a:r>
+              <a:rPr lang="en-US" altLang="zh-CN" dirty="0"/>
+              <a:t>：</a:t>
+            </a:r>
+            <a:r>
+              <a:rPr lang="en-US" altLang="zh-CN" dirty="0" smtClean="0"/>
+              <a:t>OVERVIEW.txt</a:t>
+            </a:r>
+          </a:p>
+          <a:p>
+            <a:pPr>
+              <a:lnSpc>
+                <a:spcPct val="170000"/>
+              </a:lnSpc>
+            </a:pPr>
+            <a:r>
+              <a:rPr lang="en-US" altLang="zh-CN" dirty="0" err="1" smtClean="0"/>
+              <a:t>adb</a:t>
+            </a:r>
+            <a:r>
+              <a:rPr lang="en-US" altLang="zh-CN" dirty="0" smtClean="0"/>
+              <a:t> </a:t>
+            </a:r>
+            <a:r>
+              <a:rPr lang="en-US" altLang="zh-CN" dirty="0"/>
+              <a:t>server和adbd之间的通信两部分（协议描述见：protocol.TXT</a:t>
+            </a:r>
+            <a:r>
+              <a:rPr lang="en-US" altLang="zh-CN" dirty="0" smtClean="0"/>
+              <a:t>）</a:t>
+            </a:r>
+          </a:p>
+          <a:p>
+            <a:pPr>
+              <a:lnSpc>
+                <a:spcPct val="200000"/>
+              </a:lnSpc>
+            </a:pPr>
+            <a:endParaRPr lang="en-US" altLang="zh-CN" dirty="0" smtClean="0"/>
+          </a:p>
+          <a:p>
+            <a:r>
+              <a:rPr lang="zh-CN" altLang="zh-CN" dirty="0" smtClean="0"/>
+              <a:t>三</a:t>
+            </a:r>
+            <a:r>
+              <a:rPr lang="zh-CN" altLang="zh-CN" dirty="0"/>
+              <a:t>者通信整个流程是这样的</a:t>
+            </a:r>
+            <a:r>
+              <a:rPr lang="zh-CN" altLang="zh-CN" dirty="0" smtClean="0"/>
+              <a:t>：</a:t>
+            </a:r>
+            <a:endParaRPr lang="en-US" altLang="zh-CN" dirty="0"/>
+          </a:p>
+          <a:p>
+            <a:pPr lvl="1"/>
+            <a:r>
+              <a:rPr lang="en-US" altLang="zh-CN" dirty="0" smtClean="0"/>
+              <a:t>client</a:t>
+            </a:r>
+            <a:r>
+              <a:rPr lang="zh-CN" altLang="en-US" dirty="0"/>
+              <a:t>调用某个</a:t>
+            </a:r>
+            <a:r>
+              <a:rPr lang="en-US" altLang="zh-CN" dirty="0" err="1"/>
+              <a:t>adb</a:t>
+            </a:r>
+            <a:r>
+              <a:rPr lang="zh-CN" altLang="en-US" dirty="0"/>
+              <a:t>命令</a:t>
+            </a:r>
+          </a:p>
+          <a:p>
+            <a:pPr lvl="1"/>
+            <a:r>
+              <a:rPr lang="en-US" altLang="zh-CN" dirty="0" err="1"/>
+              <a:t>adb</a:t>
+            </a:r>
+            <a:r>
+              <a:rPr lang="zh-CN" altLang="en-US" dirty="0"/>
+              <a:t>进程</a:t>
+            </a:r>
+            <a:r>
+              <a:rPr lang="en-US" altLang="zh-CN" dirty="0"/>
+              <a:t>fork</a:t>
+            </a:r>
+            <a:r>
+              <a:rPr lang="zh-CN" altLang="en-US" dirty="0"/>
+              <a:t>出一个子进程作为</a:t>
+            </a:r>
+            <a:r>
+              <a:rPr lang="en-US" altLang="zh-CN" dirty="0"/>
+              <a:t>server</a:t>
+            </a:r>
+          </a:p>
+          <a:p>
+            <a:pPr lvl="1"/>
+            <a:r>
+              <a:rPr lang="en-US" altLang="zh-CN" dirty="0"/>
+              <a:t>server</a:t>
+            </a:r>
+            <a:r>
+              <a:rPr lang="zh-CN" altLang="en-US" dirty="0"/>
+              <a:t>查找当前连接的</a:t>
+            </a:r>
+            <a:r>
+              <a:rPr lang="en-US" altLang="zh-CN" dirty="0"/>
+              <a:t>emulator/device</a:t>
+            </a:r>
+          </a:p>
+          <a:p>
+            <a:pPr lvl="1"/>
+            <a:r>
+              <a:rPr lang="en-US" altLang="zh-CN" dirty="0"/>
+              <a:t>server</a:t>
+            </a:r>
+            <a:r>
+              <a:rPr lang="zh-CN" altLang="en-US" dirty="0"/>
+              <a:t>接收到来自</a:t>
+            </a:r>
+            <a:r>
+              <a:rPr lang="en-US" altLang="zh-CN" dirty="0"/>
+              <a:t>client</a:t>
+            </a:r>
+            <a:r>
+              <a:rPr lang="zh-CN" altLang="en-US" dirty="0"/>
+              <a:t>请求</a:t>
+            </a:r>
+          </a:p>
+          <a:p>
+            <a:pPr lvl="1"/>
+            <a:r>
+              <a:rPr lang="en-US" altLang="zh-CN" dirty="0"/>
+              <a:t>server</a:t>
+            </a:r>
+            <a:r>
+              <a:rPr lang="zh-CN" altLang="en-US" dirty="0"/>
+              <a:t>处理请求，将本地处理不了的请求发给</a:t>
+            </a:r>
+            <a:r>
+              <a:rPr lang="en-US" altLang="zh-CN" dirty="0"/>
+              <a:t>emulator/device</a:t>
+            </a:r>
+          </a:p>
+          <a:p>
+            <a:pPr lvl="1"/>
+            <a:r>
+              <a:rPr lang="zh-CN" altLang="en-US" dirty="0"/>
+              <a:t>位于</a:t>
+            </a:r>
+            <a:r>
+              <a:rPr lang="en-US" altLang="zh-CN" dirty="0"/>
+              <a:t>emulator/device</a:t>
+            </a:r>
+            <a:r>
+              <a:rPr lang="zh-CN" altLang="en-US" dirty="0"/>
+              <a:t>的</a:t>
+            </a:r>
+            <a:r>
+              <a:rPr lang="en-US" altLang="zh-CN" dirty="0" err="1"/>
+              <a:t>adbd</a:t>
+            </a:r>
+            <a:r>
+              <a:rPr lang="zh-CN" altLang="en-US" dirty="0"/>
+              <a:t>拿到请求后交给对应的</a:t>
+            </a:r>
+            <a:r>
+              <a:rPr lang="en-US" altLang="zh-CN" dirty="0"/>
+              <a:t>java</a:t>
+            </a:r>
+            <a:r>
+              <a:rPr lang="zh-CN" altLang="en-US" dirty="0"/>
+              <a:t>虚拟机进程。</a:t>
+            </a:r>
+          </a:p>
+          <a:p>
+            <a:pPr lvl="1"/>
+            <a:r>
+              <a:rPr lang="en-US" altLang="zh-CN" dirty="0" err="1"/>
+              <a:t>adbd</a:t>
+            </a:r>
+            <a:r>
+              <a:rPr lang="zh-CN" altLang="en-US" dirty="0"/>
+              <a:t>将结果发回给</a:t>
+            </a:r>
+            <a:r>
+              <a:rPr lang="en-US" altLang="zh-CN" dirty="0"/>
+              <a:t>server</a:t>
+            </a:r>
+          </a:p>
+          <a:p>
+            <a:pPr lvl="1"/>
+            <a:r>
+              <a:rPr lang="en-US" altLang="zh-CN" dirty="0"/>
+              <a:t>server</a:t>
+            </a:r>
+            <a:r>
+              <a:rPr lang="zh-CN" altLang="en-US" dirty="0"/>
+              <a:t>讲结果发回给</a:t>
+            </a:r>
+            <a:r>
+              <a:rPr lang="en-US" altLang="zh-CN" dirty="0"/>
+              <a:t>client</a:t>
+            </a:r>
+          </a:p>
+          <a:p>
+            <a:pPr lvl="1"/>
+            <a:endParaRPr lang="en-US" altLang="zh-CN" b="1" dirty="0" smtClean="0"/>
+          </a:p>
+          <a:p>
+            <a:pPr lvl="1"/>
+            <a:endParaRPr lang="en-US" altLang="zh-CN" dirty="0" smtClean="0"/>
+          </a:p>
+          <a:p>
+            <a:endParaRPr lang="en-US" altLang="zh-CN" dirty="0"/>
+          </a:p>
+          <a:p>
+            <a:pPr marL="0" indent="0">
+              <a:buNone/>
+            </a:pPr>
+            <a:endParaRPr lang="zh-CN" altLang="zh-CN" dirty="0"/>
+          </a:p>
+          <a:p>
+            <a:endParaRPr lang="en-US" altLang="zh-CN" sz="900" dirty="0" smtClean="0"/>
+          </a:p>
+          <a:p>
+            <a:pPr lvl="1"/>
+            <a:endParaRPr lang="en-US" altLang="zh-CN" sz="900" dirty="0" smtClean="0"/>
+          </a:p>
+          <a:p>
+            <a:pPr lvl="1"/>
+            <a:endParaRPr lang="en-US" altLang="zh-CN" sz="900" dirty="0" smtClean="0"/>
+          </a:p>
+        </p:txBody>
+      </p:sp>
+    </p:spTree>
+    <p:extLst>
+      <p:ext uri="{BB962C8B-B14F-4D97-AF65-F5344CB8AC3E}">
+        <p14:creationId xmlns:p14="http://schemas.microsoft.com/office/powerpoint/2010/main" val="606492350"/>
+      </p:ext>
+    </p:extLst>
+  </p:cSld>
+  <p:clrMapOvr>
+    <a:masterClrMapping/>
+  </p:clrMapOvr>
+  <p:timing>
+    <p:tnLst>
+      <p:par>
+        <p:cTn id="1" dur="indefinite" restart="never" nodeType="tmRoot"/>
+      </p:par>
+    </p:tnLst>
+  </p:timing>
+</p:sld>
+</file>
+
+<file path=ppt/slides/slide16.xml><?xml version="1.0" encoding="utf-8"?>
+<p:sld xmlns:a="http://schemas.openxmlformats.org/drawingml/2006/main" xmlns:r="http://schemas.openxmlformats.org/officeDocument/2006/relationships" xmlns:p="http://schemas.openxmlformats.org/presentationml/2006/main">
+  <p:cSld>
+    <p:spTree>
+      <p:nvGrpSpPr>
+        <p:cNvPr id="1" name=""/>
+        <p:cNvGrpSpPr/>
+        <p:nvPr/>
+      </p:nvGrpSpPr>
+      <p:grpSpPr>
+        <a:xfrm>
+          <a:off x="0" y="0"/>
+          <a:ext cx="0" cy="0"/>
+          <a:chOff x="0" y="0"/>
+          <a:chExt cx="0" cy="0"/>
+        </a:xfrm>
+      </p:grpSpPr>
+      <p:sp>
+        <p:nvSpPr>
+          <p:cNvPr id="2" name="标题 1"/>
+          <p:cNvSpPr>
+            <a:spLocks noGrp="1"/>
+          </p:cNvSpPr>
+          <p:nvPr>
+            <p:ph type="title"/>
+          </p:nvPr>
+        </p:nvSpPr>
         <p:spPr>
           <a:xfrm>
             <a:off x="357158" y="277417"/>
@@ -5056,7 +5273,7 @@
           <a:p>
             <a:r>
               <a:rPr lang="en-US" altLang="zh-CN" dirty="0" smtClean="0"/>
-              <a:t>ADB client &amp; ADB Devices &amp; ADB Emulator </a:t>
+              <a:t>6. ADB client &amp; ADB Devices &amp; ADB Emulator </a:t>
             </a:r>
             <a:r>
               <a:rPr lang="zh-CN" altLang="en-US" dirty="0" smtClean="0"/>
@@ -5140,372 +5357,6 @@
 </p:sld>
 </file>
 
-<file path=ppt/slides/slide16.xml><?xml version="1.0" encoding="utf-8"?>
-<p:sld xmlns:a="http://schemas.openxmlformats.org/drawingml/2006/main" xmlns:r="http://schemas.openxmlformats.org/officeDocument/2006/relationships" xmlns:p="http://schemas.openxmlformats.org/presentationml/2006/main">
-  <p:cSld>
-    <p:spTree>
-      <p:nvGrpSpPr>
-        <p:cNvPr id="1" name=""/>
-        <p:cNvGrpSpPr/>
-        <p:nvPr/>
-      </p:nvGrpSpPr>
-      <p:grpSpPr>
-        <a:xfrm>
-          <a:off x="0" y="0"/>
-          <a:ext cx="0" cy="0"/>
-          <a:chOff x="0" y="0"/>
-          <a:chExt cx="0" cy="0"/>
-        </a:xfrm>
-      </p:grpSpPr>
-      <p:sp>
-        <p:nvSpPr>
-          <p:cNvPr id="2" name="标题 1"/>
-          <p:cNvSpPr>
-            <a:spLocks noGrp="1"/>
-          </p:cNvSpPr>
-          <p:nvPr>
-            <p:ph type="title"/>
-          </p:nvPr>
-        </p:nvSpPr>
-        <p:spPr/>
-        <p:txBody>
-          <a:bodyPr/>
-          <a:lstStyle/>
-          <a:p>
-            <a:pPr lvl="1"/>
-            <a:r>
-              <a:rPr lang="en-US" altLang="zh-CN" b="1" dirty="0" err="1"/>
-              <a:t>adb</a:t>
-            </a:r>
-            <a:r>
-              <a:rPr lang="en-US" altLang="zh-CN" b="1" dirty="0"/>
-              <a:t> client&lt;--&gt;</a:t>
-            </a:r>
-            <a:r>
-              <a:rPr lang="en-US" altLang="zh-CN" b="1" dirty="0" err="1"/>
-              <a:t>adb</a:t>
-            </a:r>
-            <a:r>
-              <a:rPr lang="en-US" altLang="zh-CN" b="1" dirty="0"/>
-              <a:t> server</a:t>
-            </a:r>
-            <a:endParaRPr lang="zh-CN" altLang="zh-CN" b="1" dirty="0"/>
-          </a:p>
-        </p:txBody>
-      </p:sp>
-      <p:sp>
-        <p:nvSpPr>
-          <p:cNvPr id="3" name="内容占位符 2"/>
-          <p:cNvSpPr>
-            <a:spLocks noGrp="1"/>
-          </p:cNvSpPr>
-          <p:nvPr>
-            <p:ph idx="1"/>
-          </p:nvPr>
-        </p:nvSpPr>
-        <p:spPr>
-          <a:xfrm>
-            <a:off x="467544" y="771550"/>
-            <a:ext cx="8229600" cy="3607049"/>
-          </a:xfrm>
-        </p:spPr>
-        <p:txBody>
-          <a:bodyPr>
-            <a:normAutofit/>
-          </a:bodyPr>
-          <a:lstStyle/>
-          <a:p>
-            <a:r>
-              <a:rPr lang="en-US" altLang="zh-CN" dirty="0" err="1"/>
-              <a:t>adb</a:t>
-            </a:r>
-            <a:r>
-              <a:rPr lang="en-US" altLang="zh-CN" dirty="0"/>
-              <a:t> client</a:t>
-            </a:r>
-            <a:r>
-              <a:rPr lang="zh-CN" altLang="zh-CN" dirty="0"/>
-              <a:t>的每个命令都会包含两个部分，前一部分固定</a:t>
-            </a:r>
-            <a:r>
-              <a:rPr lang="en-US" altLang="zh-CN" dirty="0"/>
-              <a:t>4</a:t>
-            </a:r>
-            <a:r>
-              <a:rPr lang="zh-CN" altLang="zh-CN" dirty="0"/>
-              <a:t>个字节，以十六进制方式指定命令部分的长度。后一部分是真正的内容。发送命令的接口为</a:t>
-            </a:r>
-            <a:r>
-              <a:rPr lang="en-US" altLang="zh-CN" dirty="0" err="1" smtClean="0"/>
-              <a:t>writex</a:t>
-            </a:r>
-            <a:r>
-              <a:rPr lang="zh-CN" altLang="en-US" dirty="0" smtClean="0"/>
-              <a:t>。</a:t>
-            </a:r>
-            <a:r>
-              <a:rPr lang="zh-CN" altLang="zh-CN" dirty="0" smtClean="0"/>
-              <a:t>因此</a:t>
-            </a:r>
-            <a:r>
-              <a:rPr lang="zh-CN" altLang="zh-CN" dirty="0"/>
-              <a:t>这两部分至少需要发送两个</a:t>
-            </a:r>
-            <a:r>
-              <a:rPr lang="en-US" altLang="zh-CN" dirty="0" err="1"/>
-              <a:t>tcp</a:t>
-            </a:r>
-            <a:r>
-              <a:rPr lang="zh-CN" altLang="zh-CN" dirty="0"/>
-              <a:t>包</a:t>
-            </a:r>
-            <a:r>
-              <a:rPr lang="zh-CN" altLang="zh-CN" dirty="0" smtClean="0"/>
-              <a:t>。</a:t>
-            </a:r>
-            <a:endParaRPr lang="zh-CN" altLang="zh-CN" dirty="0"/>
-          </a:p>
-          <a:p>
-            <a:r>
-              <a:rPr lang="zh-CN" altLang="zh-CN" dirty="0"/>
-              <a:t>例如想要获取</a:t>
-            </a:r>
-            <a:r>
-              <a:rPr lang="en-US" altLang="zh-CN" dirty="0" err="1"/>
-              <a:t>adb</a:t>
-            </a:r>
-            <a:r>
-              <a:rPr lang="en-US" altLang="zh-CN" dirty="0"/>
-              <a:t> server</a:t>
-            </a:r>
-            <a:r>
-              <a:rPr lang="zh-CN" altLang="zh-CN" dirty="0"/>
-              <a:t>的版本号，</a:t>
-            </a:r>
-            <a:r>
-              <a:rPr lang="en-US" altLang="zh-CN" dirty="0"/>
-              <a:t>client</a:t>
-            </a:r>
-            <a:r>
-              <a:rPr lang="zh-CN" altLang="zh-CN" dirty="0"/>
-              <a:t>首先连接本机的</a:t>
-            </a:r>
-            <a:r>
-              <a:rPr lang="en-US" altLang="zh-CN" dirty="0"/>
-              <a:t>TCP 5037</a:t>
-            </a:r>
-            <a:r>
-              <a:rPr lang="zh-CN" altLang="zh-CN" dirty="0"/>
-              <a:t>端口，然后发送“</a:t>
-            </a:r>
-            <a:r>
-              <a:rPr lang="en-US" altLang="zh-CN" dirty="0"/>
-              <a:t>000C”</a:t>
-            </a:r>
-            <a:r>
-              <a:rPr lang="zh-CN" altLang="zh-CN" dirty="0"/>
-              <a:t>和“</a:t>
-            </a:r>
-            <a:r>
-              <a:rPr lang="en-US" altLang="zh-CN" dirty="0" err="1"/>
-              <a:t>host:version</a:t>
-            </a:r>
-            <a:r>
-              <a:rPr lang="en-US" altLang="zh-CN" dirty="0"/>
-              <a:t>”</a:t>
-            </a:r>
-            <a:r>
-              <a:rPr lang="zh-CN" altLang="zh-CN" dirty="0" smtClean="0"/>
-              <a:t>。</a:t>
-            </a:r>
-            <a:endParaRPr lang="en-US" altLang="zh-CN" dirty="0" smtClean="0"/>
-          </a:p>
-          <a:p>
-            <a:endParaRPr lang="zh-CN" altLang="zh-CN" dirty="0"/>
-          </a:p>
-          <a:p>
-            <a:r>
-              <a:rPr lang="en-US" altLang="zh-CN" dirty="0" err="1"/>
-              <a:t>adb</a:t>
-            </a:r>
-            <a:r>
-              <a:rPr lang="en-US" altLang="zh-CN" dirty="0"/>
-              <a:t> server</a:t>
-            </a:r>
-            <a:r>
-              <a:rPr lang="zh-CN" altLang="zh-CN" dirty="0"/>
-              <a:t>对</a:t>
-            </a:r>
-            <a:r>
-              <a:rPr lang="en-US" altLang="zh-CN" dirty="0" err="1"/>
-              <a:t>adb</a:t>
-            </a:r>
-            <a:r>
-              <a:rPr lang="en-US" altLang="zh-CN" dirty="0"/>
-              <a:t> client</a:t>
-            </a:r>
-            <a:r>
-              <a:rPr lang="zh-CN" altLang="zh-CN" dirty="0"/>
-              <a:t>回复，分为如下情况：</a:t>
-            </a:r>
-          </a:p>
-          <a:p>
-            <a:pPr lvl="1"/>
-            <a:r>
-              <a:rPr lang="en-US" altLang="zh-CN" dirty="0"/>
-              <a:t>1</a:t>
-            </a:r>
-            <a:r>
-              <a:rPr lang="zh-CN" altLang="zh-CN" dirty="0"/>
-              <a:t>、 成功，回复四字节串“</a:t>
-            </a:r>
-            <a:r>
-              <a:rPr lang="en-US" altLang="zh-CN" dirty="0"/>
-              <a:t>OKAY”</a:t>
-            </a:r>
-            <a:r>
-              <a:rPr lang="zh-CN" altLang="zh-CN" dirty="0"/>
-              <a:t>，后面跟的内容根据不同的命令而不同。</a:t>
-            </a:r>
-          </a:p>
-          <a:p>
-            <a:pPr lvl="1"/>
-            <a:r>
-              <a:rPr lang="en-US" altLang="zh-CN" dirty="0"/>
-              <a:t>2</a:t>
-            </a:r>
-            <a:r>
-              <a:rPr lang="zh-CN" altLang="zh-CN" dirty="0"/>
-              <a:t>、 失败，回复四字节串“</a:t>
-            </a:r>
-            <a:r>
-              <a:rPr lang="en-US" altLang="zh-CN" dirty="0"/>
-              <a:t>FAIL”</a:t>
-            </a:r>
-            <a:r>
-              <a:rPr lang="zh-CN" altLang="zh-CN" dirty="0"/>
-              <a:t>，然后跟四字节的十六进制长度，以及失败原因。</a:t>
-            </a:r>
-          </a:p>
-          <a:p>
-            <a:pPr lvl="1"/>
-            <a:r>
-              <a:rPr lang="en-US" altLang="zh-CN" dirty="0"/>
-              <a:t>3</a:t>
-            </a:r>
-            <a:r>
-              <a:rPr lang="zh-CN" altLang="zh-CN" dirty="0"/>
-              <a:t>、 对于</a:t>
-            </a:r>
-            <a:r>
-              <a:rPr lang="en-US" altLang="zh-CN" dirty="0" err="1"/>
-              <a:t>host:version</a:t>
-            </a:r>
-            <a:r>
-              <a:rPr lang="zh-CN" altLang="zh-CN" dirty="0"/>
-              <a:t>，回复</a:t>
-            </a:r>
-            <a:r>
-              <a:rPr lang="en-US" altLang="zh-CN" dirty="0"/>
-              <a:t>4</a:t>
-            </a:r>
-            <a:r>
-              <a:rPr lang="zh-CN" altLang="zh-CN" dirty="0"/>
-              <a:t>个字节的十六进制字串，代表</a:t>
-            </a:r>
-            <a:r>
-              <a:rPr lang="en-US" altLang="zh-CN" dirty="0"/>
-              <a:t>server</a:t>
-            </a:r>
-            <a:r>
-              <a:rPr lang="zh-CN" altLang="zh-CN" dirty="0"/>
-              <a:t>的内部版本号。</a:t>
-            </a:r>
-          </a:p>
-          <a:p>
-            <a:r>
-              <a:rPr lang="en-US" altLang="zh-CN" dirty="0"/>
-              <a:t> </a:t>
-            </a:r>
-            <a:endParaRPr lang="zh-CN" altLang="zh-CN" dirty="0"/>
-          </a:p>
-          <a:p>
-            <a:r>
-              <a:rPr lang="en-US" altLang="zh-CN" dirty="0" err="1"/>
-              <a:t>adb</a:t>
-            </a:r>
-            <a:r>
-              <a:rPr lang="en-US" altLang="zh-CN" dirty="0"/>
-              <a:t> shell command </a:t>
-            </a:r>
-            <a:r>
-              <a:rPr lang="zh-CN" altLang="zh-CN" dirty="0"/>
-              <a:t>描述见文件：</a:t>
-            </a:r>
-            <a:r>
-              <a:rPr lang="en-US" altLang="zh-CN" dirty="0"/>
-              <a:t>system/core/</a:t>
-            </a:r>
-            <a:r>
-              <a:rPr lang="en-US" altLang="zh-CN" dirty="0" err="1"/>
-              <a:t>adb</a:t>
-            </a:r>
-            <a:r>
-              <a:rPr lang="en-US" altLang="zh-CN" dirty="0"/>
-              <a:t>/SERVICES.TXT</a:t>
-            </a:r>
-            <a:endParaRPr lang="zh-CN" altLang="zh-CN" dirty="0"/>
-          </a:p>
-          <a:p>
-            <a:pPr lvl="1"/>
-            <a:endParaRPr lang="en-US" altLang="zh-CN" b="1" dirty="0" smtClean="0"/>
-          </a:p>
-          <a:p>
-            <a:pPr lvl="1"/>
-            <a:endParaRPr lang="en-US" altLang="zh-CN" dirty="0" smtClean="0"/>
-          </a:p>
-          <a:p>
-            <a:endParaRPr lang="en-US" altLang="zh-CN" dirty="0"/>
-          </a:p>
-          <a:p>
-            <a:pPr marL="0" indent="0">
-              <a:buNone/>
-            </a:pPr>
-            <a:endParaRPr lang="zh-CN" altLang="zh-CN" dirty="0"/>
-          </a:p>
-          <a:p>
-            <a:endParaRPr lang="en-US" altLang="zh-CN" sz="900" dirty="0" smtClean="0"/>
-          </a:p>
-          <a:p>
-            <a:pPr lvl="1"/>
-            <a:endParaRPr lang="en-US" altLang="zh-CN" sz="900" dirty="0" smtClean="0"/>
-          </a:p>
-          <a:p>
-            <a:pPr lvl="1"/>
-            <a:endParaRPr lang="en-US" altLang="zh-CN" sz="900" dirty="0" smtClean="0"/>
-          </a:p>
-        </p:txBody>
-      </p:sp>
-    </p:spTree>
-    <p:extLst>
-      <p:ext uri="{BB962C8B-B14F-4D97-AF65-F5344CB8AC3E}">
-        <p14:creationId xmlns:p14="http://schemas.microsoft.com/office/powerpoint/2010/main" val="1623837481"/>
-      </p:ext>
-    </p:extLst>
-  </p:cSld>
-  <p:clrMapOvr>
-    <a:masterClrMapping/>
-  </p:clrMapOvr>
-  <p:timing>
-    <p:tnLst>
-      <p:par>
-        <p:cTn id="1" dur="indefinite" restart="never" nodeType="tmRoot"/>
-      </p:par>
-    </p:tnLst>
-  </p:timing>
-</p:sld>
-</file>
-
 <file path=ppt/slides/slide17.xml><?xml version="1.0" encoding="utf-8"?>
 <p:sld xmlns:a="http://schemas.openxmlformats.org/drawingml/2006/main" xmlns:r="http://schemas.openxmlformats.org/officeDocument/2006/relationships" xmlns:p="http://schemas.openxmlformats.org/presentationml/2006/main">
   <p:cSld>
@@ -5540,16 +5391,28 @@
           <a:p>
             <a:pPr lvl="1"/>
             <a:r>
+              <a:rPr lang="en-US" altLang="zh-CN" b="1" dirty="0" smtClean="0"/>
+              <a:t>6. </a:t>
+            </a:r>
+            <a:r>
+              <a:rPr lang="en-US" altLang="zh-CN" b="1" dirty="0" err="1" smtClean="0"/>
+              <a:t>adb</a:t>
+            </a:r>
+            <a:r>
+              <a:rPr lang="en-US" altLang="zh-CN" b="1" dirty="0" smtClean="0"/>
+              <a:t> </a:t>
+            </a:r>
+            <a:r>
+              <a:rPr lang="en-US" altLang="zh-CN" b="1" dirty="0"/>
+              <a:t>client&lt;--&gt;</a:t>
+            </a:r>
+            <a:r>
               <a:rPr lang="en-US" altLang="zh-CN" b="1" dirty="0" err="1"/>
               <a:t>adb</a:t>
             </a:r>
             <a:r>
               <a:rPr lang="en-US" altLang="zh-CN" b="1" dirty="0"/>
-              <a:t> server&lt;--&gt;</a:t>
-            </a:r>
-            <a:r>
-              <a:rPr lang="en-US" altLang="zh-CN" b="1" dirty="0" err="1"/>
-              <a:t>adbd</a:t>
+              <a:t> server</a:t>
             </a:r>
             <a:endParaRPr lang="zh-CN" altLang="zh-CN" b="1" dirty="0"/>
           </a:p>
@@ -5583,89 +5446,54 @@
             </a:r>
             <a:r>
               <a:rPr lang="en-US" altLang="zh-CN" dirty="0"/>
-              <a:t> server</a:t>
-            </a:r>
-            <a:r>
-              <a:rPr lang="zh-CN" altLang="zh-CN" dirty="0"/>
-              <a:t>和设备或者模拟器之间的通信方式，包含如下两种情况：</a:t>
-            </a:r>
-          </a:p>
-          <a:p>
-            <a:pPr lvl="1"/>
-            <a:r>
-              <a:rPr lang="en-US" altLang="zh-CN" b="1" dirty="0" smtClean="0"/>
-              <a:t> </a:t>
-            </a:r>
-            <a:r>
-              <a:rPr lang="en-US" altLang="zh-CN" dirty="0"/>
-              <a:t>USB </a:t>
-            </a:r>
-            <a:r>
-              <a:rPr lang="en-US" altLang="zh-CN" dirty="0" smtClean="0"/>
-              <a:t>transports</a:t>
-            </a:r>
-            <a:r>
-              <a:rPr lang="zh-CN" altLang="en-US" dirty="0"/>
-              <a:t>，</a:t>
+              <a:t> client</a:t>
+            </a:r>
+            <a:r>
+              <a:rPr lang="zh-CN" altLang="zh-CN" dirty="0"/>
+              <a:t>的每个命令都会包含两个部分，前一部分固定</a:t>
+            </a:r>
+            <a:r>
+              <a:rPr lang="en-US" altLang="zh-CN" dirty="0"/>
+              <a:t>4</a:t>
+            </a:r>
+            <a:r>
+              <a:rPr lang="zh-CN" altLang="zh-CN" dirty="0"/>
+              <a:t>个字节，以十六进制方式指定命令部分的长度。后一部分是真正的内容。发送命令的接口为</a:t>
             </a:r>
             <a:r>
               <a:rPr lang="en-US" altLang="zh-CN" dirty="0" err="1" smtClean="0"/>
-              <a:t>通过</a:t>
+              <a:t>writex</a:t>
+            </a:r>
+            <a:r>
+              <a:rPr lang="zh-CN" altLang="en-US" dirty="0" smtClean="0"/>
+              <a:t>。</a:t>
+            </a:r>
+            <a:r>
+              <a:rPr lang="zh-CN" altLang="zh-CN" dirty="0" smtClean="0"/>
+              <a:t>因此</a:t>
+            </a:r>
+            <a:r>
+              <a:rPr lang="zh-CN" altLang="zh-CN" dirty="0"/>
+              <a:t>这两部分至少需要发送两个</a:t>
             </a:r>
             <a:r>
               <a:rPr lang="en-US" altLang="zh-CN" dirty="0" err="1"/>
-              <a:t>USB方式和物理设备通信</a:t>
-            </a:r>
-            <a:r>
-              <a:rPr lang="en-US" altLang="zh-CN" dirty="0"/>
+              <a:t>tcp</a:t>
+            </a:r>
+            <a:r>
+              <a:rPr lang="zh-CN" altLang="zh-CN" dirty="0"/>
+              <a:t>包</a:t>
+            </a:r>
+            <a:r>
+              <a:rPr lang="zh-CN" altLang="zh-CN" dirty="0" smtClean="0"/>
               <a:t>。</a:t>
             </a:r>
             <a:endParaRPr lang="zh-CN" altLang="zh-CN" dirty="0"/>
           </a:p>
           <a:p>
-            <a:pPr lvl="1"/>
-            <a:r>
-              <a:rPr lang="en-US" altLang="zh-CN" b="1" dirty="0" smtClean="0"/>
-              <a:t> </a:t>
-            </a:r>
-            <a:r>
-              <a:rPr lang="en-US" altLang="zh-CN" dirty="0"/>
-              <a:t>Local </a:t>
-            </a:r>
-            <a:r>
-              <a:rPr lang="en-US" altLang="zh-CN" dirty="0" smtClean="0"/>
-              <a:t>transports</a:t>
-            </a:r>
-            <a:r>
-              <a:rPr lang="zh-CN" altLang="en-US" dirty="0" smtClean="0"/>
-              <a:t>，</a:t>
-            </a:r>
-            <a:r>
-              <a:rPr lang="en-US" altLang="zh-CN" dirty="0" err="1" smtClean="0"/>
-              <a:t>通过本机的</a:t>
-            </a:r>
-            <a:r>
-              <a:rPr lang="en-US" altLang="zh-CN" dirty="0" err="1"/>
-              <a:t>TCP连接方式和模拟器通信</a:t>
-            </a:r>
-            <a:r>
-              <a:rPr lang="en-US" altLang="zh-CN" dirty="0"/>
-              <a:t>。</a:t>
-            </a:r>
-            <a:endParaRPr lang="zh-CN" altLang="zh-CN" dirty="0"/>
-          </a:p>
-          <a:p>
-            <a:r>
-              <a:rPr lang="en-US" altLang="zh-CN" dirty="0" err="1"/>
-              <a:t>Adb</a:t>
-            </a:r>
-            <a:r>
-              <a:rPr lang="en-US" altLang="zh-CN" dirty="0"/>
-              <a:t> server通过扫描所有5555到5585范围内的奇数端口来定位所有的模拟器或设备。</a:t>
-            </a:r>
-            <a:r>
-              <a:rPr lang="zh-CN" altLang="zh-CN" dirty="0"/>
-              <a:t>一旦</a:t>
+            <a:r>
+              <a:rPr lang="zh-CN" altLang="zh-CN" dirty="0"/>
+              <a:t>例如想要获取</a:t>
             </a:r>
             <a:r>
               <a:rPr lang="en-US" altLang="zh-CN" dirty="0" err="1"/>
@@ -5677,122 +5505,184 @@
             </a:r>
             <a:r>
               <a:rPr lang="zh-CN" altLang="zh-CN" dirty="0"/>
-              <a:t>找到了</a:t>
+              <a:t>的版本号，</a:t>
+            </a:r>
+            <a:r>
+              <a:rPr lang="en-US" altLang="zh-CN" dirty="0"/>
+              <a:t>client</a:t>
+            </a:r>
+            <a:r>
+              <a:rPr lang="zh-CN" altLang="zh-CN" dirty="0"/>
+              <a:t>首先连接本机的</a:t>
+            </a:r>
+            <a:r>
+              <a:rPr lang="en-US" altLang="zh-CN" dirty="0"/>
+              <a:t>TCP 5037</a:t>
+            </a:r>
+            <a:r>
+              <a:rPr lang="zh-CN" altLang="zh-CN" dirty="0"/>
+              <a:t>端口，然后发送“</a:t>
+            </a:r>
+            <a:r>
+              <a:rPr lang="en-US" altLang="zh-CN" dirty="0"/>
+              <a:t>000C”</a:t>
+            </a:r>
+            <a:r>
+              <a:rPr lang="zh-CN" altLang="zh-CN" dirty="0"/>
+              <a:t>和“</a:t>
             </a:r>
             <a:r>
               <a:rPr lang="en-US" altLang="zh-CN" dirty="0" err="1"/>
-              <a:t>adbd</a:t>
-            </a:r>
-            <a:r>
-              <a:rPr lang="zh-CN" altLang="zh-CN" dirty="0"/>
-              <a:t>守护程序，它将建立一个到该端口的连接。请注意任何模拟器或设备实例会取得两个连续的端口——一个偶数端口用来相应控制台的连接，和一个奇数端口用来响应</a:t>
-            </a:r>
+              <a:t>host:version</a:t>
+            </a:r>
+            <a:r>
+              <a:rPr lang="en-US" altLang="zh-CN" dirty="0"/>
+              <a:t>”</a:t>
+            </a:r>
+            <a:r>
+              <a:rPr lang="zh-CN" altLang="zh-CN" dirty="0" smtClean="0"/>
+              <a:t>。</a:t>
+            </a:r>
+            <a:endParaRPr lang="en-US" altLang="zh-CN" dirty="0" smtClean="0"/>
+          </a:p>
+          <a:p>
+            <a:endParaRPr lang="zh-CN" altLang="zh-CN" dirty="0"/>
+          </a:p>
+          <a:p>
             <a:r>
               <a:rPr lang="en-US" altLang="zh-CN" dirty="0" err="1"/>
               <a:t>adb</a:t>
             </a:r>
             <a:r>
-              <a:rPr lang="zh-CN" altLang="zh-CN" dirty="0"/>
-              <a:t>连接。比如说：</a:t>
-            </a:r>
-          </a:p>
-          <a:p>
-            <a:r>
-              <a:rPr lang="zh-CN" altLang="zh-CN" dirty="0"/>
-              <a:t>模拟器</a:t>
-            </a:r>
+              <a:rPr lang="en-US" altLang="zh-CN" dirty="0"/>
+              <a:t> server</a:t>
+            </a:r>
+            <a:r>
+              <a:rPr lang="zh-CN" altLang="zh-CN" dirty="0"/>
+              <a:t>对</a:t>
+            </a:r>
+            <a:r>
+              <a:rPr lang="en-US" altLang="zh-CN" dirty="0" err="1"/>
+              <a:t>adb</a:t>
+            </a:r>
+            <a:r>
+              <a:rPr lang="en-US" altLang="zh-CN" dirty="0"/>
+              <a:t> client</a:t>
+            </a:r>
+            <a:r>
+              <a:rPr lang="zh-CN" altLang="zh-CN" dirty="0"/>
+              <a:t>回复，分为如下情况：</a:t>
+            </a:r>
+          </a:p>
+          <a:p>
+            <a:pPr lvl="1"/>
             <a:r>
               <a:rPr lang="en-US" altLang="zh-CN" dirty="0"/>
               <a:t>1</a:t>
             </a:r>
             <a:r>
               <a:rPr lang="zh-CN" altLang="zh-CN" dirty="0"/>
-              <a:t>，控制台：端口</a:t>
-            </a:r>
-            <a:r>
-              <a:rPr lang="en-US" altLang="zh-CN" dirty="0"/>
-              <a:t>5554</a:t>
+              <a:t>、 成功，回复四字节串“</a:t>
+            </a:r>
+            <a:r>
+              <a:rPr lang="en-US" altLang="zh-CN" dirty="0"/>
+              <a:t>OKAY”</a:t>
+            </a:r>
+            <a:r>
+              <a:rPr lang="zh-CN" altLang="zh-CN" dirty="0"/>
+              <a:t>，后面跟的内容根据不同的命令而不同。</a:t>
+            </a:r>
+          </a:p>
+          <a:p>
+            <a:pPr lvl="1"/>
+            <a:r>
+              <a:rPr lang="en-US" altLang="zh-CN" dirty="0"/>
+              <a:t>2</a:t>
+            </a:r>
+            <a:r>
+              <a:rPr lang="zh-CN" altLang="zh-CN" dirty="0"/>
+              <a:t>、 失败，回复四字节串“</a:t>
+            </a:r>
+            <a:r>
+              <a:rPr lang="en-US" altLang="zh-CN" dirty="0"/>
+              <a:t>FAIL”</a:t>
+            </a:r>
+            <a:r>
+              <a:rPr lang="zh-CN" altLang="zh-CN" dirty="0"/>
+              <a:t>，然后跟四字节的十六进制长度，以及失败原因。</a:t>
+            </a:r>
+          </a:p>
+          <a:p>
+            <a:pPr lvl="1"/>
+            <a:r>
+              <a:rPr lang="en-US" altLang="zh-CN" dirty="0"/>
+              <a:t>3</a:t>
+            </a:r>
+            <a:r>
+              <a:rPr lang="zh-CN" altLang="zh-CN" dirty="0"/>
+              <a:t>、 对于</a:t>
+            </a:r>
+            <a:r>
+              <a:rPr lang="en-US" altLang="zh-CN" dirty="0" err="1"/>
+              <a:t>host:version</a:t>
+            </a:r>
+            <a:r>
+              <a:rPr lang="zh-CN" altLang="zh-CN" dirty="0"/>
+              <a:t>，回复</a:t>
+            </a:r>
+            <a:r>
+              <a:rPr lang="en-US" altLang="zh-CN" dirty="0"/>
+              <a:t>4</a:t>
+            </a:r>
+            <a:r>
+              <a:rPr lang="zh-CN" altLang="zh-CN" dirty="0"/>
+              <a:t>个字节的十六进制字串，代表</a:t>
+            </a:r>
+            <a:r>
+              <a:rPr lang="en-US" altLang="zh-CN" dirty="0"/>
+              <a:t>server</a:t>
+            </a:r>
+            <a:r>
+              <a:rPr lang="zh-CN" altLang="zh-CN" dirty="0"/>
+              <a:t>的内部版本号。</a:t>
+            </a:r>
+          </a:p>
+          <a:p>
+            <a:r>
+              <a:rPr lang="en-US" altLang="zh-CN" dirty="0"/>
+              <a:t> </a:t>
             </a:r>
             <a:endParaRPr lang="zh-CN" altLang="zh-CN" dirty="0"/>
           </a:p>
           <a:p>
             <a:r>
-              <a:rPr lang="zh-CN" altLang="zh-CN" dirty="0"/>
-              <a:t>模拟器</a:t>
-            </a:r>
-            <a:r>
-              <a:rPr lang="en-US" altLang="zh-CN" dirty="0"/>
-              <a:t>1</a:t>
-            </a:r>
-            <a:r>
-              <a:rPr lang="zh-CN" altLang="zh-CN" dirty="0"/>
-              <a:t>，</a:t>
-            </a:r>
-            <a:r>
               <a:rPr lang="en-US" altLang="zh-CN" dirty="0" err="1"/>
-              <a:t>Adb</a:t>
-            </a:r>
-            <a:r>
-              <a:rPr lang="zh-CN" altLang="zh-CN" dirty="0"/>
-              <a:t>端口</a:t>
-            </a:r>
-            <a:r>
-              <a:rPr lang="en-US" altLang="zh-CN" dirty="0"/>
-              <a:t>5555</a:t>
+              <a:t>adb</a:t>
+            </a:r>
+            <a:r>
+              <a:rPr lang="en-US" altLang="zh-CN" dirty="0"/>
+              <a:t> shell command </a:t>
+            </a:r>
+            <a:r>
+              <a:rPr lang="zh-CN" altLang="zh-CN" dirty="0"/>
+              <a:t>描述见文件：</a:t>
+            </a:r>
+            <a:r>
+              <a:rPr lang="en-US" altLang="zh-CN" dirty="0"/>
+              <a:t>system/core/</a:t>
+            </a:r>
+            <a:r>
+              <a:rPr lang="en-US" altLang="zh-CN" dirty="0" err="1"/>
+              <a:t>adb</a:t>
+            </a:r>
+            <a:r>
+              <a:rPr lang="en-US" altLang="zh-CN" dirty="0"/>
+              <a:t>/SERVICES.TXT</a:t>
             </a:r>
             <a:endParaRPr lang="zh-CN" altLang="zh-CN" dirty="0"/>
           </a:p>
           <a:p>
-            <a:r>
-              <a:rPr lang="zh-CN" altLang="zh-CN" dirty="0"/>
-              <a:t>模拟器</a:t>
-            </a:r>
-            <a:r>
-              <a:rPr lang="en-US" altLang="zh-CN" dirty="0"/>
-              <a:t>2</a:t>
-            </a:r>
-            <a:r>
-              <a:rPr lang="zh-CN" altLang="zh-CN" dirty="0"/>
-              <a:t>，控制台端口</a:t>
-            </a:r>
-            <a:r>
-              <a:rPr lang="en-US" altLang="zh-CN" dirty="0"/>
-              <a:t> 5556</a:t>
-            </a:r>
-            <a:endParaRPr lang="zh-CN" altLang="zh-CN" dirty="0"/>
-          </a:p>
-          <a:p>
-            <a:r>
-              <a:rPr lang="zh-CN" altLang="zh-CN" dirty="0"/>
-              <a:t>模拟器</a:t>
-            </a:r>
-            <a:r>
-              <a:rPr lang="en-US" altLang="zh-CN" dirty="0"/>
-              <a:t>2</a:t>
-            </a:r>
-            <a:r>
-              <a:rPr lang="zh-CN" altLang="zh-CN" dirty="0"/>
-              <a:t>，</a:t>
-            </a:r>
-            <a:r>
-              <a:rPr lang="en-US" altLang="zh-CN" dirty="0" err="1"/>
-              <a:t>Adb</a:t>
-            </a:r>
-            <a:r>
-              <a:rPr lang="zh-CN" altLang="zh-CN" dirty="0"/>
-              <a:t>端口</a:t>
-            </a:r>
-            <a:r>
-              <a:rPr lang="en-US" altLang="zh-CN" dirty="0"/>
-              <a:t>5557</a:t>
-            </a:r>
-            <a:endParaRPr lang="zh-CN" altLang="zh-CN" dirty="0"/>
-          </a:p>
-          <a:p>
-            <a:r>
-              <a:rPr lang="zh-CN" altLang="zh-CN" dirty="0" smtClean="0"/>
-              <a:t>…</a:t>
-            </a:r>
+            <a:pPr lvl="1"/>
             <a:endParaRPr lang="en-US" altLang="zh-CN" b="1" dirty="0" smtClean="0"/>
           </a:p>
           <a:p>
@@ -5824,7 +5714,7 @@
     </p:spTree>
     <p:extLst>
       <p:ext uri="{BB962C8B-B14F-4D97-AF65-F5344CB8AC3E}">
-        <p14:creationId xmlns:p14="http://schemas.microsoft.com/office/powerpoint/2010/main" val="202971110"/>
+        <p14:creationId xmlns:p14="http://schemas.microsoft.com/office/powerpoint/2010/main" val="1623837481"/>
       </p:ext>
     </p:extLst>
   </p:cSld>
@@ -5875,12 +5765,28 @@
           <a:p>
             <a:pPr lvl="1"/>
             <a:r>
+              <a:rPr lang="en-US" altLang="zh-CN" b="1" dirty="0"/>
+              <a:t>6</a:t>
+            </a:r>
+            <a:r>
               <a:rPr lang="en-US" altLang="zh-CN" b="1" dirty="0" smtClean="0"/>
-              <a:t>ADB </a:t>
-            </a:r>
-            <a:r>
-              <a:rPr lang="zh-CN" altLang="en-US" b="1" dirty="0" smtClean="0"/>
-              <a:t>协议</a:t>
+              <a:t>. </a:t>
+            </a:r>
+            <a:r>
+              <a:rPr lang="en-US" altLang="zh-CN" b="1" dirty="0" err="1" smtClean="0"/>
+              <a:t>adb</a:t>
+            </a:r>
+            <a:r>
+              <a:rPr lang="en-US" altLang="zh-CN" b="1" dirty="0" smtClean="0"/>
+              <a:t> </a:t>
+            </a:r>
+            <a:r>
+              <a:rPr lang="en-US" altLang="zh-CN" b="1" dirty="0"/>
+              <a:t>server&lt;--&gt;</a:t>
+            </a:r>
+            <a:r>
+              <a:rPr lang="en-US" altLang="zh-CN" b="1" dirty="0" err="1"/>
+              <a:t>adbd</a:t>
             </a:r>
             <a:endParaRPr lang="zh-CN" altLang="zh-CN" b="1" dirty="0"/>
           </a:p>
@@ -5904,250 +5810,227 @@
         </p:spPr>
         <p:txBody>
           <a:bodyPr>
-            <a:normAutofit fontScale="70000" lnSpcReduction="20000"/>
+            <a:normAutofit/>
           </a:bodyPr>
           <a:lstStyle/>
           <a:p>
             <a:r>
-              <a:rPr lang="en-US" altLang="zh-CN" dirty="0"/>
-              <a:t>transport</a:t>
-            </a:r>
-            <a:r>
-              <a:rPr lang="zh-CN" altLang="zh-CN" dirty="0"/>
-              <a:t>层用于处理消息，每个消息包含</a:t>
-            </a:r>
-            <a:r>
-              <a:rPr lang="en-US" altLang="zh-CN" dirty="0"/>
-              <a:t>24</a:t>
-            </a:r>
-            <a:r>
-              <a:rPr lang="zh-CN" altLang="zh-CN" dirty="0"/>
-              <a:t>个字节的头部，定义如下（代码见：</a:t>
-            </a:r>
-            <a:r>
               <a:rPr lang="en-US" altLang="zh-CN" dirty="0" err="1"/>
-              <a:t>adb.h</a:t>
-            </a:r>
-            <a:r>
-              <a:rPr lang="zh-CN" altLang="zh-CN" dirty="0"/>
-              <a:t>）。</a:t>
-            </a:r>
-          </a:p>
-          <a:p>
+              <a:t>adb</a:t>
+            </a:r>
+            <a:r>
+              <a:rPr lang="en-US" altLang="zh-CN" dirty="0"/>
+              <a:t> server</a:t>
+            </a:r>
+            <a:r>
+              <a:rPr lang="zh-CN" altLang="zh-CN" dirty="0"/>
+              <a:t>和设备或者模拟器之间的通信方式，包含如下两种情况：</a:t>
+            </a:r>
+          </a:p>
+          <a:p>
+            <a:pPr lvl="1"/>
+            <a:r>
+              <a:rPr lang="en-US" altLang="zh-CN" b="1" dirty="0" smtClean="0"/>
+              <a:t> </a:t>
+            </a:r>
+            <a:r>
+              <a:rPr lang="en-US" altLang="zh-CN" dirty="0"/>
+              <a:t>USB </a:t>
+            </a:r>
+            <a:r>
+              <a:rPr lang="en-US" altLang="zh-CN" dirty="0" smtClean="0"/>
+              <a:t>transports</a:t>
+            </a:r>
+            <a:r>
+              <a:rPr lang="zh-CN" altLang="en-US" dirty="0"/>
+              <a:t>，</a:t>
+            </a:r>
+            <a:r>
+              <a:rPr lang="en-US" altLang="zh-CN" dirty="0" err="1" smtClean="0"/>
+              <a:t>通过</a:t>
+            </a:r>
             <a:r>
               <a:rPr lang="en-US" altLang="zh-CN" dirty="0" err="1"/>
-              <a:t>struct</a:t>
-            </a:r>
-            <a:r>
-              <a:rPr lang="en-US" altLang="zh-CN" dirty="0"/>
-              <a:t> message {</a:t>
+              <a:t>USB方式和物理设备通信</a:t>
+            </a:r>
+            <a:r>
+              <a:rPr lang="en-US" altLang="zh-CN" dirty="0"/>
+              <a:t>。</a:t>
             </a:r>
             <a:endParaRPr lang="zh-CN" altLang="zh-CN" dirty="0"/>
           </a:p>
           <a:p>
-            <a:r>
-              <a:rPr lang="en-US" altLang="zh-CN" dirty="0"/>
-              <a:t>   unsigned command;		// command identifier constant</a:t>
+            <a:pPr lvl="1"/>
+            <a:r>
+              <a:rPr lang="en-US" altLang="zh-CN" b="1" dirty="0" smtClean="0"/>
+              <a:t> </a:t>
+            </a:r>
+            <a:r>
+              <a:rPr lang="en-US" altLang="zh-CN" dirty="0"/>
+              <a:t>Local </a:t>
+            </a:r>
+            <a:r>
+              <a:rPr lang="en-US" altLang="zh-CN" dirty="0" smtClean="0"/>
+              <a:t>transports</a:t>
+            </a:r>
+            <a:r>
+              <a:rPr lang="zh-CN" altLang="en-US" dirty="0" smtClean="0"/>
+              <a:t>，</a:t>
+            </a:r>
+            <a:r>
+              <a:rPr lang="en-US" altLang="zh-CN" dirty="0" err="1" smtClean="0"/>
+              <a:t>通过本机的</a:t>
+            </a:r>
+            <a:r>
+              <a:rPr lang="en-US" altLang="zh-CN" dirty="0" err="1"/>
+              <a:t>TCP连接方式和模拟器通信</a:t>
+            </a:r>
+            <a:r>
+              <a:rPr lang="en-US" altLang="zh-CN" dirty="0"/>
+              <a:t>。</a:t>
             </a:r>
             <a:endParaRPr lang="zh-CN" altLang="zh-CN" dirty="0"/>
           </a:p>
           <a:p>
             <a:r>
-              <a:rPr lang="en-US" altLang="zh-CN" dirty="0"/>
-              <a:t>   unsigned arg0;			// remote file descriptor</a:t>
+              <a:rPr lang="en-US" altLang="zh-CN" dirty="0" err="1"/>
+              <a:t>Adb</a:t>
+            </a:r>
+            <a:r>
+              <a:rPr lang="en-US" altLang="zh-CN" dirty="0"/>
+              <a:t> server通过扫描所有5555到5585范围内的奇数端口来定位所有的模拟器或设备。</a:t>
+            </a:r>
+            <a:r>
+              <a:rPr lang="zh-CN" altLang="zh-CN" dirty="0"/>
+              <a:t>一旦</a:t>
+            </a:r>
+            <a:r>
+              <a:rPr lang="en-US" altLang="zh-CN" dirty="0" err="1"/>
+              <a:t>adb</a:t>
+            </a:r>
+            <a:r>
+              <a:rPr lang="en-US" altLang="zh-CN" dirty="0"/>
+              <a:t> server</a:t>
+            </a:r>
+            <a:r>
+              <a:rPr lang="zh-CN" altLang="zh-CN" dirty="0"/>
+              <a:t>找到了</a:t>
+            </a:r>
+            <a:r>
+              <a:rPr lang="en-US" altLang="zh-CN" dirty="0" err="1"/>
+              <a:t>adbd</a:t>
+            </a:r>
+            <a:r>
+              <a:rPr lang="zh-CN" altLang="zh-CN" dirty="0"/>
+              <a:t>守护程序，它将建立一个到该端口的连接。请注意任何模拟器或设备实例会取得两个连续的端口——一个偶数端口用来相应控制台的连接，和一个奇数端口用来响应</a:t>
+            </a:r>
+            <a:r>
+              <a:rPr lang="en-US" altLang="zh-CN" dirty="0" err="1"/>
+              <a:t>adb</a:t>
+            </a:r>
+            <a:r>
+              <a:rPr lang="zh-CN" altLang="zh-CN" dirty="0"/>
+              <a:t>连接。比如说：</a:t>
+            </a:r>
+          </a:p>
+          <a:p>
+            <a:r>
+              <a:rPr lang="zh-CN" altLang="zh-CN" dirty="0"/>
+              <a:t>模拟器</a:t>
+            </a:r>
+            <a:r>
+              <a:rPr lang="en-US" altLang="zh-CN" dirty="0"/>
+              <a:t>1</a:t>
+            </a:r>
+            <a:r>
+              <a:rPr lang="zh-CN" altLang="zh-CN" dirty="0"/>
+              <a:t>，控制台：端口</a:t>
+            </a:r>
+            <a:r>
+              <a:rPr lang="en-US" altLang="zh-CN" dirty="0"/>
+              <a:t>5554</a:t>
             </a:r>
             <a:endParaRPr lang="zh-CN" altLang="zh-CN" dirty="0"/>
           </a:p>
           <a:p>
             <a:r>
-              <a:rPr lang="en-US" altLang="zh-CN" dirty="0"/>
-              <a:t>   unsigned arg1;			// local file descriptor</a:t>
+              <a:rPr lang="zh-CN" altLang="zh-CN" dirty="0"/>
+              <a:t>模拟器</a:t>
+            </a:r>
+            <a:r>
+              <a:rPr lang="en-US" altLang="zh-CN" dirty="0"/>
+              <a:t>1</a:t>
+            </a:r>
+            <a:r>
+              <a:rPr lang="zh-CN" altLang="zh-CN" dirty="0"/>
+              <a:t>，</a:t>
+            </a:r>
+            <a:r>
+              <a:rPr lang="en-US" altLang="zh-CN" dirty="0" err="1"/>
+              <a:t>Adb</a:t>
+            </a:r>
+            <a:r>
+              <a:rPr lang="zh-CN" altLang="zh-CN" dirty="0"/>
+              <a:t>端口</a:t>
+            </a:r>
+            <a:r>
+              <a:rPr lang="en-US" altLang="zh-CN" dirty="0"/>
+              <a:t>5555</a:t>
             </a:r>
             <a:endParaRPr lang="zh-CN" altLang="zh-CN" dirty="0"/>
           </a:p>
           <a:p>
             <a:r>
-              <a:rPr lang="en-US" altLang="zh-CN" dirty="0"/>
-              <a:t>   unsigned </a:t>
+              <a:rPr lang="zh-CN" altLang="zh-CN" dirty="0"/>
+              <a:t>模拟器</a:t>
+            </a:r>
+            <a:r>
+              <a:rPr lang="en-US" altLang="zh-CN" dirty="0"/>
+              <a:t>2</a:t>
+            </a:r>
+            <a:r>
+              <a:rPr lang="zh-CN" altLang="zh-CN" dirty="0"/>
+              <a:t>，控制台端口</a:t>
+            </a:r>
+            <a:r>
+              <a:rPr lang="en-US" altLang="zh-CN" dirty="0"/>
+              <a:t> 5556</a:t>
+            </a:r>
+            <a:endParaRPr lang="zh-CN" altLang="zh-CN" dirty="0"/>
+          </a:p>
+          <a:p>
+            <a:r>
+              <a:rPr lang="zh-CN" altLang="zh-CN" dirty="0"/>
+              <a:t>模拟器</a:t>
+            </a:r>
+            <a:r>
+              <a:rPr lang="en-US" altLang="zh-CN" dirty="0"/>
+              <a:t>2</a:t>
+            </a:r>
+            <a:r>
+              <a:rPr lang="zh-CN" altLang="zh-CN" dirty="0"/>
+              <a:t>，</a:t>
             </a:r>
             <a:r>
               <a:rPr lang="en-US" altLang="zh-CN" dirty="0" err="1"/>
-              <a:t>data_length</a:t>
-            </a:r>
-            <a:r>
-              <a:rPr lang="en-US" altLang="zh-CN" dirty="0"/>
-              <a:t>;	// payload length</a:t>
+              <a:t>Adb</a:t>
+            </a:r>
+            <a:r>
+              <a:rPr lang="zh-CN" altLang="zh-CN" dirty="0"/>
+              <a:t>端口</a:t>
+            </a:r>
+            <a:r>
+              <a:rPr lang="en-US" altLang="zh-CN" dirty="0"/>
+              <a:t>5557</a:t>
             </a:r>
             <a:endParaRPr lang="zh-CN" altLang="zh-CN" dirty="0"/>
           </a:p>
           <a:p>
             <a:r>
-              <a:rPr lang="en-US" altLang="zh-CN" dirty="0"/>
-              <a:t>   unsigned data_crc32;	// checksum of data payload</a:t>
-            </a:r>
-            <a:endParaRPr lang="zh-CN" altLang="zh-CN" dirty="0"/>
-          </a:p>
-          <a:p>
-            <a:r>
-              <a:rPr lang="en-US" altLang="zh-CN" dirty="0"/>
-              <a:t>   unsigned magic;		// command ^ 0xffffffff</a:t>
-            </a:r>
-            <a:endParaRPr lang="zh-CN" altLang="zh-CN" dirty="0"/>
-          </a:p>
-          <a:p>
-            <a:r>
-              <a:rPr lang="en-US" altLang="zh-CN" dirty="0"/>
-              <a:t>};</a:t>
-            </a:r>
-            <a:endParaRPr lang="zh-CN" altLang="zh-CN" dirty="0"/>
-          </a:p>
-          <a:p>
-            <a:r>
-              <a:rPr lang="en-US" altLang="zh-CN" dirty="0"/>
-              <a:t> </a:t>
-            </a:r>
-            <a:endParaRPr lang="zh-CN" altLang="zh-CN" dirty="0"/>
-          </a:p>
-          <a:p>
-            <a:r>
-              <a:rPr lang="en-US" altLang="zh-CN" dirty="0" err="1" smtClean="0"/>
-              <a:t>adb</a:t>
-            </a:r>
-            <a:r>
-              <a:rPr lang="en-US" altLang="zh-CN" dirty="0" smtClean="0"/>
-              <a:t> </a:t>
-            </a:r>
-            <a:r>
-              <a:rPr lang="en-US" altLang="zh-CN" dirty="0"/>
-              <a:t>server 和 </a:t>
-            </a:r>
-            <a:r>
-              <a:rPr lang="en-US" altLang="zh-CN" dirty="0" err="1"/>
-              <a:t>adbd传输和接收的都是apacket结构数据，定义如下</a:t>
-            </a:r>
-            <a:r>
-              <a:rPr lang="en-US" altLang="zh-CN" dirty="0"/>
-              <a:t>：</a:t>
-            </a:r>
-            <a:endParaRPr lang="zh-CN" altLang="zh-CN" dirty="0"/>
-          </a:p>
-          <a:p>
-            <a:r>
-              <a:rPr lang="en-US" altLang="zh-CN" dirty="0" err="1"/>
-              <a:t>struct</a:t>
-            </a:r>
-            <a:r>
-              <a:rPr lang="en-US" altLang="zh-CN" dirty="0"/>
-              <a:t> </a:t>
-            </a:r>
-            <a:r>
-              <a:rPr lang="en-US" altLang="zh-CN" dirty="0" err="1"/>
-              <a:t>apacket</a:t>
-            </a:r>
-            <a:endParaRPr lang="zh-CN" altLang="zh-CN" dirty="0"/>
-          </a:p>
-          <a:p>
-            <a:r>
-              <a:rPr lang="en-US" altLang="zh-CN" dirty="0"/>
-              <a:t>{</a:t>
-            </a:r>
-            <a:endParaRPr lang="zh-CN" altLang="zh-CN" dirty="0"/>
-          </a:p>
-          <a:p>
-            <a:r>
-              <a:rPr lang="en-US" altLang="zh-CN" dirty="0"/>
-              <a:t>    </a:t>
-            </a:r>
-            <a:r>
-              <a:rPr lang="en-US" altLang="zh-CN" dirty="0" err="1"/>
-              <a:t>apacket</a:t>
-            </a:r>
-            <a:r>
-              <a:rPr lang="en-US" altLang="zh-CN" dirty="0"/>
-              <a:t> *next;</a:t>
-            </a:r>
-            <a:endParaRPr lang="zh-CN" altLang="zh-CN" dirty="0"/>
-          </a:p>
-          <a:p>
-            <a:r>
-              <a:rPr lang="en-US" altLang="zh-CN" dirty="0"/>
-              <a:t> </a:t>
-            </a:r>
-            <a:endParaRPr lang="zh-CN" altLang="zh-CN" dirty="0"/>
-          </a:p>
-          <a:p>
-            <a:r>
-              <a:rPr lang="en-US" altLang="zh-CN" dirty="0"/>
-              <a:t>    unsigned </a:t>
-            </a:r>
-            <a:r>
-              <a:rPr lang="en-US" altLang="zh-CN" dirty="0" err="1"/>
-              <a:t>len</a:t>
-            </a:r>
-            <a:r>
-              <a:rPr lang="en-US" altLang="zh-CN" dirty="0"/>
-              <a:t>;</a:t>
-            </a:r>
-            <a:endParaRPr lang="zh-CN" altLang="zh-CN" dirty="0"/>
-          </a:p>
-          <a:p>
-            <a:r>
-              <a:rPr lang="en-US" altLang="zh-CN" dirty="0"/>
-              <a:t>    unsigned char *</a:t>
-            </a:r>
-            <a:r>
-              <a:rPr lang="en-US" altLang="zh-CN" dirty="0" err="1"/>
-              <a:t>ptr</a:t>
-            </a:r>
-            <a:r>
-              <a:rPr lang="en-US" altLang="zh-CN" dirty="0"/>
-              <a:t>;</a:t>
-            </a:r>
-            <a:endParaRPr lang="zh-CN" altLang="zh-CN" dirty="0"/>
-          </a:p>
-          <a:p>
-            <a:r>
-              <a:rPr lang="en-US" altLang="zh-CN" dirty="0"/>
-              <a:t> </a:t>
-            </a:r>
-            <a:endParaRPr lang="zh-CN" altLang="zh-CN" dirty="0"/>
-          </a:p>
-          <a:p>
-            <a:r>
-              <a:rPr lang="en-US" altLang="zh-CN" dirty="0"/>
-              <a:t>    </a:t>
-            </a:r>
-            <a:r>
-              <a:rPr lang="en-US" altLang="zh-CN" dirty="0" err="1"/>
-              <a:t>amessage</a:t>
-            </a:r>
-            <a:r>
-              <a:rPr lang="en-US" altLang="zh-CN" dirty="0"/>
-              <a:t> </a:t>
-            </a:r>
-            <a:r>
-              <a:rPr lang="en-US" altLang="zh-CN" dirty="0" err="1"/>
-              <a:t>msg</a:t>
-            </a:r>
-            <a:r>
-              <a:rPr lang="en-US" altLang="zh-CN" dirty="0"/>
-              <a:t>;</a:t>
-            </a:r>
-            <a:endParaRPr lang="zh-CN" altLang="zh-CN" dirty="0"/>
-          </a:p>
-          <a:p>
-            <a:r>
-              <a:rPr lang="en-US" altLang="zh-CN" dirty="0"/>
-              <a:t>    unsigned char data[MAX_PAYLOAD];</a:t>
-            </a:r>
-            <a:endParaRPr lang="zh-CN" altLang="zh-CN" dirty="0"/>
-          </a:p>
-          <a:p>
-            <a:r>
-              <a:rPr lang="en-US" altLang="zh-CN" dirty="0"/>
-              <a:t>};</a:t>
-            </a:r>
-            <a:endParaRPr lang="zh-CN" altLang="zh-CN" dirty="0"/>
+              <a:rPr lang="zh-CN" altLang="zh-CN" dirty="0" smtClean="0"/>
+              <a:t>…</a:t>
+            </a:r>
+            <a:endParaRPr lang="en-US" altLang="zh-CN" b="1" dirty="0" smtClean="0"/>
           </a:p>
           <a:p>
             <a:pPr lvl="1"/>
@@ -6178,7 +6061,7 @@
     </p:spTree>
     <p:extLst>
       <p:ext uri="{BB962C8B-B14F-4D97-AF65-F5344CB8AC3E}">
-        <p14:creationId xmlns:p14="http://schemas.microsoft.com/office/powerpoint/2010/main" val="315437239"/>
+        <p14:creationId xmlns:p14="http://schemas.microsoft.com/office/powerpoint/2010/main" val="202971110"/>
       </p:ext>
     </p:extLst>
   </p:cSld>
@@ -6198,20 +6081,6 @@
 <file path=ppt/slides/slide19.xml><?xml version="1.0" encoding="utf-8"?>
 <p:sld xmlns:a="http://schemas.openxmlformats.org/drawingml/2006/main" xmlns:r="http://schemas.openxmlformats.org/officeDocument/2006/relationships" xmlns:p="http://schemas.openxmlformats.org/presentationml/2006/main">
   <p:cSld>
-    <p:bg>
-      <p:bgPr>
-        <a:blipFill dpi="0" rotWithShape="1">
-          <a:blip r:embed="rId2" cstate="print">
-            <a:lum/>
-          </a:blip>
-          <a:srcRect/>
-          <a:stretch>
-            <a:fillRect/>
-          </a:stretch>
-        </a:blipFill>
-        <a:effectLst/>
-      </p:bgPr>
-    </p:bg>
     <p:spTree>
       <p:nvGrpSpPr>
         <p:cNvPr id="1" name=""/>
@@ -6228,45 +6097,447 @@
       </p:grpSpPr>
       <p:sp>
         <p:nvSpPr>
-          <p:cNvPr id="4" name="标题 1"/>
+          <p:cNvPr id="2" name="标题 1"/>
           <p:cNvSpPr>
             <a:spLocks noGrp="1"/>
           </p:cNvSpPr>
           <p:nvPr>
             <p:ph type="title"/>
+          </p:nvPr>
+        </p:nvSpPr>
+        <p:spPr/>
+        <p:txBody>
+          <a:bodyPr/>
+          <a:lstStyle/>
+          <a:p>
+            <a:pPr lvl="1"/>
+            <a:r>
+              <a:rPr lang="en-US" altLang="zh-CN" b="1" dirty="0" smtClean="0"/>
+              <a:t>7. ADB </a:t>
+            </a:r>
+            <a:r>
+              <a:rPr lang="zh-CN" altLang="en-US" b="1" dirty="0" smtClean="0"/>
+              <a:t>协议实现</a:t>
+            </a:r>
+            <a:endParaRPr lang="zh-CN" altLang="zh-CN" b="1" dirty="0"/>
+          </a:p>
+        </p:txBody>
+      </p:sp>
+      <p:sp>
+        <p:nvSpPr>
+          <p:cNvPr id="3" name="内容占位符 2"/>
+          <p:cNvSpPr>
+            <a:spLocks noGrp="1"/>
+          </p:cNvSpPr>
+          <p:nvPr>
+            <p:ph idx="1"/>
           </p:nvPr>
         </p:nvSpPr>
         <p:spPr>
           <a:xfrm>
-            <a:off x="3428992" y="3214693"/>
-            <a:ext cx="2357454" cy="1214445"/>
+            <a:off x="467544" y="771550"/>
+            <a:ext cx="8229600" cy="3607049"/>
           </a:xfrm>
         </p:spPr>
         <p:txBody>
-          <a:bodyPr/>
+          <a:bodyPr>
+            <a:normAutofit/>
+          </a:bodyPr>
           <a:lstStyle/>
           <a:p>
-            <a:pPr algn="ctr"/>
-            <a:r>
-              <a:rPr lang="en-US" altLang="zh-CN" sz="2800" dirty="0" smtClean="0">
-                <a:latin typeface="Arial" pitchFamily="34" charset="0"/>
-                <a:cs typeface="Arial" pitchFamily="34" charset="0"/>
-              </a:rPr>
-              <a:t>THANK YOU!</a:t>
-            </a:r>
-            <a:endParaRPr lang="zh-CN" altLang="en-US" sz="2800" dirty="0">
-              <a:solidFill>
-                <a:schemeClr val="bg1">
-                  <a:lumMod val="85000"/>
-                </a:schemeClr>
-              </a:solidFill>
-              <a:latin typeface="Arial" pitchFamily="34" charset="0"/>
-              <a:cs typeface="Arial" pitchFamily="34" charset="0"/>
-            </a:endParaRPr>
-          </a:p>
-        </p:txBody>
-      </p:sp>
+            <a:r>
+              <a:rPr lang="en-US" altLang="zh-CN" dirty="0"/>
+              <a:t>transport</a:t>
+            </a:r>
+            <a:r>
+              <a:rPr lang="zh-CN" altLang="zh-CN" dirty="0"/>
+              <a:t>层用于处理消息，每个消息包含</a:t>
+            </a:r>
+            <a:r>
+              <a:rPr lang="en-US" altLang="zh-CN" dirty="0"/>
+              <a:t>24</a:t>
+            </a:r>
+            <a:r>
+              <a:rPr lang="zh-CN" altLang="zh-CN" dirty="0"/>
+              <a:t>个字节的头部，定义</a:t>
+            </a:r>
+            <a:r>
+              <a:rPr lang="zh-CN" altLang="zh-CN" dirty="0" smtClean="0"/>
+              <a:t>如下</a:t>
+            </a:r>
+            <a:endParaRPr lang="en-US" altLang="zh-CN" dirty="0" smtClean="0"/>
+          </a:p>
+          <a:p>
+            <a:endParaRPr lang="en-US" altLang="zh-CN" dirty="0" smtClean="0"/>
+          </a:p>
+          <a:p>
+            <a:endParaRPr lang="en-US" altLang="zh-CN" dirty="0"/>
+          </a:p>
+          <a:p>
+            <a:endParaRPr lang="en-US" altLang="zh-CN" dirty="0" smtClean="0"/>
+          </a:p>
+          <a:p>
+            <a:endParaRPr lang="en-US" altLang="zh-CN" dirty="0"/>
+          </a:p>
+          <a:p>
+            <a:endParaRPr lang="en-US" altLang="zh-CN" dirty="0" smtClean="0"/>
+          </a:p>
+          <a:p>
+            <a:endParaRPr lang="en-US" altLang="zh-CN" dirty="0"/>
+          </a:p>
+          <a:p>
+            <a:pPr marL="0" indent="0">
+              <a:buNone/>
+            </a:pPr>
+            <a:endParaRPr lang="zh-CN" altLang="zh-CN" dirty="0"/>
+          </a:p>
+          <a:p>
+            <a:endParaRPr lang="en-US" altLang="zh-CN" dirty="0" smtClean="0"/>
+          </a:p>
+          <a:p>
+            <a:endParaRPr lang="en-US" altLang="zh-CN" dirty="0"/>
+          </a:p>
+          <a:p>
+            <a:r>
+              <a:rPr lang="en-US" altLang="zh-CN" dirty="0" err="1" smtClean="0"/>
+              <a:t>adb</a:t>
+            </a:r>
+            <a:r>
+              <a:rPr lang="en-US" altLang="zh-CN" dirty="0" smtClean="0"/>
+              <a:t> </a:t>
+            </a:r>
+            <a:r>
+              <a:rPr lang="en-US" altLang="zh-CN" dirty="0"/>
+              <a:t>server 和 </a:t>
+            </a:r>
+            <a:r>
+              <a:rPr lang="en-US" altLang="zh-CN" dirty="0" err="1"/>
+              <a:t>adbd传输和接收的都是apacket结构数据，</a:t>
+            </a:r>
+            <a:r>
+              <a:rPr lang="en-US" altLang="zh-CN" dirty="0" err="1" smtClean="0"/>
+              <a:t>定义如</a:t>
+            </a:r>
+            <a:r>
+              <a:rPr lang="zh-CN" altLang="en-US" dirty="0"/>
+              <a:t>上</a:t>
+            </a:r>
+            <a:r>
+              <a:rPr lang="en-US" altLang="zh-CN" dirty="0" smtClean="0"/>
+              <a:t>：</a:t>
+            </a:r>
+            <a:endParaRPr lang="zh-CN" altLang="zh-CN" dirty="0"/>
+          </a:p>
+          <a:p>
+            <a:pPr lvl="1"/>
+            <a:endParaRPr lang="en-US" altLang="zh-CN" dirty="0" smtClean="0"/>
+          </a:p>
+          <a:p>
+            <a:endParaRPr lang="en-US" altLang="zh-CN" dirty="0"/>
+          </a:p>
+          <a:p>
+            <a:pPr marL="0" indent="0">
+              <a:buNone/>
+            </a:pPr>
+            <a:endParaRPr lang="zh-CN" altLang="zh-CN" dirty="0"/>
+          </a:p>
+          <a:p>
+            <a:endParaRPr lang="en-US" altLang="zh-CN" sz="900" dirty="0" smtClean="0"/>
+          </a:p>
+          <a:p>
+            <a:pPr lvl="1"/>
+            <a:endParaRPr lang="en-US" altLang="zh-CN" sz="900" dirty="0" smtClean="0"/>
+          </a:p>
+          <a:p>
+            <a:pPr lvl="1"/>
+            <a:endParaRPr lang="en-US" altLang="zh-CN" sz="900" dirty="0" smtClean="0"/>
+          </a:p>
+        </p:txBody>
+      </p:sp>
+      <p:sp>
+        <p:nvSpPr>
+          <p:cNvPr id="4" name="Rectangle 4"/>
+          <p:cNvSpPr>
+            <a:spLocks noChangeArrowheads="1"/>
+          </p:cNvSpPr>
+          <p:nvPr/>
+        </p:nvSpPr>
+        <p:spPr bwMode="auto">
+          <a:xfrm>
+            <a:off x="0" y="0"/>
+            <a:ext cx="9144000" cy="0"/>
+          </a:xfrm>
+          <a:prstGeom prst="rect">
+            <a:avLst/>
+          </a:prstGeom>
+          <a:noFill/>
+          <a:ln>
+            <a:noFill/>
+          </a:ln>
+          <a:effectLst/>
+          <a:extLst>
+            <a:ext uri="{909E8E84-426E-40DD-AFC4-6F175D3DCCD1}">
+              <a14:hiddenFill xmlns:a14="http://schemas.microsoft.com/office/drawing/2010/main">
+                <a:solidFill>
+                  <a:schemeClr val="accent1"/>
+                </a:solidFill>
+              </a14:hiddenFill>
+            </a:ext>
+            <a:ext uri="{91240B29-F687-4F45-9708-019B960494DF}">
+              <a14:hiddenLine xmlns:a14="http://schemas.microsoft.com/office/drawing/2010/main" w="9525">
+                <a:solidFill>
+                  <a:schemeClr val="tx1"/>
+                </a:solidFill>
+                <a:miter lim="800000"/>
+                <a:headEnd/>
+                <a:tailEnd/>
+              </a14:hiddenLine>
+            </a:ext>
+            <a:ext uri="{AF507438-7753-43E0-B8FC-AC1667EBCBE1}">
+              <a14:hiddenEffects xmlns:a14="http://schemas.microsoft.com/office/drawing/2010/main">
+                <a:effectLst>
+                  <a:outerShdw dist="35921" dir="2700000" algn="ctr" rotWithShape="0">
+                    <a:schemeClr val="bg2"/>
+                  </a:outerShdw>
+                </a:effectLst>
+              </a14:hiddenEffects>
+            </a:ext>
+          </a:extLst>
+        </p:spPr>
+        <p:txBody>
+          <a:bodyPr vert="horz" wrap="none" lIns="91440" tIns="45720" rIns="91440" bIns="45720" numCol="1" anchor="ctr" anchorCtr="0" compatLnSpc="1">
+            <a:prstTxWarp prst="textNoShape">
+              <a:avLst/>
+            </a:prstTxWarp>
+            <a:spAutoFit/>
+          </a:bodyPr>
+          <a:lstStyle/>
+          <a:p>
+            <a:endParaRPr lang="zh-CN" altLang="en-US"/>
+          </a:p>
+        </p:txBody>
+      </p:sp>
+      <p:graphicFrame>
+        <p:nvGraphicFramePr>
+          <p:cNvPr id="5" name="对象 4"/>
+          <p:cNvGraphicFramePr>
+            <a:graphicFrameLocks noChangeAspect="1"/>
+          </p:cNvGraphicFramePr>
+          <p:nvPr>
+            <p:extLst>
+              <p:ext uri="{D42A27DB-BD31-4B8C-83A1-F6EECF244321}">
+                <p14:modId xmlns:p14="http://schemas.microsoft.com/office/powerpoint/2010/main" val="492832187"/>
+              </p:ext>
+            </p:extLst>
+          </p:nvPr>
+        </p:nvGraphicFramePr>
+        <p:xfrm>
+          <a:off x="467544" y="915566"/>
+          <a:ext cx="4200525" cy="2619375"/>
+        </p:xfrm>
+        <a:graphic>
+          <a:graphicData uri="http://schemas.openxmlformats.org/presentationml/2006/ole">
+            <mc:AlternateContent xmlns:mc="http://schemas.openxmlformats.org/markup-compatibility/2006">
+              <mc:Choice xmlns:v="urn:schemas-microsoft-com:vml" Requires="v">
+                <p:oleObj spid="_x0000_s5192" name="Visio" r:id="rId3" imgW="2044430" imgH="1276170" progId="Visio.Drawing.11">
+                  <p:embed/>
+                </p:oleObj>
+              </mc:Choice>
+              <mc:Fallback>
+                <p:oleObj name="Visio" r:id="rId3" imgW="2044430" imgH="1276170" progId="Visio.Drawing.11">
+                  <p:embed/>
+                  <p:pic>
+                    <p:nvPicPr>
+                      <p:cNvPr id="0" name="Object 3"/>
+                      <p:cNvPicPr>
+                        <a:picLocks noChangeAspect="1" noChangeArrowheads="1"/>
+                      </p:cNvPicPr>
+                      <p:nvPr/>
+                    </p:nvPicPr>
+                    <p:blipFill>
+                      <a:blip r:embed="rId4">
+                        <a:extLst>
+                          <a:ext uri="{28A0092B-C50C-407E-A947-70E740481C1C}">
+                            <a14:useLocalDpi xmlns:a14="http://schemas.microsoft.com/office/drawing/2010/main" val="0"/>
+                          </a:ext>
+                        </a:extLst>
+                      </a:blip>
+                      <a:srcRect/>
+                      <a:stretch>
+                        <a:fillRect/>
+                      </a:stretch>
+                    </p:blipFill>
+                    <p:spPr bwMode="auto">
+                      <a:xfrm>
+                        <a:off x="467544" y="915566"/>
+                        <a:ext cx="4200525" cy="2619375"/>
+                      </a:xfrm>
+                      <a:prstGeom prst="rect">
+                        <a:avLst/>
+                      </a:prstGeom>
+                      <a:noFill/>
+                      <a:extLst>
+                        <a:ext uri="{909E8E84-426E-40DD-AFC4-6F175D3DCCD1}">
+                          <a14:hiddenFill xmlns:a14="http://schemas.microsoft.com/office/drawing/2010/main">
+                            <a:solidFill>
+                              <a:srgbClr val="FFFFFF"/>
+                            </a:solidFill>
+                          </a14:hiddenFill>
+                        </a:ext>
+                      </a:extLst>
+                    </p:spPr>
+                  </p:pic>
+                </p:oleObj>
+              </mc:Fallback>
+            </mc:AlternateContent>
+          </a:graphicData>
+        </a:graphic>
+      </p:graphicFrame>
+      <p:sp>
+        <p:nvSpPr>
+          <p:cNvPr id="6" name="Rectangle 7"/>
+          <p:cNvSpPr>
+            <a:spLocks noChangeArrowheads="1"/>
+          </p:cNvSpPr>
+          <p:nvPr/>
+        </p:nvSpPr>
+        <p:spPr bwMode="auto">
+          <a:xfrm>
+            <a:off x="0" y="0"/>
+            <a:ext cx="9144000" cy="0"/>
+          </a:xfrm>
+          <a:prstGeom prst="rect">
+            <a:avLst/>
+          </a:prstGeom>
+          <a:noFill/>
+          <a:ln>
+            <a:noFill/>
+          </a:ln>
+          <a:effectLst/>
+          <a:extLst>
+            <a:ext uri="{909E8E84-426E-40DD-AFC4-6F175D3DCCD1}">
+              <a14:hiddenFill xmlns:a14="http://schemas.microsoft.com/office/drawing/2010/main">
+                <a:solidFill>
+                  <a:schemeClr val="accent1"/>
+                </a:solidFill>
+              </a14:hiddenFill>
+            </a:ext>
+            <a:ext uri="{91240B29-F687-4F45-9708-019B960494DF}">
+              <a14:hiddenLine xmlns:a14="http://schemas.microsoft.com/office/drawing/2010/main" w="9525">
+                <a:solidFill>
+                  <a:schemeClr val="tx1"/>
+                </a:solidFill>
+                <a:miter lim="800000"/>
+                <a:headEnd/>
+                <a:tailEnd/>
+              </a14:hiddenLine>
+            </a:ext>
+            <a:ext uri="{AF507438-7753-43E0-B8FC-AC1667EBCBE1}">
+              <a14:hiddenEffects xmlns:a14="http://schemas.microsoft.com/office/drawing/2010/main">
+                <a:effectLst>
+                  <a:outerShdw dist="35921" dir="2700000" algn="ctr" rotWithShape="0">
+                    <a:schemeClr val="bg2"/>
+                  </a:outerShdw>
+                </a:effectLst>
+              </a14:hiddenEffects>
+            </a:ext>
+          </a:extLst>
+        </p:spPr>
+        <p:txBody>
+          <a:bodyPr vert="horz" wrap="none" lIns="91440" tIns="45720" rIns="91440" bIns="45720" numCol="1" anchor="ctr" anchorCtr="0" compatLnSpc="1">
+            <a:prstTxWarp prst="textNoShape">
+              <a:avLst/>
+            </a:prstTxWarp>
+            <a:spAutoFit/>
+          </a:bodyPr>
+          <a:lstStyle/>
+          <a:p>
+            <a:endParaRPr lang="zh-CN" altLang="en-US"/>
+          </a:p>
+        </p:txBody>
+      </p:sp>
+      <p:graphicFrame>
+        <p:nvGraphicFramePr>
+          <p:cNvPr id="7" name="对象 6"/>
+          <p:cNvGraphicFramePr>
+            <a:graphicFrameLocks noChangeAspect="1"/>
+          </p:cNvGraphicFramePr>
+          <p:nvPr>
+            <p:extLst>
+              <p:ext uri="{D42A27DB-BD31-4B8C-83A1-F6EECF244321}">
+                <p14:modId xmlns:p14="http://schemas.microsoft.com/office/powerpoint/2010/main" val="1270294157"/>
+              </p:ext>
+            </p:extLst>
+          </p:nvPr>
+        </p:nvGraphicFramePr>
+        <p:xfrm>
+          <a:off x="4860032" y="1059582"/>
+          <a:ext cx="4010025" cy="2352675"/>
+        </p:xfrm>
+        <a:graphic>
+          <a:graphicData uri="http://schemas.openxmlformats.org/presentationml/2006/ole">
+            <mc:AlternateContent xmlns:mc="http://schemas.openxmlformats.org/markup-compatibility/2006">
+              <mc:Choice xmlns:v="urn:schemas-microsoft-com:vml" Requires="v">
+                <p:oleObj spid="_x0000_s5193" name="Visio" r:id="rId5" imgW="1942830" imgH="1138956" progId="Visio.Drawing.11">
+                  <p:embed/>
+                </p:oleObj>
+              </mc:Choice>
+              <mc:Fallback>
+                <p:oleObj name="Visio" r:id="rId5" imgW="1942830" imgH="1138956" progId="Visio.Drawing.11">
+                  <p:embed/>
+                  <p:pic>
+                    <p:nvPicPr>
+                      <p:cNvPr id="0" name="Object 6"/>
+                      <p:cNvPicPr>
+                        <a:picLocks noChangeAspect="1" noChangeArrowheads="1"/>
+                      </p:cNvPicPr>
+                      <p:nvPr/>
+                    </p:nvPicPr>
+                    <p:blipFill>
+                      <a:blip r:embed="rId6">
+                        <a:extLst>
+                          <a:ext uri="{28A0092B-C50C-407E-A947-70E740481C1C}">
+                            <a14:useLocalDpi xmlns:a14="http://schemas.microsoft.com/office/drawing/2010/main" val="0"/>
+                          </a:ext>
+                        </a:extLst>
+                      </a:blip>
+                      <a:srcRect/>
+                      <a:stretch>
+                        <a:fillRect/>
+                      </a:stretch>
+                    </p:blipFill>
+                    <p:spPr bwMode="auto">
+                      <a:xfrm>
+                        <a:off x="4860032" y="1059582"/>
+                        <a:ext cx="4010025" cy="2352675"/>
+                      </a:xfrm>
+                      <a:prstGeom prst="rect">
+                        <a:avLst/>
+                      </a:prstGeom>
+                      <a:noFill/>
+                      <a:extLst>
+                        <a:ext uri="{909E8E84-426E-40DD-AFC4-6F175D3DCCD1}">
+                          <a14:hiddenFill xmlns:a14="http://schemas.microsoft.com/office/drawing/2010/main">
+                            <a:solidFill>
+                              <a:srgbClr val="FFFFFF"/>
+                            </a:solidFill>
+                          </a14:hiddenFill>
+                        </a:ext>
+                      </a:extLst>
+                    </p:spPr>
+                  </p:pic>
+                </p:oleObj>
+              </mc:Fallback>
+            </mc:AlternateContent>
+          </a:graphicData>
+        </a:graphic>
+      </p:graphicFrame>
     </p:spTree>
+    <p:extLst>
+      <p:ext uri="{BB962C8B-B14F-4D97-AF65-F5344CB8AC3E}">
+        <p14:creationId xmlns:p14="http://schemas.microsoft.com/office/powerpoint/2010/main" val="315437239"/>
+      </p:ext>
+    </p:extLst>
   </p:cSld>
   <p:clrMapOvr>
     <a:masterClrMapping/>
@@ -6325,7 +6596,7 @@
             </a:pPr>
             <a:r>
               <a:rPr lang="en-US" altLang="zh-CN" dirty="0" smtClean="0"/>
-              <a:t>ADB</a:t>
+              <a:t>1. ADB</a:t>
             </a:r>
             <a:r>
               <a:rPr lang="zh-CN" altLang="en-US" dirty="0" smtClean="0"/>
@@ -6341,7 +6612,7 @@
             </a:pPr>
             <a:r>
               <a:rPr lang="en-US" altLang="zh-CN" dirty="0" smtClean="0"/>
-              <a:t>ADB</a:t>
+              <a:t>2. ADB</a:t>
             </a:r>
             <a:r>
               <a:rPr lang="zh-CN" altLang="en-US" dirty="0" smtClean="0"/>
@@ -6357,7 +6628,7 @@
             </a:pPr>
             <a:r>
               <a:rPr lang="en-US" altLang="zh-CN" dirty="0" smtClean="0"/>
-              <a:t>ADBD</a:t>
+              <a:t>3. ADBD</a:t>
             </a:r>
           </a:p>
           <a:p>
@@ -6368,7 +6639,7 @@
             </a:pPr>
             <a:r>
               <a:rPr lang="en-US" altLang="zh-CN" dirty="0" smtClean="0"/>
-              <a:t>ADB Server</a:t>
+              <a:t>4. ADB Server</a:t>
             </a:r>
           </a:p>
           <a:p>
@@ -6379,7 +6650,7 @@
             </a:pPr>
             <a:r>
               <a:rPr lang="en-US" altLang="zh-CN" dirty="0" smtClean="0"/>
-              <a:t>ADB client</a:t>
+              <a:t>5. ADB client</a:t>
             </a:r>
           </a:p>
           <a:p>
@@ -6390,7 +6661,7 @@
             </a:pPr>
             <a:r>
               <a:rPr lang="en-US" altLang="zh-CN" dirty="0" smtClean="0"/>
-              <a:t>ADB </a:t>
+              <a:t>6. ADB </a:t>
             </a:r>
             <a:r>
               <a:rPr lang="zh-CN" altLang="en-US" dirty="0" smtClean="0"/>
@@ -6406,7 +6677,7 @@
             </a:pPr>
             <a:r>
               <a:rPr lang="en-US" altLang="zh-CN" dirty="0" smtClean="0"/>
-              <a:t>ADB </a:t>
+              <a:t>7. ADB </a:t>
             </a:r>
             <a:r>
               <a:rPr lang="zh-CN" altLang="en-US" dirty="0" smtClean="0"/>
@@ -6432,9 +6703,523 @@
           <a:lstStyle/>
           <a:p>
             <a:r>
-              <a:rPr lang="zh-CN" altLang="en-US" dirty="0"/>
+              <a:rPr lang="en-US" altLang="zh-CN" dirty="0" smtClean="0"/>
+              <a:t>0. </a:t>
+            </a:r>
+            <a:r>
+              <a:rPr lang="zh-CN" altLang="en-US" dirty="0" smtClean="0"/>
               <a:t>目录</a:t>
             </a:r>
+            <a:endParaRPr lang="zh-CN" altLang="en-US" dirty="0"/>
+          </a:p>
+        </p:txBody>
+      </p:sp>
+    </p:spTree>
+  </p:cSld>
+  <p:clrMapOvr>
+    <a:masterClrMapping/>
+  </p:clrMapOvr>
+  <p:timing>
+    <p:tnLst>
+      <p:par>
+        <p:cTn id="1" dur="indefinite" restart="never" nodeType="tmRoot"/>
+      </p:par>
+    </p:tnLst>
+  </p:timing>
+</p:sld>
+</file>
+
+<file path=ppt/slides/slide20.xml><?xml version="1.0" encoding="utf-8"?>
+<p:sld xmlns:a="http://schemas.openxmlformats.org/drawingml/2006/main" xmlns:r="http://schemas.openxmlformats.org/officeDocument/2006/relationships" xmlns:p="http://schemas.openxmlformats.org/presentationml/2006/main">
+  <p:cSld>
+    <p:spTree>
+      <p:nvGrpSpPr>
+        <p:cNvPr id="1" name=""/>
+        <p:cNvGrpSpPr/>
+        <p:nvPr/>
+      </p:nvGrpSpPr>
+      <p:grpSpPr>
+        <a:xfrm>
+          <a:off x="0" y="0"/>
+          <a:ext cx="0" cy="0"/>
+          <a:chOff x="0" y="0"/>
+          <a:chExt cx="0" cy="0"/>
+        </a:xfrm>
+      </p:grpSpPr>
+      <p:sp>
+        <p:nvSpPr>
+          <p:cNvPr id="2" name="标题 1"/>
+          <p:cNvSpPr>
+            <a:spLocks noGrp="1"/>
+          </p:cNvSpPr>
+          <p:nvPr>
+            <p:ph type="title"/>
+          </p:nvPr>
+        </p:nvSpPr>
+        <p:spPr/>
+        <p:txBody>
+          <a:bodyPr/>
+          <a:lstStyle/>
+          <a:p>
+            <a:pPr lvl="1"/>
+            <a:r>
+              <a:rPr lang="en-US" altLang="zh-CN" b="1" dirty="0"/>
+              <a:t>8</a:t>
+            </a:r>
+            <a:r>
+              <a:rPr lang="en-US" altLang="zh-CN" b="1" dirty="0" smtClean="0"/>
+              <a:t>. </a:t>
+            </a:r>
+            <a:r>
+              <a:rPr lang="zh-CN" altLang="en-US" b="1" dirty="0" smtClean="0"/>
+              <a:t>补充</a:t>
+            </a:r>
+            <a:endParaRPr lang="zh-CN" altLang="zh-CN" b="1" dirty="0"/>
+          </a:p>
+        </p:txBody>
+      </p:sp>
+      <p:sp>
+        <p:nvSpPr>
+          <p:cNvPr id="3" name="内容占位符 2"/>
+          <p:cNvSpPr>
+            <a:spLocks noGrp="1"/>
+          </p:cNvSpPr>
+          <p:nvPr>
+            <p:ph idx="1"/>
+          </p:nvPr>
+        </p:nvSpPr>
+        <p:spPr>
+          <a:xfrm>
+            <a:off x="467544" y="771550"/>
+            <a:ext cx="8229600" cy="3607049"/>
+          </a:xfrm>
+        </p:spPr>
+        <p:txBody>
+          <a:bodyPr>
+            <a:normAutofit/>
+          </a:bodyPr>
+          <a:lstStyle/>
+          <a:p>
+            <a:r>
+              <a:rPr lang="zh-CN" altLang="en-US" dirty="0" smtClean="0"/>
+              <a:t>一次命令交互的</a:t>
+            </a:r>
+            <a:r>
+              <a:rPr lang="en-US" altLang="zh-CN" dirty="0" smtClean="0"/>
+              <a:t>ADB</a:t>
+            </a:r>
+            <a:r>
+              <a:rPr lang="zh-CN" altLang="en-US" dirty="0" smtClean="0"/>
+              <a:t>和</a:t>
+            </a:r>
+            <a:r>
+              <a:rPr lang="en-US" altLang="zh-CN" dirty="0" smtClean="0"/>
+              <a:t>ADBD</a:t>
+            </a:r>
+            <a:r>
+              <a:rPr lang="zh-CN" altLang="en-US" dirty="0" smtClean="0"/>
+              <a:t>的时序图</a:t>
+            </a:r>
+            <a:endParaRPr lang="en-US" altLang="zh-CN" dirty="0" smtClean="0"/>
+          </a:p>
+          <a:p>
+            <a:endParaRPr lang="en-US" altLang="zh-CN" dirty="0" smtClean="0"/>
+          </a:p>
+          <a:p>
+            <a:r>
+              <a:rPr lang="zh-CN" altLang="en-US" dirty="0" smtClean="0"/>
+              <a:t>命令协议具体交互格式</a:t>
+            </a:r>
+            <a:endParaRPr lang="zh-CN" altLang="zh-CN" dirty="0"/>
+          </a:p>
+          <a:p>
+            <a:pPr lvl="1"/>
+            <a:endParaRPr lang="en-US" altLang="zh-CN" dirty="0" smtClean="0"/>
+          </a:p>
+          <a:p>
+            <a:pPr marL="0" indent="0">
+              <a:buNone/>
+            </a:pPr>
+            <a:r>
+              <a:rPr lang="en-US" altLang="zh-CN" dirty="0" err="1" smtClean="0"/>
+              <a:t>Adb</a:t>
+            </a:r>
+            <a:r>
+              <a:rPr lang="en-US" altLang="zh-CN" dirty="0" smtClean="0"/>
+              <a:t> pull</a:t>
+            </a:r>
+          </a:p>
+          <a:p>
+            <a:pPr marL="0" indent="0">
+              <a:buNone/>
+            </a:pPr>
+            <a:endParaRPr lang="en-US" altLang="zh-CN" dirty="0" smtClean="0"/>
+          </a:p>
+          <a:p>
+            <a:pPr marL="0" indent="0">
+              <a:buNone/>
+            </a:pPr>
+            <a:r>
+              <a:rPr lang="en-US" altLang="zh-CN" dirty="0" err="1" smtClean="0"/>
+              <a:t>Adb</a:t>
+            </a:r>
+            <a:r>
+              <a:rPr lang="en-US" altLang="zh-CN" dirty="0" err="1" smtClean="0"/>
+              <a:t>d</a:t>
+            </a:r>
+            <a:r>
+              <a:rPr lang="en-US" altLang="zh-CN" dirty="0" smtClean="0"/>
+              <a:t> pull</a:t>
+            </a:r>
+            <a:endParaRPr lang="en-US" altLang="zh-CN" dirty="0"/>
+          </a:p>
+          <a:p>
+            <a:pPr marL="0" indent="0">
+              <a:buNone/>
+            </a:pPr>
+            <a:endParaRPr lang="zh-CN" altLang="zh-CN" dirty="0"/>
+          </a:p>
+          <a:p>
+            <a:endParaRPr lang="en-US" altLang="zh-CN" sz="900" dirty="0" smtClean="0"/>
+          </a:p>
+          <a:p>
+            <a:pPr lvl="1"/>
+            <a:endParaRPr lang="en-US" altLang="zh-CN" sz="900" dirty="0" smtClean="0"/>
+          </a:p>
+          <a:p>
+            <a:pPr lvl="1"/>
+            <a:endParaRPr lang="en-US" altLang="zh-CN" sz="900" dirty="0" smtClean="0"/>
+          </a:p>
+        </p:txBody>
+      </p:sp>
+      <p:sp>
+        <p:nvSpPr>
+          <p:cNvPr id="4" name="Rectangle 4"/>
+          <p:cNvSpPr>
+            <a:spLocks noChangeArrowheads="1"/>
+          </p:cNvSpPr>
+          <p:nvPr/>
+        </p:nvSpPr>
+        <p:spPr bwMode="auto">
+          <a:xfrm>
+            <a:off x="0" y="0"/>
+            <a:ext cx="9144000" cy="0"/>
+          </a:xfrm>
+          <a:prstGeom prst="rect">
+            <a:avLst/>
+          </a:prstGeom>
+          <a:noFill/>
+          <a:ln>
+            <a:noFill/>
+          </a:ln>
+          <a:effectLst/>
+          <a:extLst>
+            <a:ext uri="{909E8E84-426E-40DD-AFC4-6F175D3DCCD1}">
+              <a14:hiddenFill xmlns:a14="http://schemas.microsoft.com/office/drawing/2010/main">
+                <a:solidFill>
+                  <a:schemeClr val="accent1"/>
+                </a:solidFill>
+              </a14:hiddenFill>
+            </a:ext>
+            <a:ext uri="{91240B29-F687-4F45-9708-019B960494DF}">
+              <a14:hiddenLine xmlns:a14="http://schemas.microsoft.com/office/drawing/2010/main" w="9525">
+                <a:solidFill>
+                  <a:schemeClr val="tx1"/>
+                </a:solidFill>
+                <a:miter lim="800000"/>
+                <a:headEnd/>
+                <a:tailEnd/>
+              </a14:hiddenLine>
+            </a:ext>
+            <a:ext uri="{AF507438-7753-43E0-B8FC-AC1667EBCBE1}">
+              <a14:hiddenEffects xmlns:a14="http://schemas.microsoft.com/office/drawing/2010/main">
+                <a:effectLst>
+                  <a:outerShdw dist="35921" dir="2700000" algn="ctr" rotWithShape="0">
+                    <a:schemeClr val="bg2"/>
+                  </a:outerShdw>
+                </a:effectLst>
+              </a14:hiddenEffects>
+            </a:ext>
+          </a:extLst>
+        </p:spPr>
+        <p:txBody>
+          <a:bodyPr vert="horz" wrap="none" lIns="91440" tIns="45720" rIns="91440" bIns="45720" numCol="1" anchor="ctr" anchorCtr="0" compatLnSpc="1">
+            <a:prstTxWarp prst="textNoShape">
+              <a:avLst/>
+            </a:prstTxWarp>
+            <a:spAutoFit/>
+          </a:bodyPr>
+          <a:lstStyle/>
+          <a:p>
+            <a:endParaRPr lang="zh-CN" altLang="en-US"/>
+          </a:p>
+        </p:txBody>
+      </p:sp>
+      <p:sp>
+        <p:nvSpPr>
+          <p:cNvPr id="6" name="Rectangle 7"/>
+          <p:cNvSpPr>
+            <a:spLocks noChangeArrowheads="1"/>
+          </p:cNvSpPr>
+          <p:nvPr/>
+        </p:nvSpPr>
+        <p:spPr bwMode="auto">
+          <a:xfrm>
+            <a:off x="0" y="0"/>
+            <a:ext cx="9144000" cy="0"/>
+          </a:xfrm>
+          <a:prstGeom prst="rect">
+            <a:avLst/>
+          </a:prstGeom>
+          <a:noFill/>
+          <a:ln>
+            <a:noFill/>
+          </a:ln>
+          <a:effectLst/>
+          <a:extLst>
+            <a:ext uri="{909E8E84-426E-40DD-AFC4-6F175D3DCCD1}">
+              <a14:hiddenFill xmlns:a14="http://schemas.microsoft.com/office/drawing/2010/main">
+                <a:solidFill>
+                  <a:schemeClr val="accent1"/>
+                </a:solidFill>
+              </a14:hiddenFill>
+            </a:ext>
+            <a:ext uri="{91240B29-F687-4F45-9708-019B960494DF}">
+              <a14:hiddenLine xmlns:a14="http://schemas.microsoft.com/office/drawing/2010/main" w="9525">
+                <a:solidFill>
+                  <a:schemeClr val="tx1"/>
+                </a:solidFill>
+                <a:miter lim="800000"/>
+                <a:headEnd/>
+                <a:tailEnd/>
+              </a14:hiddenLine>
+            </a:ext>
+            <a:ext uri="{AF507438-7753-43E0-B8FC-AC1667EBCBE1}">
+              <a14:hiddenEffects xmlns:a14="http://schemas.microsoft.com/office/drawing/2010/main">
+                <a:effectLst>
+                  <a:outerShdw dist="35921" dir="2700000" algn="ctr" rotWithShape="0">
+                    <a:schemeClr val="bg2"/>
+                  </a:outerShdw>
+                </a:effectLst>
+              </a14:hiddenEffects>
+            </a:ext>
+          </a:extLst>
+        </p:spPr>
+        <p:txBody>
+          <a:bodyPr vert="horz" wrap="none" lIns="91440" tIns="45720" rIns="91440" bIns="45720" numCol="1" anchor="ctr" anchorCtr="0" compatLnSpc="1">
+            <a:prstTxWarp prst="textNoShape">
+              <a:avLst/>
+            </a:prstTxWarp>
+            <a:spAutoFit/>
+          </a:bodyPr>
+          <a:lstStyle/>
+          <a:p>
+            <a:endParaRPr lang="zh-CN" altLang="en-US"/>
+          </a:p>
+        </p:txBody>
+      </p:sp>
+      <p:graphicFrame>
+        <p:nvGraphicFramePr>
+          <p:cNvPr id="10" name="对象 9"/>
+          <p:cNvGraphicFramePr>
+            <a:graphicFrameLocks noChangeAspect="1"/>
+          </p:cNvGraphicFramePr>
+          <p:nvPr>
+            <p:extLst>
+              <p:ext uri="{D42A27DB-BD31-4B8C-83A1-F6EECF244321}">
+                <p14:modId xmlns:p14="http://schemas.microsoft.com/office/powerpoint/2010/main" val="1065344181"/>
+              </p:ext>
+            </p:extLst>
+          </p:nvPr>
+        </p:nvGraphicFramePr>
+        <p:xfrm>
+          <a:off x="1619672" y="1563638"/>
+          <a:ext cx="1281113" cy="712787"/>
+        </p:xfrm>
+        <a:graphic>
+          <a:graphicData uri="http://schemas.openxmlformats.org/presentationml/2006/ole">
+            <mc:AlternateContent xmlns:mc="http://schemas.openxmlformats.org/markup-compatibility/2006">
+              <mc:Choice xmlns:v="urn:schemas-microsoft-com:vml" Requires="v">
+                <p:oleObj spid="_x0000_s6180" name="包装程序外壳对象" showAsIcon="1" r:id="rId3" imgW="1281600" imgH="712440" progId="Package">
+                  <p:embed/>
+                </p:oleObj>
+              </mc:Choice>
+              <mc:Fallback>
+                <p:oleObj name="包装程序外壳对象" showAsIcon="1" r:id="rId3" imgW="1281600" imgH="712440" progId="Package">
+                  <p:embed/>
+                  <p:pic>
+                    <p:nvPicPr>
+                      <p:cNvPr id="0" name=""/>
+                      <p:cNvPicPr/>
+                      <p:nvPr/>
+                    </p:nvPicPr>
+                    <p:blipFill>
+                      <a:blip r:embed="rId4"/>
+                      <a:stretch>
+                        <a:fillRect/>
+                      </a:stretch>
+                    </p:blipFill>
+                    <p:spPr>
+                      <a:xfrm>
+                        <a:off x="1619672" y="1563638"/>
+                        <a:ext cx="1281113" cy="712787"/>
+                      </a:xfrm>
+                      <a:prstGeom prst="rect">
+                        <a:avLst/>
+                      </a:prstGeom>
+                    </p:spPr>
+                  </p:pic>
+                </p:oleObj>
+              </mc:Fallback>
+            </mc:AlternateContent>
+          </a:graphicData>
+        </a:graphic>
+      </p:graphicFrame>
+      <p:graphicFrame>
+        <p:nvGraphicFramePr>
+          <p:cNvPr id="11" name="对象 10"/>
+          <p:cNvGraphicFramePr>
+            <a:graphicFrameLocks noChangeAspect="1"/>
+          </p:cNvGraphicFramePr>
+          <p:nvPr>
+            <p:extLst>
+              <p:ext uri="{D42A27DB-BD31-4B8C-83A1-F6EECF244321}">
+                <p14:modId xmlns:p14="http://schemas.microsoft.com/office/powerpoint/2010/main" val="3670485865"/>
+              </p:ext>
+            </p:extLst>
+          </p:nvPr>
+        </p:nvGraphicFramePr>
+        <p:xfrm>
+          <a:off x="1619672" y="2139702"/>
+          <a:ext cx="1408113" cy="712787"/>
+        </p:xfrm>
+        <a:graphic>
+          <a:graphicData uri="http://schemas.openxmlformats.org/presentationml/2006/ole">
+            <mc:AlternateContent xmlns:mc="http://schemas.openxmlformats.org/markup-compatibility/2006">
+              <mc:Choice xmlns:v="urn:schemas-microsoft-com:vml" Requires="v">
+                <p:oleObj spid="_x0000_s6181" name="包装程序外壳对象" showAsIcon="1" r:id="rId5" imgW="1408680" imgH="712440" progId="Package">
+                  <p:embed/>
+                </p:oleObj>
+              </mc:Choice>
+              <mc:Fallback>
+                <p:oleObj name="包装程序外壳对象" showAsIcon="1" r:id="rId5" imgW="1408680" imgH="712440" progId="Package">
+                  <p:embed/>
+                  <p:pic>
+                    <p:nvPicPr>
+                      <p:cNvPr id="0" name=""/>
+                      <p:cNvPicPr/>
+                      <p:nvPr/>
+                    </p:nvPicPr>
+                    <p:blipFill>
+                      <a:blip r:embed="rId6"/>
+                      <a:stretch>
+                        <a:fillRect/>
+                      </a:stretch>
+                    </p:blipFill>
+                    <p:spPr>
+                      <a:xfrm>
+                        <a:off x="1619672" y="2139702"/>
+                        <a:ext cx="1408113" cy="712787"/>
+                      </a:xfrm>
+                      <a:prstGeom prst="rect">
+                        <a:avLst/>
+                      </a:prstGeom>
+                    </p:spPr>
+                  </p:pic>
+                </p:oleObj>
+              </mc:Fallback>
+            </mc:AlternateContent>
+          </a:graphicData>
+        </a:graphic>
+      </p:graphicFrame>
+    </p:spTree>
+    <p:extLst>
+      <p:ext uri="{BB962C8B-B14F-4D97-AF65-F5344CB8AC3E}">
+        <p14:creationId xmlns:p14="http://schemas.microsoft.com/office/powerpoint/2010/main" val="807795609"/>
+      </p:ext>
+    </p:extLst>
+  </p:cSld>
+  <p:clrMapOvr>
+    <a:masterClrMapping/>
+  </p:clrMapOvr>
+  <p:timing>
+    <p:tnLst>
+      <p:par>
+        <p:cTn id="1" dur="indefinite" restart="never" nodeType="tmRoot"/>
+      </p:par>
+    </p:tnLst>
+  </p:timing>
+</p:sld>
+</file>
+
+<file path=ppt/slides/slide21.xml><?xml version="1.0" encoding="utf-8"?>
+<p:sld xmlns:a="http://schemas.openxmlformats.org/drawingml/2006/main" xmlns:r="http://schemas.openxmlformats.org/officeDocument/2006/relationships" xmlns:p="http://schemas.openxmlformats.org/presentationml/2006/main">
+  <p:cSld>
+    <p:bg>
+      <p:bgPr>
+        <a:blipFill dpi="0" rotWithShape="1">
+          <a:blip r:embed="rId2" cstate="print">
+            <a:lum/>
+          </a:blip>
+          <a:srcRect/>
+          <a:stretch>
+            <a:fillRect/>
+          </a:stretch>
+        </a:blipFill>
+        <a:effectLst/>
+      </p:bgPr>
+    </p:bg>
+    <p:spTree>
+      <p:nvGrpSpPr>
+        <p:cNvPr id="1" name=""/>
+        <p:cNvGrpSpPr/>
+        <p:nvPr/>
+      </p:nvGrpSpPr>
+      <p:grpSpPr>
+        <a:xfrm>
+          <a:off x="0" y="0"/>
+          <a:ext cx="0" cy="0"/>
+          <a:chOff x="0" y="0"/>
+          <a:chExt cx="0" cy="0"/>
+        </a:xfrm>
+      </p:grpSpPr>
+      <p:sp>
+        <p:nvSpPr>
+          <p:cNvPr id="4" name="标题 1"/>
+          <p:cNvSpPr>
+            <a:spLocks noGrp="1"/>
+          </p:cNvSpPr>
+          <p:nvPr>
+            <p:ph type="title"/>
+          </p:nvPr>
+        </p:nvSpPr>
+        <p:spPr>
+          <a:xfrm>
+            <a:off x="3428992" y="3214693"/>
+            <a:ext cx="2357454" cy="1214445"/>
+          </a:xfrm>
+        </p:spPr>
+        <p:txBody>
+          <a:bodyPr/>
+          <a:lstStyle/>
+          <a:p>
+            <a:pPr algn="ctr"/>
+            <a:r>
+              <a:rPr lang="en-US" altLang="zh-CN" sz="2800" dirty="0" smtClean="0">
+                <a:latin typeface="Arial" pitchFamily="34" charset="0"/>
+                <a:cs typeface="Arial" pitchFamily="34" charset="0"/>
+              </a:rPr>
+              <a:t>THANK YOU!</a:t>
+            </a:r>
+            <a:endParaRPr lang="zh-CN" altLang="en-US" sz="2800" dirty="0">
+              <a:solidFill>
+                <a:schemeClr val="bg1">
+                  <a:lumMod val="85000"/>
+                </a:schemeClr>
+              </a:solidFill>
+              <a:latin typeface="Arial" pitchFamily="34" charset="0"/>
+              <a:cs typeface="Arial" pitchFamily="34" charset="0"/>
+            </a:endParaRPr>
           </a:p>
         </p:txBody>
       </p:sp>
@@ -6487,7 +7272,7 @@
           <a:p>
             <a:r>
               <a:rPr lang="en-US" altLang="zh-CN" dirty="0" smtClean="0"/>
-              <a:t>ADB</a:t>
+              <a:t>1. ADB</a:t>
             </a:r>
             <a:r>
               <a:rPr lang="zh-CN" altLang="en-US" dirty="0" smtClean="0"/>
@@ -6809,7 +7594,7 @@
           <a:p>
             <a:r>
               <a:rPr lang="en-US" altLang="zh-CN" dirty="0" smtClean="0"/>
-              <a:t>ADB</a:t>
+              <a:t>1. ADB</a:t>
             </a:r>
             <a:r>
               <a:rPr lang="zh-CN" altLang="en-US" dirty="0" smtClean="0"/>
@@ -7061,8 +7846,8 @@
           <a:lstStyle/>
           <a:p>
             <a:r>
-              <a:rPr lang="en-US" altLang="zh-CN" dirty="0"/>
-              <a:t>ADB</a:t>
+              <a:rPr lang="en-US" altLang="zh-CN" dirty="0" smtClean="0"/>
+              <a:t>2. ADB</a:t>
             </a:r>
             <a:r>
               <a:rPr lang="zh-CN" altLang="en-US" dirty="0"/>
@@ -7337,8 +8122,8 @@
           <a:lstStyle/>
           <a:p>
             <a:r>
-              <a:rPr lang="en-US" altLang="zh-CN" dirty="0"/>
-              <a:t>ADB</a:t>
+              <a:rPr lang="en-US" altLang="zh-CN" dirty="0" smtClean="0"/>
+              <a:t>2. ADB</a:t>
             </a:r>
             <a:r>
               <a:rPr lang="zh-CN" altLang="en-US" dirty="0"/>
@@ -7465,7 +8250,7 @@
           <a:p>
             <a:r>
               <a:rPr lang="en-US" altLang="zh-CN" dirty="0" smtClean="0"/>
-              <a:t>Android 6.0 ADB</a:t>
+              <a:t>2. Android 6.0 ADB</a:t>
             </a:r>
             <a:r>
               <a:rPr lang="zh-CN" altLang="en-US" dirty="0" smtClean="0"/>
@@ -7548,6 +8333,11 @@
         </p:spPr>
       </p:pic>
     </p:spTree>
+    <p:extLst>
+      <p:ext uri="{BB962C8B-B14F-4D97-AF65-F5344CB8AC3E}">
+        <p14:creationId xmlns:p14="http://schemas.microsoft.com/office/powerpoint/2010/main" val="2556824662"/>
+      </p:ext>
+    </p:extLst>
   </p:cSld>
   <p:clrMapOvr>
     <a:masterClrMapping/>
@@ -7595,16 +8385,16 @@
           <a:lstStyle/>
           <a:p>
             <a:r>
+              <a:rPr lang="en-US" altLang="zh-CN" dirty="0"/>
+              <a:t>2</a:t>
+            </a:r>
+            <a:r>
               <a:rPr lang="en-US" altLang="zh-CN" dirty="0" smtClean="0"/>
-              <a:t>ADBD(ADB </a:t>
-            </a:r>
-            <a:r>
-              <a:rPr lang="en-US" altLang="zh-CN" dirty="0" err="1" smtClean="0"/>
-              <a:t>Deamon</a:t>
-            </a:r>
-            <a:r>
-              <a:rPr lang="en-US" altLang="zh-CN" dirty="0" smtClean="0"/>
-              <a:t>)</a:t>
+              <a:t>. </a:t>
+            </a:r>
+            <a:r>
+              <a:rPr lang="zh-CN" altLang="en-US" dirty="0" smtClean="0"/>
+              <a:t>软件实现方面主要的模块</a:t>
             </a:r>
             <a:endParaRPr lang="zh-CN" altLang="en-US" dirty="0"/>
           </a:p>
@@ -7628,148 +8418,209 @@
         </p:spPr>
         <p:txBody>
           <a:bodyPr>
-            <a:normAutofit/>
+            <a:normAutofit fontScale="92500" lnSpcReduction="20000"/>
           </a:bodyPr>
           <a:lstStyle/>
           <a:p>
             <a:pPr>
               <a:lnSpc>
-                <a:spcPct val="200000"/>
+                <a:spcPct val="150000"/>
               </a:lnSpc>
             </a:pPr>
             <a:r>
-              <a:rPr lang="zh-CN" altLang="zh-CN" dirty="0"/>
-              <a:t>运行于</a:t>
-            </a:r>
-            <a:r>
-              <a:rPr lang="en-US" altLang="zh-CN" dirty="0"/>
-              <a:t>device/emulator</a:t>
-            </a:r>
-            <a:r>
-              <a:rPr lang="zh-CN" altLang="zh-CN" dirty="0"/>
-              <a:t>的守护进程（</a:t>
-            </a:r>
-            <a:r>
-              <a:rPr lang="en-US" altLang="zh-CN" dirty="0"/>
-              <a:t>Local service</a:t>
-            </a:r>
-            <a:r>
-              <a:rPr lang="zh-CN" altLang="zh-CN" dirty="0"/>
-              <a:t>）。其作用如下：</a:t>
-            </a:r>
+              <a:rPr lang="en-US" altLang="zh-CN" dirty="0" err="1" smtClean="0"/>
+              <a:t>fdevent</a:t>
+            </a:r>
+            <a:endParaRPr lang="en-US" altLang="zh-CN" dirty="0"/>
           </a:p>
           <a:p>
             <a:pPr lvl="1">
               <a:lnSpc>
-                <a:spcPct val="200000"/>
+                <a:spcPct val="150000"/>
               </a:lnSpc>
             </a:pPr>
             <a:r>
-              <a:rPr lang="zh-CN" altLang="zh-CN" dirty="0" smtClean="0"/>
-              <a:t>用来</a:t>
-            </a:r>
-            <a:r>
-              <a:rPr lang="zh-CN" altLang="zh-CN" dirty="0"/>
-              <a:t>连接</a:t>
-            </a:r>
-            <a:r>
-              <a:rPr lang="en-US" altLang="zh-CN" dirty="0"/>
-              <a:t>device/emulator</a:t>
-            </a:r>
-            <a:r>
-              <a:rPr lang="zh-CN" altLang="zh-CN" dirty="0"/>
-              <a:t>和</a:t>
-            </a:r>
-            <a:r>
-              <a:rPr lang="en-US" altLang="zh-CN" dirty="0" err="1"/>
-              <a:t>adb</a:t>
-            </a:r>
-            <a:r>
-              <a:rPr lang="en-US" altLang="zh-CN" dirty="0"/>
-              <a:t> server</a:t>
-            </a:r>
-            <a:r>
-              <a:rPr lang="zh-CN" altLang="zh-CN" dirty="0"/>
-              <a:t>，</a:t>
-            </a:r>
-            <a:r>
-              <a:rPr lang="en-US" altLang="zh-CN" dirty="0"/>
-              <a:t>device</a:t>
-            </a:r>
-            <a:r>
-              <a:rPr lang="zh-CN" altLang="zh-CN" dirty="0"/>
+              <a:rPr lang="zh-CN" altLang="en-US" dirty="0" smtClean="0"/>
               <a:t>通过</a:t>
             </a:r>
             <a:r>
-              <a:rPr lang="en-US" altLang="zh-CN" dirty="0"/>
-              <a:t>USB</a:t>
-            </a:r>
-            <a:r>
-              <a:rPr lang="zh-CN" altLang="zh-CN" dirty="0"/>
-              <a:t>连接，</a:t>
-            </a:r>
-            <a:r>
-              <a:rPr lang="en-US" altLang="zh-CN" dirty="0"/>
-              <a:t>emulator</a:t>
-            </a:r>
-            <a:r>
-              <a:rPr lang="zh-CN" altLang="zh-CN" dirty="0"/>
-              <a:t>通过</a:t>
-            </a:r>
-            <a:r>
-              <a:rPr lang="en-US" altLang="zh-CN" dirty="0"/>
-              <a:t>TCP</a:t>
-            </a:r>
-            <a:r>
-              <a:rPr lang="zh-CN" altLang="zh-CN" dirty="0"/>
-              <a:t>连接。</a:t>
-            </a:r>
+              <a:rPr lang="en-US" altLang="zh-CN" dirty="0" smtClean="0"/>
+              <a:t>select</a:t>
+            </a:r>
+            <a:r>
+              <a:rPr lang="zh-CN" altLang="en-US" dirty="0" smtClean="0"/>
+              <a:t>非阻塞方式，循环查询文件上的读写操作，提交给处理函数。</a:t>
+            </a:r>
+            <a:endParaRPr lang="en-US" altLang="zh-CN" dirty="0" smtClean="0"/>
+          </a:p>
+          <a:p>
+            <a:pPr>
+              <a:lnSpc>
+                <a:spcPct val="150000"/>
+              </a:lnSpc>
+            </a:pPr>
+            <a:r>
+              <a:rPr lang="en-US" altLang="zh-CN" dirty="0" smtClean="0"/>
+              <a:t>transport</a:t>
+            </a:r>
+            <a:endParaRPr lang="en-US" altLang="zh-CN" dirty="0" smtClean="0"/>
           </a:p>
           <a:p>
             <a:pPr lvl="1">
               <a:lnSpc>
-                <a:spcPct val="200000"/>
+                <a:spcPct val="150000"/>
               </a:lnSpc>
             </a:pPr>
             <a:r>
-              <a:rPr lang="zh-CN" altLang="zh-CN" dirty="0" smtClean="0"/>
-              <a:t>为</a:t>
-            </a:r>
-            <a:r>
-              <a:rPr lang="en-US" altLang="zh-CN" dirty="0"/>
-              <a:t>device/emulator</a:t>
-            </a:r>
-            <a:r>
-              <a:rPr lang="zh-CN" altLang="zh-CN" dirty="0"/>
-              <a:t>提供服务</a:t>
-            </a:r>
-            <a:r>
-              <a:rPr lang="en-US" altLang="zh-CN" dirty="0"/>
-              <a:t>--&gt; </a:t>
+              <a:rPr lang="en-US" altLang="zh-CN" dirty="0"/>
+              <a:t>s</a:t>
+            </a:r>
+            <a:r>
+              <a:rPr lang="en-US" altLang="zh-CN" dirty="0" smtClean="0"/>
+              <a:t>ocket</a:t>
+            </a:r>
+            <a:r>
+              <a:rPr lang="zh-CN" altLang="en-US" dirty="0" smtClean="0"/>
+              <a:t>和</a:t>
+            </a:r>
+            <a:r>
+              <a:rPr lang="en-US" altLang="zh-CN" dirty="0" err="1" smtClean="0"/>
+              <a:t>usb</a:t>
+            </a:r>
+            <a:r>
+              <a:rPr lang="zh-CN" altLang="en-US" dirty="0" smtClean="0"/>
+              <a:t>文件描述符的中转。</a:t>
+            </a:r>
+            <a:endParaRPr lang="en-US" altLang="zh-CN" dirty="0"/>
+          </a:p>
+          <a:p>
+            <a:pPr>
+              <a:lnSpc>
+                <a:spcPct val="150000"/>
+              </a:lnSpc>
+            </a:pPr>
+            <a:r>
+              <a:rPr lang="en-US" altLang="zh-CN" dirty="0" err="1" smtClean="0"/>
+              <a:t>usb_ffs_open</a:t>
             </a:r>
             <a:r>
               <a:rPr lang="en-US" altLang="zh-CN" dirty="0" err="1"/>
-              <a:t>adb</a:t>
-            </a:r>
-            <a:r>
-              <a:rPr lang="en-US" altLang="zh-CN" dirty="0"/>
-              <a:t> </a:t>
+              <a:t>_</a:t>
+            </a:r>
+            <a:r>
+              <a:rPr lang="en-US" altLang="zh-CN" dirty="0" err="1" smtClean="0"/>
+              <a:t>thread</a:t>
+            </a:r>
+            <a:endParaRPr lang="en-US" altLang="zh-CN" dirty="0"/>
+          </a:p>
+          <a:p>
+            <a:pPr lvl="1">
+              <a:lnSpc>
+                <a:spcPct val="150000"/>
+              </a:lnSpc>
+            </a:pPr>
+            <a:r>
+              <a:rPr lang="zh-CN" altLang="en-US" dirty="0" smtClean="0"/>
+              <a:t>读取</a:t>
             </a:r>
             <a:r>
               <a:rPr lang="en-US" altLang="zh-CN" dirty="0" smtClean="0"/>
-              <a:t>service.</a:t>
+              <a:t>USB</a:t>
             </a:r>
             <a:r>
               <a:rPr lang="zh-CN" altLang="en-US" dirty="0" smtClean="0"/>
-              <a:t>响应</a:t>
+              <a:t>的事件发送给</a:t>
             </a:r>
             <a:r>
               <a:rPr lang="en-US" altLang="zh-CN" dirty="0" smtClean="0"/>
-              <a:t>Host</a:t>
+              <a:t>transport</a:t>
             </a:r>
             <a:r>
               <a:rPr lang="zh-CN" altLang="en-US" dirty="0" smtClean="0"/>
-              <a:t>的</a:t>
+              <a:t>模块</a:t>
+            </a:r>
+            <a:endParaRPr lang="en-US" altLang="zh-CN" dirty="0" smtClean="0"/>
+          </a:p>
+          <a:p>
+            <a:pPr>
+              <a:lnSpc>
+                <a:spcPct val="150000"/>
+              </a:lnSpc>
+            </a:pPr>
+            <a:r>
+              <a:rPr lang="en-US" altLang="zh-CN" dirty="0" smtClean="0"/>
+              <a:t>input </a:t>
+            </a:r>
+            <a:r>
+              <a:rPr lang="en-US" altLang="zh-CN" dirty="0" smtClean="0"/>
+              <a:t>thread &amp; output thread</a:t>
+            </a:r>
+            <a:endParaRPr lang="en-US" altLang="zh-CN" dirty="0"/>
+          </a:p>
+          <a:p>
+            <a:pPr lvl="1">
+              <a:lnSpc>
+                <a:spcPct val="150000"/>
+              </a:lnSpc>
+            </a:pPr>
+            <a:r>
+              <a:rPr lang="zh-CN" altLang="en-US" dirty="0" smtClean="0"/>
+              <a:t>通过</a:t>
+            </a:r>
+            <a:r>
+              <a:rPr lang="en-US" altLang="zh-CN" dirty="0" err="1" smtClean="0"/>
+              <a:t>read_packet</a:t>
+            </a:r>
+            <a:r>
+              <a:rPr lang="zh-CN" altLang="en-US" dirty="0" smtClean="0"/>
+              <a:t>和</a:t>
+            </a:r>
+            <a:r>
+              <a:rPr lang="en-US" altLang="zh-CN" dirty="0" err="1" smtClean="0"/>
+              <a:t>write_packet</a:t>
+            </a:r>
+            <a:r>
+              <a:rPr lang="zh-CN" altLang="en-US" dirty="0" smtClean="0"/>
+              <a:t>将文件上的数据，加入以</a:t>
+            </a:r>
+            <a:r>
+              <a:rPr lang="en-US" altLang="zh-CN" dirty="0" smtClean="0"/>
+              <a:t>select</a:t>
+            </a:r>
+            <a:r>
+              <a:rPr lang="zh-CN" altLang="en-US" dirty="0" smtClean="0"/>
+              <a:t>集合中。</a:t>
+            </a:r>
+            <a:endParaRPr lang="en-US" altLang="zh-CN" dirty="0"/>
+          </a:p>
+          <a:p>
+            <a:pPr>
+              <a:lnSpc>
+                <a:spcPct val="150000"/>
+              </a:lnSpc>
+            </a:pPr>
+            <a:r>
+              <a:rPr lang="en-US" altLang="zh-CN" dirty="0" err="1"/>
+              <a:t>a</a:t>
+            </a:r>
+            <a:r>
+              <a:rPr lang="en-US" altLang="zh-CN" dirty="0" err="1" smtClean="0"/>
+              <a:t>db</a:t>
+            </a:r>
+            <a:r>
+              <a:rPr lang="en-US" altLang="zh-CN" dirty="0" smtClean="0"/>
+              <a:t> command</a:t>
+            </a:r>
+          </a:p>
+          <a:p>
+            <a:pPr lvl="1">
+              <a:lnSpc>
+                <a:spcPct val="150000"/>
+              </a:lnSpc>
+            </a:pPr>
+            <a:r>
+              <a:rPr lang="zh-CN" altLang="en-US" dirty="0" smtClean="0"/>
+              <a:t>对</a:t>
             </a:r>
             <a:r>
               <a:rPr lang="en-US" altLang="zh-CN" dirty="0" smtClean="0"/>
@@ -7777,95 +8628,39 @@
             </a:r>
             <a:r>
               <a:rPr lang="zh-CN" altLang="en-US" dirty="0" smtClean="0"/>
-              <a:t>命令</a:t>
-            </a:r>
-            <a:endParaRPr lang="zh-CN" altLang="zh-CN" dirty="0"/>
-          </a:p>
-          <a:p>
-            <a:pPr>
+              <a:t>命令进行解析</a:t>
+            </a:r>
+            <a:endParaRPr lang="en-US" altLang="zh-CN" dirty="0" smtClean="0"/>
+          </a:p>
+          <a:p>
+            <a:pPr lvl="1"/>
+            <a:endParaRPr lang="en-US" altLang="zh-CN" dirty="0"/>
+          </a:p>
+          <a:p>
+            <a:pPr marL="457200" lvl="1" indent="0">
               <a:lnSpc>
-                <a:spcPct val="200000"/>
+                <a:spcPct val="150000"/>
+              </a:lnSpc>
+              <a:buNone/>
+            </a:pPr>
+            <a:endParaRPr lang="en-US" altLang="zh-CN" dirty="0"/>
+          </a:p>
+          <a:p>
+            <a:pPr lvl="1">
+              <a:lnSpc>
+                <a:spcPct val="150000"/>
               </a:lnSpc>
             </a:pPr>
-            <a:r>
-              <a:rPr lang="zh-CN" altLang="zh-CN" dirty="0"/>
-              <a:t>在</a:t>
-            </a:r>
-            <a:r>
-              <a:rPr lang="en-US" altLang="zh-CN" dirty="0"/>
-              <a:t>emulator/device</a:t>
-            </a:r>
-            <a:r>
-              <a:rPr lang="zh-CN" altLang="zh-CN" dirty="0"/>
-              <a:t>端，</a:t>
-            </a:r>
-            <a:r>
-              <a:rPr lang="en-US" altLang="zh-CN" dirty="0" err="1"/>
-              <a:t>adbd</a:t>
-            </a:r>
-            <a:r>
-              <a:rPr lang="zh-CN" altLang="zh-CN" dirty="0"/>
-              <a:t>也创建</a:t>
-            </a:r>
-            <a:r>
-              <a:rPr lang="en-US" altLang="zh-CN" dirty="0"/>
-              <a:t>local socket</a:t>
-            </a:r>
-            <a:r>
-              <a:rPr lang="zh-CN" altLang="zh-CN" dirty="0"/>
-              <a:t>和</a:t>
-            </a:r>
-            <a:r>
-              <a:rPr lang="en-US" altLang="zh-CN" dirty="0"/>
-              <a:t>remote socket</a:t>
-            </a:r>
-            <a:r>
-              <a:rPr lang="zh-CN" altLang="zh-CN" dirty="0"/>
-              <a:t>，前者与通过</a:t>
-            </a:r>
-            <a:r>
-              <a:rPr lang="en-US" altLang="zh-CN" dirty="0" err="1"/>
-              <a:t>jdwp</a:t>
-            </a:r>
-            <a:r>
-              <a:rPr lang="zh-CN" altLang="zh-CN" dirty="0"/>
-              <a:t>与</a:t>
-            </a:r>
-            <a:r>
-              <a:rPr lang="en-US" altLang="zh-CN" dirty="0" err="1"/>
-              <a:t>dalvik</a:t>
-            </a:r>
-            <a:r>
-              <a:rPr lang="en-US" altLang="zh-CN" dirty="0"/>
-              <a:t> VM</a:t>
-            </a:r>
-            <a:r>
-              <a:rPr lang="zh-CN" altLang="zh-CN" dirty="0"/>
-              <a:t>进层通信，后者通过</a:t>
-            </a:r>
-            <a:r>
-              <a:rPr lang="en-US" altLang="zh-CN" dirty="0"/>
-              <a:t>TCP/USB</a:t>
-            </a:r>
-            <a:r>
-              <a:rPr lang="zh-CN" altLang="zh-CN" dirty="0"/>
-              <a:t>与</a:t>
-            </a:r>
-            <a:r>
-              <a:rPr lang="en-US" altLang="zh-CN" dirty="0" err="1"/>
-              <a:t>adb</a:t>
-            </a:r>
-            <a:r>
-              <a:rPr lang="en-US" altLang="zh-CN" dirty="0"/>
-              <a:t> server</a:t>
-            </a:r>
-            <a:r>
-              <a:rPr lang="zh-CN" altLang="zh-CN" dirty="0"/>
-              <a:t>通信。</a:t>
-            </a:r>
-          </a:p>
-          <a:p>
             <a:endParaRPr lang="en-US" altLang="zh-CN" dirty="0"/>
+          </a:p>
+          <a:p>
+            <a:endParaRPr lang="en-US" altLang="zh-CN" dirty="0"/>
+          </a:p>
+          <a:p>
+            <a:endParaRPr lang="zh-CN" altLang="zh-CN" dirty="0"/>
+          </a:p>
+          <a:p>
+            <a:endParaRPr lang="zh-CN" altLang="zh-CN" dirty="0"/>
           </a:p>
           <a:p>
             <a:endParaRPr lang="en-US" altLang="zh-CN" sz="900" dirty="0" smtClean="0"/>
@@ -7883,7 +8678,7 @@
     </p:spTree>
     <p:extLst>
       <p:ext uri="{BB962C8B-B14F-4D97-AF65-F5344CB8AC3E}">
-        <p14:creationId xmlns:p14="http://schemas.microsoft.com/office/powerpoint/2010/main" val="2029452737"/>
+        <p14:creationId xmlns:p14="http://schemas.microsoft.com/office/powerpoint/2010/main" val="2385238893"/>
       </p:ext>
     </p:extLst>
   </p:cSld>
@@ -7934,11 +8729,15 @@
           <a:p>
             <a:r>
               <a:rPr lang="en-US" altLang="zh-CN" dirty="0" smtClean="0"/>
-              <a:t>ADBD</a:t>
-            </a:r>
-            <a:r>
-              <a:rPr lang="zh-CN" altLang="en-US" dirty="0" smtClean="0"/>
-              <a:t>初始化流程</a:t>
+              <a:t>3. ADBD(ADB </a:t>
+            </a:r>
+            <a:r>
+              <a:rPr lang="en-US" altLang="zh-CN" dirty="0" err="1" smtClean="0"/>
+              <a:t>Deamon</a:t>
+            </a:r>
+            <a:r>
+              <a:rPr lang="en-US" altLang="zh-CN" dirty="0" smtClean="0"/>
+              <a:t>)</a:t>
             </a:r>
             <a:endParaRPr lang="zh-CN" altLang="en-US" dirty="0"/>
           </a:p>
@@ -7946,132 +8745,278 @@
       </p:sp>
       <p:sp>
         <p:nvSpPr>
-          <p:cNvPr id="5" name="Rectangle 2"/>
-          <p:cNvSpPr>
-            <a:spLocks noChangeArrowheads="1"/>
-          </p:cNvSpPr>
-          <p:nvPr/>
-        </p:nvSpPr>
-        <p:spPr bwMode="auto">
+          <p:cNvPr id="3" name="内容占位符 2"/>
+          <p:cNvSpPr>
+            <a:spLocks noGrp="1"/>
+          </p:cNvSpPr>
+          <p:nvPr>
+            <p:ph idx="1"/>
+          </p:nvPr>
+        </p:nvSpPr>
+        <p:spPr>
           <a:xfrm>
-            <a:off x="0" y="0"/>
-            <a:ext cx="9144000" cy="0"/>
+            <a:off x="467544" y="771550"/>
+            <a:ext cx="8229600" cy="3607049"/>
           </a:xfrm>
-          <a:prstGeom prst="rect">
-            <a:avLst/>
-          </a:prstGeom>
-          <a:noFill/>
-          <a:ln>
-            <a:noFill/>
-          </a:ln>
-          <a:effectLst/>
-          <a:extLst>
-            <a:ext uri="{909E8E84-426E-40DD-AFC4-6F175D3DCCD1}">
-              <a14:hiddenFill xmlns:a14="http://schemas.microsoft.com/office/drawing/2010/main">
-                <a:solidFill>
-                  <a:schemeClr val="accent1"/>
-                </a:solidFill>
-              </a14:hiddenFill>
-            </a:ext>
-            <a:ext uri="{91240B29-F687-4F45-9708-019B960494DF}">
-              <a14:hiddenLine xmlns:a14="http://schemas.microsoft.com/office/drawing/2010/main" w="9525">
-                <a:solidFill>
-                  <a:schemeClr val="tx1"/>
-                </a:solidFill>
-                <a:miter lim="800000"/>
-                <a:headEnd/>
-                <a:tailEnd/>
-              </a14:hiddenLine>
-            </a:ext>
-            <a:ext uri="{AF507438-7753-43E0-B8FC-AC1667EBCBE1}">
-              <a14:hiddenEffects xmlns:a14="http://schemas.microsoft.com/office/drawing/2010/main">
-                <a:effectLst>
-                  <a:outerShdw dist="35921" dir="2700000" algn="ctr" rotWithShape="0">
-                    <a:schemeClr val="bg2"/>
-                  </a:outerShdw>
-                </a:effectLst>
-              </a14:hiddenEffects>
-            </a:ext>
-          </a:extLst>
         </p:spPr>
         <p:txBody>
-          <a:bodyPr vert="horz" wrap="none" lIns="91440" tIns="45720" rIns="91440" bIns="45720" numCol="1" anchor="ctr" anchorCtr="0" compatLnSpc="1">
-            <a:prstTxWarp prst="textNoShape">
-              <a:avLst/>
-            </a:prstTxWarp>
-            <a:spAutoFit/>
+          <a:bodyPr>
+            <a:normAutofit/>
           </a:bodyPr>
           <a:lstStyle/>
           <a:p>
-            <a:endParaRPr lang="zh-CN" altLang="en-US"/>
-          </a:p>
-        </p:txBody>
-      </p:sp>
-      <p:graphicFrame>
-        <p:nvGraphicFramePr>
-          <p:cNvPr id="6" name="对象 5"/>
-          <p:cNvGraphicFramePr>
-            <a:graphicFrameLocks noChangeAspect="1"/>
-          </p:cNvGraphicFramePr>
-          <p:nvPr>
-            <p:extLst>
-              <p:ext uri="{D42A27DB-BD31-4B8C-83A1-F6EECF244321}">
-                <p14:modId xmlns:p14="http://schemas.microsoft.com/office/powerpoint/2010/main" val="3877968925"/>
-              </p:ext>
-            </p:extLst>
-          </p:nvPr>
-        </p:nvGraphicFramePr>
-        <p:xfrm>
-          <a:off x="611560" y="123478"/>
-          <a:ext cx="8258175" cy="4824536"/>
-        </p:xfrm>
-        <a:graphic>
-          <a:graphicData uri="http://schemas.openxmlformats.org/presentationml/2006/ole">
-            <mc:AlternateContent xmlns:mc="http://schemas.openxmlformats.org/markup-compatibility/2006">
-              <mc:Choice xmlns:v="urn:schemas-microsoft-com:vml" Requires="v">
-                <p:oleObj spid="_x0000_s3139" name="Visio" r:id="rId3" imgW="11170866" imgH="11167703" progId="Visio.Drawing.11">
-                  <p:embed/>
-                </p:oleObj>
-              </mc:Choice>
-              <mc:Fallback>
-                <p:oleObj name="Visio" r:id="rId3" imgW="11170866" imgH="11167703" progId="Visio.Drawing.11">
-                  <p:embed/>
-                  <p:pic>
-                    <p:nvPicPr>
-                      <p:cNvPr id="0" name="Object 1"/>
-                      <p:cNvPicPr>
-                        <a:picLocks noChangeAspect="1" noChangeArrowheads="1"/>
-                      </p:cNvPicPr>
-                      <p:nvPr/>
-                    </p:nvPicPr>
-                    <p:blipFill>
-                      <a:blip r:embed="rId4"/>
-                      <a:srcRect/>
-                      <a:stretch>
-                        <a:fillRect/>
-                      </a:stretch>
-                    </p:blipFill>
-                    <p:spPr bwMode="auto">
-                      <a:xfrm>
-                        <a:off x="611560" y="123478"/>
-                        <a:ext cx="8258175" cy="4824536"/>
-                      </a:xfrm>
-                      <a:prstGeom prst="rect">
-                        <a:avLst/>
-                      </a:prstGeom>
-                      <a:noFill/>
-                    </p:spPr>
-                  </p:pic>
-                </p:oleObj>
-              </mc:Fallback>
-            </mc:AlternateContent>
-          </a:graphicData>
-        </a:graphic>
-      </p:graphicFrame>
+            <a:pPr>
+              <a:lnSpc>
+                <a:spcPct val="200000"/>
+              </a:lnSpc>
+            </a:pPr>
+            <a:r>
+              <a:rPr lang="zh-CN" altLang="zh-CN" dirty="0"/>
+              <a:t>运行于</a:t>
+            </a:r>
+            <a:r>
+              <a:rPr lang="en-US" altLang="zh-CN" dirty="0"/>
+              <a:t>device/emulator</a:t>
+            </a:r>
+            <a:r>
+              <a:rPr lang="zh-CN" altLang="zh-CN" dirty="0"/>
+              <a:t>的守护进程（</a:t>
+            </a:r>
+            <a:r>
+              <a:rPr lang="en-US" altLang="zh-CN" dirty="0"/>
+              <a:t>Local service</a:t>
+            </a:r>
+            <a:r>
+              <a:rPr lang="zh-CN" altLang="zh-CN" dirty="0"/>
+              <a:t>）。其作用如下：</a:t>
+            </a:r>
+          </a:p>
+          <a:p>
+            <a:pPr lvl="1">
+              <a:lnSpc>
+                <a:spcPct val="200000"/>
+              </a:lnSpc>
+            </a:pPr>
+            <a:r>
+              <a:rPr lang="zh-CN" altLang="zh-CN" dirty="0" smtClean="0"/>
+              <a:t>用来</a:t>
+            </a:r>
+            <a:r>
+              <a:rPr lang="zh-CN" altLang="zh-CN" dirty="0"/>
+              <a:t>连接</a:t>
+            </a:r>
+            <a:r>
+              <a:rPr lang="en-US" altLang="zh-CN" dirty="0"/>
+              <a:t>device/emulator</a:t>
+            </a:r>
+            <a:r>
+              <a:rPr lang="zh-CN" altLang="zh-CN" dirty="0"/>
+              <a:t>和</a:t>
+            </a:r>
+            <a:r>
+              <a:rPr lang="en-US" altLang="zh-CN" dirty="0" err="1"/>
+              <a:t>adb</a:t>
+            </a:r>
+            <a:r>
+              <a:rPr lang="en-US" altLang="zh-CN" dirty="0"/>
+              <a:t> server</a:t>
+            </a:r>
+            <a:r>
+              <a:rPr lang="zh-CN" altLang="zh-CN" dirty="0"/>
+              <a:t>，</a:t>
+            </a:r>
+            <a:r>
+              <a:rPr lang="en-US" altLang="zh-CN" dirty="0"/>
+              <a:t>device</a:t>
+            </a:r>
+            <a:r>
+              <a:rPr lang="zh-CN" altLang="zh-CN" dirty="0"/>
+              <a:t>通过</a:t>
+            </a:r>
+            <a:r>
+              <a:rPr lang="en-US" altLang="zh-CN" dirty="0"/>
+              <a:t>USB</a:t>
+            </a:r>
+            <a:r>
+              <a:rPr lang="zh-CN" altLang="zh-CN" dirty="0"/>
+              <a:t>连接，</a:t>
+            </a:r>
+            <a:r>
+              <a:rPr lang="en-US" altLang="zh-CN" dirty="0"/>
+              <a:t>emulator</a:t>
+            </a:r>
+            <a:r>
+              <a:rPr lang="zh-CN" altLang="zh-CN" dirty="0"/>
+              <a:t>通过</a:t>
+            </a:r>
+            <a:r>
+              <a:rPr lang="en-US" altLang="zh-CN" dirty="0"/>
+              <a:t>TCP</a:t>
+            </a:r>
+            <a:r>
+              <a:rPr lang="zh-CN" altLang="zh-CN" dirty="0"/>
+              <a:t>连接。</a:t>
+            </a:r>
+          </a:p>
+          <a:p>
+            <a:pPr lvl="1">
+              <a:lnSpc>
+                <a:spcPct val="200000"/>
+              </a:lnSpc>
+            </a:pPr>
+            <a:r>
+              <a:rPr lang="zh-CN" altLang="zh-CN" dirty="0" smtClean="0"/>
+              <a:t>为</a:t>
+            </a:r>
+            <a:r>
+              <a:rPr lang="en-US" altLang="zh-CN" dirty="0"/>
+              <a:t>device/emulator</a:t>
+            </a:r>
+            <a:r>
+              <a:rPr lang="zh-CN" altLang="zh-CN" dirty="0"/>
+              <a:t>提供服务</a:t>
+            </a:r>
+            <a:r>
+              <a:rPr lang="en-US" altLang="zh-CN" dirty="0"/>
+              <a:t>--&gt; </a:t>
+            </a:r>
+            <a:r>
+              <a:rPr lang="en-US" altLang="zh-CN" dirty="0" err="1"/>
+              <a:t>adb</a:t>
+            </a:r>
+            <a:r>
+              <a:rPr lang="en-US" altLang="zh-CN" dirty="0"/>
+              <a:t> </a:t>
+            </a:r>
+            <a:r>
+              <a:rPr lang="en-US" altLang="zh-CN" dirty="0" smtClean="0"/>
+              <a:t>service.</a:t>
+            </a:r>
+            <a:r>
+              <a:rPr lang="zh-CN" altLang="en-US" dirty="0" smtClean="0"/>
+              <a:t>响应</a:t>
+            </a:r>
+            <a:r>
+              <a:rPr lang="en-US" altLang="zh-CN" dirty="0" smtClean="0"/>
+              <a:t>Host</a:t>
+            </a:r>
+            <a:r>
+              <a:rPr lang="zh-CN" altLang="en-US" dirty="0" smtClean="0"/>
+              <a:t>的</a:t>
+            </a:r>
+            <a:r>
+              <a:rPr lang="en-US" altLang="zh-CN" dirty="0" smtClean="0"/>
+              <a:t>ADB</a:t>
+            </a:r>
+            <a:r>
+              <a:rPr lang="zh-CN" altLang="en-US" dirty="0" smtClean="0"/>
+              <a:t>命令</a:t>
+            </a:r>
+            <a:endParaRPr lang="zh-CN" altLang="zh-CN" dirty="0"/>
+          </a:p>
+          <a:p>
+            <a:pPr>
+              <a:lnSpc>
+                <a:spcPct val="200000"/>
+              </a:lnSpc>
+            </a:pPr>
+            <a:r>
+              <a:rPr lang="zh-CN" altLang="zh-CN" dirty="0"/>
+              <a:t>在</a:t>
+            </a:r>
+            <a:r>
+              <a:rPr lang="en-US" altLang="zh-CN" dirty="0"/>
+              <a:t>emulator/device</a:t>
+            </a:r>
+            <a:r>
+              <a:rPr lang="zh-CN" altLang="zh-CN" dirty="0"/>
+              <a:t>端，</a:t>
+            </a:r>
+            <a:r>
+              <a:rPr lang="en-US" altLang="zh-CN" dirty="0" err="1"/>
+              <a:t>adbd</a:t>
+            </a:r>
+            <a:r>
+              <a:rPr lang="zh-CN" altLang="zh-CN" dirty="0"/>
+              <a:t>也创建</a:t>
+            </a:r>
+            <a:r>
+              <a:rPr lang="en-US" altLang="zh-CN" dirty="0"/>
+              <a:t>local socket</a:t>
+            </a:r>
+            <a:r>
+              <a:rPr lang="zh-CN" altLang="zh-CN" dirty="0"/>
+              <a:t>和</a:t>
+            </a:r>
+            <a:r>
+              <a:rPr lang="en-US" altLang="zh-CN" dirty="0"/>
+              <a:t>remote socket</a:t>
+            </a:r>
+            <a:r>
+              <a:rPr lang="zh-CN" altLang="zh-CN" dirty="0"/>
+              <a:t>，前者与通过</a:t>
+            </a:r>
+            <a:r>
+              <a:rPr lang="en-US" altLang="zh-CN" dirty="0" err="1"/>
+              <a:t>jdwp</a:t>
+            </a:r>
+            <a:r>
+              <a:rPr lang="zh-CN" altLang="zh-CN" dirty="0"/>
+              <a:t>与</a:t>
+            </a:r>
+            <a:r>
+              <a:rPr lang="en-US" altLang="zh-CN" dirty="0" err="1"/>
+              <a:t>dalvik</a:t>
+            </a:r>
+            <a:r>
+              <a:rPr lang="en-US" altLang="zh-CN" dirty="0"/>
+              <a:t> VM</a:t>
+            </a:r>
+            <a:r>
+              <a:rPr lang="zh-CN" altLang="zh-CN" dirty="0"/>
+              <a:t>进层通信，后者通过</a:t>
+            </a:r>
+            <a:r>
+              <a:rPr lang="en-US" altLang="zh-CN" dirty="0"/>
+              <a:t>TCP/USB</a:t>
+            </a:r>
+            <a:r>
+              <a:rPr lang="zh-CN" altLang="zh-CN" dirty="0"/>
+              <a:t>与</a:t>
+            </a:r>
+            <a:r>
+              <a:rPr lang="en-US" altLang="zh-CN" dirty="0" err="1"/>
+              <a:t>adb</a:t>
+            </a:r>
+            <a:r>
+              <a:rPr lang="en-US" altLang="zh-CN" dirty="0"/>
+              <a:t> server</a:t>
+            </a:r>
+            <a:r>
+              <a:rPr lang="zh-CN" altLang="zh-CN" dirty="0"/>
+              <a:t>通信。</a:t>
+            </a:r>
+          </a:p>
+          <a:p>
+            <a:endParaRPr lang="en-US" altLang="zh-CN" dirty="0"/>
+          </a:p>
+          <a:p>
+            <a:endParaRPr lang="en-US" altLang="zh-CN" sz="900" dirty="0" smtClean="0"/>
+          </a:p>
+          <a:p>
+            <a:pPr lvl="1"/>
+            <a:endParaRPr lang="en-US" altLang="zh-CN" sz="900" dirty="0" smtClean="0"/>
+          </a:p>
+          <a:p>
+            <a:pPr lvl="1"/>
+            <a:endParaRPr lang="en-US" altLang="zh-CN" sz="900" dirty="0" smtClean="0"/>
+          </a:p>
+        </p:txBody>
+      </p:sp>
     </p:spTree>
     <p:extLst>
       <p:ext uri="{BB962C8B-B14F-4D97-AF65-F5344CB8AC3E}">
-        <p14:creationId xmlns:p14="http://schemas.microsoft.com/office/powerpoint/2010/main" val="160519094"/>
+        <p14:creationId xmlns:p14="http://schemas.microsoft.com/office/powerpoint/2010/main" val="2029452737"/>
       </p:ext>
     </p:extLst>
   </p:cSld>

--- a/adb.pptx
+++ b/adb.pptx
@@ -3626,7 +3626,7 @@
           <a:graphicData uri="http://schemas.openxmlformats.org/presentationml/2006/ole">
             <mc:AlternateContent xmlns:mc="http://schemas.openxmlformats.org/markup-compatibility/2006">
               <mc:Choice xmlns:v="urn:schemas-microsoft-com:vml" Requires="v">
-                <p:oleObj spid="_x0000_s3179" name="Visio" r:id="rId3" imgW="11170866" imgH="11167703" progId="Visio.Drawing.11">
+                <p:oleObj spid="_x0000_s3192" name="Visio" r:id="rId3" imgW="11170866" imgH="11167703" progId="Visio.Drawing.11">
                   <p:embed/>
                 </p:oleObj>
               </mc:Choice>
@@ -3635,14 +3635,20 @@
                   <p:embed/>
                   <p:pic>
                     <p:nvPicPr>
-                      <p:cNvPr id="0" name="Object 1"/>
+                      <p:cNvPr id="0" name="Picture 107"/>
                       <p:cNvPicPr>
                         <a:picLocks noChangeAspect="1" noChangeArrowheads="1"/>
                       </p:cNvPicPr>
                       <p:nvPr/>
                     </p:nvPicPr>
                     <p:blipFill>
-                      <a:blip r:embed="rId4"/>
+                      <a:blip r:embed="rId4">
+                        <a:extLst>
+                          <a:ext uri="{28A0092B-C50C-407E-A947-70E740481C1C}">
+                            <a14:useLocalDpi xmlns:a14="http://schemas.microsoft.com/office/drawing/2010/main" val="0"/>
+                          </a:ext>
+                        </a:extLst>
+                      </a:blip>
                       <a:srcRect/>
                       <a:stretch>
                         <a:fillRect/>
@@ -3657,6 +3663,15 @@
                         <a:avLst/>
                       </a:prstGeom>
                       <a:noFill/>
+                      <a:extLst>
+                        <a:ext uri="{909E8E84-426E-40DD-AFC4-6F175D3DCCD1}">
+                          <a14:hiddenFill xmlns:a14="http://schemas.microsoft.com/office/drawing/2010/main">
+                            <a:solidFill>
+                              <a:srgbClr val="FFFFFF"/>
+                            </a:solidFill>
+                          </a14:hiddenFill>
+                        </a:ext>
+                      </a:extLst>
                     </p:spPr>
                   </p:pic>
                 </p:oleObj>
@@ -3769,7 +3784,23 @@
             </a:r>
             <a:r>
               <a:rPr lang="zh-CN" altLang="zh-CN" dirty="0"/>
-              <a:t>管理客户端与运行在模拟器或真机的守护进程通信</a:t>
+              <a:t>管理客户端与运行</a:t>
+            </a:r>
+            <a:r>
+              <a:rPr lang="zh-CN" altLang="zh-CN" dirty="0" smtClean="0"/>
+              <a:t>在</a:t>
+            </a:r>
+            <a:r>
+              <a:rPr lang="en-US" altLang="zh-CN" dirty="0" smtClean="0"/>
+              <a:t>Guest</a:t>
+            </a:r>
+            <a:r>
+              <a:rPr lang="zh-CN" altLang="zh-CN" dirty="0" smtClean="0"/>
+              <a:t>的</a:t>
+            </a:r>
+            <a:r>
+              <a:rPr lang="zh-CN" altLang="zh-CN" dirty="0"/>
+              <a:t>守护进程通信</a:t>
             </a:r>
             <a:r>
               <a:rPr lang="zh-CN" altLang="zh-CN" dirty="0" smtClean="0"/>
@@ -3789,59 +3820,31 @@
             </a:r>
             <a:r>
               <a:rPr lang="zh-CN" altLang="zh-CN" dirty="0"/>
-              <a:t>端，</a:t>
-            </a:r>
-            <a:r>
-              <a:rPr lang="en-US" altLang="zh-CN" dirty="0" err="1"/>
-              <a:t>adb</a:t>
-            </a:r>
-            <a:r>
-              <a:rPr lang="zh-CN" altLang="zh-CN" dirty="0"/>
-              <a:t>会</a:t>
-            </a:r>
-            <a:r>
-              <a:rPr lang="en-US" altLang="zh-CN" dirty="0"/>
-              <a:t>fork(</a:t>
-            </a:r>
-            <a:r>
-              <a:rPr lang="zh-CN" altLang="zh-CN" dirty="0"/>
-              <a:t>通过命令：“</a:t>
-            </a:r>
-            <a:r>
-              <a:rPr lang="en-US" altLang="zh-CN" dirty="0" err="1"/>
-              <a:t>adb</a:t>
-            </a:r>
-            <a:r>
-              <a:rPr lang="en-US" altLang="zh-CN" dirty="0"/>
-              <a:t> fork-server server”</a:t>
-            </a:r>
-            <a:r>
-              <a:rPr lang="zh-CN" altLang="zh-CN" dirty="0"/>
-              <a:t>，见代码</a:t>
-            </a:r>
-            <a:r>
-              <a:rPr lang="en-US" altLang="zh-CN" dirty="0" err="1"/>
-              <a:t>adb.c</a:t>
-            </a:r>
-            <a:r>
-              <a:rPr lang="zh-CN" altLang="zh-CN" dirty="0"/>
-              <a:t>中的</a:t>
-            </a:r>
-            <a:r>
-              <a:rPr lang="en-US" altLang="zh-CN" dirty="0" err="1"/>
+              <a:t>端</a:t>
+            </a:r>
+            <a:r>
+              <a:rPr lang="zh-CN" altLang="zh-CN" dirty="0" smtClean="0"/>
+              <a:t>，通过</a:t>
+            </a:r>
+            <a:r>
+              <a:rPr lang="zh-CN" altLang="en-US" dirty="0" smtClean="0"/>
+              <a:t>函数</a:t>
+            </a:r>
+            <a:r>
+              <a:rPr lang="en-US" altLang="zh-CN" dirty="0" err="1" smtClean="0"/>
               <a:t>launch_server</a:t>
             </a:r>
             <a:r>
-              <a:rPr lang="zh-CN" altLang="zh-CN" dirty="0"/>
-              <a:t>函数</a:t>
-            </a:r>
-            <a:r>
-              <a:rPr lang="en-US" altLang="zh-CN" dirty="0"/>
-              <a:t>)</a:t>
-            </a:r>
-            <a:r>
-              <a:rPr lang="zh-CN" altLang="zh-CN" dirty="0"/>
-              <a:t>出一个守护进程（</a:t>
+              <a:rPr lang="zh-CN" altLang="en-US" dirty="0" smtClean="0"/>
+              <a:t>创建</a:t>
+            </a:r>
+            <a:r>
+              <a:rPr lang="zh-CN" altLang="zh-CN" dirty="0" smtClean="0"/>
+              <a:t>出</a:t>
+            </a:r>
+            <a:r>
+              <a:rPr lang="zh-CN" altLang="zh-CN" dirty="0"/>
+              <a:t>一个守护进程（</a:t>
             </a:r>
             <a:r>
               <a:rPr lang="en-US" altLang="zh-CN" dirty="0"/>
@@ -3985,38 +3988,26 @@
           </a:p>
           <a:p>
             <a:r>
+              <a:rPr lang="en-US" altLang="zh-CN" dirty="0" err="1" smtClean="0"/>
+              <a:t>adb</a:t>
+            </a:r>
+            <a:r>
+              <a:rPr lang="en-US" altLang="zh-CN" dirty="0" smtClean="0"/>
+              <a:t> server</a:t>
+            </a:r>
+            <a:r>
               <a:rPr lang="zh-CN" altLang="zh-CN" dirty="0" smtClean="0"/>
-              <a:t>这个</a:t>
-            </a:r>
-            <a:r>
-              <a:rPr lang="zh-CN" altLang="zh-CN" dirty="0"/>
-              <a:t>守护进程长期运行于后台，没有控制台界面，称之为</a:t>
-            </a:r>
-            <a:r>
-              <a:rPr lang="en-US" altLang="zh-CN" dirty="0" err="1"/>
+              <a:t>（</a:t>
+            </a:r>
+            <a:r>
+              <a:rPr lang="en-US" altLang="zh-CN" dirty="0" err="1" smtClean="0"/>
               <a:t>adb</a:t>
             </a:r>
             <a:r>
-              <a:rPr lang="en-US" altLang="zh-CN" dirty="0"/>
-              <a:t> server</a:t>
-            </a:r>
-            <a:r>
-              <a:rPr lang="zh-CN" altLang="zh-CN" dirty="0"/>
-              <a:t>（</a:t>
-            </a:r>
-            <a:r>
-              <a:rPr lang="en-US" altLang="zh-CN" dirty="0" err="1"/>
-              <a:t>adb</a:t>
-            </a:r>
-            <a:r>
-              <a:rPr lang="zh-CN" altLang="zh-CN" dirty="0"/>
-              <a:t>服务端），其主要工作有两部分</a:t>
-            </a:r>
-            <a:r>
               <a:rPr lang="zh-CN" altLang="zh-CN" dirty="0" smtClean="0"/>
-              <a:t>：</a:t>
-            </a:r>
-            <a:endParaRPr lang="en-US" altLang="zh-CN" dirty="0"/>
+              <a:t>服务端），其主要工作有两部分：</a:t>
+            </a:r>
+            <a:endParaRPr lang="en-US" altLang="zh-CN" dirty="0" smtClean="0"/>
           </a:p>
           <a:p>
             <a:pPr lvl="1"/>
@@ -4025,56 +4016,52 @@
               <a:t>管理</a:t>
             </a:r>
             <a:r>
-              <a:rPr lang="en-US" altLang="zh-CN" dirty="0"/>
+              <a:rPr lang="en-US" altLang="zh-CN" dirty="0" smtClean="0"/>
               <a:t>PC</a:t>
             </a:r>
             <a:r>
-              <a:rPr lang="zh-CN" altLang="zh-CN" dirty="0"/>
+              <a:rPr lang="zh-CN" altLang="zh-CN" dirty="0" smtClean="0"/>
               <a:t>中的</a:t>
             </a:r>
             <a:r>
-              <a:rPr lang="en-US" altLang="zh-CN" dirty="0"/>
+              <a:rPr lang="en-US" altLang="zh-CN" dirty="0" smtClean="0"/>
               <a:t>Android</a:t>
             </a:r>
             <a:r>
-              <a:rPr lang="zh-CN" altLang="zh-CN" dirty="0"/>
+              <a:rPr lang="zh-CN" altLang="zh-CN" dirty="0" smtClean="0"/>
               <a:t>模拟器，以及通过</a:t>
             </a:r>
             <a:r>
-              <a:rPr lang="en-US" altLang="zh-CN" dirty="0"/>
+              <a:rPr lang="en-US" altLang="zh-CN" dirty="0" smtClean="0"/>
               <a:t>USB</a:t>
             </a:r>
             <a:r>
-              <a:rPr lang="zh-CN" altLang="zh-CN" dirty="0"/>
+              <a:rPr lang="zh-CN" altLang="zh-CN" dirty="0" smtClean="0"/>
               <a:t>线连接到</a:t>
             </a:r>
             <a:r>
-              <a:rPr lang="en-US" altLang="zh-CN" dirty="0"/>
+              <a:rPr lang="en-US" altLang="zh-CN" dirty="0" smtClean="0"/>
               <a:t>PC</a:t>
             </a:r>
             <a:r>
-              <a:rPr lang="zh-CN" altLang="zh-CN" dirty="0"/>
+              <a:rPr lang="zh-CN" altLang="zh-CN" dirty="0" smtClean="0"/>
               <a:t>的</a:t>
             </a:r>
             <a:r>
-              <a:rPr lang="en-US" altLang="zh-CN" dirty="0"/>
+              <a:rPr lang="en-US" altLang="zh-CN" dirty="0" smtClean="0"/>
               <a:t>Android</a:t>
             </a:r>
             <a:r>
-              <a:rPr lang="zh-CN" altLang="zh-CN" dirty="0"/>
+              <a:rPr lang="zh-CN" altLang="zh-CN" dirty="0" smtClean="0"/>
               <a:t>设备，负责维持运行于其中的</a:t>
             </a:r>
             <a:r>
-              <a:rPr lang="en-US" altLang="zh-CN" dirty="0" err="1"/>
+              <a:rPr lang="en-US" altLang="zh-CN" dirty="0" err="1" smtClean="0"/>
               <a:t>adbd</a:t>
             </a:r>
             <a:r>
-              <a:rPr lang="zh-CN" altLang="zh-CN" dirty="0"/>
-              <a:t>进程与自身的数据通道</a:t>
-            </a:r>
-            <a:r>
               <a:rPr lang="zh-CN" altLang="zh-CN" dirty="0" smtClean="0"/>
-              <a:t>；</a:t>
+              <a:t>进程与自身的数据通道；</a:t>
             </a:r>
             <a:endParaRPr lang="en-US" altLang="zh-CN" dirty="0" smtClean="0"/>
           </a:p>
@@ -4085,19 +4072,19 @@
               <a:t>实现</a:t>
             </a:r>
             <a:r>
-              <a:rPr lang="en-US" altLang="zh-CN" dirty="0"/>
+              <a:rPr lang="en-US" altLang="zh-CN" dirty="0" smtClean="0"/>
               <a:t>PC</a:t>
             </a:r>
             <a:r>
-              <a:rPr lang="zh-CN" altLang="zh-CN" dirty="0"/>
+              <a:rPr lang="zh-CN" altLang="zh-CN" dirty="0" smtClean="0"/>
               <a:t>与设备</a:t>
             </a:r>
             <a:r>
-              <a:rPr lang="en-US" altLang="zh-CN" dirty="0"/>
+              <a:rPr lang="en-US" altLang="zh-CN" dirty="0" smtClean="0"/>
               <a:t>/</a:t>
             </a:r>
             <a:r>
-              <a:rPr lang="zh-CN" altLang="zh-CN" dirty="0"/>
+              <a:rPr lang="zh-CN" altLang="zh-CN" dirty="0" smtClean="0"/>
               <a:t>模拟器之间的数据拷贝。</a:t>
             </a:r>
           </a:p>
@@ -4320,70 +4307,6 @@
       </p:sp>
       <p:pic>
         <p:nvPicPr>
-          <p:cNvPr id="5122" name="Picture 2"/>
-          <p:cNvPicPr>
-            <a:picLocks noChangeAspect="1" noChangeArrowheads="1"/>
-          </p:cNvPicPr>
-          <p:nvPr/>
-        </p:nvPicPr>
-        <p:blipFill>
-          <a:blip r:embed="rId2">
-            <a:extLst>
-              <a:ext uri="{28A0092B-C50C-407E-A947-70E740481C1C}">
-                <a14:useLocalDpi xmlns:a14="http://schemas.microsoft.com/office/drawing/2010/main" val="0"/>
-              </a:ext>
-            </a:extLst>
-          </a:blip>
-          <a:srcRect/>
-          <a:stretch>
-            <a:fillRect/>
-          </a:stretch>
-        </p:blipFill>
-        <p:spPr bwMode="auto">
-          <a:xfrm>
-            <a:off x="3491880" y="1203598"/>
-            <a:ext cx="5437187" cy="3289300"/>
-          </a:xfrm>
-          <a:prstGeom prst="rect">
-            <a:avLst/>
-          </a:prstGeom>
-          <a:noFill/>
-          <a:ln>
-            <a:noFill/>
-          </a:ln>
-          <a:effectLst/>
-          <a:extLst>
-            <a:ext uri="{909E8E84-426E-40DD-AFC4-6F175D3DCCD1}">
-              <a14:hiddenFill xmlns:a14="http://schemas.microsoft.com/office/drawing/2010/main">
-                <a:solidFill>
-                  <a:schemeClr val="accent1"/>
-                </a:solidFill>
-              </a14:hiddenFill>
-            </a:ext>
-            <a:ext uri="{91240B29-F687-4F45-9708-019B960494DF}">
-              <a14:hiddenLine xmlns:a14="http://schemas.microsoft.com/office/drawing/2010/main" w="9525">
-                <a:solidFill>
-                  <a:schemeClr val="tx1"/>
-                </a:solidFill>
-                <a:miter lim="800000"/>
-                <a:headEnd/>
-                <a:tailEnd/>
-              </a14:hiddenLine>
-            </a:ext>
-            <a:ext uri="{AF507438-7753-43E0-B8FC-AC1667EBCBE1}">
-              <a14:hiddenEffects xmlns:a14="http://schemas.microsoft.com/office/drawing/2010/main">
-                <a:effectLst>
-                  <a:outerShdw dist="35921" dir="2700000" algn="ctr" rotWithShape="0">
-                    <a:schemeClr val="bg2"/>
-                  </a:outerShdw>
-                </a:effectLst>
-              </a14:hiddenEffects>
-            </a:ext>
-          </a:extLst>
-        </p:spPr>
-      </p:pic>
-      <p:pic>
-        <p:nvPicPr>
           <p:cNvPr id="10" name="Picture 3"/>
           <p:cNvPicPr>
             <a:picLocks noChangeAspect="1" noChangeArrowheads="1"/>
@@ -4391,7 +4314,7 @@
           <p:nvPr/>
         </p:nvPicPr>
         <p:blipFill>
-          <a:blip r:embed="rId3">
+          <a:blip r:embed="rId2" cstate="print">
             <a:extLst>
               <a:ext uri="{28A0092B-C50C-407E-A947-70E740481C1C}">
                 <a14:useLocalDpi xmlns:a14="http://schemas.microsoft.com/office/drawing/2010/main" val="0"/>
@@ -4436,6 +4359,70 @@
           </a:extLst>
         </p:spPr>
       </p:pic>
+      <p:pic>
+        <p:nvPicPr>
+          <p:cNvPr id="7170" name="Picture 2"/>
+          <p:cNvPicPr>
+            <a:picLocks noChangeAspect="1" noChangeArrowheads="1"/>
+          </p:cNvPicPr>
+          <p:nvPr/>
+        </p:nvPicPr>
+        <p:blipFill>
+          <a:blip r:embed="rId3">
+            <a:extLst>
+              <a:ext uri="{28A0092B-C50C-407E-A947-70E740481C1C}">
+                <a14:useLocalDpi xmlns:a14="http://schemas.microsoft.com/office/drawing/2010/main" val="0"/>
+              </a:ext>
+            </a:extLst>
+          </a:blip>
+          <a:srcRect/>
+          <a:stretch>
+            <a:fillRect/>
+          </a:stretch>
+        </p:blipFill>
+        <p:spPr bwMode="auto">
+          <a:xfrm>
+            <a:off x="3419872" y="1213454"/>
+            <a:ext cx="5437187" cy="3289300"/>
+          </a:xfrm>
+          <a:prstGeom prst="rect">
+            <a:avLst/>
+          </a:prstGeom>
+          <a:noFill/>
+          <a:ln>
+            <a:noFill/>
+          </a:ln>
+          <a:effectLst/>
+          <a:extLst>
+            <a:ext uri="{909E8E84-426E-40DD-AFC4-6F175D3DCCD1}">
+              <a14:hiddenFill xmlns:a14="http://schemas.microsoft.com/office/drawing/2010/main">
+                <a:solidFill>
+                  <a:schemeClr val="accent1"/>
+                </a:solidFill>
+              </a14:hiddenFill>
+            </a:ext>
+            <a:ext uri="{91240B29-F687-4F45-9708-019B960494DF}">
+              <a14:hiddenLine xmlns:a14="http://schemas.microsoft.com/office/drawing/2010/main" w="9525">
+                <a:solidFill>
+                  <a:schemeClr val="tx1"/>
+                </a:solidFill>
+                <a:miter lim="800000"/>
+                <a:headEnd/>
+                <a:tailEnd/>
+              </a14:hiddenLine>
+            </a:ext>
+            <a:ext uri="{AF507438-7753-43E0-B8FC-AC1667EBCBE1}">
+              <a14:hiddenEffects xmlns:a14="http://schemas.microsoft.com/office/drawing/2010/main">
+                <a:effectLst>
+                  <a:outerShdw dist="35921" dir="2700000" algn="ctr" rotWithShape="0">
+                    <a:schemeClr val="bg2"/>
+                  </a:outerShdw>
+                </a:effectLst>
+              </a14:hiddenEffects>
+            </a:ext>
+          </a:extLst>
+        </p:spPr>
+      </p:pic>
     </p:spTree>
     <p:extLst>
       <p:ext uri="{BB962C8B-B14F-4D97-AF65-F5344CB8AC3E}">
@@ -4588,7 +4575,7 @@
           <a:graphicData uri="http://schemas.openxmlformats.org/presentationml/2006/ole">
             <mc:AlternateContent xmlns:mc="http://schemas.openxmlformats.org/markup-compatibility/2006">
               <mc:Choice xmlns:v="urn:schemas-microsoft-com:vml" Requires="v">
-                <p:oleObj spid="_x0000_s4151" name="Visio" r:id="rId3" imgW="10943347" imgH="7462658" progId="Visio.Drawing.11">
+                <p:oleObj spid="_x0000_s4164" name="Visio" r:id="rId3" imgW="10943347" imgH="7462658" progId="Visio.Drawing.11">
                   <p:embed/>
                 </p:oleObj>
               </mc:Choice>
@@ -4597,7 +4584,7 @@
                   <p:embed/>
                   <p:pic>
                     <p:nvPicPr>
-                      <p:cNvPr id="0" name="Object 1"/>
+                      <p:cNvPr id="0" name="Picture 55"/>
                       <p:cNvPicPr>
                         <a:picLocks noChangeAspect="1" noChangeArrowheads="1"/>
                       </p:cNvPicPr>
@@ -4625,6 +4612,15 @@
                         <a:avLst/>
                       </a:prstGeom>
                       <a:noFill/>
+                      <a:extLst>
+                        <a:ext uri="{909E8E84-426E-40DD-AFC4-6F175D3DCCD1}">
+                          <a14:hiddenFill xmlns:a14="http://schemas.microsoft.com/office/drawing/2010/main">
+                            <a:solidFill>
+                              <a:srgbClr val="FFFFFF"/>
+                            </a:solidFill>
+                          </a14:hiddenFill>
+                        </a:ext>
+                      </a:extLst>
                     </p:spPr>
                   </p:pic>
                 </p:oleObj>
@@ -4738,11 +4734,11 @@
           </a:p>
           <a:p>
             <a:r>
-              <a:rPr lang="zh-CN" altLang="zh-CN" dirty="0"/>
-              <a:t>对用户暴露了</a:t>
-            </a:r>
-            <a:r>
-              <a:rPr lang="en-US" altLang="zh-CN" dirty="0"/>
+              <a:rPr lang="zh-CN" altLang="en-US" dirty="0" smtClean="0"/>
+              <a:t>提供给用户</a:t>
+            </a:r>
+            <a:r>
+              <a:rPr lang="en-US" altLang="zh-CN" dirty="0" smtClean="0"/>
               <a:t>install</a:t>
             </a:r>
             <a:r>
@@ -4781,7 +4777,23 @@
             </a:r>
             <a:r>
               <a:rPr lang="zh-CN" altLang="zh-CN" dirty="0"/>
-              <a:t>的参数，做必要预处理，然后转移为指令或数据，发送给</a:t>
+              <a:t>的参数，做必要预处理，然后</a:t>
+            </a:r>
+            <a:r>
+              <a:rPr lang="zh-CN" altLang="zh-CN" dirty="0" smtClean="0"/>
+              <a:t>转</a:t>
+            </a:r>
+            <a:r>
+              <a:rPr lang="zh-CN" altLang="en-US" dirty="0" smtClean="0"/>
+              <a:t>换</a:t>
+            </a:r>
+            <a:r>
+              <a:rPr lang="zh-CN" altLang="zh-CN" dirty="0" smtClean="0"/>
+              <a:t>为</a:t>
+            </a:r>
+            <a:r>
+              <a:rPr lang="zh-CN" altLang="zh-CN" dirty="0"/>
+              <a:t>指令或数据，发送给</a:t>
             </a:r>
             <a:r>
               <a:rPr lang="en-US" altLang="zh-CN" dirty="0" err="1"/>
@@ -4932,7 +4944,7 @@
         </p:spPr>
         <p:txBody>
           <a:bodyPr>
-            <a:normAutofit fontScale="85000" lnSpcReduction="20000"/>
+            <a:normAutofit fontScale="92500" lnSpcReduction="20000"/>
           </a:bodyPr>
           <a:lstStyle/>
           <a:p>
@@ -4974,25 +4986,6 @@
               </a:lnSpc>
             </a:pPr>
             <a:r>
-              <a:rPr lang="en-US" altLang="zh-CN" dirty="0" smtClean="0"/>
-              <a:t>协议描述见</a:t>
-            </a:r>
-            <a:r>
-              <a:rPr lang="en-US" altLang="zh-CN" dirty="0"/>
-              <a:t>：</a:t>
-            </a:r>
-            <a:r>
-              <a:rPr lang="en-US" altLang="zh-CN" dirty="0" smtClean="0"/>
-              <a:t>OVERVIEW.txt</a:t>
-            </a:r>
-          </a:p>
-          <a:p>
-            <a:pPr>
-              <a:lnSpc>
-                <a:spcPct val="170000"/>
-              </a:lnSpc>
-            </a:pPr>
-            <a:r>
               <a:rPr lang="en-US" altLang="zh-CN" dirty="0" err="1" smtClean="0"/>
               <a:t>adb</a:t>
             </a:r>
@@ -5002,7 +4995,15 @@
             </a:r>
             <a:r>
               <a:rPr lang="en-US" altLang="zh-CN" dirty="0"/>
-              <a:t>server和adbd之间的通信两部分（协议描述见：protocol.TXT</a:t>
+              <a:t>server和adbd</a:t>
+            </a:r>
+            <a:r>
+              <a:rPr lang="en-US" altLang="zh-CN" dirty="0" smtClean="0"/>
+              <a:t>之间的通信部分</a:t>
+            </a:r>
+            <a:r>
+              <a:rPr lang="en-US" altLang="zh-CN" dirty="0"/>
+              <a:t>（协议描述见：protocol.TXT</a:t>
             </a:r>
             <a:r>
               <a:rPr lang="en-US" altLang="zh-CN" dirty="0" smtClean="0"/>
@@ -5019,12 +5020,20 @@
           </a:p>
           <a:p>
             <a:r>
+              <a:rPr lang="en-US" altLang="zh-CN" dirty="0" smtClean="0"/>
+              <a:t>ADB client &amp; ADB Devices &amp; ADB Emulator </a:t>
+            </a:r>
+            <a:r>
+              <a:rPr lang="zh-CN" altLang="en-US" dirty="0" smtClean="0"/>
+              <a:t>之间的</a:t>
+            </a:r>
+            <a:r>
               <a:rPr lang="zh-CN" altLang="zh-CN" dirty="0" smtClean="0"/>
-              <a:t>三</a:t>
-            </a:r>
-            <a:r>
-              <a:rPr lang="zh-CN" altLang="zh-CN" dirty="0"/>
-              <a:t>者通信整个流程是这样的</a:t>
+              <a:t>通信</a:t>
+            </a:r>
+            <a:r>
+              <a:rPr lang="zh-CN" altLang="zh-CN" dirty="0"/>
+              <a:t>整个流程是这样的</a:t>
             </a:r>
             <a:r>
               <a:rPr lang="zh-CN" altLang="zh-CN" dirty="0" smtClean="0"/>
@@ -5126,15 +5135,15 @@
           <a:p>
             <a:pPr lvl="1"/>
             <a:r>
-              <a:rPr lang="zh-CN" altLang="en-US" dirty="0"/>
+              <a:rPr lang="zh-CN" altLang="en-US" dirty="0" smtClean="0"/>
               <a:t>位于</a:t>
             </a:r>
             <a:r>
-              <a:rPr lang="en-US" altLang="zh-CN" dirty="0"/>
+              <a:rPr lang="en-US" altLang="zh-CN" dirty="0" smtClean="0"/>
               <a:t>emulator/device</a:t>
             </a:r>
             <a:r>
-              <a:rPr lang="zh-CN" altLang="en-US" dirty="0"/>
+              <a:rPr lang="zh-CN" altLang="en-US" dirty="0" smtClean="0"/>
               <a:t>的</a:t>
             </a:r>
             <a:r>
@@ -5161,8 +5170,12 @@
               <a:t>adbd</a:t>
             </a:r>
             <a:r>
+              <a:rPr lang="zh-CN" altLang="en-US" dirty="0" smtClean="0"/>
+              <a:t>将结果</a:t>
+            </a:r>
+            <a:r>
               <a:rPr lang="zh-CN" altLang="en-US" dirty="0"/>
-              <a:t>将结果发回给</a:t>
+              <a:t>发回给</a:t>
             </a:r>
             <a:r>
               <a:rPr lang="en-US" altLang="zh-CN" dirty="0"/>
@@ -5292,7 +5305,7 @@
           <p:nvPr/>
         </p:nvPicPr>
         <p:blipFill>
-          <a:blip r:embed="rId2">
+          <a:blip r:embed="rId2" cstate="print">
             <a:extLst>
               <a:ext uri="{28A0092B-C50C-407E-A947-70E740481C1C}">
                 <a14:useLocalDpi xmlns:a14="http://schemas.microsoft.com/office/drawing/2010/main" val="0"/>
@@ -5577,12 +5590,12 @@
           <a:p>
             <a:pPr lvl="1"/>
             <a:r>
-              <a:rPr lang="en-US" altLang="zh-CN" dirty="0"/>
-              <a:t>1</a:t>
-            </a:r>
-            <a:r>
-              <a:rPr lang="zh-CN" altLang="zh-CN" dirty="0"/>
-              <a:t>、 成功，回复四字节串“</a:t>
+              <a:rPr lang="zh-CN" altLang="zh-CN" dirty="0" smtClean="0"/>
+              <a:t>成功</a:t>
+            </a:r>
+            <a:r>
+              <a:rPr lang="zh-CN" altLang="zh-CN" dirty="0"/>
+              <a:t>，回复四字节串“</a:t>
             </a:r>
             <a:r>
               <a:rPr lang="en-US" altLang="zh-CN" dirty="0"/>
@@ -5596,12 +5609,12 @@
           <a:p>
             <a:pPr lvl="1"/>
             <a:r>
-              <a:rPr lang="en-US" altLang="zh-CN" dirty="0"/>
-              <a:t>2</a:t>
-            </a:r>
-            <a:r>
-              <a:rPr lang="zh-CN" altLang="zh-CN" dirty="0"/>
-              <a:t>、 失败，回复四字节串“</a:t>
+              <a:rPr lang="zh-CN" altLang="zh-CN" dirty="0" smtClean="0"/>
+              <a:t>失败</a:t>
+            </a:r>
+            <a:r>
+              <a:rPr lang="zh-CN" altLang="zh-CN" dirty="0"/>
+              <a:t>，回复四字节串“</a:t>
             </a:r>
             <a:r>
               <a:rPr lang="en-US" altLang="zh-CN" dirty="0"/>
@@ -5615,12 +5628,8 @@
           <a:p>
             <a:pPr lvl="1"/>
             <a:r>
-              <a:rPr lang="en-US" altLang="zh-CN" dirty="0"/>
-              <a:t>3</a:t>
-            </a:r>
-            <a:r>
-              <a:rPr lang="zh-CN" altLang="zh-CN" dirty="0"/>
-              <a:t>、 对于</a:t>
+              <a:rPr lang="zh-CN" altLang="zh-CN" dirty="0" smtClean="0"/>
+              <a:t>对于</a:t>
             </a:r>
             <a:r>
               <a:rPr lang="en-US" altLang="zh-CN" dirty="0" err="1"/>
@@ -6339,16 +6348,16 @@
           <a:graphicData uri="http://schemas.openxmlformats.org/presentationml/2006/ole">
             <mc:AlternateContent xmlns:mc="http://schemas.openxmlformats.org/markup-compatibility/2006">
               <mc:Choice xmlns:v="urn:schemas-microsoft-com:vml" Requires="v">
-                <p:oleObj spid="_x0000_s5192" name="Visio" r:id="rId3" imgW="2044430" imgH="1276170" progId="Visio.Drawing.11">
+                <p:oleObj spid="_x0000_s5218" name="Visio" r:id="rId3" imgW="2044532" imgH="1275976" progId="Visio.Drawing.11">
                   <p:embed/>
                 </p:oleObj>
               </mc:Choice>
               <mc:Fallback>
-                <p:oleObj name="Visio" r:id="rId3" imgW="2044430" imgH="1276170" progId="Visio.Drawing.11">
+                <p:oleObj name="Visio" r:id="rId3" imgW="2044532" imgH="1275976" progId="Visio.Drawing.11">
                   <p:embed/>
                   <p:pic>
                     <p:nvPicPr>
-                      <p:cNvPr id="0" name="Object 3"/>
+                      <p:cNvPr id="0" name="Picture 72"/>
                       <p:cNvPicPr>
                         <a:picLocks noChangeAspect="1" noChangeArrowheads="1"/>
                       </p:cNvPicPr>
@@ -6478,7 +6487,7 @@
           <a:graphicData uri="http://schemas.openxmlformats.org/presentationml/2006/ole">
             <mc:AlternateContent xmlns:mc="http://schemas.openxmlformats.org/markup-compatibility/2006">
               <mc:Choice xmlns:v="urn:schemas-microsoft-com:vml" Requires="v">
-                <p:oleObj spid="_x0000_s5193" name="Visio" r:id="rId5" imgW="1942830" imgH="1138956" progId="Visio.Drawing.11">
+                <p:oleObj spid="_x0000_s5219" name="Visio" r:id="rId5" imgW="1942830" imgH="1138956" progId="Visio.Drawing.11">
                   <p:embed/>
                 </p:oleObj>
               </mc:Choice>
@@ -6487,7 +6496,7 @@
                   <p:embed/>
                   <p:pic>
                     <p:nvPicPr>
-                      <p:cNvPr id="0" name="Object 6"/>
+                      <p:cNvPr id="0" name="Picture 73"/>
                       <p:cNvPicPr>
                         <a:picLocks noChangeAspect="1" noChangeArrowheads="1"/>
                       </p:cNvPicPr>
@@ -6861,11 +6870,7 @@
             </a:pPr>
             <a:r>
               <a:rPr lang="en-US" altLang="zh-CN" dirty="0" err="1" smtClean="0"/>
-              <a:t>Adb</a:t>
-            </a:r>
-            <a:r>
-              <a:rPr lang="en-US" altLang="zh-CN" dirty="0" err="1" smtClean="0"/>
-              <a:t>d</a:t>
+              <a:t>Adbd</a:t>
             </a:r>
             <a:r>
               <a:rPr lang="en-US" altLang="zh-CN" dirty="0" smtClean="0"/>
@@ -7040,7 +7045,7 @@
           <a:graphicData uri="http://schemas.openxmlformats.org/presentationml/2006/ole">
             <mc:AlternateContent xmlns:mc="http://schemas.openxmlformats.org/markup-compatibility/2006">
               <mc:Choice xmlns:v="urn:schemas-microsoft-com:vml" Requires="v">
-                <p:oleObj spid="_x0000_s6180" name="包装程序外壳对象" showAsIcon="1" r:id="rId3" imgW="1281600" imgH="712440" progId="Package">
+                <p:oleObj spid="_x0000_s6206" name="包装程序外壳对象" showAsIcon="1" r:id="rId3" imgW="1281600" imgH="712440" progId="Package">
                   <p:embed/>
                 </p:oleObj>
               </mc:Choice>
@@ -7049,17 +7054,26 @@
                   <p:embed/>
                   <p:pic>
                     <p:nvPicPr>
-                      <p:cNvPr id="0" name=""/>
-                      <p:cNvPicPr/>
+                      <p:cNvPr id="0" name="Picture 36"/>
+                      <p:cNvPicPr>
+                        <a:picLocks noChangeAspect="1" noChangeArrowheads="1"/>
+                      </p:cNvPicPr>
                       <p:nvPr/>
                     </p:nvPicPr>
                     <p:blipFill>
-                      <a:blip r:embed="rId4"/>
+                      <a:blip r:embed="rId4">
+                        <a:extLst>
+                          <a:ext uri="{28A0092B-C50C-407E-A947-70E740481C1C}">
+                            <a14:useLocalDpi xmlns:a14="http://schemas.microsoft.com/office/drawing/2010/main" val="0"/>
+                          </a:ext>
+                        </a:extLst>
+                      </a:blip>
+                      <a:srcRect/>
                       <a:stretch>
                         <a:fillRect/>
                       </a:stretch>
                     </p:blipFill>
-                    <p:spPr>
+                    <p:spPr bwMode="auto">
                       <a:xfrm>
                         <a:off x="1619672" y="1563638"/>
                         <a:ext cx="1281113" cy="712787"/>
@@ -7067,6 +7081,16 @@
                       <a:prstGeom prst="rect">
                         <a:avLst/>
                       </a:prstGeom>
+                      <a:noFill/>
+                      <a:extLst>
+                        <a:ext uri="{909E8E84-426E-40DD-AFC4-6F175D3DCCD1}">
+                          <a14:hiddenFill xmlns:a14="http://schemas.microsoft.com/office/drawing/2010/main">
+                            <a:solidFill>
+                              <a:srgbClr val="FFFFFF"/>
+                            </a:solidFill>
+                          </a14:hiddenFill>
+                        </a:ext>
+                      </a:extLst>
                     </p:spPr>
                   </p:pic>
                 </p:oleObj>
@@ -7097,7 +7121,7 @@
           <a:graphicData uri="http://schemas.openxmlformats.org/presentationml/2006/ole">
             <mc:AlternateContent xmlns:mc="http://schemas.openxmlformats.org/markup-compatibility/2006">
               <mc:Choice xmlns:v="urn:schemas-microsoft-com:vml" Requires="v">
-                <p:oleObj spid="_x0000_s6181" name="包装程序外壳对象" showAsIcon="1" r:id="rId5" imgW="1408680" imgH="712440" progId="Package">
+                <p:oleObj spid="_x0000_s6207" name="包装程序外壳对象" showAsIcon="1" r:id="rId5" imgW="1408680" imgH="712440" progId="Package">
                   <p:embed/>
                 </p:oleObj>
               </mc:Choice>
@@ -7106,17 +7130,26 @@
                   <p:embed/>
                   <p:pic>
                     <p:nvPicPr>
-                      <p:cNvPr id="0" name=""/>
-                      <p:cNvPicPr/>
+                      <p:cNvPr id="0" name="Picture 37"/>
+                      <p:cNvPicPr>
+                        <a:picLocks noChangeAspect="1" noChangeArrowheads="1"/>
+                      </p:cNvPicPr>
                       <p:nvPr/>
                     </p:nvPicPr>
                     <p:blipFill>
-                      <a:blip r:embed="rId6"/>
+                      <a:blip r:embed="rId6">
+                        <a:extLst>
+                          <a:ext uri="{28A0092B-C50C-407E-A947-70E740481C1C}">
+                            <a14:useLocalDpi xmlns:a14="http://schemas.microsoft.com/office/drawing/2010/main" val="0"/>
+                          </a:ext>
+                        </a:extLst>
+                      </a:blip>
+                      <a:srcRect/>
                       <a:stretch>
                         <a:fillRect/>
                       </a:stretch>
                     </p:blipFill>
-                    <p:spPr>
+                    <p:spPr bwMode="auto">
                       <a:xfrm>
                         <a:off x="1619672" y="2139702"/>
                         <a:ext cx="1408113" cy="712787"/>
@@ -7124,6 +7157,16 @@
                       <a:prstGeom prst="rect">
                         <a:avLst/>
                       </a:prstGeom>
+                      <a:noFill/>
+                      <a:extLst>
+                        <a:ext uri="{909E8E84-426E-40DD-AFC4-6F175D3DCCD1}">
+                          <a14:hiddenFill xmlns:a14="http://schemas.microsoft.com/office/drawing/2010/main">
+                            <a:solidFill>
+                              <a:srgbClr val="FFFFFF"/>
+                            </a:solidFill>
+                          </a14:hiddenFill>
+                        </a:ext>
+                      </a:extLst>
                     </p:spPr>
                   </p:pic>
                 </p:oleObj>
@@ -7870,7 +7913,7 @@
           <p:nvPr/>
         </p:nvPicPr>
         <p:blipFill>
-          <a:blip r:embed="rId2">
+          <a:blip r:embed="rId2" cstate="print">
             <a:extLst>
               <a:ext uri="{28A0092B-C50C-407E-A947-70E740481C1C}">
                 <a14:useLocalDpi xmlns:a14="http://schemas.microsoft.com/office/drawing/2010/main" val="0"/>
@@ -8146,7 +8189,7 @@
           <p:nvPr/>
         </p:nvPicPr>
         <p:blipFill>
-          <a:blip r:embed="rId2">
+          <a:blip r:embed="rId2" cstate="print">
             <a:extLst>
               <a:ext uri="{28A0092B-C50C-407E-A947-70E740481C1C}">
                 <a14:useLocalDpi xmlns:a14="http://schemas.microsoft.com/office/drawing/2010/main" val="0"/>
@@ -8463,7 +8506,6 @@
               <a:rPr lang="en-US" altLang="zh-CN" dirty="0" smtClean="0"/>
               <a:t>transport</a:t>
             </a:r>
-            <a:endParaRPr lang="en-US" altLang="zh-CN" dirty="0" smtClean="0"/>
           </a:p>
           <a:p>
             <a:pPr lvl="1">
@@ -8537,7 +8579,7 @@
             </a:r>
             <a:r>
               <a:rPr lang="zh-CN" altLang="en-US" dirty="0" smtClean="0"/>
-              <a:t>模块</a:t>
+              <a:t>模块。</a:t>
             </a:r>
             <a:endParaRPr lang="en-US" altLang="zh-CN" dirty="0" smtClean="0"/>
           </a:p>
@@ -8549,11 +8591,7 @@
             </a:pPr>
             <a:r>
               <a:rPr lang="en-US" altLang="zh-CN" dirty="0" smtClean="0"/>
-              <a:t>input </a:t>
-            </a:r>
-            <a:r>
-              <a:rPr lang="en-US" altLang="zh-CN" dirty="0" smtClean="0"/>
-              <a:t>thread &amp; output thread</a:t>
+              <a:t>input thread &amp; output thread</a:t>
             </a:r>
             <a:endParaRPr lang="en-US" altLang="zh-CN" dirty="0"/>
           </a:p>
@@ -8628,7 +8666,7 @@
             </a:r>
             <a:r>
               <a:rPr lang="zh-CN" altLang="en-US" dirty="0" smtClean="0"/>
-              <a:t>命令进行解析</a:t>
+              <a:t>命令进行解析。</a:t>
             </a:r>
             <a:endParaRPr lang="en-US" altLang="zh-CN" dirty="0" smtClean="0"/>
           </a:p>
@@ -8890,11 +8928,11 @@
             </a:r>
             <a:r>
               <a:rPr lang="en-US" altLang="zh-CN" dirty="0" smtClean="0"/>
-              <a:t>service.</a:t>
+              <a:t>service</a:t>
             </a:r>
             <a:r>
               <a:rPr lang="zh-CN" altLang="en-US" dirty="0" smtClean="0"/>
-              <a:t>响应</a:t>
+              <a:t>，响应</a:t>
             </a:r>
             <a:r>
               <a:rPr lang="en-US" altLang="zh-CN" dirty="0" smtClean="0"/>
@@ -9318,6 +9356,27 @@
 
 <file path=customXml/item1.xml><?xml version="1.0" encoding="utf-8"?>
 <?mso-contentType ?>
+<FormTemplates xmlns="http://schemas.microsoft.com/sharepoint/v3/contenttype/forms">
+  <Display>DocumentLibraryForm</Display>
+  <Edit>DocumentLibraryForm</Edit>
+  <New>DocumentLibraryForm</New>
+</FormTemplates>
+</file>
+
+<file path=customXml/item2.xml><?xml version="1.0" encoding="utf-8"?>
+<p:properties xmlns:p="http://schemas.microsoft.com/office/2006/metadata/properties" xmlns:xsi="http://www.w3.org/2001/XMLSchema-instance" xmlns:pc="http://schemas.microsoft.com/office/infopath/2007/PartnerControls">
+  <documentManagement>
+    <_dlc_DocId xmlns="25fe2791-1b06-47a9-ad06-5da6bb59703a">4DZPVM3E3HVF-231-190</_dlc_DocId>
+    <_dlc_DocIdUrl xmlns="25fe2791-1b06-47a9-ad06-5da6bb59703a">
+      <Url>http://eip.spreadtrum.com/sites/pld/kernel/_layouts/15/DocIdRedir.aspx?ID=4DZPVM3E3HVF-231-190</Url>
+      <Description>4DZPVM3E3HVF-231-190</Description>
+    </_dlc_DocIdUrl>
+  </documentManagement>
+</p:properties>
+</file>
+
+<file path=customXml/item3.xml><?xml version="1.0" encoding="utf-8"?>
+<?mso-contentType ?>
 <spe:Receivers xmlns:spe="http://schemas.microsoft.com/sharepoint/events">
   <Receiver>
     <Name>Document ID Generator</Name>
@@ -9364,27 +9423,6 @@
     <Filter/>
   </Receiver>
 </spe:Receivers>
-</file>
-
-<file path=customXml/item2.xml><?xml version="1.0" encoding="utf-8"?>
-<p:properties xmlns:p="http://schemas.microsoft.com/office/2006/metadata/properties" xmlns:xsi="http://www.w3.org/2001/XMLSchema-instance" xmlns:pc="http://schemas.microsoft.com/office/infopath/2007/PartnerControls">
-  <documentManagement>
-    <_dlc_DocId xmlns="25fe2791-1b06-47a9-ad06-5da6bb59703a">4DZPVM3E3HVF-231-190</_dlc_DocId>
-    <_dlc_DocIdUrl xmlns="25fe2791-1b06-47a9-ad06-5da6bb59703a">
-      <Url>http://eip.spreadtrum.com/sites/pld/kernel/_layouts/15/DocIdRedir.aspx?ID=4DZPVM3E3HVF-231-190</Url>
-      <Description>4DZPVM3E3HVF-231-190</Description>
-    </_dlc_DocIdUrl>
-  </documentManagement>
-</p:properties>
-</file>
-
-<file path=customXml/item3.xml><?xml version="1.0" encoding="utf-8"?>
-<?mso-contentType ?>
-<FormTemplates xmlns="http://schemas.microsoft.com/sharepoint/v3/contenttype/forms">
-  <Display>DocumentLibraryForm</Display>
-  <Edit>DocumentLibraryForm</Edit>
-  <New>DocumentLibraryForm</New>
-</FormTemplates>
 </file>
 
 <file path=customXml/item4.xml><?xml version="1.0" encoding="utf-8"?>
@@ -9533,9 +9571,9 @@
 </file>
 
 <file path=customXml/itemProps1.xml><?xml version="1.0" encoding="utf-8"?>
-<ds:datastoreItem xmlns:ds="http://schemas.openxmlformats.org/officeDocument/2006/customXml" ds:itemID="{DDD05C4B-AAD6-4426-B418-929C83BFA03B}">
+<ds:datastoreItem xmlns:ds="http://schemas.openxmlformats.org/officeDocument/2006/customXml" ds:itemID="{35C48F3A-D1CF-4729-97F8-26C67E0FD93C}">
   <ds:schemaRefs>
-    <ds:schemaRef ds:uri="http://schemas.microsoft.com/sharepoint/events"/>
+    <ds:schemaRef ds:uri="http://schemas.microsoft.com/sharepoint/v3/contenttype/forms"/>
   </ds:schemaRefs>
 </ds:datastoreItem>
 </file>
@@ -9557,9 +9595,9 @@
 </file>
 
 <file path=customXml/itemProps3.xml><?xml version="1.0" encoding="utf-8"?>
-<ds:datastoreItem xmlns:ds="http://schemas.openxmlformats.org/officeDocument/2006/customXml" ds:itemID="{35C48F3A-D1CF-4729-97F8-26C67E0FD93C}">
+<ds:datastoreItem xmlns:ds="http://schemas.openxmlformats.org/officeDocument/2006/customXml" ds:itemID="{DDD05C4B-AAD6-4426-B418-929C83BFA03B}">
   <ds:schemaRefs>
-    <ds:schemaRef ds:uri="http://schemas.microsoft.com/sharepoint/v3/contenttype/forms"/>
+    <ds:schemaRef ds:uri="http://schemas.microsoft.com/sharepoint/events"/>
   </ds:schemaRefs>
 </ds:datastoreItem>
 </file>

--- a/adb.pptx
+++ b/adb.pptx
@@ -26,7 +26,10 @@
     <p:sldId id="319" r:id="rId24"/>
     <p:sldId id="322" r:id="rId25"/>
     <p:sldId id="323" r:id="rId26"/>
-    <p:sldId id="259" r:id="rId27"/>
+    <p:sldId id="324" r:id="rId27"/>
+    <p:sldId id="325" r:id="rId28"/>
+    <p:sldId id="326" r:id="rId29"/>
+    <p:sldId id="259" r:id="rId30"/>
   </p:sldIdLst>
   <p:sldSz cx="9144000" cy="5143500" type="screen16x9"/>
   <p:notesSz cx="6858000" cy="9144000"/>
@@ -316,7 +319,7 @@
             <a:fld id="{530820CF-B880-4189-942D-D702A7CBA730}" type="datetimeFigureOut">
               <a:rPr lang="zh-CN" altLang="en-US" smtClean="0"/>
               <a:pPr/>
-              <a:t>2015/12/1</a:t>
+              <a:t>2015/12/14</a:t>
             </a:fld>
             <a:endParaRPr lang="zh-CN" altLang="en-US"/>
           </a:p>
@@ -499,7 +502,7 @@
             <a:fld id="{530820CF-B880-4189-942D-D702A7CBA730}" type="datetimeFigureOut">
               <a:rPr lang="zh-CN" altLang="en-US" smtClean="0"/>
               <a:pPr/>
-              <a:t>2015/12/1</a:t>
+              <a:t>2015/12/14</a:t>
             </a:fld>
             <a:endParaRPr lang="zh-CN" altLang="en-US"/>
           </a:p>
@@ -682,7 +685,7 @@
             <a:fld id="{530820CF-B880-4189-942D-D702A7CBA730}" type="datetimeFigureOut">
               <a:rPr lang="zh-CN" altLang="en-US" smtClean="0"/>
               <a:pPr/>
-              <a:t>2015/12/1</a:t>
+              <a:t>2015/12/14</a:t>
             </a:fld>
             <a:endParaRPr lang="zh-CN" altLang="en-US"/>
           </a:p>
@@ -903,7 +906,7 @@
             <a:fld id="{530820CF-B880-4189-942D-D702A7CBA730}" type="datetimeFigureOut">
               <a:rPr lang="zh-CN" altLang="en-US" smtClean="0"/>
               <a:pPr/>
-              <a:t>2015/12/1</a:t>
+              <a:t>2015/12/14</a:t>
             </a:fld>
             <a:endParaRPr lang="zh-CN" altLang="en-US"/>
           </a:p>
@@ -1152,7 +1155,7 @@
             <a:fld id="{530820CF-B880-4189-942D-D702A7CBA730}" type="datetimeFigureOut">
               <a:rPr lang="zh-CN" altLang="en-US" smtClean="0"/>
               <a:pPr/>
-              <a:t>2015/12/1</a:t>
+              <a:t>2015/12/14</a:t>
             </a:fld>
             <a:endParaRPr lang="zh-CN" altLang="en-US"/>
           </a:p>
@@ -1451,7 +1454,7 @@
             <a:fld id="{530820CF-B880-4189-942D-D702A7CBA730}" type="datetimeFigureOut">
               <a:rPr lang="zh-CN" altLang="en-US" smtClean="0"/>
               <a:pPr/>
-              <a:t>2015/12/1</a:t>
+              <a:t>2015/12/14</a:t>
             </a:fld>
             <a:endParaRPr lang="zh-CN" altLang="en-US"/>
           </a:p>
@@ -1890,7 +1893,7 @@
             <a:fld id="{530820CF-B880-4189-942D-D702A7CBA730}" type="datetimeFigureOut">
               <a:rPr lang="zh-CN" altLang="en-US" smtClean="0"/>
               <a:pPr/>
-              <a:t>2015/12/1</a:t>
+              <a:t>2015/12/14</a:t>
             </a:fld>
             <a:endParaRPr lang="zh-CN" altLang="en-US"/>
           </a:p>
@@ -2013,7 +2016,7 @@
             <a:fld id="{530820CF-B880-4189-942D-D702A7CBA730}" type="datetimeFigureOut">
               <a:rPr lang="zh-CN" altLang="en-US" smtClean="0"/>
               <a:pPr/>
-              <a:t>2015/12/1</a:t>
+              <a:t>2015/12/14</a:t>
             </a:fld>
             <a:endParaRPr lang="zh-CN" altLang="en-US"/>
           </a:p>
@@ -2105,7 +2108,7 @@
             <a:fld id="{530820CF-B880-4189-942D-D702A7CBA730}" type="datetimeFigureOut">
               <a:rPr lang="zh-CN" altLang="en-US" smtClean="0"/>
               <a:pPr/>
-              <a:t>2015/12/1</a:t>
+              <a:t>2015/12/14</a:t>
             </a:fld>
             <a:endParaRPr lang="zh-CN" altLang="en-US"/>
           </a:p>
@@ -2388,7 +2391,7 @@
             <a:fld id="{530820CF-B880-4189-942D-D702A7CBA730}" type="datetimeFigureOut">
               <a:rPr lang="zh-CN" altLang="en-US" smtClean="0"/>
               <a:pPr/>
-              <a:t>2015/12/1</a:t>
+              <a:t>2015/12/14</a:t>
             </a:fld>
             <a:endParaRPr lang="zh-CN" altLang="en-US"/>
           </a:p>
@@ -2647,7 +2650,7 @@
             <a:fld id="{530820CF-B880-4189-942D-D702A7CBA730}" type="datetimeFigureOut">
               <a:rPr lang="zh-CN" altLang="en-US" smtClean="0"/>
               <a:pPr/>
-              <a:t>2015/12/1</a:t>
+              <a:t>2015/12/14</a:t>
             </a:fld>
             <a:endParaRPr lang="zh-CN" altLang="en-US"/>
           </a:p>
@@ -2771,7 +2774,7 @@
             <a:fld id="{530820CF-B880-4189-942D-D702A7CBA730}" type="datetimeFigureOut">
               <a:rPr lang="zh-CN" altLang="en-US" smtClean="0"/>
               <a:pPr/>
-              <a:t>2015/12/1</a:t>
+              <a:t>2015/12/14</a:t>
             </a:fld>
             <a:endParaRPr lang="zh-CN" altLang="en-US"/>
           </a:p>
@@ -3627,7 +3630,7 @@
           <a:graphicData uri="http://schemas.openxmlformats.org/presentationml/2006/ole">
             <mc:AlternateContent xmlns:mc="http://schemas.openxmlformats.org/markup-compatibility/2006">
               <mc:Choice xmlns:v="urn:schemas-microsoft-com:vml" Requires="v">
-                <p:oleObj spid="_x0000_s3205" name="Visio" r:id="rId3" imgW="11170866" imgH="11167703" progId="Visio.Drawing.11">
+                <p:oleObj spid="_x0000_s3231" name="Visio" r:id="rId3" imgW="11170866" imgH="11167703" progId="Visio.Drawing.11">
                   <p:embed/>
                 </p:oleObj>
               </mc:Choice>
@@ -4576,7 +4579,7 @@
           <a:graphicData uri="http://schemas.openxmlformats.org/presentationml/2006/ole">
             <mc:AlternateContent xmlns:mc="http://schemas.openxmlformats.org/markup-compatibility/2006">
               <mc:Choice xmlns:v="urn:schemas-microsoft-com:vml" Requires="v">
-                <p:oleObj spid="_x0000_s4177" name="Visio" r:id="rId3" imgW="10943347" imgH="7462658" progId="Visio.Drawing.11">
+                <p:oleObj spid="_x0000_s4203" name="Visio" r:id="rId3" imgW="10943347" imgH="7462658" progId="Visio.Drawing.11">
                   <p:embed/>
                 </p:oleObj>
               </mc:Choice>
@@ -6349,7 +6352,7 @@
           <a:graphicData uri="http://schemas.openxmlformats.org/presentationml/2006/ole">
             <mc:AlternateContent xmlns:mc="http://schemas.openxmlformats.org/markup-compatibility/2006">
               <mc:Choice xmlns:v="urn:schemas-microsoft-com:vml" Requires="v">
-                <p:oleObj spid="_x0000_s5244" name="Visio" r:id="rId3" imgW="2044532" imgH="1275976" progId="Visio.Drawing.11">
+                <p:oleObj spid="_x0000_s5296" name="Visio" r:id="rId3" imgW="2044532" imgH="1275976" progId="Visio.Drawing.11">
                   <p:embed/>
                 </p:oleObj>
               </mc:Choice>
@@ -6488,7 +6491,7 @@
           <a:graphicData uri="http://schemas.openxmlformats.org/presentationml/2006/ole">
             <mc:AlternateContent xmlns:mc="http://schemas.openxmlformats.org/markup-compatibility/2006">
               <mc:Choice xmlns:v="urn:schemas-microsoft-com:vml" Requires="v">
-                <p:oleObj spid="_x0000_s5245" name="Visio" r:id="rId5" imgW="1942830" imgH="1138956" progId="Visio.Drawing.11">
+                <p:oleObj spid="_x0000_s5297" name="Visio" r:id="rId5" imgW="1942830" imgH="1138956" progId="Visio.Drawing.11">
                   <p:embed/>
                 </p:oleObj>
               </mc:Choice>
@@ -7046,7 +7049,7 @@
           <a:graphicData uri="http://schemas.openxmlformats.org/presentationml/2006/ole">
             <mc:AlternateContent xmlns:mc="http://schemas.openxmlformats.org/markup-compatibility/2006">
               <mc:Choice xmlns:v="urn:schemas-microsoft-com:vml" Requires="v">
-                <p:oleObj spid="_x0000_s6232" name="包装程序外壳对象" showAsIcon="1" r:id="rId3" imgW="1281600" imgH="712440" progId="Package">
+                <p:oleObj spid="_x0000_s6284" name="包装程序外壳对象" showAsIcon="1" r:id="rId3" imgW="1281600" imgH="712440" progId="Package">
                   <p:embed/>
                 </p:oleObj>
               </mc:Choice>
@@ -7122,7 +7125,7 @@
           <a:graphicData uri="http://schemas.openxmlformats.org/presentationml/2006/ole">
             <mc:AlternateContent xmlns:mc="http://schemas.openxmlformats.org/markup-compatibility/2006">
               <mc:Choice xmlns:v="urn:schemas-microsoft-com:vml" Requires="v">
-                <p:oleObj spid="_x0000_s6233" name="包装程序外壳对象" showAsIcon="1" r:id="rId5" imgW="1408680" imgH="712440" progId="Package">
+                <p:oleObj spid="_x0000_s6285" name="包装程序外壳对象" showAsIcon="1" r:id="rId5" imgW="1408680" imgH="712440" progId="Package">
                   <p:embed/>
                 </p:oleObj>
               </mc:Choice>
@@ -7235,11 +7238,7 @@
             </a:r>
             <a:r>
               <a:rPr lang="en-US" altLang="zh-CN" b="1" dirty="0" smtClean="0"/>
-              <a:t>. </a:t>
-            </a:r>
-            <a:r>
-              <a:rPr lang="en-US" altLang="zh-CN" b="1" dirty="0" smtClean="0"/>
-              <a:t>ADB </a:t>
+              <a:t>. ADB </a:t>
             </a:r>
             <a:r>
               <a:rPr lang="zh-CN" altLang="en-US" b="1" dirty="0" smtClean="0"/>
@@ -7628,6 +7627,1284 @@
 </file>
 
 <file path=ppt/slides/slide22.xml><?xml version="1.0" encoding="utf-8"?>
+<p:sld xmlns:a="http://schemas.openxmlformats.org/drawingml/2006/main" xmlns:r="http://schemas.openxmlformats.org/officeDocument/2006/relationships" xmlns:p="http://schemas.openxmlformats.org/presentationml/2006/main">
+  <p:cSld>
+    <p:spTree>
+      <p:nvGrpSpPr>
+        <p:cNvPr id="1" name=""/>
+        <p:cNvGrpSpPr/>
+        <p:nvPr/>
+      </p:nvGrpSpPr>
+      <p:grpSpPr>
+        <a:xfrm>
+          <a:off x="0" y="0"/>
+          <a:ext cx="0" cy="0"/>
+          <a:chOff x="0" y="0"/>
+          <a:chExt cx="0" cy="0"/>
+        </a:xfrm>
+      </p:grpSpPr>
+      <p:sp>
+        <p:nvSpPr>
+          <p:cNvPr id="2" name="标题 1"/>
+          <p:cNvSpPr>
+            <a:spLocks noGrp="1"/>
+          </p:cNvSpPr>
+          <p:nvPr>
+            <p:ph type="title"/>
+          </p:nvPr>
+        </p:nvSpPr>
+        <p:spPr/>
+        <p:txBody>
+          <a:bodyPr/>
+          <a:lstStyle/>
+          <a:p>
+            <a:pPr lvl="1"/>
+            <a:r>
+              <a:rPr lang="en-US" altLang="zh-CN" b="1" dirty="0"/>
+              <a:t>9</a:t>
+            </a:r>
+            <a:r>
+              <a:rPr lang="en-US" altLang="zh-CN" b="1" dirty="0" smtClean="0"/>
+              <a:t>. </a:t>
+            </a:r>
+            <a:r>
+              <a:rPr lang="zh-CN" altLang="en-US" b="1" dirty="0" smtClean="0"/>
+              <a:t>会议纪要 </a:t>
+            </a:r>
+            <a:r>
+              <a:rPr lang="en-US" altLang="zh-CN" b="1" dirty="0" smtClean="0"/>
+              <a:t>actions</a:t>
+            </a:r>
+            <a:endParaRPr lang="zh-CN" altLang="zh-CN" b="1" dirty="0"/>
+          </a:p>
+        </p:txBody>
+      </p:sp>
+      <p:sp>
+        <p:nvSpPr>
+          <p:cNvPr id="3" name="内容占位符 2"/>
+          <p:cNvSpPr>
+            <a:spLocks noGrp="1"/>
+          </p:cNvSpPr>
+          <p:nvPr>
+            <p:ph idx="1"/>
+          </p:nvPr>
+        </p:nvSpPr>
+        <p:spPr>
+          <a:xfrm>
+            <a:off x="467544" y="771550"/>
+            <a:ext cx="8229600" cy="3607049"/>
+          </a:xfrm>
+        </p:spPr>
+        <p:txBody>
+          <a:bodyPr>
+            <a:normAutofit lnSpcReduction="10000"/>
+          </a:bodyPr>
+          <a:lstStyle/>
+          <a:p>
+            <a:pPr marL="0" indent="0">
+              <a:buNone/>
+            </a:pPr>
+            <a:r>
+              <a:rPr lang="en-US" altLang="zh-CN" dirty="0" smtClean="0"/>
+              <a:t>1. ADB root</a:t>
+            </a:r>
+            <a:r>
+              <a:rPr lang="zh-CN" altLang="en-US" dirty="0" smtClean="0"/>
+              <a:t>的执行流程（如何获得</a:t>
+            </a:r>
+            <a:r>
+              <a:rPr lang="en-US" altLang="zh-CN" dirty="0" smtClean="0"/>
+              <a:t>root</a:t>
+            </a:r>
+            <a:r>
+              <a:rPr lang="zh-CN" altLang="en-US" dirty="0" smtClean="0"/>
+              <a:t>权限）</a:t>
+            </a:r>
+            <a:endParaRPr lang="en-US" altLang="zh-CN" dirty="0"/>
+          </a:p>
+          <a:p>
+            <a:pPr marL="0" indent="0">
+              <a:buNone/>
+            </a:pPr>
+            <a:endParaRPr lang="en-US" altLang="zh-CN" sz="1200" dirty="0" smtClean="0"/>
+          </a:p>
+          <a:p>
+            <a:pPr marL="0" indent="0">
+              <a:buNone/>
+            </a:pPr>
+            <a:r>
+              <a:rPr lang="en-US" altLang="zh-CN" sz="1200" dirty="0" err="1" smtClean="0"/>
+              <a:t>Adbd</a:t>
+            </a:r>
+            <a:r>
+              <a:rPr lang="zh-CN" altLang="en-US" sz="1200" dirty="0" smtClean="0"/>
+              <a:t>调用</a:t>
+            </a:r>
+            <a:r>
+              <a:rPr lang="en-US" altLang="zh-CN" sz="1200" dirty="0" err="1" smtClean="0"/>
+              <a:t>should_drop_privileges</a:t>
+            </a:r>
+            <a:r>
+              <a:rPr lang="en-US" altLang="zh-CN" sz="1200" dirty="0" smtClean="0"/>
+              <a:t>()</a:t>
+            </a:r>
+            <a:r>
+              <a:rPr lang="zh-CN" altLang="en-US" sz="1200" dirty="0" smtClean="0"/>
+              <a:t>函数，来判断是否需要</a:t>
+            </a:r>
+            <a:endParaRPr lang="en-US" altLang="zh-CN" sz="1200" dirty="0" smtClean="0"/>
+          </a:p>
+          <a:p>
+            <a:pPr marL="0" indent="0">
+              <a:buNone/>
+            </a:pPr>
+            <a:r>
+              <a:rPr lang="zh-CN" altLang="en-US" sz="1200" dirty="0" smtClean="0"/>
+              <a:t>降级权限。</a:t>
+            </a:r>
+            <a:endParaRPr lang="en-US" altLang="zh-CN" sz="1200" dirty="0" smtClean="0"/>
+          </a:p>
+          <a:p>
+            <a:pPr marL="0" indent="0">
+              <a:buNone/>
+            </a:pPr>
+            <a:r>
+              <a:rPr lang="zh-CN" altLang="en-US" sz="1200" dirty="0" smtClean="0"/>
+              <a:t>主要检查</a:t>
+            </a:r>
+            <a:r>
+              <a:rPr lang="nl-NL" altLang="zh-CN" sz="1200" dirty="0" smtClean="0"/>
+              <a:t>ro.secure</a:t>
+            </a:r>
+            <a:r>
+              <a:rPr lang="en-US" altLang="zh-CN" sz="1200" dirty="0" smtClean="0"/>
+              <a:t>\</a:t>
+            </a:r>
+            <a:r>
+              <a:rPr lang="nl-NL" altLang="zh-CN" sz="1200" dirty="0"/>
+              <a:t> </a:t>
+            </a:r>
+            <a:r>
+              <a:rPr lang="nl-NL" altLang="zh-CN" sz="1200" dirty="0" smtClean="0"/>
+              <a:t>ro.debuggable\</a:t>
+            </a:r>
+            <a:r>
+              <a:rPr lang="nl-NL" altLang="zh-CN" sz="1200" dirty="0"/>
+              <a:t> </a:t>
+            </a:r>
+            <a:r>
+              <a:rPr lang="nl-NL" altLang="zh-CN" sz="1200" dirty="0" smtClean="0"/>
+              <a:t>service.adb.root</a:t>
+            </a:r>
+            <a:r>
+              <a:rPr lang="zh-CN" altLang="en-US" sz="1200" dirty="0" smtClean="0"/>
+              <a:t>配置项</a:t>
+            </a:r>
+            <a:r>
+              <a:rPr lang="nl-NL" altLang="zh-CN" sz="1200" dirty="0"/>
+              <a:t/>
+            </a:r>
+            <a:br>
+              <a:rPr lang="nl-NL" altLang="zh-CN" sz="1200" dirty="0"/>
+            </a:br>
+            <a:endParaRPr lang="en-US" altLang="zh-CN" sz="1200" dirty="0" smtClean="0"/>
+          </a:p>
+          <a:p>
+            <a:pPr marL="0" indent="0">
+              <a:buNone/>
+            </a:pPr>
+            <a:r>
+              <a:rPr lang="zh-CN" altLang="en-US" sz="1200" dirty="0" smtClean="0"/>
+              <a:t>如果</a:t>
+            </a:r>
+            <a:r>
+              <a:rPr lang="en-US" altLang="zh-CN" sz="1200" dirty="0" err="1" smtClean="0"/>
+              <a:t>should_drop_privileges</a:t>
+            </a:r>
+            <a:r>
+              <a:rPr lang="zh-CN" altLang="en-US" sz="1200" dirty="0" smtClean="0"/>
+              <a:t>返回真，则降级</a:t>
+            </a:r>
+            <a:endParaRPr lang="en-US" altLang="zh-CN" sz="1200" dirty="0" smtClean="0"/>
+          </a:p>
+          <a:p>
+            <a:pPr marL="0" indent="0">
+              <a:buNone/>
+            </a:pPr>
+            <a:r>
+              <a:rPr lang="zh-CN" altLang="en-US" sz="1200" dirty="0"/>
+              <a:t>如果</a:t>
+            </a:r>
+            <a:endParaRPr lang="en-US" altLang="zh-CN" sz="1200" dirty="0"/>
+          </a:p>
+          <a:p>
+            <a:pPr marL="0" indent="0">
+              <a:buNone/>
+            </a:pPr>
+            <a:r>
+              <a:rPr lang="nl-NL" altLang="zh-CN" sz="1200" dirty="0" smtClean="0"/>
+              <a:t>shell </a:t>
+            </a:r>
+            <a:r>
+              <a:rPr lang="nl-NL" altLang="zh-CN" sz="1200" dirty="0"/>
+              <a:t># getprop ro.kernel.qemu</a:t>
+            </a:r>
+            <a:br>
+              <a:rPr lang="nl-NL" altLang="zh-CN" sz="1200" dirty="0"/>
+            </a:br>
+            <a:r>
+              <a:rPr lang="nl-NL" altLang="zh-CN" sz="1200" dirty="0"/>
+              <a:t/>
+            </a:r>
+            <a:br>
+              <a:rPr lang="nl-NL" altLang="zh-CN" sz="1200" dirty="0"/>
+            </a:br>
+            <a:r>
+              <a:rPr lang="nl-NL" altLang="zh-CN" sz="1200" dirty="0" smtClean="0"/>
+              <a:t>shell# </a:t>
+            </a:r>
+            <a:r>
+              <a:rPr lang="nl-NL" altLang="zh-CN" sz="1200" dirty="0"/>
+              <a:t>getprop ro.secure</a:t>
+            </a:r>
+            <a:br>
+              <a:rPr lang="nl-NL" altLang="zh-CN" sz="1200" dirty="0"/>
+            </a:br>
+            <a:r>
+              <a:rPr lang="nl-NL" altLang="zh-CN" sz="1200" dirty="0"/>
+              <a:t>1</a:t>
+            </a:r>
+            <a:br>
+              <a:rPr lang="nl-NL" altLang="zh-CN" sz="1200" dirty="0"/>
+            </a:br>
+            <a:r>
+              <a:rPr lang="nl-NL" altLang="zh-CN" sz="1200" dirty="0" smtClean="0"/>
+              <a:t>shell </a:t>
+            </a:r>
+            <a:r>
+              <a:rPr lang="nl-NL" altLang="zh-CN" sz="1200" dirty="0"/>
+              <a:t># getprop ro.debuggable</a:t>
+            </a:r>
+            <a:br>
+              <a:rPr lang="nl-NL" altLang="zh-CN" sz="1200" dirty="0"/>
+            </a:br>
+            <a:r>
+              <a:rPr lang="nl-NL" altLang="zh-CN" sz="1200" dirty="0"/>
+              <a:t>1</a:t>
+            </a:r>
+            <a:br>
+              <a:rPr lang="nl-NL" altLang="zh-CN" sz="1200" dirty="0"/>
+            </a:br>
+            <a:r>
+              <a:rPr lang="nl-NL" altLang="zh-CN" sz="1200" dirty="0" smtClean="0"/>
+              <a:t>shell </a:t>
+            </a:r>
+            <a:r>
+              <a:rPr lang="nl-NL" altLang="zh-CN" sz="1200" dirty="0"/>
+              <a:t># getprop </a:t>
+            </a:r>
+            <a:r>
+              <a:rPr lang="nl-NL" altLang="zh-CN" sz="1200" dirty="0" smtClean="0"/>
+              <a:t>service.adb.root</a:t>
+            </a:r>
+          </a:p>
+          <a:p>
+            <a:pPr marL="0" indent="0">
+              <a:buNone/>
+            </a:pPr>
+            <a:endParaRPr lang="nl-NL" altLang="zh-CN" sz="1200" dirty="0"/>
+          </a:p>
+          <a:p>
+            <a:pPr marL="0" indent="0">
+              <a:buNone/>
+            </a:pPr>
+            <a:r>
+              <a:rPr lang="en-US" altLang="zh-CN" sz="1200" dirty="0">
+                <a:hlinkClick r:id="rId2"/>
+              </a:rPr>
+              <a:t>http://blog.csdn.net/memoryjs/article/details/39023729</a:t>
+            </a:r>
+            <a:r>
+              <a:rPr lang="nl-NL" altLang="zh-CN" sz="1200" dirty="0"/>
+              <a:t/>
+            </a:r>
+            <a:br>
+              <a:rPr lang="nl-NL" altLang="zh-CN" sz="1200" dirty="0"/>
+            </a:br>
+            <a:endParaRPr lang="en-US" altLang="zh-CN" sz="1200" dirty="0" smtClean="0"/>
+          </a:p>
+          <a:p>
+            <a:endParaRPr lang="en-US" altLang="zh-CN" sz="900" dirty="0" smtClean="0"/>
+          </a:p>
+          <a:p>
+            <a:pPr lvl="1"/>
+            <a:endParaRPr lang="en-US" altLang="zh-CN" sz="900" dirty="0" smtClean="0"/>
+          </a:p>
+          <a:p>
+            <a:pPr lvl="1"/>
+            <a:endParaRPr lang="en-US" altLang="zh-CN" sz="900" dirty="0" smtClean="0"/>
+          </a:p>
+        </p:txBody>
+      </p:sp>
+      <p:sp>
+        <p:nvSpPr>
+          <p:cNvPr id="4" name="Rectangle 4"/>
+          <p:cNvSpPr>
+            <a:spLocks noChangeArrowheads="1"/>
+          </p:cNvSpPr>
+          <p:nvPr/>
+        </p:nvSpPr>
+        <p:spPr bwMode="auto">
+          <a:xfrm>
+            <a:off x="0" y="0"/>
+            <a:ext cx="9144000" cy="0"/>
+          </a:xfrm>
+          <a:prstGeom prst="rect">
+            <a:avLst/>
+          </a:prstGeom>
+          <a:noFill/>
+          <a:ln>
+            <a:noFill/>
+          </a:ln>
+          <a:effectLst/>
+          <a:extLst>
+            <a:ext uri="{909E8E84-426E-40DD-AFC4-6F175D3DCCD1}">
+              <a14:hiddenFill xmlns:a14="http://schemas.microsoft.com/office/drawing/2010/main">
+                <a:solidFill>
+                  <a:schemeClr val="accent1"/>
+                </a:solidFill>
+              </a14:hiddenFill>
+            </a:ext>
+            <a:ext uri="{91240B29-F687-4F45-9708-019B960494DF}">
+              <a14:hiddenLine xmlns:a14="http://schemas.microsoft.com/office/drawing/2010/main" w="9525">
+                <a:solidFill>
+                  <a:schemeClr val="tx1"/>
+                </a:solidFill>
+                <a:miter lim="800000"/>
+                <a:headEnd/>
+                <a:tailEnd/>
+              </a14:hiddenLine>
+            </a:ext>
+            <a:ext uri="{AF507438-7753-43E0-B8FC-AC1667EBCBE1}">
+              <a14:hiddenEffects xmlns:a14="http://schemas.microsoft.com/office/drawing/2010/main">
+                <a:effectLst>
+                  <a:outerShdw dist="35921" dir="2700000" algn="ctr" rotWithShape="0">
+                    <a:schemeClr val="bg2"/>
+                  </a:outerShdw>
+                </a:effectLst>
+              </a14:hiddenEffects>
+            </a:ext>
+          </a:extLst>
+        </p:spPr>
+        <p:txBody>
+          <a:bodyPr vert="horz" wrap="none" lIns="91440" tIns="45720" rIns="91440" bIns="45720" numCol="1" anchor="ctr" anchorCtr="0" compatLnSpc="1">
+            <a:prstTxWarp prst="textNoShape">
+              <a:avLst/>
+            </a:prstTxWarp>
+            <a:spAutoFit/>
+          </a:bodyPr>
+          <a:lstStyle/>
+          <a:p>
+            <a:endParaRPr lang="zh-CN" altLang="en-US"/>
+          </a:p>
+        </p:txBody>
+      </p:sp>
+      <p:sp>
+        <p:nvSpPr>
+          <p:cNvPr id="6" name="Rectangle 7"/>
+          <p:cNvSpPr>
+            <a:spLocks noChangeArrowheads="1"/>
+          </p:cNvSpPr>
+          <p:nvPr/>
+        </p:nvSpPr>
+        <p:spPr bwMode="auto">
+          <a:xfrm>
+            <a:off x="0" y="0"/>
+            <a:ext cx="9144000" cy="0"/>
+          </a:xfrm>
+          <a:prstGeom prst="rect">
+            <a:avLst/>
+          </a:prstGeom>
+          <a:noFill/>
+          <a:ln>
+            <a:noFill/>
+          </a:ln>
+          <a:effectLst/>
+          <a:extLst>
+            <a:ext uri="{909E8E84-426E-40DD-AFC4-6F175D3DCCD1}">
+              <a14:hiddenFill xmlns:a14="http://schemas.microsoft.com/office/drawing/2010/main">
+                <a:solidFill>
+                  <a:schemeClr val="accent1"/>
+                </a:solidFill>
+              </a14:hiddenFill>
+            </a:ext>
+            <a:ext uri="{91240B29-F687-4F45-9708-019B960494DF}">
+              <a14:hiddenLine xmlns:a14="http://schemas.microsoft.com/office/drawing/2010/main" w="9525">
+                <a:solidFill>
+                  <a:schemeClr val="tx1"/>
+                </a:solidFill>
+                <a:miter lim="800000"/>
+                <a:headEnd/>
+                <a:tailEnd/>
+              </a14:hiddenLine>
+            </a:ext>
+            <a:ext uri="{AF507438-7753-43E0-B8FC-AC1667EBCBE1}">
+              <a14:hiddenEffects xmlns:a14="http://schemas.microsoft.com/office/drawing/2010/main">
+                <a:effectLst>
+                  <a:outerShdw dist="35921" dir="2700000" algn="ctr" rotWithShape="0">
+                    <a:schemeClr val="bg2"/>
+                  </a:outerShdw>
+                </a:effectLst>
+              </a14:hiddenEffects>
+            </a:ext>
+          </a:extLst>
+        </p:spPr>
+        <p:txBody>
+          <a:bodyPr vert="horz" wrap="none" lIns="91440" tIns="45720" rIns="91440" bIns="45720" numCol="1" anchor="ctr" anchorCtr="0" compatLnSpc="1">
+            <a:prstTxWarp prst="textNoShape">
+              <a:avLst/>
+            </a:prstTxWarp>
+            <a:spAutoFit/>
+          </a:bodyPr>
+          <a:lstStyle/>
+          <a:p>
+            <a:endParaRPr lang="zh-CN" altLang="en-US"/>
+          </a:p>
+        </p:txBody>
+      </p:sp>
+      <p:pic>
+        <p:nvPicPr>
+          <p:cNvPr id="7170" name="Picture 2"/>
+          <p:cNvPicPr>
+            <a:picLocks noChangeAspect="1" noChangeArrowheads="1"/>
+          </p:cNvPicPr>
+          <p:nvPr/>
+        </p:nvPicPr>
+        <p:blipFill>
+          <a:blip r:embed="rId3">
+            <a:extLst>
+              <a:ext uri="{28A0092B-C50C-407E-A947-70E740481C1C}">
+                <a14:useLocalDpi xmlns:a14="http://schemas.microsoft.com/office/drawing/2010/main" val="0"/>
+              </a:ext>
+            </a:extLst>
+          </a:blip>
+          <a:srcRect/>
+          <a:stretch>
+            <a:fillRect/>
+          </a:stretch>
+        </p:blipFill>
+        <p:spPr bwMode="auto">
+          <a:xfrm>
+            <a:off x="4860032" y="915566"/>
+            <a:ext cx="4260332" cy="3384376"/>
+          </a:xfrm>
+          <a:prstGeom prst="rect">
+            <a:avLst/>
+          </a:prstGeom>
+          <a:noFill/>
+          <a:ln>
+            <a:noFill/>
+          </a:ln>
+          <a:extLst>
+            <a:ext uri="{909E8E84-426E-40DD-AFC4-6F175D3DCCD1}">
+              <a14:hiddenFill xmlns:a14="http://schemas.microsoft.com/office/drawing/2010/main">
+                <a:solidFill>
+                  <a:schemeClr val="accent1"/>
+                </a:solidFill>
+              </a14:hiddenFill>
+            </a:ext>
+            <a:ext uri="{91240B29-F687-4F45-9708-019B960494DF}">
+              <a14:hiddenLine xmlns:a14="http://schemas.microsoft.com/office/drawing/2010/main" w="9525">
+                <a:solidFill>
+                  <a:schemeClr val="tx1"/>
+                </a:solidFill>
+                <a:miter lim="800000"/>
+                <a:headEnd/>
+                <a:tailEnd/>
+              </a14:hiddenLine>
+            </a:ext>
+          </a:extLst>
+        </p:spPr>
+      </p:pic>
+    </p:spTree>
+    <p:extLst>
+      <p:ext uri="{BB962C8B-B14F-4D97-AF65-F5344CB8AC3E}">
+        <p14:creationId xmlns:p14="http://schemas.microsoft.com/office/powerpoint/2010/main" val="697485576"/>
+      </p:ext>
+    </p:extLst>
+  </p:cSld>
+  <p:clrMapOvr>
+    <a:masterClrMapping/>
+  </p:clrMapOvr>
+  <p:timing>
+    <p:tnLst>
+      <p:par>
+        <p:cTn id="1" dur="indefinite" restart="never" nodeType="tmRoot"/>
+      </p:par>
+    </p:tnLst>
+  </p:timing>
+</p:sld>
+</file>
+
+<file path=ppt/slides/slide23.xml><?xml version="1.0" encoding="utf-8"?>
+<p:sld xmlns:a="http://schemas.openxmlformats.org/drawingml/2006/main" xmlns:r="http://schemas.openxmlformats.org/officeDocument/2006/relationships" xmlns:p="http://schemas.openxmlformats.org/presentationml/2006/main">
+  <p:cSld>
+    <p:spTree>
+      <p:nvGrpSpPr>
+        <p:cNvPr id="1" name=""/>
+        <p:cNvGrpSpPr/>
+        <p:nvPr/>
+      </p:nvGrpSpPr>
+      <p:grpSpPr>
+        <a:xfrm>
+          <a:off x="0" y="0"/>
+          <a:ext cx="0" cy="0"/>
+          <a:chOff x="0" y="0"/>
+          <a:chExt cx="0" cy="0"/>
+        </a:xfrm>
+      </p:grpSpPr>
+      <p:sp>
+        <p:nvSpPr>
+          <p:cNvPr id="2" name="标题 1"/>
+          <p:cNvSpPr>
+            <a:spLocks noGrp="1"/>
+          </p:cNvSpPr>
+          <p:nvPr>
+            <p:ph type="title"/>
+          </p:nvPr>
+        </p:nvSpPr>
+        <p:spPr/>
+        <p:txBody>
+          <a:bodyPr/>
+          <a:lstStyle/>
+          <a:p>
+            <a:pPr lvl="1"/>
+            <a:r>
+              <a:rPr lang="en-US" altLang="zh-CN" b="1" dirty="0"/>
+              <a:t>9</a:t>
+            </a:r>
+            <a:r>
+              <a:rPr lang="en-US" altLang="zh-CN" b="1" dirty="0" smtClean="0"/>
+              <a:t>. </a:t>
+            </a:r>
+            <a:r>
+              <a:rPr lang="zh-CN" altLang="en-US" b="1" dirty="0" smtClean="0"/>
+              <a:t>会议纪要 </a:t>
+            </a:r>
+            <a:r>
+              <a:rPr lang="en-US" altLang="zh-CN" b="1" dirty="0" smtClean="0"/>
+              <a:t>actions</a:t>
+            </a:r>
+            <a:endParaRPr lang="zh-CN" altLang="zh-CN" b="1" dirty="0"/>
+          </a:p>
+        </p:txBody>
+      </p:sp>
+      <p:sp>
+        <p:nvSpPr>
+          <p:cNvPr id="3" name="内容占位符 2"/>
+          <p:cNvSpPr>
+            <a:spLocks noGrp="1"/>
+          </p:cNvSpPr>
+          <p:nvPr>
+            <p:ph idx="1"/>
+          </p:nvPr>
+        </p:nvSpPr>
+        <p:spPr>
+          <a:xfrm>
+            <a:off x="467544" y="771550"/>
+            <a:ext cx="8229600" cy="3607049"/>
+          </a:xfrm>
+        </p:spPr>
+        <p:txBody>
+          <a:bodyPr>
+            <a:normAutofit fontScale="92500" lnSpcReduction="10000"/>
+          </a:bodyPr>
+          <a:lstStyle/>
+          <a:p>
+            <a:pPr marL="0" indent="0">
+              <a:lnSpc>
+                <a:spcPct val="200000"/>
+              </a:lnSpc>
+              <a:buNone/>
+            </a:pPr>
+            <a:r>
+              <a:rPr lang="en-US" altLang="zh-CN" dirty="0"/>
+              <a:t>Host ADB root</a:t>
+            </a:r>
+            <a:r>
+              <a:rPr lang="zh-CN" altLang="en-US" dirty="0"/>
+              <a:t>后，</a:t>
+            </a:r>
+            <a:r>
+              <a:rPr lang="en-US" altLang="zh-CN" dirty="0"/>
+              <a:t>Device</a:t>
+            </a:r>
+            <a:r>
+              <a:rPr lang="zh-CN" altLang="en-US" dirty="0"/>
+              <a:t>后</a:t>
+            </a:r>
+            <a:r>
+              <a:rPr lang="zh-CN" altLang="en-US" dirty="0" smtClean="0"/>
+              <a:t>执行</a:t>
+            </a:r>
+            <a:r>
+              <a:rPr lang="en-US" altLang="zh-CN" dirty="0" err="1" smtClean="0"/>
+              <a:t>restart_root_service</a:t>
+            </a:r>
+            <a:r>
+              <a:rPr lang="en-US" altLang="zh-CN" dirty="0" smtClean="0"/>
+              <a:t>()</a:t>
+            </a:r>
+            <a:r>
+              <a:rPr lang="zh-CN" altLang="en-US" dirty="0" smtClean="0"/>
+              <a:t>函数</a:t>
+            </a:r>
+            <a:endParaRPr lang="en-US" altLang="zh-CN" dirty="0" smtClean="0"/>
+          </a:p>
+          <a:p>
+            <a:pPr marL="0" indent="0">
+              <a:lnSpc>
+                <a:spcPct val="200000"/>
+              </a:lnSpc>
+              <a:buNone/>
+            </a:pPr>
+            <a:r>
+              <a:rPr lang="en-US" altLang="zh-CN" dirty="0" err="1"/>
+              <a:t>property_set</a:t>
+            </a:r>
+            <a:r>
+              <a:rPr lang="en-US" altLang="zh-CN" dirty="0" smtClean="0"/>
+              <a:t>(“</a:t>
+            </a:r>
+            <a:r>
+              <a:rPr lang="en-US" altLang="zh-CN" dirty="0" err="1" smtClean="0"/>
+              <a:t>service.adb.root</a:t>
+            </a:r>
+            <a:r>
+              <a:rPr lang="en-US" altLang="zh-CN" dirty="0" smtClean="0"/>
+              <a:t>”, “1”);</a:t>
+            </a:r>
+            <a:r>
+              <a:rPr lang="zh-CN" altLang="en-US" dirty="0" smtClean="0"/>
+              <a:t>后</a:t>
+            </a:r>
+            <a:endParaRPr lang="en-US" altLang="zh-CN" dirty="0" smtClean="0"/>
+          </a:p>
+          <a:p>
+            <a:pPr marL="0" indent="0">
+              <a:lnSpc>
+                <a:spcPct val="200000"/>
+              </a:lnSpc>
+              <a:buNone/>
+            </a:pPr>
+            <a:r>
+              <a:rPr lang="en-US" altLang="zh-CN" dirty="0" err="1"/>
+              <a:t>adb_close</a:t>
+            </a:r>
+            <a:r>
+              <a:rPr lang="en-US" altLang="zh-CN" dirty="0"/>
+              <a:t>(</a:t>
+            </a:r>
+            <a:r>
+              <a:rPr lang="en-US" altLang="zh-CN" dirty="0" err="1"/>
+              <a:t>fd</a:t>
+            </a:r>
+            <a:r>
+              <a:rPr lang="en-US" altLang="zh-CN" dirty="0" smtClean="0"/>
+              <a:t>);</a:t>
+            </a:r>
+            <a:r>
+              <a:rPr lang="zh-CN" altLang="en-US" dirty="0" smtClean="0"/>
+              <a:t>关闭自己</a:t>
+            </a:r>
+            <a:endParaRPr lang="en-US" altLang="zh-CN" dirty="0" smtClean="0"/>
+          </a:p>
+          <a:p>
+            <a:pPr marL="0" indent="0">
+              <a:lnSpc>
+                <a:spcPct val="200000"/>
+              </a:lnSpc>
+              <a:buNone/>
+            </a:pPr>
+            <a:r>
+              <a:rPr lang="zh-CN" altLang="en-US" dirty="0" smtClean="0"/>
+              <a:t>由</a:t>
+            </a:r>
+            <a:r>
+              <a:rPr lang="en-US" altLang="zh-CN" dirty="0" smtClean="0"/>
+              <a:t>service</a:t>
+            </a:r>
+            <a:r>
+              <a:rPr lang="zh-CN" altLang="en-US" dirty="0" smtClean="0"/>
+              <a:t>再重新启动</a:t>
+            </a:r>
+            <a:r>
+              <a:rPr lang="en-US" altLang="zh-CN" dirty="0" smtClean="0"/>
+              <a:t>ADBD</a:t>
+            </a:r>
+            <a:r>
+              <a:rPr lang="zh-CN" altLang="en-US" dirty="0" smtClean="0"/>
+              <a:t>。</a:t>
+            </a:r>
+            <a:endParaRPr lang="en-US" altLang="zh-CN" dirty="0" smtClean="0"/>
+          </a:p>
+          <a:p>
+            <a:pPr marL="0" indent="0">
+              <a:lnSpc>
+                <a:spcPct val="200000"/>
+              </a:lnSpc>
+              <a:buNone/>
+            </a:pPr>
+            <a:r>
+              <a:rPr lang="zh-CN" altLang="en-US" dirty="0" smtClean="0"/>
+              <a:t>这时，再执行</a:t>
+            </a:r>
+            <a:r>
+              <a:rPr lang="en-US" altLang="zh-CN" dirty="0" err="1"/>
+              <a:t>should_drop_privileges</a:t>
+            </a:r>
+            <a:r>
+              <a:rPr lang="en-US" altLang="zh-CN" dirty="0"/>
+              <a:t>()</a:t>
+            </a:r>
+            <a:r>
+              <a:rPr lang="zh-CN" altLang="en-US" dirty="0" smtClean="0"/>
+              <a:t>函数时，不进行降级。</a:t>
+            </a:r>
+            <a:endParaRPr lang="en-US" altLang="zh-CN" dirty="0"/>
+          </a:p>
+          <a:p>
+            <a:pPr marL="0" indent="0">
+              <a:buNone/>
+            </a:pPr>
+            <a:endParaRPr lang="nl-NL" altLang="zh-CN" dirty="0" smtClean="0"/>
+          </a:p>
+          <a:p>
+            <a:pPr marL="0" indent="0">
+              <a:buNone/>
+            </a:pPr>
+            <a:endParaRPr lang="nl-NL" altLang="zh-CN" dirty="0"/>
+          </a:p>
+          <a:p>
+            <a:pPr marL="0" indent="0">
+              <a:buNone/>
+            </a:pPr>
+            <a:r>
+              <a:rPr lang="en-US" altLang="zh-CN" dirty="0">
+                <a:hlinkClick r:id="rId2"/>
+              </a:rPr>
+              <a:t>http://blog.csdn.net/memoryjs/article/details/39023729</a:t>
+            </a:r>
+            <a:r>
+              <a:rPr lang="nl-NL" altLang="zh-CN" dirty="0"/>
+              <a:t/>
+            </a:r>
+            <a:br>
+              <a:rPr lang="nl-NL" altLang="zh-CN" dirty="0"/>
+            </a:br>
+            <a:endParaRPr lang="en-US" altLang="zh-CN" dirty="0"/>
+          </a:p>
+          <a:p>
+            <a:pPr marL="0" indent="0">
+              <a:buNone/>
+            </a:pPr>
+            <a:endParaRPr lang="en-US" altLang="zh-CN" sz="1200" dirty="0"/>
+          </a:p>
+          <a:p>
+            <a:endParaRPr lang="en-US" altLang="zh-CN" sz="900" dirty="0" smtClean="0"/>
+          </a:p>
+          <a:p>
+            <a:pPr lvl="1"/>
+            <a:endParaRPr lang="en-US" altLang="zh-CN" sz="900" dirty="0" smtClean="0"/>
+          </a:p>
+          <a:p>
+            <a:pPr lvl="1"/>
+            <a:endParaRPr lang="en-US" altLang="zh-CN" sz="900" dirty="0" smtClean="0"/>
+          </a:p>
+        </p:txBody>
+      </p:sp>
+      <p:sp>
+        <p:nvSpPr>
+          <p:cNvPr id="4" name="Rectangle 4"/>
+          <p:cNvSpPr>
+            <a:spLocks noChangeArrowheads="1"/>
+          </p:cNvSpPr>
+          <p:nvPr/>
+        </p:nvSpPr>
+        <p:spPr bwMode="auto">
+          <a:xfrm>
+            <a:off x="0" y="0"/>
+            <a:ext cx="9144000" cy="0"/>
+          </a:xfrm>
+          <a:prstGeom prst="rect">
+            <a:avLst/>
+          </a:prstGeom>
+          <a:noFill/>
+          <a:ln>
+            <a:noFill/>
+          </a:ln>
+          <a:effectLst/>
+          <a:extLst>
+            <a:ext uri="{909E8E84-426E-40DD-AFC4-6F175D3DCCD1}">
+              <a14:hiddenFill xmlns:a14="http://schemas.microsoft.com/office/drawing/2010/main">
+                <a:solidFill>
+                  <a:schemeClr val="accent1"/>
+                </a:solidFill>
+              </a14:hiddenFill>
+            </a:ext>
+            <a:ext uri="{91240B29-F687-4F45-9708-019B960494DF}">
+              <a14:hiddenLine xmlns:a14="http://schemas.microsoft.com/office/drawing/2010/main" w="9525">
+                <a:solidFill>
+                  <a:schemeClr val="tx1"/>
+                </a:solidFill>
+                <a:miter lim="800000"/>
+                <a:headEnd/>
+                <a:tailEnd/>
+              </a14:hiddenLine>
+            </a:ext>
+            <a:ext uri="{AF507438-7753-43E0-B8FC-AC1667EBCBE1}">
+              <a14:hiddenEffects xmlns:a14="http://schemas.microsoft.com/office/drawing/2010/main">
+                <a:effectLst>
+                  <a:outerShdw dist="35921" dir="2700000" algn="ctr" rotWithShape="0">
+                    <a:schemeClr val="bg2"/>
+                  </a:outerShdw>
+                </a:effectLst>
+              </a14:hiddenEffects>
+            </a:ext>
+          </a:extLst>
+        </p:spPr>
+        <p:txBody>
+          <a:bodyPr vert="horz" wrap="none" lIns="91440" tIns="45720" rIns="91440" bIns="45720" numCol="1" anchor="ctr" anchorCtr="0" compatLnSpc="1">
+            <a:prstTxWarp prst="textNoShape">
+              <a:avLst/>
+            </a:prstTxWarp>
+            <a:spAutoFit/>
+          </a:bodyPr>
+          <a:lstStyle/>
+          <a:p>
+            <a:endParaRPr lang="zh-CN" altLang="en-US"/>
+          </a:p>
+        </p:txBody>
+      </p:sp>
+      <p:sp>
+        <p:nvSpPr>
+          <p:cNvPr id="6" name="Rectangle 7"/>
+          <p:cNvSpPr>
+            <a:spLocks noChangeArrowheads="1"/>
+          </p:cNvSpPr>
+          <p:nvPr/>
+        </p:nvSpPr>
+        <p:spPr bwMode="auto">
+          <a:xfrm>
+            <a:off x="0" y="0"/>
+            <a:ext cx="9144000" cy="0"/>
+          </a:xfrm>
+          <a:prstGeom prst="rect">
+            <a:avLst/>
+          </a:prstGeom>
+          <a:noFill/>
+          <a:ln>
+            <a:noFill/>
+          </a:ln>
+          <a:effectLst/>
+          <a:extLst>
+            <a:ext uri="{909E8E84-426E-40DD-AFC4-6F175D3DCCD1}">
+              <a14:hiddenFill xmlns:a14="http://schemas.microsoft.com/office/drawing/2010/main">
+                <a:solidFill>
+                  <a:schemeClr val="accent1"/>
+                </a:solidFill>
+              </a14:hiddenFill>
+            </a:ext>
+            <a:ext uri="{91240B29-F687-4F45-9708-019B960494DF}">
+              <a14:hiddenLine xmlns:a14="http://schemas.microsoft.com/office/drawing/2010/main" w="9525">
+                <a:solidFill>
+                  <a:schemeClr val="tx1"/>
+                </a:solidFill>
+                <a:miter lim="800000"/>
+                <a:headEnd/>
+                <a:tailEnd/>
+              </a14:hiddenLine>
+            </a:ext>
+            <a:ext uri="{AF507438-7753-43E0-B8FC-AC1667EBCBE1}">
+              <a14:hiddenEffects xmlns:a14="http://schemas.microsoft.com/office/drawing/2010/main">
+                <a:effectLst>
+                  <a:outerShdw dist="35921" dir="2700000" algn="ctr" rotWithShape="0">
+                    <a:schemeClr val="bg2"/>
+                  </a:outerShdw>
+                </a:effectLst>
+              </a14:hiddenEffects>
+            </a:ext>
+          </a:extLst>
+        </p:spPr>
+        <p:txBody>
+          <a:bodyPr vert="horz" wrap="none" lIns="91440" tIns="45720" rIns="91440" bIns="45720" numCol="1" anchor="ctr" anchorCtr="0" compatLnSpc="1">
+            <a:prstTxWarp prst="textNoShape">
+              <a:avLst/>
+            </a:prstTxWarp>
+            <a:spAutoFit/>
+          </a:bodyPr>
+          <a:lstStyle/>
+          <a:p>
+            <a:endParaRPr lang="zh-CN" altLang="en-US"/>
+          </a:p>
+        </p:txBody>
+      </p:sp>
+    </p:spTree>
+    <p:extLst>
+      <p:ext uri="{BB962C8B-B14F-4D97-AF65-F5344CB8AC3E}">
+        <p14:creationId xmlns:p14="http://schemas.microsoft.com/office/powerpoint/2010/main" val="3363448479"/>
+      </p:ext>
+    </p:extLst>
+  </p:cSld>
+  <p:clrMapOvr>
+    <a:masterClrMapping/>
+  </p:clrMapOvr>
+  <p:timing>
+    <p:tnLst>
+      <p:par>
+        <p:cTn id="1" dur="indefinite" restart="never" nodeType="tmRoot"/>
+      </p:par>
+    </p:tnLst>
+  </p:timing>
+</p:sld>
+</file>
+
+<file path=ppt/slides/slide24.xml><?xml version="1.0" encoding="utf-8"?>
+<p:sld xmlns:a="http://schemas.openxmlformats.org/drawingml/2006/main" xmlns:r="http://schemas.openxmlformats.org/officeDocument/2006/relationships" xmlns:p="http://schemas.openxmlformats.org/presentationml/2006/main">
+  <p:cSld>
+    <p:spTree>
+      <p:nvGrpSpPr>
+        <p:cNvPr id="1" name=""/>
+        <p:cNvGrpSpPr/>
+        <p:nvPr/>
+      </p:nvGrpSpPr>
+      <p:grpSpPr>
+        <a:xfrm>
+          <a:off x="0" y="0"/>
+          <a:ext cx="0" cy="0"/>
+          <a:chOff x="0" y="0"/>
+          <a:chExt cx="0" cy="0"/>
+        </a:xfrm>
+      </p:grpSpPr>
+      <p:sp>
+        <p:nvSpPr>
+          <p:cNvPr id="2" name="标题 1"/>
+          <p:cNvSpPr>
+            <a:spLocks noGrp="1"/>
+          </p:cNvSpPr>
+          <p:nvPr>
+            <p:ph type="title"/>
+          </p:nvPr>
+        </p:nvSpPr>
+        <p:spPr/>
+        <p:txBody>
+          <a:bodyPr/>
+          <a:lstStyle/>
+          <a:p>
+            <a:pPr lvl="1"/>
+            <a:r>
+              <a:rPr lang="en-US" altLang="zh-CN" b="1" dirty="0"/>
+              <a:t>9</a:t>
+            </a:r>
+            <a:r>
+              <a:rPr lang="en-US" altLang="zh-CN" b="1" dirty="0" smtClean="0"/>
+              <a:t>. </a:t>
+            </a:r>
+            <a:r>
+              <a:rPr lang="zh-CN" altLang="en-US" b="1" dirty="0" smtClean="0"/>
+              <a:t>会议纪要 </a:t>
+            </a:r>
+            <a:r>
+              <a:rPr lang="en-US" altLang="zh-CN" b="1" dirty="0" smtClean="0"/>
+              <a:t>actions</a:t>
+            </a:r>
+            <a:endParaRPr lang="zh-CN" altLang="zh-CN" b="1" dirty="0"/>
+          </a:p>
+        </p:txBody>
+      </p:sp>
+      <p:sp>
+        <p:nvSpPr>
+          <p:cNvPr id="3" name="内容占位符 2"/>
+          <p:cNvSpPr>
+            <a:spLocks noGrp="1"/>
+          </p:cNvSpPr>
+          <p:nvPr>
+            <p:ph idx="1"/>
+          </p:nvPr>
+        </p:nvSpPr>
+        <p:spPr>
+          <a:xfrm>
+            <a:off x="467544" y="771550"/>
+            <a:ext cx="8229600" cy="3607049"/>
+          </a:xfrm>
+        </p:spPr>
+        <p:txBody>
+          <a:bodyPr>
+            <a:normAutofit/>
+          </a:bodyPr>
+          <a:lstStyle/>
+          <a:p>
+            <a:pPr>
+              <a:lnSpc>
+                <a:spcPct val="200000"/>
+              </a:lnSpc>
+            </a:pPr>
+            <a:r>
+              <a:rPr lang="en-US" altLang="zh-CN" sz="1800" dirty="0"/>
+              <a:t>1). user</a:t>
+            </a:r>
+            <a:r>
+              <a:rPr lang="zh-CN" altLang="en-US" sz="1800" dirty="0"/>
+              <a:t>版本的</a:t>
+            </a:r>
+            <a:r>
+              <a:rPr lang="en-US" altLang="zh-CN" sz="1800" dirty="0" err="1"/>
+              <a:t>ro.debuggable</a:t>
+            </a:r>
+            <a:r>
+              <a:rPr lang="zh-CN" altLang="en-US" sz="1800" dirty="0"/>
+              <a:t>为</a:t>
+            </a:r>
+            <a:r>
+              <a:rPr lang="en-US" altLang="zh-CN" sz="1800" dirty="0"/>
+              <a:t>0</a:t>
+            </a:r>
+            <a:r>
+              <a:rPr lang="zh-CN" altLang="en-US" sz="1800" dirty="0"/>
+              <a:t>，这个变量是在编译期决定的</a:t>
+            </a:r>
+            <a:r>
+              <a:rPr lang="zh-CN" altLang="en-US" sz="1800" dirty="0" smtClean="0"/>
+              <a:t>，无法</a:t>
+            </a:r>
+            <a:r>
+              <a:rPr lang="zh-CN" altLang="en-US" sz="1800" dirty="0"/>
+              <a:t>在</a:t>
+            </a:r>
+            <a:r>
+              <a:rPr lang="en-US" altLang="zh-CN" sz="1800" dirty="0"/>
+              <a:t>user</a:t>
+            </a:r>
+            <a:r>
+              <a:rPr lang="zh-CN" altLang="en-US" sz="1800" dirty="0"/>
+              <a:t>版本运行时，再设置为</a:t>
+            </a:r>
+            <a:r>
+              <a:rPr lang="en-US" altLang="zh-CN" sz="1800" dirty="0"/>
+              <a:t>1</a:t>
+            </a:r>
+            <a:r>
+              <a:rPr lang="zh-CN" altLang="en-US" sz="1800" dirty="0"/>
+              <a:t>。</a:t>
+            </a:r>
+          </a:p>
+          <a:p>
+            <a:pPr>
+              <a:lnSpc>
+                <a:spcPct val="200000"/>
+              </a:lnSpc>
+            </a:pPr>
+            <a:r>
+              <a:rPr lang="en-US" altLang="zh-CN" sz="1800" dirty="0"/>
+              <a:t>2). user</a:t>
+            </a:r>
+            <a:r>
+              <a:rPr lang="zh-CN" altLang="en-US" sz="1800" dirty="0"/>
+              <a:t>版本可以通过更换</a:t>
+            </a:r>
+            <a:r>
+              <a:rPr lang="en-US" altLang="zh-CN" sz="1800" dirty="0" err="1"/>
+              <a:t>userdebug</a:t>
+            </a:r>
+            <a:r>
+              <a:rPr lang="zh-CN" altLang="en-US" sz="1800" dirty="0"/>
+              <a:t>版本的</a:t>
+            </a:r>
+            <a:r>
+              <a:rPr lang="en-US" altLang="zh-CN" sz="1800" dirty="0" err="1"/>
+              <a:t>boot.img</a:t>
+            </a:r>
+            <a:r>
+              <a:rPr lang="zh-CN" altLang="en-US" sz="1800" dirty="0"/>
+              <a:t>来获得</a:t>
+            </a:r>
+            <a:r>
+              <a:rPr lang="en-US" altLang="zh-CN" sz="1800" dirty="0"/>
+              <a:t>ADB root</a:t>
+            </a:r>
+            <a:r>
+              <a:rPr lang="zh-CN" altLang="en-US" sz="1800" dirty="0"/>
+              <a:t>权限。</a:t>
+            </a:r>
+            <a:r>
+              <a:rPr lang="zh-CN" altLang="en-US" dirty="0"/>
+              <a:t/>
+            </a:r>
+            <a:br>
+              <a:rPr lang="zh-CN" altLang="en-US" dirty="0"/>
+            </a:br>
+            <a:endParaRPr lang="en-US" altLang="zh-CN" sz="1200" dirty="0"/>
+          </a:p>
+          <a:p>
+            <a:endParaRPr lang="en-US" altLang="zh-CN" sz="900" dirty="0" smtClean="0"/>
+          </a:p>
+          <a:p>
+            <a:pPr lvl="1"/>
+            <a:endParaRPr lang="en-US" altLang="zh-CN" sz="900" dirty="0" smtClean="0"/>
+          </a:p>
+          <a:p>
+            <a:pPr lvl="1"/>
+            <a:endParaRPr lang="en-US" altLang="zh-CN" sz="900" dirty="0" smtClean="0"/>
+          </a:p>
+        </p:txBody>
+      </p:sp>
+      <p:sp>
+        <p:nvSpPr>
+          <p:cNvPr id="4" name="Rectangle 4"/>
+          <p:cNvSpPr>
+            <a:spLocks noChangeArrowheads="1"/>
+          </p:cNvSpPr>
+          <p:nvPr/>
+        </p:nvSpPr>
+        <p:spPr bwMode="auto">
+          <a:xfrm>
+            <a:off x="0" y="0"/>
+            <a:ext cx="9144000" cy="0"/>
+          </a:xfrm>
+          <a:prstGeom prst="rect">
+            <a:avLst/>
+          </a:prstGeom>
+          <a:noFill/>
+          <a:ln>
+            <a:noFill/>
+          </a:ln>
+          <a:effectLst/>
+          <a:extLst>
+            <a:ext uri="{909E8E84-426E-40DD-AFC4-6F175D3DCCD1}">
+              <a14:hiddenFill xmlns:a14="http://schemas.microsoft.com/office/drawing/2010/main">
+                <a:solidFill>
+                  <a:schemeClr val="accent1"/>
+                </a:solidFill>
+              </a14:hiddenFill>
+            </a:ext>
+            <a:ext uri="{91240B29-F687-4F45-9708-019B960494DF}">
+              <a14:hiddenLine xmlns:a14="http://schemas.microsoft.com/office/drawing/2010/main" w="9525">
+                <a:solidFill>
+                  <a:schemeClr val="tx1"/>
+                </a:solidFill>
+                <a:miter lim="800000"/>
+                <a:headEnd/>
+                <a:tailEnd/>
+              </a14:hiddenLine>
+            </a:ext>
+            <a:ext uri="{AF507438-7753-43E0-B8FC-AC1667EBCBE1}">
+              <a14:hiddenEffects xmlns:a14="http://schemas.microsoft.com/office/drawing/2010/main">
+                <a:effectLst>
+                  <a:outerShdw dist="35921" dir="2700000" algn="ctr" rotWithShape="0">
+                    <a:schemeClr val="bg2"/>
+                  </a:outerShdw>
+                </a:effectLst>
+              </a14:hiddenEffects>
+            </a:ext>
+          </a:extLst>
+        </p:spPr>
+        <p:txBody>
+          <a:bodyPr vert="horz" wrap="none" lIns="91440" tIns="45720" rIns="91440" bIns="45720" numCol="1" anchor="ctr" anchorCtr="0" compatLnSpc="1">
+            <a:prstTxWarp prst="textNoShape">
+              <a:avLst/>
+            </a:prstTxWarp>
+            <a:spAutoFit/>
+          </a:bodyPr>
+          <a:lstStyle/>
+          <a:p>
+            <a:endParaRPr lang="zh-CN" altLang="en-US"/>
+          </a:p>
+        </p:txBody>
+      </p:sp>
+      <p:sp>
+        <p:nvSpPr>
+          <p:cNvPr id="6" name="Rectangle 7"/>
+          <p:cNvSpPr>
+            <a:spLocks noChangeArrowheads="1"/>
+          </p:cNvSpPr>
+          <p:nvPr/>
+        </p:nvSpPr>
+        <p:spPr bwMode="auto">
+          <a:xfrm>
+            <a:off x="0" y="0"/>
+            <a:ext cx="9144000" cy="0"/>
+          </a:xfrm>
+          <a:prstGeom prst="rect">
+            <a:avLst/>
+          </a:prstGeom>
+          <a:noFill/>
+          <a:ln>
+            <a:noFill/>
+          </a:ln>
+          <a:effectLst/>
+          <a:extLst>
+            <a:ext uri="{909E8E84-426E-40DD-AFC4-6F175D3DCCD1}">
+              <a14:hiddenFill xmlns:a14="http://schemas.microsoft.com/office/drawing/2010/main">
+                <a:solidFill>
+                  <a:schemeClr val="accent1"/>
+                </a:solidFill>
+              </a14:hiddenFill>
+            </a:ext>
+            <a:ext uri="{91240B29-F687-4F45-9708-019B960494DF}">
+              <a14:hiddenLine xmlns:a14="http://schemas.microsoft.com/office/drawing/2010/main" w="9525">
+                <a:solidFill>
+                  <a:schemeClr val="tx1"/>
+                </a:solidFill>
+                <a:miter lim="800000"/>
+                <a:headEnd/>
+                <a:tailEnd/>
+              </a14:hiddenLine>
+            </a:ext>
+            <a:ext uri="{AF507438-7753-43E0-B8FC-AC1667EBCBE1}">
+              <a14:hiddenEffects xmlns:a14="http://schemas.microsoft.com/office/drawing/2010/main">
+                <a:effectLst>
+                  <a:outerShdw dist="35921" dir="2700000" algn="ctr" rotWithShape="0">
+                    <a:schemeClr val="bg2"/>
+                  </a:outerShdw>
+                </a:effectLst>
+              </a14:hiddenEffects>
+            </a:ext>
+          </a:extLst>
+        </p:spPr>
+        <p:txBody>
+          <a:bodyPr vert="horz" wrap="none" lIns="91440" tIns="45720" rIns="91440" bIns="45720" numCol="1" anchor="ctr" anchorCtr="0" compatLnSpc="1">
+            <a:prstTxWarp prst="textNoShape">
+              <a:avLst/>
+            </a:prstTxWarp>
+            <a:spAutoFit/>
+          </a:bodyPr>
+          <a:lstStyle/>
+          <a:p>
+            <a:endParaRPr lang="zh-CN" altLang="en-US"/>
+          </a:p>
+        </p:txBody>
+      </p:sp>
+    </p:spTree>
+    <p:extLst>
+      <p:ext uri="{BB962C8B-B14F-4D97-AF65-F5344CB8AC3E}">
+        <p14:creationId xmlns:p14="http://schemas.microsoft.com/office/powerpoint/2010/main" val="469364475"/>
+      </p:ext>
+    </p:extLst>
+  </p:cSld>
+  <p:clrMapOvr>
+    <a:masterClrMapping/>
+  </p:clrMapOvr>
+  <p:timing>
+    <p:tnLst>
+      <p:par>
+        <p:cTn id="1" dur="indefinite" restart="never" nodeType="tmRoot"/>
+      </p:par>
+    </p:tnLst>
+  </p:timing>
+</p:sld>
+</file>
+
+<file path=ppt/slides/slide25.xml><?xml version="1.0" encoding="utf-8"?>
 <p:sld xmlns:a="http://schemas.openxmlformats.org/drawingml/2006/main" xmlns:r="http://schemas.openxmlformats.org/officeDocument/2006/relationships" xmlns:p="http://schemas.openxmlformats.org/presentationml/2006/main">
   <p:cSld>
     <p:bg>
@@ -9746,6 +11023,27 @@
 
 <file path=customXml/item1.xml><?xml version="1.0" encoding="utf-8"?>
 <?mso-contentType ?>
+<FormTemplates xmlns="http://schemas.microsoft.com/sharepoint/v3/contenttype/forms">
+  <Display>DocumentLibraryForm</Display>
+  <Edit>DocumentLibraryForm</Edit>
+  <New>DocumentLibraryForm</New>
+</FormTemplates>
+</file>
+
+<file path=customXml/item2.xml><?xml version="1.0" encoding="utf-8"?>
+<p:properties xmlns:p="http://schemas.microsoft.com/office/2006/metadata/properties" xmlns:xsi="http://www.w3.org/2001/XMLSchema-instance" xmlns:pc="http://schemas.microsoft.com/office/infopath/2007/PartnerControls">
+  <documentManagement>
+    <_dlc_DocId xmlns="25fe2791-1b06-47a9-ad06-5da6bb59703a">4DZPVM3E3HVF-231-190</_dlc_DocId>
+    <_dlc_DocIdUrl xmlns="25fe2791-1b06-47a9-ad06-5da6bb59703a">
+      <Url>http://eip.spreadtrum.com/sites/pld/kernel/_layouts/15/DocIdRedir.aspx?ID=4DZPVM3E3HVF-231-190</Url>
+      <Description>4DZPVM3E3HVF-231-190</Description>
+    </_dlc_DocIdUrl>
+  </documentManagement>
+</p:properties>
+</file>
+
+<file path=customXml/item3.xml><?xml version="1.0" encoding="utf-8"?>
+<?mso-contentType ?>
 <spe:Receivers xmlns:spe="http://schemas.microsoft.com/sharepoint/events">
   <Receiver>
     <Name>Document ID Generator</Name>
@@ -9792,27 +11090,6 @@
     <Filter/>
   </Receiver>
 </spe:Receivers>
-</file>
-
-<file path=customXml/item2.xml><?xml version="1.0" encoding="utf-8"?>
-<p:properties xmlns:p="http://schemas.microsoft.com/office/2006/metadata/properties" xmlns:xsi="http://www.w3.org/2001/XMLSchema-instance" xmlns:pc="http://schemas.microsoft.com/office/infopath/2007/PartnerControls">
-  <documentManagement>
-    <_dlc_DocId xmlns="25fe2791-1b06-47a9-ad06-5da6bb59703a">4DZPVM3E3HVF-231-190</_dlc_DocId>
-    <_dlc_DocIdUrl xmlns="25fe2791-1b06-47a9-ad06-5da6bb59703a">
-      <Url>http://eip.spreadtrum.com/sites/pld/kernel/_layouts/15/DocIdRedir.aspx?ID=4DZPVM3E3HVF-231-190</Url>
-      <Description>4DZPVM3E3HVF-231-190</Description>
-    </_dlc_DocIdUrl>
-  </documentManagement>
-</p:properties>
-</file>
-
-<file path=customXml/item3.xml><?xml version="1.0" encoding="utf-8"?>
-<?mso-contentType ?>
-<FormTemplates xmlns="http://schemas.microsoft.com/sharepoint/v3/contenttype/forms">
-  <Display>DocumentLibraryForm</Display>
-  <Edit>DocumentLibraryForm</Edit>
-  <New>DocumentLibraryForm</New>
-</FormTemplates>
 </file>
 
 <file path=customXml/item4.xml><?xml version="1.0" encoding="utf-8"?>
@@ -9961,9 +11238,9 @@
 </file>
 
 <file path=customXml/itemProps1.xml><?xml version="1.0" encoding="utf-8"?>
-<ds:datastoreItem xmlns:ds="http://schemas.openxmlformats.org/officeDocument/2006/customXml" ds:itemID="{DDD05C4B-AAD6-4426-B418-929C83BFA03B}">
+<ds:datastoreItem xmlns:ds="http://schemas.openxmlformats.org/officeDocument/2006/customXml" ds:itemID="{35C48F3A-D1CF-4729-97F8-26C67E0FD93C}">
   <ds:schemaRefs>
-    <ds:schemaRef ds:uri="http://schemas.microsoft.com/sharepoint/events"/>
+    <ds:schemaRef ds:uri="http://schemas.microsoft.com/sharepoint/v3/contenttype/forms"/>
   </ds:schemaRefs>
 </ds:datastoreItem>
 </file>
@@ -9985,9 +11262,9 @@
 </file>
 
 <file path=customXml/itemProps3.xml><?xml version="1.0" encoding="utf-8"?>
-<ds:datastoreItem xmlns:ds="http://schemas.openxmlformats.org/officeDocument/2006/customXml" ds:itemID="{35C48F3A-D1CF-4729-97F8-26C67E0FD93C}">
+<ds:datastoreItem xmlns:ds="http://schemas.openxmlformats.org/officeDocument/2006/customXml" ds:itemID="{DDD05C4B-AAD6-4426-B418-929C83BFA03B}">
   <ds:schemaRefs>
-    <ds:schemaRef ds:uri="http://schemas.microsoft.com/sharepoint/v3/contenttype/forms"/>
+    <ds:schemaRef ds:uri="http://schemas.microsoft.com/sharepoint/events"/>
   </ds:schemaRefs>
 </ds:datastoreItem>
 </file>
